--- a/PLPTH813Bioinformatis/2023/labs/lab05_alignment.pptx
+++ b/PLPTH813Bioinformatis/2023/labs/lab05_alignment.pptx
@@ -5,7 +5,7 @@
     <p:sldMasterId id="2147483648" r:id="rId1"/>
   </p:sldMasterIdLst>
   <p:notesMasterIdLst>
-    <p:notesMasterId r:id="rId30"/>
+    <p:notesMasterId r:id="rId31"/>
   </p:notesMasterIdLst>
   <p:sldIdLst>
     <p:sldId id="256" r:id="rId2"/>
@@ -14,28 +14,29 @@
     <p:sldId id="294" r:id="rId5"/>
     <p:sldId id="295" r:id="rId6"/>
     <p:sldId id="296" r:id="rId7"/>
-    <p:sldId id="297" r:id="rId8"/>
-    <p:sldId id="309" r:id="rId9"/>
-    <p:sldId id="271" r:id="rId10"/>
-    <p:sldId id="280" r:id="rId11"/>
-    <p:sldId id="285" r:id="rId12"/>
-    <p:sldId id="275" r:id="rId13"/>
-    <p:sldId id="286" r:id="rId14"/>
-    <p:sldId id="287" r:id="rId15"/>
-    <p:sldId id="289" r:id="rId16"/>
-    <p:sldId id="288" r:id="rId17"/>
-    <p:sldId id="290" r:id="rId18"/>
-    <p:sldId id="291" r:id="rId19"/>
-    <p:sldId id="279" r:id="rId20"/>
-    <p:sldId id="308" r:id="rId21"/>
-    <p:sldId id="300" r:id="rId22"/>
-    <p:sldId id="301" r:id="rId23"/>
-    <p:sldId id="302" r:id="rId24"/>
-    <p:sldId id="303" r:id="rId25"/>
-    <p:sldId id="304" r:id="rId26"/>
-    <p:sldId id="305" r:id="rId27"/>
-    <p:sldId id="306" r:id="rId28"/>
-    <p:sldId id="307" r:id="rId29"/>
+    <p:sldId id="310" r:id="rId8"/>
+    <p:sldId id="297" r:id="rId9"/>
+    <p:sldId id="309" r:id="rId10"/>
+    <p:sldId id="271" r:id="rId11"/>
+    <p:sldId id="280" r:id="rId12"/>
+    <p:sldId id="285" r:id="rId13"/>
+    <p:sldId id="275" r:id="rId14"/>
+    <p:sldId id="286" r:id="rId15"/>
+    <p:sldId id="287" r:id="rId16"/>
+    <p:sldId id="289" r:id="rId17"/>
+    <p:sldId id="288" r:id="rId18"/>
+    <p:sldId id="290" r:id="rId19"/>
+    <p:sldId id="291" r:id="rId20"/>
+    <p:sldId id="279" r:id="rId21"/>
+    <p:sldId id="308" r:id="rId22"/>
+    <p:sldId id="300" r:id="rId23"/>
+    <p:sldId id="301" r:id="rId24"/>
+    <p:sldId id="302" r:id="rId25"/>
+    <p:sldId id="303" r:id="rId26"/>
+    <p:sldId id="304" r:id="rId27"/>
+    <p:sldId id="305" r:id="rId28"/>
+    <p:sldId id="306" r:id="rId29"/>
+    <p:sldId id="307" r:id="rId30"/>
   </p:sldIdLst>
   <p:sldSz cx="9144000" cy="6858000" type="screen4x3"/>
   <p:notesSz cx="6858000" cy="9144000"/>
@@ -235,7 +236,7 @@
           <a:p>
             <a:fld id="{08E6E0A8-E17C-C949-B17E-7A1A6494483A}" type="datetimeFigureOut">
               <a:rPr lang="en-US" smtClean="0"/>
-              <a:t>2/12/23</a:t>
+              <a:t>2/19/23</a:t>
             </a:fld>
             <a:endParaRPr lang="en-US"/>
           </a:p>
@@ -681,7 +682,7 @@
           <a:p>
             <a:fld id="{42B8B0BE-C8D7-EB48-AD68-71DB5002F24B}" type="datetimeFigureOut">
               <a:rPr lang="en-US" smtClean="0"/>
-              <a:t>2/12/23</a:t>
+              <a:t>2/19/23</a:t>
             </a:fld>
             <a:endParaRPr lang="en-US"/>
           </a:p>
@@ -849,7 +850,7 @@
           <a:p>
             <a:fld id="{42B8B0BE-C8D7-EB48-AD68-71DB5002F24B}" type="datetimeFigureOut">
               <a:rPr lang="en-US" smtClean="0"/>
-              <a:t>2/12/23</a:t>
+              <a:t>2/19/23</a:t>
             </a:fld>
             <a:endParaRPr lang="en-US"/>
           </a:p>
@@ -1027,7 +1028,7 @@
           <a:p>
             <a:fld id="{42B8B0BE-C8D7-EB48-AD68-71DB5002F24B}" type="datetimeFigureOut">
               <a:rPr lang="en-US" smtClean="0"/>
-              <a:t>2/12/23</a:t>
+              <a:t>2/19/23</a:t>
             </a:fld>
             <a:endParaRPr lang="en-US"/>
           </a:p>
@@ -1195,7 +1196,7 @@
           <a:p>
             <a:fld id="{42B8B0BE-C8D7-EB48-AD68-71DB5002F24B}" type="datetimeFigureOut">
               <a:rPr lang="en-US" smtClean="0"/>
-              <a:t>2/12/23</a:t>
+              <a:t>2/19/23</a:t>
             </a:fld>
             <a:endParaRPr lang="en-US"/>
           </a:p>
@@ -1440,7 +1441,7 @@
           <a:p>
             <a:fld id="{42B8B0BE-C8D7-EB48-AD68-71DB5002F24B}" type="datetimeFigureOut">
               <a:rPr lang="en-US" smtClean="0"/>
-              <a:t>2/12/23</a:t>
+              <a:t>2/19/23</a:t>
             </a:fld>
             <a:endParaRPr lang="en-US"/>
           </a:p>
@@ -1725,7 +1726,7 @@
           <a:p>
             <a:fld id="{42B8B0BE-C8D7-EB48-AD68-71DB5002F24B}" type="datetimeFigureOut">
               <a:rPr lang="en-US" smtClean="0"/>
-              <a:t>2/12/23</a:t>
+              <a:t>2/19/23</a:t>
             </a:fld>
             <a:endParaRPr lang="en-US"/>
           </a:p>
@@ -2144,7 +2145,7 @@
           <a:p>
             <a:fld id="{42B8B0BE-C8D7-EB48-AD68-71DB5002F24B}" type="datetimeFigureOut">
               <a:rPr lang="en-US" smtClean="0"/>
-              <a:t>2/12/23</a:t>
+              <a:t>2/19/23</a:t>
             </a:fld>
             <a:endParaRPr lang="en-US"/>
           </a:p>
@@ -2261,7 +2262,7 @@
           <a:p>
             <a:fld id="{42B8B0BE-C8D7-EB48-AD68-71DB5002F24B}" type="datetimeFigureOut">
               <a:rPr lang="en-US" smtClean="0"/>
-              <a:t>2/12/23</a:t>
+              <a:t>2/19/23</a:t>
             </a:fld>
             <a:endParaRPr lang="en-US"/>
           </a:p>
@@ -2356,7 +2357,7 @@
           <a:p>
             <a:fld id="{42B8B0BE-C8D7-EB48-AD68-71DB5002F24B}" type="datetimeFigureOut">
               <a:rPr lang="en-US" smtClean="0"/>
-              <a:t>2/12/23</a:t>
+              <a:t>2/19/23</a:t>
             </a:fld>
             <a:endParaRPr lang="en-US"/>
           </a:p>
@@ -2631,7 +2632,7 @@
           <a:p>
             <a:fld id="{42B8B0BE-C8D7-EB48-AD68-71DB5002F24B}" type="datetimeFigureOut">
               <a:rPr lang="en-US" smtClean="0"/>
-              <a:t>2/12/23</a:t>
+              <a:t>2/19/23</a:t>
             </a:fld>
             <a:endParaRPr lang="en-US"/>
           </a:p>
@@ -2883,7 +2884,7 @@
           <a:p>
             <a:fld id="{42B8B0BE-C8D7-EB48-AD68-71DB5002F24B}" type="datetimeFigureOut">
               <a:rPr lang="en-US" smtClean="0"/>
-              <a:t>2/12/23</a:t>
+              <a:t>2/19/23</a:t>
             </a:fld>
             <a:endParaRPr lang="en-US"/>
           </a:p>
@@ -3094,7 +3095,7 @@
           <a:p>
             <a:fld id="{42B8B0BE-C8D7-EB48-AD68-71DB5002F24B}" type="datetimeFigureOut">
               <a:rPr lang="en-US" smtClean="0"/>
-              <a:t>2/12/23</a:t>
+              <a:t>2/19/23</a:t>
             </a:fld>
             <a:endParaRPr lang="en-US"/>
           </a:p>
@@ -3593,7 +3594,7 @@
           <a:p>
             <a:r>
               <a:rPr lang="en-US" dirty="0"/>
-              <a:t>Step 1: Create a database</a:t>
+              <a:t>Genome sequence data</a:t>
             </a:r>
           </a:p>
         </p:txBody>
@@ -3610,8 +3611,8 @@
         </p:nvSpPr>
         <p:spPr>
           <a:xfrm>
-            <a:off x="288894" y="1530327"/>
-            <a:ext cx="8686800" cy="4522118"/>
+            <a:off x="313661" y="1256990"/>
+            <a:ext cx="8728527" cy="4930867"/>
           </a:xfrm>
         </p:spPr>
         <p:txBody>
@@ -3620,154 +3621,204 @@
           </a:bodyPr>
           <a:lstStyle/>
           <a:p>
-            <a:r>
-              <a:rPr lang="en-US" b="1" dirty="0" err="1">
-                <a:solidFill>
-                  <a:srgbClr val="17375E"/>
-                </a:solidFill>
-              </a:rPr>
-              <a:t>makeblastdb</a:t>
-            </a:r>
-            <a:endParaRPr lang="en-US" b="1" dirty="0">
-              <a:solidFill>
-                <a:srgbClr val="17375E"/>
-              </a:solidFill>
+            <a:pPr>
+              <a:lnSpc>
+                <a:spcPct val="150000"/>
+              </a:lnSpc>
+            </a:pPr>
+            <a:r>
+              <a:rPr lang="en-US" dirty="0" err="1"/>
+              <a:t>E.coli</a:t>
+            </a:r>
+            <a:r>
+              <a:rPr lang="en-US" dirty="0"/>
+              <a:t> K-12 </a:t>
+            </a:r>
+            <a:r>
+              <a:rPr lang="fr-FR" dirty="0"/>
+              <a:t>MG1655 </a:t>
+            </a:r>
+            <a:r>
+              <a:rPr lang="fr-FR" dirty="0" err="1"/>
+              <a:t>reference</a:t>
+            </a:r>
+            <a:r>
+              <a:rPr lang="fr-FR" dirty="0"/>
+              <a:t> </a:t>
+            </a:r>
+            <a:r>
+              <a:rPr lang="fr-FR" dirty="0" err="1"/>
+              <a:t>genome</a:t>
+            </a:r>
+            <a:r>
+              <a:rPr lang="fr-FR" dirty="0"/>
+              <a:t> </a:t>
+            </a:r>
+            <a:r>
+              <a:rPr lang="fr-FR" dirty="0" err="1"/>
+              <a:t>sequence</a:t>
+            </a:r>
+            <a:endParaRPr lang="fr-FR" dirty="0"/>
+          </a:p>
+          <a:p>
+            <a:pPr marL="0" indent="0">
+              <a:lnSpc>
+                <a:spcPct val="150000"/>
+              </a:lnSpc>
+              <a:buNone/>
+            </a:pPr>
+            <a:r>
+              <a:rPr lang="fr-FR" dirty="0"/>
+              <a:t># </a:t>
+            </a:r>
+            <a:r>
+              <a:rPr lang="fr-FR" dirty="0" err="1"/>
+              <a:t>create</a:t>
+            </a:r>
+            <a:r>
+              <a:rPr lang="fr-FR" dirty="0"/>
+              <a:t> a new directory for </a:t>
+            </a:r>
+            <a:r>
+              <a:rPr lang="fr-FR" dirty="0" err="1"/>
+              <a:t>today's</a:t>
+            </a:r>
+            <a:r>
+              <a:rPr lang="fr-FR" dirty="0"/>
+              <a:t> practice</a:t>
+            </a:r>
+          </a:p>
+          <a:p>
+            <a:pPr marL="0" indent="0">
+              <a:lnSpc>
+                <a:spcPct val="150000"/>
+              </a:lnSpc>
+              <a:buNone/>
+            </a:pPr>
+            <a:r>
+              <a:rPr lang="fr-FR" sz="2800" dirty="0" err="1">
+                <a:latin typeface="Courier"/>
+                <a:cs typeface="Courier"/>
+              </a:rPr>
+              <a:t>mkdir</a:t>
+            </a:r>
+            <a:r>
+              <a:rPr lang="fr-FR" sz="2800" dirty="0">
+                <a:latin typeface="Courier"/>
+                <a:cs typeface="Courier"/>
+              </a:rPr>
+              <a:t> blast</a:t>
+            </a:r>
+          </a:p>
+          <a:p>
+            <a:pPr marL="0" indent="0">
+              <a:lnSpc>
+                <a:spcPct val="150000"/>
+              </a:lnSpc>
+              <a:buNone/>
+            </a:pPr>
+            <a:r>
+              <a:rPr lang="fr-FR" sz="2800" dirty="0">
+                <a:latin typeface="Courier"/>
+                <a:cs typeface="Courier"/>
+              </a:rPr>
+              <a:t>cd blast</a:t>
+            </a:r>
+          </a:p>
+          <a:p>
+            <a:pPr marL="0" indent="0">
+              <a:lnSpc>
+                <a:spcPct val="150000"/>
+              </a:lnSpc>
+              <a:buNone/>
+            </a:pPr>
+            <a:r>
+              <a:rPr lang="fr-FR" sz="2800" dirty="0" err="1">
+                <a:latin typeface="Courier"/>
+                <a:cs typeface="Courier"/>
+              </a:rPr>
+              <a:t>mkdir</a:t>
+            </a:r>
+            <a:r>
+              <a:rPr lang="fr-FR" sz="2800" dirty="0">
+                <a:latin typeface="Courier"/>
+                <a:cs typeface="Courier"/>
+              </a:rPr>
+              <a:t> </a:t>
+            </a:r>
+            <a:r>
+              <a:rPr lang="fr-FR" sz="2800" dirty="0" err="1">
+                <a:latin typeface="Courier"/>
+                <a:cs typeface="Courier"/>
+              </a:rPr>
+              <a:t>db</a:t>
+            </a:r>
+            <a:endParaRPr lang="fr-FR" sz="2800" dirty="0">
+              <a:latin typeface="Courier"/>
+              <a:cs typeface="Courier"/>
             </a:endParaRPr>
           </a:p>
           <a:p>
             <a:pPr marL="0" indent="0">
-              <a:buNone/>
-            </a:pPr>
-            <a:r>
-              <a:rPr lang="en-US" dirty="0"/>
-              <a:t>A program to create a BLAST database</a:t>
-            </a:r>
-          </a:p>
-          <a:p>
-            <a:pPr marL="0" indent="0">
-              <a:buNone/>
-            </a:pPr>
-            <a:endParaRPr lang="en-US" dirty="0">
-              <a:latin typeface="Courier New"/>
-              <a:cs typeface="Courier New"/>
+              <a:lnSpc>
+                <a:spcPct val="150000"/>
+              </a:lnSpc>
+              <a:buNone/>
+            </a:pPr>
+            <a:r>
+              <a:rPr lang="fr-FR" sz="2800" dirty="0">
+                <a:latin typeface="Courier"/>
+                <a:cs typeface="Courier"/>
+              </a:rPr>
+              <a:t>cd </a:t>
+            </a:r>
+            <a:r>
+              <a:rPr lang="fr-FR" sz="2800" dirty="0" err="1">
+                <a:latin typeface="Courier"/>
+                <a:cs typeface="Courier"/>
+              </a:rPr>
+              <a:t>db</a:t>
+            </a:r>
+            <a:endParaRPr lang="fr-FR" sz="2800" dirty="0">
+              <a:latin typeface="Courier"/>
+              <a:cs typeface="Courier"/>
             </a:endParaRPr>
           </a:p>
           <a:p>
             <a:pPr marL="0" indent="0">
-              <a:buNone/>
-            </a:pPr>
-            <a:r>
-              <a:rPr lang="en-US" sz="2800" dirty="0" err="1">
-                <a:latin typeface="Courier New"/>
-                <a:cs typeface="Courier New"/>
-              </a:rPr>
-              <a:t>makeblastdb</a:t>
-            </a:r>
-            <a:r>
-              <a:rPr lang="en-US" sz="2800" dirty="0">
-                <a:latin typeface="Courier New"/>
-                <a:cs typeface="Courier New"/>
-              </a:rPr>
-              <a:t> –h</a:t>
-            </a:r>
-          </a:p>
-          <a:p>
-            <a:pPr marL="0" indent="0">
-              <a:buNone/>
-            </a:pPr>
-            <a:endParaRPr lang="en-US" sz="2800" dirty="0">
-              <a:latin typeface="Courier New"/>
-              <a:cs typeface="Courier New"/>
-            </a:endParaRPr>
-          </a:p>
-          <a:p>
-            <a:pPr marL="0" indent="0">
-              <a:buNone/>
-            </a:pPr>
-            <a:r>
-              <a:rPr lang="en-US" sz="2800" dirty="0" err="1">
-                <a:latin typeface="Courier New"/>
-                <a:cs typeface="Courier New"/>
-              </a:rPr>
-              <a:t>makeblastdb</a:t>
-            </a:r>
-            <a:r>
-              <a:rPr lang="en-US" sz="2800" dirty="0">
-                <a:latin typeface="Courier New"/>
-                <a:cs typeface="Courier New"/>
-              </a:rPr>
-              <a:t> -in MG1655.fasta \</a:t>
-            </a:r>
-          </a:p>
-          <a:p>
-            <a:pPr marL="0" indent="0">
-              <a:buNone/>
-            </a:pPr>
-            <a:r>
-              <a:rPr lang="en-US" sz="2800" dirty="0">
-                <a:latin typeface="Courier New"/>
-                <a:cs typeface="Courier New"/>
-              </a:rPr>
-              <a:t>	-out MG1655 -</a:t>
-            </a:r>
-            <a:r>
-              <a:rPr lang="en-US" sz="2800" dirty="0" err="1">
-                <a:latin typeface="Courier New"/>
-                <a:cs typeface="Courier New"/>
-              </a:rPr>
-              <a:t>dbtype</a:t>
-            </a:r>
-            <a:r>
-              <a:rPr lang="en-US" sz="2800" dirty="0">
-                <a:latin typeface="Courier New"/>
-                <a:cs typeface="Courier New"/>
-              </a:rPr>
-              <a:t> </a:t>
-            </a:r>
-            <a:r>
-              <a:rPr lang="en-US" sz="2800" dirty="0" err="1">
-                <a:latin typeface="Courier New"/>
-                <a:cs typeface="Courier New"/>
-              </a:rPr>
-              <a:t>nucl</a:t>
-            </a:r>
-            <a:r>
-              <a:rPr lang="en-US" sz="2800" dirty="0">
-                <a:latin typeface="Courier New"/>
-                <a:cs typeface="Courier New"/>
-              </a:rPr>
-              <a:t> \</a:t>
-            </a:r>
-          </a:p>
-          <a:p>
-            <a:pPr marL="0" indent="0">
-              <a:buNone/>
-            </a:pPr>
-            <a:r>
-              <a:rPr lang="en-US" sz="2800" dirty="0">
-                <a:latin typeface="Courier New"/>
-                <a:cs typeface="Courier New"/>
-              </a:rPr>
-              <a:t>	-</a:t>
-            </a:r>
-            <a:r>
-              <a:rPr lang="en-US" sz="2800" dirty="0" err="1">
-                <a:latin typeface="Courier New"/>
-                <a:cs typeface="Courier New"/>
-              </a:rPr>
-              <a:t>parse_seqids</a:t>
-            </a:r>
-            <a:endParaRPr lang="en-US" sz="2800" dirty="0">
-              <a:latin typeface="Courier New"/>
-              <a:cs typeface="Courier New"/>
-            </a:endParaRPr>
+              <a:lnSpc>
+                <a:spcPct val="150000"/>
+              </a:lnSpc>
+              <a:buNone/>
+            </a:pPr>
+            <a:r>
+              <a:rPr lang="en-US" sz="1800" dirty="0">
+                <a:latin typeface="Courier"/>
+                <a:cs typeface="Courier"/>
+              </a:rPr>
+              <a:t>cp -r /homes/liu3zhen/teaching/datasets/references/*</a:t>
+            </a:r>
+            <a:r>
+              <a:rPr lang="en-US" sz="1800" dirty="0" err="1">
+                <a:latin typeface="Courier"/>
+                <a:cs typeface="Courier"/>
+              </a:rPr>
+              <a:t>fasta</a:t>
+            </a:r>
+            <a:r>
+              <a:rPr lang="en-US" sz="1800" dirty="0">
+                <a:latin typeface="Courier"/>
+                <a:cs typeface="Courier"/>
+              </a:rPr>
+              <a:t> .</a:t>
+            </a:r>
           </a:p>
         </p:txBody>
       </p:sp>
     </p:spTree>
     <p:extLst>
       <p:ext uri="{BB962C8B-B14F-4D97-AF65-F5344CB8AC3E}">
-        <p14:creationId xmlns:p14="http://schemas.microsoft.com/office/powerpoint/2010/main" val="1487461360"/>
+        <p14:creationId xmlns:p14="http://schemas.microsoft.com/office/powerpoint/2010/main" val="2000764796"/>
       </p:ext>
     </p:extLst>
   </p:cSld>
@@ -3811,6 +3862,224 @@
           <a:p>
             <a:r>
               <a:rPr lang="en-US" dirty="0"/>
+              <a:t>Step 1: Create a database</a:t>
+            </a:r>
+          </a:p>
+        </p:txBody>
+      </p:sp>
+      <p:sp>
+        <p:nvSpPr>
+          <p:cNvPr id="3" name="Content Placeholder 2"/>
+          <p:cNvSpPr>
+            <a:spLocks noGrp="1"/>
+          </p:cNvSpPr>
+          <p:nvPr>
+            <p:ph idx="1"/>
+          </p:nvPr>
+        </p:nvSpPr>
+        <p:spPr>
+          <a:xfrm>
+            <a:off x="288894" y="1530327"/>
+            <a:ext cx="8686800" cy="4522118"/>
+          </a:xfrm>
+        </p:spPr>
+        <p:txBody>
+          <a:bodyPr>
+            <a:normAutofit/>
+          </a:bodyPr>
+          <a:lstStyle/>
+          <a:p>
+            <a:r>
+              <a:rPr lang="en-US" b="1" dirty="0" err="1">
+                <a:solidFill>
+                  <a:srgbClr val="17375E"/>
+                </a:solidFill>
+              </a:rPr>
+              <a:t>makeblastdb</a:t>
+            </a:r>
+            <a:endParaRPr lang="en-US" b="1" dirty="0">
+              <a:solidFill>
+                <a:srgbClr val="17375E"/>
+              </a:solidFill>
+            </a:endParaRPr>
+          </a:p>
+          <a:p>
+            <a:pPr marL="0" indent="0">
+              <a:buNone/>
+            </a:pPr>
+            <a:r>
+              <a:rPr lang="en-US" dirty="0"/>
+              <a:t>A program to create a BLAST database</a:t>
+            </a:r>
+          </a:p>
+          <a:p>
+            <a:pPr marL="0" indent="0">
+              <a:buNone/>
+            </a:pPr>
+            <a:endParaRPr lang="en-US" dirty="0">
+              <a:latin typeface="Courier New"/>
+              <a:cs typeface="Courier New"/>
+            </a:endParaRPr>
+          </a:p>
+          <a:p>
+            <a:pPr marL="0" indent="0">
+              <a:buNone/>
+            </a:pPr>
+            <a:r>
+              <a:rPr lang="en-US" sz="2800" dirty="0" err="1">
+                <a:latin typeface="Courier New"/>
+                <a:cs typeface="Courier New"/>
+              </a:rPr>
+              <a:t>makeblastdb</a:t>
+            </a:r>
+            <a:r>
+              <a:rPr lang="en-US" sz="2800" dirty="0">
+                <a:latin typeface="Courier New"/>
+                <a:cs typeface="Courier New"/>
+              </a:rPr>
+              <a:t> –h</a:t>
+            </a:r>
+          </a:p>
+          <a:p>
+            <a:pPr marL="0" indent="0">
+              <a:buNone/>
+            </a:pPr>
+            <a:endParaRPr lang="en-US" sz="2800" dirty="0">
+              <a:latin typeface="Courier New"/>
+              <a:cs typeface="Courier New"/>
+            </a:endParaRPr>
+          </a:p>
+          <a:p>
+            <a:pPr marL="0" indent="0">
+              <a:buNone/>
+            </a:pPr>
+            <a:r>
+              <a:rPr lang="en-US" sz="2800" dirty="0" err="1">
+                <a:latin typeface="Courier New"/>
+                <a:cs typeface="Courier New"/>
+              </a:rPr>
+              <a:t>makeblastdb</a:t>
+            </a:r>
+            <a:r>
+              <a:rPr lang="en-US" sz="2800" dirty="0">
+                <a:latin typeface="Courier New"/>
+                <a:cs typeface="Courier New"/>
+              </a:rPr>
+              <a:t> -in MG1655.fasta \</a:t>
+            </a:r>
+          </a:p>
+          <a:p>
+            <a:pPr marL="0" indent="0">
+              <a:buNone/>
+            </a:pPr>
+            <a:r>
+              <a:rPr lang="en-US" sz="2800" dirty="0">
+                <a:latin typeface="Courier New"/>
+                <a:cs typeface="Courier New"/>
+              </a:rPr>
+              <a:t>	-out MG1655 -</a:t>
+            </a:r>
+            <a:r>
+              <a:rPr lang="en-US" sz="2800" dirty="0" err="1">
+                <a:latin typeface="Courier New"/>
+                <a:cs typeface="Courier New"/>
+              </a:rPr>
+              <a:t>dbtype</a:t>
+            </a:r>
+            <a:r>
+              <a:rPr lang="en-US" sz="2800" dirty="0">
+                <a:latin typeface="Courier New"/>
+                <a:cs typeface="Courier New"/>
+              </a:rPr>
+              <a:t> </a:t>
+            </a:r>
+            <a:r>
+              <a:rPr lang="en-US" sz="2800" dirty="0" err="1">
+                <a:latin typeface="Courier New"/>
+                <a:cs typeface="Courier New"/>
+              </a:rPr>
+              <a:t>nucl</a:t>
+            </a:r>
+            <a:r>
+              <a:rPr lang="en-US" sz="2800" dirty="0">
+                <a:latin typeface="Courier New"/>
+                <a:cs typeface="Courier New"/>
+              </a:rPr>
+              <a:t> \</a:t>
+            </a:r>
+          </a:p>
+          <a:p>
+            <a:pPr marL="0" indent="0">
+              <a:buNone/>
+            </a:pPr>
+            <a:r>
+              <a:rPr lang="en-US" sz="2800" dirty="0">
+                <a:latin typeface="Courier New"/>
+                <a:cs typeface="Courier New"/>
+              </a:rPr>
+              <a:t>	-</a:t>
+            </a:r>
+            <a:r>
+              <a:rPr lang="en-US" sz="2800" dirty="0" err="1">
+                <a:latin typeface="Courier New"/>
+                <a:cs typeface="Courier New"/>
+              </a:rPr>
+              <a:t>parse_seqids</a:t>
+            </a:r>
+            <a:endParaRPr lang="en-US" sz="2800" dirty="0">
+              <a:latin typeface="Courier New"/>
+              <a:cs typeface="Courier New"/>
+            </a:endParaRPr>
+          </a:p>
+        </p:txBody>
+      </p:sp>
+    </p:spTree>
+    <p:extLst>
+      <p:ext uri="{BB962C8B-B14F-4D97-AF65-F5344CB8AC3E}">
+        <p14:creationId xmlns:p14="http://schemas.microsoft.com/office/powerpoint/2010/main" val="1487461360"/>
+      </p:ext>
+    </p:extLst>
+  </p:cSld>
+  <p:clrMapOvr>
+    <a:masterClrMapping/>
+  </p:clrMapOvr>
+</p:sld>
+</file>
+
+<file path=ppt/slides/slide12.xml><?xml version="1.0" encoding="utf-8"?>
+<p:sld xmlns:a="http://schemas.openxmlformats.org/drawingml/2006/main" xmlns:r="http://schemas.openxmlformats.org/officeDocument/2006/relationships" xmlns:p="http://schemas.openxmlformats.org/presentationml/2006/main">
+  <p:cSld>
+    <p:spTree>
+      <p:nvGrpSpPr>
+        <p:cNvPr id="1" name=""/>
+        <p:cNvGrpSpPr/>
+        <p:nvPr/>
+      </p:nvGrpSpPr>
+      <p:grpSpPr>
+        <a:xfrm>
+          <a:off x="0" y="0"/>
+          <a:ext cx="0" cy="0"/>
+          <a:chOff x="0" y="0"/>
+          <a:chExt cx="0" cy="0"/>
+        </a:xfrm>
+      </p:grpSpPr>
+      <p:sp>
+        <p:nvSpPr>
+          <p:cNvPr id="2" name="Title 1"/>
+          <p:cNvSpPr>
+            <a:spLocks noGrp="1"/>
+          </p:cNvSpPr>
+          <p:nvPr>
+            <p:ph type="title"/>
+          </p:nvPr>
+        </p:nvSpPr>
+        <p:spPr/>
+        <p:txBody>
+          <a:bodyPr/>
+          <a:lstStyle/>
+          <a:p>
+            <a:r>
+              <a:rPr lang="en-US" dirty="0"/>
               <a:t>Query data</a:t>
             </a:r>
           </a:p>
@@ -4039,7 +4308,7 @@
 </p:sld>
 </file>
 
-<file path=ppt/slides/slide12.xml><?xml version="1.0" encoding="utf-8"?>
+<file path=ppt/slides/slide13.xml><?xml version="1.0" encoding="utf-8"?>
 <p:sld xmlns:a="http://schemas.openxmlformats.org/drawingml/2006/main" xmlns:r="http://schemas.openxmlformats.org/officeDocument/2006/relationships" xmlns:p="http://schemas.openxmlformats.org/presentationml/2006/main">
   <p:cSld>
     <p:spTree>
@@ -4646,7 +4915,7 @@
 </p:sld>
 </file>
 
-<file path=ppt/slides/slide13.xml><?xml version="1.0" encoding="utf-8"?>
+<file path=ppt/slides/slide14.xml><?xml version="1.0" encoding="utf-8"?>
 <p:sld xmlns:a="http://schemas.openxmlformats.org/drawingml/2006/main" xmlns:r="http://schemas.openxmlformats.org/officeDocument/2006/relationships" xmlns:p="http://schemas.openxmlformats.org/presentationml/2006/main">
   <p:cSld>
     <p:spTree>
@@ -6556,7 +6825,7 @@
 </p:sld>
 </file>
 
-<file path=ppt/slides/slide14.xml><?xml version="1.0" encoding="utf-8"?>
+<file path=ppt/slides/slide15.xml><?xml version="1.0" encoding="utf-8"?>
 <p:sld xmlns:a="http://schemas.openxmlformats.org/drawingml/2006/main" xmlns:r="http://schemas.openxmlformats.org/officeDocument/2006/relationships" xmlns:p="http://schemas.openxmlformats.org/presentationml/2006/main">
   <p:cSld>
     <p:spTree>
@@ -6917,7 +7186,7 @@
 </p:sld>
 </file>
 
-<file path=ppt/slides/slide15.xml><?xml version="1.0" encoding="utf-8"?>
+<file path=ppt/slides/slide16.xml><?xml version="1.0" encoding="utf-8"?>
 <p:sld xmlns:a="http://schemas.openxmlformats.org/drawingml/2006/main" xmlns:r="http://schemas.openxmlformats.org/officeDocument/2006/relationships" xmlns:p="http://schemas.openxmlformats.org/presentationml/2006/main">
   <p:cSld>
     <p:spTree>
@@ -7533,7 +7802,7 @@
 </p:sld>
 </file>
 
-<file path=ppt/slides/slide16.xml><?xml version="1.0" encoding="utf-8"?>
+<file path=ppt/slides/slide17.xml><?xml version="1.0" encoding="utf-8"?>
 <p:sld xmlns:a="http://schemas.openxmlformats.org/drawingml/2006/main" xmlns:r="http://schemas.openxmlformats.org/officeDocument/2006/relationships" xmlns:p="http://schemas.openxmlformats.org/presentationml/2006/main">
   <p:cSld>
     <p:spTree>
@@ -7846,255 +8115,6 @@
 </p:sld>
 </file>
 
-<file path=ppt/slides/slide17.xml><?xml version="1.0" encoding="utf-8"?>
-<p:sld xmlns:a="http://schemas.openxmlformats.org/drawingml/2006/main" xmlns:r="http://schemas.openxmlformats.org/officeDocument/2006/relationships" xmlns:p="http://schemas.openxmlformats.org/presentationml/2006/main">
-  <p:cSld>
-    <p:spTree>
-      <p:nvGrpSpPr>
-        <p:cNvPr id="1" name=""/>
-        <p:cNvGrpSpPr/>
-        <p:nvPr/>
-      </p:nvGrpSpPr>
-      <p:grpSpPr>
-        <a:xfrm>
-          <a:off x="0" y="0"/>
-          <a:ext cx="0" cy="0"/>
-          <a:chOff x="0" y="0"/>
-          <a:chExt cx="0" cy="0"/>
-        </a:xfrm>
-      </p:grpSpPr>
-      <p:sp>
-        <p:nvSpPr>
-          <p:cNvPr id="2" name="Title 1"/>
-          <p:cNvSpPr>
-            <a:spLocks noGrp="1"/>
-          </p:cNvSpPr>
-          <p:nvPr>
-            <p:ph type="title"/>
-          </p:nvPr>
-        </p:nvSpPr>
-        <p:spPr/>
-        <p:txBody>
-          <a:bodyPr/>
-          <a:lstStyle/>
-          <a:p>
-            <a:r>
-              <a:rPr lang="en-US" dirty="0"/>
-              <a:t>Search protein sequences using a remote service</a:t>
-            </a:r>
-          </a:p>
-        </p:txBody>
-      </p:sp>
-      <p:sp>
-        <p:nvSpPr>
-          <p:cNvPr id="3" name="Content Placeholder 2"/>
-          <p:cNvSpPr>
-            <a:spLocks noGrp="1"/>
-          </p:cNvSpPr>
-          <p:nvPr>
-            <p:ph idx="1"/>
-          </p:nvPr>
-        </p:nvSpPr>
-        <p:spPr>
-          <a:xfrm>
-            <a:off x="538694" y="1797504"/>
-            <a:ext cx="8205579" cy="1522043"/>
-          </a:xfrm>
-        </p:spPr>
-        <p:txBody>
-          <a:bodyPr>
-            <a:noAutofit/>
-          </a:bodyPr>
-          <a:lstStyle/>
-          <a:p>
-            <a:pPr marL="0" indent="0">
-              <a:buNone/>
-            </a:pPr>
-            <a:r>
-              <a:rPr lang="en-US" sz="2800" b="1" dirty="0" err="1">
-                <a:solidFill>
-                  <a:srgbClr val="FF0000"/>
-                </a:solidFill>
-                <a:latin typeface="Courier New"/>
-                <a:cs typeface="Courier New"/>
-              </a:rPr>
-              <a:t>blastp</a:t>
-            </a:r>
-            <a:r>
-              <a:rPr lang="en-US" sz="2800" dirty="0">
-                <a:latin typeface="Courier New"/>
-                <a:cs typeface="Courier New"/>
-              </a:rPr>
-              <a:t> -query MG1655pepseq.fa \</a:t>
-            </a:r>
-          </a:p>
-          <a:p>
-            <a:pPr marL="0" indent="0">
-              <a:buNone/>
-            </a:pPr>
-            <a:r>
-              <a:rPr lang="en-US" sz="2800" dirty="0">
-                <a:latin typeface="Courier New"/>
-                <a:cs typeface="Courier New"/>
-              </a:rPr>
-              <a:t>	-</a:t>
-            </a:r>
-            <a:r>
-              <a:rPr lang="en-US" sz="2800" dirty="0" err="1">
-                <a:latin typeface="Courier New"/>
-                <a:cs typeface="Courier New"/>
-              </a:rPr>
-              <a:t>db</a:t>
-            </a:r>
-            <a:r>
-              <a:rPr lang="en-US" sz="2800" dirty="0">
-                <a:latin typeface="Courier New"/>
-                <a:cs typeface="Courier New"/>
-              </a:rPr>
-              <a:t> nr -</a:t>
-            </a:r>
-            <a:r>
-              <a:rPr lang="en-US" sz="2800" dirty="0" err="1">
-                <a:latin typeface="Courier New"/>
-                <a:cs typeface="Courier New"/>
-              </a:rPr>
-              <a:t>outfmt</a:t>
-            </a:r>
-            <a:r>
-              <a:rPr lang="en-US" sz="2800" dirty="0">
-                <a:latin typeface="Courier New"/>
-                <a:cs typeface="Courier New"/>
-              </a:rPr>
-              <a:t> 6 -remote \</a:t>
-            </a:r>
-          </a:p>
-          <a:p>
-            <a:pPr marL="0" indent="0">
-              <a:buNone/>
-            </a:pPr>
-            <a:r>
-              <a:rPr lang="fi-FI" sz="2800" dirty="0">
-                <a:latin typeface="Courier New"/>
-                <a:cs typeface="Courier New"/>
-              </a:rPr>
-              <a:t>-</a:t>
-            </a:r>
-            <a:r>
-              <a:rPr lang="fi-FI" sz="2800" dirty="0" err="1">
-                <a:latin typeface="Courier New"/>
-                <a:cs typeface="Courier New"/>
-              </a:rPr>
-              <a:t>evalue</a:t>
-            </a:r>
-            <a:r>
-              <a:rPr lang="fi-FI" sz="2800" dirty="0">
-                <a:latin typeface="Courier New"/>
-                <a:cs typeface="Courier New"/>
-              </a:rPr>
-              <a:t> 1e-100 </a:t>
-            </a:r>
-            <a:r>
-              <a:rPr lang="fi-FI" sz="2800" dirty="0">
-                <a:solidFill>
-                  <a:srgbClr val="FF0000"/>
-                </a:solidFill>
-                <a:latin typeface="Courier New"/>
-                <a:cs typeface="Courier New"/>
-              </a:rPr>
-              <a:t>-</a:t>
-            </a:r>
-            <a:r>
-              <a:rPr lang="fi-FI" sz="2800" dirty="0" err="1">
-                <a:solidFill>
-                  <a:srgbClr val="FF0000"/>
-                </a:solidFill>
-                <a:latin typeface="Courier New"/>
-                <a:cs typeface="Courier New"/>
-              </a:rPr>
-              <a:t>max_target_seqs</a:t>
-            </a:r>
-            <a:r>
-              <a:rPr lang="fi-FI" sz="2800" dirty="0">
-                <a:latin typeface="Courier New"/>
-                <a:cs typeface="Courier New"/>
-              </a:rPr>
-              <a:t> 1</a:t>
-            </a:r>
-          </a:p>
-        </p:txBody>
-      </p:sp>
-      <p:sp>
-        <p:nvSpPr>
-          <p:cNvPr id="4" name="TextBox 3"/>
-          <p:cNvSpPr txBox="1"/>
-          <p:nvPr/>
-        </p:nvSpPr>
-        <p:spPr>
-          <a:xfrm>
-            <a:off x="1760821" y="4069426"/>
-            <a:ext cx="6008376" cy="523220"/>
-          </a:xfrm>
-          <a:prstGeom prst="rect">
-            <a:avLst/>
-          </a:prstGeom>
-          <a:noFill/>
-        </p:spPr>
-        <p:txBody>
-          <a:bodyPr wrap="none" rtlCol="0">
-            <a:spAutoFit/>
-          </a:bodyPr>
-          <a:lstStyle/>
-          <a:p>
-            <a:r>
-              <a:rPr lang="en-US" sz="2800" dirty="0"/>
-              <a:t>Output only one hit if hits can be found.</a:t>
-            </a:r>
-          </a:p>
-        </p:txBody>
-      </p:sp>
-      <p:sp>
-        <p:nvSpPr>
-          <p:cNvPr id="5" name="TextBox 4"/>
-          <p:cNvSpPr txBox="1"/>
-          <p:nvPr/>
-        </p:nvSpPr>
-        <p:spPr>
-          <a:xfrm>
-            <a:off x="563466" y="5219414"/>
-            <a:ext cx="8180807" cy="246221"/>
-          </a:xfrm>
-          <a:prstGeom prst="rect">
-            <a:avLst/>
-          </a:prstGeom>
-          <a:noFill/>
-        </p:spPr>
-        <p:txBody>
-          <a:bodyPr wrap="square" rtlCol="0">
-            <a:spAutoFit/>
-          </a:bodyPr>
-          <a:lstStyle/>
-          <a:p>
-            <a:r>
-              <a:rPr lang="is-IS" sz="1000" dirty="0"/>
-              <a:t>C321.deltaA	gi|446843038|ref|WP_000920294.1|	100.00	450	0	0	1	450	1	450	0.0	  916</a:t>
-            </a:r>
-            <a:endParaRPr lang="en-US" sz="1000" dirty="0"/>
-          </a:p>
-        </p:txBody>
-      </p:sp>
-    </p:spTree>
-    <p:extLst>
-      <p:ext uri="{BB962C8B-B14F-4D97-AF65-F5344CB8AC3E}">
-        <p14:creationId xmlns:p14="http://schemas.microsoft.com/office/powerpoint/2010/main" val="831203829"/>
-      </p:ext>
-    </p:extLst>
-  </p:cSld>
-  <p:clrMapOvr>
-    <a:masterClrMapping/>
-  </p:clrMapOvr>
-</p:sld>
-</file>
-
 <file path=ppt/slides/slide18.xml><?xml version="1.0" encoding="utf-8"?>
 <p:sld xmlns:a="http://schemas.openxmlformats.org/drawingml/2006/main" xmlns:r="http://schemas.openxmlformats.org/officeDocument/2006/relationships" xmlns:p="http://schemas.openxmlformats.org/presentationml/2006/main">
   <p:cSld>
@@ -8129,7 +8149,7 @@
           <a:p>
             <a:r>
               <a:rPr lang="en-US" dirty="0"/>
-              <a:t>Extract sequences or subsequences</a:t>
+              <a:t>Search protein sequences using a remote service</a:t>
             </a:r>
           </a:p>
         </p:txBody>
@@ -8146,232 +8166,142 @@
         </p:nvSpPr>
         <p:spPr>
           <a:xfrm>
-            <a:off x="457200" y="1130876"/>
-            <a:ext cx="8339668" cy="5561566"/>
+            <a:off x="538694" y="1797504"/>
+            <a:ext cx="8205579" cy="1522043"/>
           </a:xfrm>
         </p:spPr>
         <p:txBody>
           <a:bodyPr>
-            <a:normAutofit/>
+            <a:noAutofit/>
           </a:bodyPr>
           <a:lstStyle/>
           <a:p>
-            <a:r>
-              <a:rPr lang="en-US" b="1" dirty="0" err="1">
+            <a:pPr marL="0" indent="0">
+              <a:buNone/>
+            </a:pPr>
+            <a:r>
+              <a:rPr lang="en-US" sz="2800" b="1" dirty="0" err="1">
                 <a:solidFill>
-                  <a:schemeClr val="tx2">
-                    <a:lumMod val="75000"/>
-                  </a:schemeClr>
+                  <a:srgbClr val="FF0000"/>
                 </a:solidFill>
-              </a:rPr>
-              <a:t>blastdbcmd</a:t>
-            </a:r>
-            <a:endParaRPr lang="en-US" b="1" dirty="0">
-              <a:solidFill>
-                <a:schemeClr val="tx2">
-                  <a:lumMod val="75000"/>
-                </a:schemeClr>
-              </a:solidFill>
-            </a:endParaRPr>
-          </a:p>
-          <a:p>
-            <a:pPr marL="0" indent="0">
-              <a:buNone/>
-            </a:pPr>
+                <a:latin typeface="Courier New"/>
+                <a:cs typeface="Courier New"/>
+              </a:rPr>
+              <a:t>blastp</a:t>
+            </a:r>
+            <a:r>
+              <a:rPr lang="en-US" sz="2800" dirty="0">
+                <a:latin typeface="Courier New"/>
+                <a:cs typeface="Courier New"/>
+              </a:rPr>
+              <a:t> -query MG1655pepseq.fa \</a:t>
+            </a:r>
+          </a:p>
+          <a:p>
+            <a:pPr marL="0" indent="0">
+              <a:buNone/>
+            </a:pPr>
+            <a:r>
+              <a:rPr lang="en-US" sz="2800" dirty="0">
+                <a:latin typeface="Courier New"/>
+                <a:cs typeface="Courier New"/>
+              </a:rPr>
+              <a:t>	-</a:t>
+            </a:r>
             <a:r>
               <a:rPr lang="en-US" sz="2800" dirty="0" err="1">
                 <a:latin typeface="Courier New"/>
                 <a:cs typeface="Courier New"/>
               </a:rPr>
-              <a:t>blastdbcmd</a:t>
+              <a:t>db</a:t>
             </a:r>
             <a:r>
               <a:rPr lang="en-US" sz="2800" dirty="0">
                 <a:latin typeface="Courier New"/>
                 <a:cs typeface="Courier New"/>
               </a:rPr>
-              <a:t> -</a:t>
+              <a:t> nr -</a:t>
             </a:r>
             <a:r>
               <a:rPr lang="en-US" sz="2800" dirty="0" err="1">
                 <a:latin typeface="Courier New"/>
                 <a:cs typeface="Courier New"/>
               </a:rPr>
-              <a:t>db</a:t>
+              <a:t>outfmt</a:t>
             </a:r>
             <a:r>
               <a:rPr lang="en-US" sz="2800" dirty="0">
                 <a:latin typeface="Courier New"/>
                 <a:cs typeface="Courier New"/>
               </a:rPr>
-              <a:t> ../</a:t>
-            </a:r>
-            <a:r>
-              <a:rPr lang="en-US" sz="2800" dirty="0" err="1">
+              <a:t> 6 -remote \</a:t>
+            </a:r>
+          </a:p>
+          <a:p>
+            <a:pPr marL="0" indent="0">
+              <a:buNone/>
+            </a:pPr>
+            <a:r>
+              <a:rPr lang="fi-FI" sz="2800" dirty="0">
                 <a:latin typeface="Courier New"/>
                 <a:cs typeface="Courier New"/>
               </a:rPr>
-              <a:t>db</a:t>
-            </a:r>
-            <a:r>
-              <a:rPr lang="en-US" sz="2800" dirty="0">
+              <a:t>-</a:t>
+            </a:r>
+            <a:r>
+              <a:rPr lang="fi-FI" sz="2800" dirty="0" err="1">
                 <a:latin typeface="Courier New"/>
                 <a:cs typeface="Courier New"/>
               </a:rPr>
-              <a:t>/MG1655 -info</a:t>
-            </a:r>
-          </a:p>
-          <a:p>
-            <a:pPr marL="0" indent="0">
-              <a:buNone/>
-            </a:pPr>
-            <a:endParaRPr lang="en-US" dirty="0"/>
-          </a:p>
-          <a:p>
-            <a:pPr marL="0" indent="0">
-              <a:buNone/>
-            </a:pPr>
-            <a:r>
-              <a:rPr lang="en-US" dirty="0"/>
-              <a:t>Extract sequences from the database</a:t>
-            </a:r>
-          </a:p>
-          <a:p>
-            <a:pPr marL="0" indent="0">
-              <a:buNone/>
-            </a:pPr>
-            <a:r>
-              <a:rPr lang="en-US" sz="2800" dirty="0" err="1">
+              <a:t>evalue</a:t>
+            </a:r>
+            <a:r>
+              <a:rPr lang="fi-FI" sz="2800" dirty="0">
                 <a:latin typeface="Courier New"/>
                 <a:cs typeface="Courier New"/>
               </a:rPr>
-              <a:t>blastdbcmd</a:t>
-            </a:r>
-            <a:r>
-              <a:rPr lang="en-US" sz="2800" dirty="0">
+              <a:t> 1e-100 </a:t>
+            </a:r>
+            <a:r>
+              <a:rPr lang="fi-FI" sz="2800" dirty="0">
+                <a:solidFill>
+                  <a:srgbClr val="FF0000"/>
+                </a:solidFill>
                 <a:latin typeface="Courier New"/>
                 <a:cs typeface="Courier New"/>
               </a:rPr>
-              <a:t> –</a:t>
-            </a:r>
-            <a:r>
-              <a:rPr lang="en-US" sz="2800" dirty="0" err="1">
+              <a:t>-</a:t>
+            </a:r>
+            <a:r>
+              <a:rPr lang="fi-FI" sz="2800" dirty="0" err="1">
+                <a:solidFill>
+                  <a:srgbClr val="FF0000"/>
+                </a:solidFill>
                 <a:latin typeface="Courier New"/>
                 <a:cs typeface="Courier New"/>
               </a:rPr>
-              <a:t>db</a:t>
-            </a:r>
-            <a:r>
-              <a:rPr lang="en-US" sz="2800" dirty="0">
+              <a:t>max_target_seqs</a:t>
+            </a:r>
+            <a:r>
+              <a:rPr lang="fi-FI" sz="2800" dirty="0">
                 <a:latin typeface="Courier New"/>
                 <a:cs typeface="Courier New"/>
               </a:rPr>
-              <a:t> ../</a:t>
-            </a:r>
-            <a:r>
-              <a:rPr lang="en-US" sz="2800" dirty="0" err="1">
-                <a:latin typeface="Courier New"/>
-                <a:cs typeface="Courier New"/>
-              </a:rPr>
-              <a:t>db</a:t>
-            </a:r>
-            <a:r>
-              <a:rPr lang="en-US" sz="2800" dirty="0">
-                <a:latin typeface="Courier New"/>
-                <a:cs typeface="Courier New"/>
-              </a:rPr>
-              <a:t>/MG1655 \</a:t>
-            </a:r>
-          </a:p>
-          <a:p>
-            <a:pPr marL="0" indent="0">
-              <a:buNone/>
-            </a:pPr>
-            <a:r>
-              <a:rPr lang="en-US" sz="2800" dirty="0">
-                <a:latin typeface="Courier New"/>
-                <a:cs typeface="Courier New"/>
-              </a:rPr>
-              <a:t> -entry all -range 150-220</a:t>
-            </a:r>
-          </a:p>
-          <a:p>
-            <a:pPr marL="0" indent="0">
-              <a:buNone/>
-            </a:pPr>
-            <a:endParaRPr lang="en-US" sz="1600" dirty="0">
-              <a:latin typeface="Courier New"/>
-              <a:cs typeface="Courier New"/>
-            </a:endParaRPr>
-          </a:p>
-          <a:p>
-            <a:pPr marL="0" indent="0">
-              <a:buNone/>
-            </a:pPr>
-            <a:r>
-              <a:rPr lang="en-US" sz="1600" dirty="0">
-                <a:latin typeface="Courier New"/>
-                <a:cs typeface="Courier New"/>
-              </a:rPr>
-              <a:t>---output---</a:t>
-            </a:r>
-          </a:p>
-          <a:p>
-            <a:pPr marL="0" indent="0">
-              <a:buNone/>
-            </a:pPr>
-            <a:r>
-              <a:rPr lang="en-US" sz="1600" dirty="0">
-                <a:latin typeface="Courier New"/>
-                <a:cs typeface="Courier New"/>
-              </a:rPr>
-              <a:t>&gt;gi|556503834|ref|NC_000913.3|:150-220 Escherichia coli str. K-12 </a:t>
-            </a:r>
-            <a:r>
-              <a:rPr lang="en-US" sz="1600" dirty="0" err="1">
-                <a:latin typeface="Courier New"/>
-                <a:cs typeface="Courier New"/>
-              </a:rPr>
-              <a:t>substr</a:t>
-            </a:r>
-            <a:r>
-              <a:rPr lang="en-US" sz="1600" dirty="0">
-                <a:latin typeface="Courier New"/>
-                <a:cs typeface="Courier New"/>
-              </a:rPr>
-              <a:t>. MG1655, complete genome</a:t>
-            </a:r>
-          </a:p>
-          <a:p>
-            <a:pPr marL="0" indent="0">
-              <a:buNone/>
-            </a:pPr>
-            <a:r>
-              <a:rPr lang="en-US" sz="1600" dirty="0">
-                <a:latin typeface="Courier New"/>
-                <a:cs typeface="Courier New"/>
-              </a:rPr>
-              <a:t>AGCGCACAGACAGATAAAAATTACAGAGTACACAACATCCATGAAACGCATTAGCACCACCATTACCACCA</a:t>
-            </a:r>
-          </a:p>
-        </p:txBody>
-      </p:sp>
-      <p:sp>
-        <p:nvSpPr>
-          <p:cNvPr id="4" name="TextBox 3">
-            <a:extLst>
-              <a:ext uri="{FF2B5EF4-FFF2-40B4-BE49-F238E27FC236}">
-                <a16:creationId xmlns:a16="http://schemas.microsoft.com/office/drawing/2014/main" id="{58420D98-30AC-5F4D-876D-3E8705458CA9}"/>
-              </a:ext>
-            </a:extLst>
-          </p:cNvPr>
+              <a:t> 1</a:t>
+            </a:r>
+          </a:p>
+        </p:txBody>
+      </p:sp>
+      <p:sp>
+        <p:nvSpPr>
+          <p:cNvPr id="4" name="TextBox 3"/>
           <p:cNvSpPr txBox="1"/>
           <p:nvPr/>
         </p:nvSpPr>
         <p:spPr>
           <a:xfrm>
-            <a:off x="553064" y="6060142"/>
-            <a:ext cx="4718471" cy="523220"/>
+            <a:off x="1760821" y="4069426"/>
+            <a:ext cx="6008376" cy="523220"/>
           </a:xfrm>
           <a:prstGeom prst="rect">
             <a:avLst/>
@@ -8385,20 +8315,46 @@
           <a:lstStyle/>
           <a:p>
             <a:r>
-              <a:rPr lang="en-US" sz="2800" dirty="0">
-                <a:solidFill>
-                  <a:srgbClr val="FF0000"/>
-                </a:solidFill>
-              </a:rPr>
-              <a:t>* Require specific name format</a:t>
-            </a:r>
+              <a:rPr lang="en-US" sz="2800" dirty="0"/>
+              <a:t>Output only one hit if hits can be found.</a:t>
+            </a:r>
+          </a:p>
+        </p:txBody>
+      </p:sp>
+      <p:sp>
+        <p:nvSpPr>
+          <p:cNvPr id="5" name="TextBox 4"/>
+          <p:cNvSpPr txBox="1"/>
+          <p:nvPr/>
+        </p:nvSpPr>
+        <p:spPr>
+          <a:xfrm>
+            <a:off x="563466" y="5219414"/>
+            <a:ext cx="8180807" cy="246221"/>
+          </a:xfrm>
+          <a:prstGeom prst="rect">
+            <a:avLst/>
+          </a:prstGeom>
+          <a:noFill/>
+        </p:spPr>
+        <p:txBody>
+          <a:bodyPr wrap="square" rtlCol="0">
+            <a:spAutoFit/>
+          </a:bodyPr>
+          <a:lstStyle/>
+          <a:p>
+            <a:r>
+              <a:rPr lang="is-IS" sz="1000" dirty="0"/>
+              <a:t>C321.deltaA	gi|446843038|ref|WP_000920294.1|	100.00	450	0	0	1	450	1	450	0.0	  916</a:t>
+            </a:r>
+            <a:endParaRPr lang="en-US" sz="1000" dirty="0"/>
           </a:p>
         </p:txBody>
       </p:sp>
     </p:spTree>
     <p:extLst>
       <p:ext uri="{BB962C8B-B14F-4D97-AF65-F5344CB8AC3E}">
-        <p14:creationId xmlns:p14="http://schemas.microsoft.com/office/powerpoint/2010/main" val="3120825335"/>
+        <p14:creationId xmlns:p14="http://schemas.microsoft.com/office/powerpoint/2010/main" val="831203829"/>
       </p:ext>
     </p:extLst>
   </p:cSld>
@@ -8442,15 +8398,7 @@
           <a:p>
             <a:r>
               <a:rPr lang="en-US" dirty="0"/>
-              <a:t>Extract sequences using </a:t>
-            </a:r>
-            <a:r>
-              <a:rPr lang="en-US" dirty="0" err="1"/>
-              <a:t>Gi</a:t>
-            </a:r>
-            <a:r>
-              <a:rPr lang="en-US" dirty="0"/>
-              <a:t> ID</a:t>
+              <a:t>Extract sequences or subsequences</a:t>
             </a:r>
           </a:p>
         </p:txBody>
@@ -8467,39 +8415,153 @@
         </p:nvSpPr>
         <p:spPr>
           <a:xfrm>
-            <a:off x="402661" y="1645081"/>
-            <a:ext cx="8339668" cy="3115202"/>
+            <a:off x="457200" y="1130876"/>
+            <a:ext cx="8339668" cy="5561566"/>
           </a:xfrm>
         </p:spPr>
         <p:txBody>
           <a:bodyPr>
-            <a:normAutofit lnSpcReduction="10000"/>
+            <a:normAutofit/>
           </a:bodyPr>
           <a:lstStyle/>
           <a:p>
-            <a:pPr marL="0" indent="0">
-              <a:buNone/>
-            </a:pPr>
-            <a:r>
-              <a:rPr lang="en-US" sz="1600" dirty="0">
+            <a:r>
+              <a:rPr lang="en-US" b="1" dirty="0" err="1">
+                <a:solidFill>
+                  <a:schemeClr val="tx2">
+                    <a:lumMod val="75000"/>
+                  </a:schemeClr>
+                </a:solidFill>
+              </a:rPr>
+              <a:t>blastdbcmd</a:t>
+            </a:r>
+            <a:endParaRPr lang="en-US" b="1" dirty="0">
+              <a:solidFill>
+                <a:schemeClr val="tx2">
+                  <a:lumMod val="75000"/>
+                </a:schemeClr>
+              </a:solidFill>
+            </a:endParaRPr>
+          </a:p>
+          <a:p>
+            <a:pPr marL="0" indent="0">
+              <a:buNone/>
+            </a:pPr>
+            <a:r>
+              <a:rPr lang="en-US" sz="2800" dirty="0" err="1">
                 <a:latin typeface="Courier New"/>
                 <a:cs typeface="Courier New"/>
               </a:rPr>
-              <a:t># Use </a:t>
-            </a:r>
-            <a:r>
-              <a:rPr lang="en-US" sz="1600" dirty="0" err="1">
+              <a:t>blastdbcmd</a:t>
+            </a:r>
+            <a:r>
+              <a:rPr lang="en-US" sz="2800" dirty="0">
                 <a:latin typeface="Courier New"/>
                 <a:cs typeface="Courier New"/>
               </a:rPr>
-              <a:t>Gi</a:t>
-            </a:r>
-            <a:r>
-              <a:rPr lang="en-US" sz="1600" dirty="0">
+              <a:t> -</a:t>
+            </a:r>
+            <a:r>
+              <a:rPr lang="en-US" sz="2800" dirty="0" err="1">
                 <a:latin typeface="Courier New"/>
                 <a:cs typeface="Courier New"/>
               </a:rPr>
-              <a:t> ID to search*</a:t>
+              <a:t>db</a:t>
+            </a:r>
+            <a:r>
+              <a:rPr lang="en-US" sz="2800" dirty="0">
+                <a:latin typeface="Courier New"/>
+                <a:cs typeface="Courier New"/>
+              </a:rPr>
+              <a:t> ../</a:t>
+            </a:r>
+            <a:r>
+              <a:rPr lang="en-US" sz="2800" dirty="0" err="1">
+                <a:latin typeface="Courier New"/>
+                <a:cs typeface="Courier New"/>
+              </a:rPr>
+              <a:t>db</a:t>
+            </a:r>
+            <a:r>
+              <a:rPr lang="en-US" sz="2800" dirty="0">
+                <a:latin typeface="Courier New"/>
+                <a:cs typeface="Courier New"/>
+              </a:rPr>
+              <a:t>/MG1655 -info</a:t>
+            </a:r>
+          </a:p>
+          <a:p>
+            <a:pPr marL="0" indent="0">
+              <a:buNone/>
+            </a:pPr>
+            <a:endParaRPr lang="en-US" dirty="0"/>
+          </a:p>
+          <a:p>
+            <a:pPr marL="0" indent="0">
+              <a:buNone/>
+            </a:pPr>
+            <a:r>
+              <a:rPr lang="en-US" dirty="0"/>
+              <a:t>Extract sequences from the database</a:t>
+            </a:r>
+          </a:p>
+          <a:p>
+            <a:pPr marL="0" indent="0">
+              <a:buNone/>
+            </a:pPr>
+            <a:r>
+              <a:rPr lang="en-US" sz="2800" dirty="0" err="1">
+                <a:latin typeface="Courier New"/>
+                <a:cs typeface="Courier New"/>
+              </a:rPr>
+              <a:t>blastdbcmd</a:t>
+            </a:r>
+            <a:r>
+              <a:rPr lang="en-US" sz="2800" dirty="0">
+                <a:latin typeface="Courier New"/>
+                <a:cs typeface="Courier New"/>
+              </a:rPr>
+              <a:t> –</a:t>
+            </a:r>
+            <a:r>
+              <a:rPr lang="en-US" sz="2800" dirty="0" err="1">
+                <a:latin typeface="Courier New"/>
+                <a:cs typeface="Courier New"/>
+              </a:rPr>
+              <a:t>db</a:t>
+            </a:r>
+            <a:r>
+              <a:rPr lang="en-US" sz="2800" dirty="0">
+                <a:latin typeface="Courier New"/>
+                <a:cs typeface="Courier New"/>
+              </a:rPr>
+              <a:t> ../</a:t>
+            </a:r>
+            <a:r>
+              <a:rPr lang="en-US" sz="2800" dirty="0" err="1">
+                <a:latin typeface="Courier New"/>
+                <a:cs typeface="Courier New"/>
+              </a:rPr>
+              <a:t>db</a:t>
+            </a:r>
+            <a:r>
+              <a:rPr lang="en-US" sz="2800" dirty="0">
+                <a:latin typeface="Courier New"/>
+                <a:cs typeface="Courier New"/>
+              </a:rPr>
+              <a:t>/MG1655 \</a:t>
+            </a:r>
+          </a:p>
+          <a:p>
+            <a:pPr marL="0" indent="0">
+              <a:buNone/>
+            </a:pPr>
+            <a:r>
+              <a:rPr lang="en-US" sz="2800" dirty="0">
+                <a:latin typeface="Courier New"/>
+                <a:cs typeface="Courier New"/>
+              </a:rPr>
+              <a:t> -entry all -range 150-220</a:t>
             </a:r>
           </a:p>
           <a:p>
@@ -8516,74 +8578,6 @@
               <a:buNone/>
             </a:pPr>
             <a:r>
-              <a:rPr lang="en-US" sz="2800" dirty="0" err="1">
-                <a:latin typeface="Courier New"/>
-                <a:cs typeface="Courier New"/>
-              </a:rPr>
-              <a:t>blastdbcmd</a:t>
-            </a:r>
-            <a:r>
-              <a:rPr lang="en-US" sz="2800" dirty="0">
-                <a:latin typeface="Courier New"/>
-                <a:cs typeface="Courier New"/>
-              </a:rPr>
-              <a:t> –</a:t>
-            </a:r>
-            <a:r>
-              <a:rPr lang="en-US" sz="2800" dirty="0" err="1">
-                <a:latin typeface="Courier New"/>
-                <a:cs typeface="Courier New"/>
-              </a:rPr>
-              <a:t>db</a:t>
-            </a:r>
-            <a:r>
-              <a:rPr lang="en-US" sz="2800" dirty="0">
-                <a:latin typeface="Courier New"/>
-                <a:cs typeface="Courier New"/>
-              </a:rPr>
-              <a:t> ../</a:t>
-            </a:r>
-            <a:r>
-              <a:rPr lang="en-US" sz="2800" dirty="0" err="1">
-                <a:latin typeface="Courier New"/>
-                <a:cs typeface="Courier New"/>
-              </a:rPr>
-              <a:t>db</a:t>
-            </a:r>
-            <a:r>
-              <a:rPr lang="en-US" sz="2800" dirty="0">
-                <a:latin typeface="Courier New"/>
-                <a:cs typeface="Courier New"/>
-              </a:rPr>
-              <a:t>/MG1655 \</a:t>
-            </a:r>
-          </a:p>
-          <a:p>
-            <a:pPr marL="0" indent="0">
-              <a:buNone/>
-            </a:pPr>
-            <a:r>
-              <a:rPr lang="en-US" sz="2800" dirty="0">
-                <a:latin typeface="Courier New"/>
-                <a:cs typeface="Courier New"/>
-              </a:rPr>
-              <a:t> -entry 556503834 -range 150-220</a:t>
-            </a:r>
-          </a:p>
-          <a:p>
-            <a:pPr marL="0" indent="0">
-              <a:buNone/>
-            </a:pPr>
-            <a:endParaRPr lang="en-US" sz="1600" dirty="0">
-              <a:latin typeface="Courier New"/>
-              <a:cs typeface="Courier New"/>
-            </a:endParaRPr>
-          </a:p>
-          <a:p>
-            <a:pPr marL="0" indent="0">
-              <a:buNone/>
-            </a:pPr>
-            <a:r>
               <a:rPr lang="en-US" sz="1600" dirty="0">
                 <a:latin typeface="Courier New"/>
                 <a:cs typeface="Courier New"/>
@@ -8633,14 +8627,20 @@
       </p:sp>
       <p:sp>
         <p:nvSpPr>
-          <p:cNvPr id="4" name="TextBox 3"/>
+          <p:cNvPr id="4" name="TextBox 3">
+            <a:extLst>
+              <a:ext uri="{FF2B5EF4-FFF2-40B4-BE49-F238E27FC236}">
+                <a16:creationId xmlns:a16="http://schemas.microsoft.com/office/drawing/2014/main" id="{58420D98-30AC-5F4D-876D-3E8705458CA9}"/>
+              </a:ext>
+            </a:extLst>
+          </p:cNvPr>
           <p:cNvSpPr txBox="1"/>
           <p:nvPr/>
         </p:nvSpPr>
         <p:spPr>
           <a:xfrm>
-            <a:off x="523269" y="5882216"/>
-            <a:ext cx="6371982" cy="461665"/>
+            <a:off x="553064" y="6060142"/>
+            <a:ext cx="4718471" cy="523220"/>
           </a:xfrm>
           <a:prstGeom prst="rect">
             <a:avLst/>
@@ -8654,76 +8654,20 @@
           <a:lstStyle/>
           <a:p>
             <a:r>
-              <a:rPr lang="en-US" sz="1200" dirty="0"/>
-              <a:t>* Database formatting must add –</a:t>
-            </a:r>
-            <a:r>
-              <a:rPr lang="en-US" sz="1200" dirty="0" err="1"/>
-              <a:t>parse_seqids</a:t>
-            </a:r>
-            <a:endParaRPr lang="en-US" sz="1200" dirty="0"/>
-          </a:p>
-          <a:p>
-            <a:r>
-              <a:rPr lang="en-US" sz="1200" dirty="0" err="1">
-                <a:latin typeface="Courier New"/>
-                <a:cs typeface="Courier New"/>
-              </a:rPr>
-              <a:t>makeblastdb</a:t>
-            </a:r>
-            <a:r>
-              <a:rPr lang="en-US" sz="1200" dirty="0">
-                <a:latin typeface="Courier New"/>
-                <a:cs typeface="Courier New"/>
-              </a:rPr>
-              <a:t> -in MG1655.fasta -out MG1655 -</a:t>
-            </a:r>
-            <a:r>
-              <a:rPr lang="en-US" sz="1200" dirty="0" err="1">
-                <a:latin typeface="Courier New"/>
-                <a:cs typeface="Courier New"/>
-              </a:rPr>
-              <a:t>dbtype</a:t>
-            </a:r>
-            <a:r>
-              <a:rPr lang="en-US" sz="1200" dirty="0">
-                <a:latin typeface="Courier New"/>
-                <a:cs typeface="Courier New"/>
-              </a:rPr>
-              <a:t> </a:t>
-            </a:r>
-            <a:r>
-              <a:rPr lang="en-US" sz="1200" dirty="0" err="1">
-                <a:latin typeface="Courier New"/>
-                <a:cs typeface="Courier New"/>
-              </a:rPr>
-              <a:t>nucl</a:t>
-            </a:r>
-            <a:r>
-              <a:rPr lang="en-US" sz="1200" dirty="0">
-                <a:latin typeface="Courier New"/>
-                <a:cs typeface="Courier New"/>
-              </a:rPr>
-              <a:t> -</a:t>
-            </a:r>
-            <a:r>
-              <a:rPr lang="en-US" sz="1200" dirty="0" err="1">
-                <a:latin typeface="Courier New"/>
-                <a:cs typeface="Courier New"/>
-              </a:rPr>
-              <a:t>parse_seqids</a:t>
-            </a:r>
-            <a:endParaRPr lang="en-US" sz="1200" dirty="0">
-              <a:latin typeface="Courier New"/>
-              <a:cs typeface="Courier New"/>
-            </a:endParaRPr>
+              <a:rPr lang="en-US" sz="2800" dirty="0">
+                <a:solidFill>
+                  <a:srgbClr val="FF0000"/>
+                </a:solidFill>
+              </a:rPr>
+              <a:t>* Require specific name format</a:t>
+            </a:r>
           </a:p>
         </p:txBody>
       </p:sp>
     </p:spTree>
     <p:extLst>
       <p:ext uri="{BB962C8B-B14F-4D97-AF65-F5344CB8AC3E}">
-        <p14:creationId xmlns:p14="http://schemas.microsoft.com/office/powerpoint/2010/main" val="428381979"/>
+        <p14:creationId xmlns:p14="http://schemas.microsoft.com/office/powerpoint/2010/main" val="3120825335"/>
       </p:ext>
     </p:extLst>
   </p:cSld>
@@ -8789,62 +8733,62 @@
         </p:nvSpPr>
         <p:spPr>
           <a:xfrm>
-            <a:off x="2177124" y="2068040"/>
-            <a:ext cx="4897702" cy="3112484"/>
+            <a:off x="2060245" y="1483648"/>
+            <a:ext cx="5791219" cy="4710895"/>
           </a:xfrm>
         </p:spPr>
         <p:txBody>
           <a:bodyPr>
-            <a:normAutofit/>
+            <a:noAutofit/>
           </a:bodyPr>
           <a:lstStyle/>
           <a:p>
             <a:r>
-              <a:rPr lang="en-US" dirty="0"/>
+              <a:rPr lang="en-US" sz="2800" dirty="0"/>
               <a:t>Make a </a:t>
             </a:r>
             <a:r>
-              <a:rPr lang="en-US" dirty="0" err="1"/>
+              <a:rPr lang="en-US" sz="2800" dirty="0" err="1"/>
               <a:t>dotplot</a:t>
             </a:r>
-            <a:endParaRPr lang="en-US" dirty="0"/>
-          </a:p>
-          <a:p>
-            <a:r>
-              <a:rPr lang="en-US" dirty="0"/>
+            <a:endParaRPr lang="en-US" sz="2800" dirty="0"/>
+          </a:p>
+          <a:p>
+            <a:r>
+              <a:rPr lang="en-US" sz="2800" dirty="0"/>
               <a:t>Create BLAST database</a:t>
             </a:r>
           </a:p>
           <a:p>
             <a:r>
-              <a:rPr lang="en-US" dirty="0"/>
+              <a:rPr lang="en-US" sz="2800" dirty="0"/>
               <a:t>BLASTN</a:t>
             </a:r>
           </a:p>
           <a:p>
             <a:r>
-              <a:rPr lang="en-US" dirty="0"/>
+              <a:rPr lang="en-US" sz="2800" dirty="0"/>
               <a:t>BLASTP</a:t>
             </a:r>
           </a:p>
           <a:p>
             <a:r>
-              <a:rPr lang="en-US" dirty="0"/>
+              <a:rPr lang="en-US" sz="2800" dirty="0"/>
               <a:t>Extract sequences from database</a:t>
             </a:r>
           </a:p>
           <a:p>
             <a:r>
-              <a:rPr lang="en-US" dirty="0"/>
+              <a:rPr lang="en-US" sz="2800" dirty="0"/>
               <a:t>BWA alignment</a:t>
             </a:r>
           </a:p>
           <a:p>
             <a:r>
-              <a:rPr lang="en-US" dirty="0" err="1"/>
+              <a:rPr lang="en-US" sz="2800" dirty="0" err="1"/>
               <a:t>SAMtools</a:t>
             </a:r>
-            <a:endParaRPr lang="en-US" dirty="0"/>
+            <a:endParaRPr lang="en-US" sz="2800" dirty="0"/>
           </a:p>
         </p:txBody>
       </p:sp>
@@ -8888,19 +8832,22 @@
             <p:ph type="title"/>
           </p:nvPr>
         </p:nvSpPr>
-        <p:spPr>
-          <a:xfrm>
-            <a:off x="457200" y="274638"/>
-            <a:ext cx="8229600" cy="924806"/>
-          </a:xfrm>
-        </p:spPr>
+        <p:spPr/>
         <p:txBody>
           <a:bodyPr/>
           <a:lstStyle/>
           <a:p>
             <a:r>
               <a:rPr lang="en-US" dirty="0"/>
-              <a:t>Goal of today’s lab</a:t>
+              <a:t>Extract sequences using </a:t>
+            </a:r>
+            <a:r>
+              <a:rPr lang="en-US" dirty="0" err="1"/>
+              <a:t>Gi</a:t>
+            </a:r>
+            <a:r>
+              <a:rPr lang="en-US" dirty="0"/>
+              <a:t> ID</a:t>
             </a:r>
           </a:p>
         </p:txBody>
@@ -8917,87 +8864,263 @@
         </p:nvSpPr>
         <p:spPr>
           <a:xfrm>
-            <a:off x="1651030" y="1429213"/>
-            <a:ext cx="6077529" cy="3956979"/>
+            <a:off x="402661" y="1645081"/>
+            <a:ext cx="8339668" cy="3115202"/>
           </a:xfrm>
         </p:spPr>
         <p:txBody>
           <a:bodyPr>
-            <a:noAutofit/>
+            <a:normAutofit lnSpcReduction="10000"/>
           </a:bodyPr>
           <a:lstStyle/>
           <a:p>
+            <a:pPr marL="0" indent="0">
+              <a:buNone/>
+            </a:pPr>
+            <a:r>
+              <a:rPr lang="en-US" sz="1600" dirty="0">
+                <a:latin typeface="Courier New"/>
+                <a:cs typeface="Courier New"/>
+              </a:rPr>
+              <a:t># Use </a:t>
+            </a:r>
+            <a:r>
+              <a:rPr lang="en-US" sz="1600" dirty="0" err="1">
+                <a:latin typeface="Courier New"/>
+                <a:cs typeface="Courier New"/>
+              </a:rPr>
+              <a:t>Gi</a:t>
+            </a:r>
+            <a:r>
+              <a:rPr lang="en-US" sz="1600" dirty="0">
+                <a:latin typeface="Courier New"/>
+                <a:cs typeface="Courier New"/>
+              </a:rPr>
+              <a:t> ID to search*</a:t>
+            </a:r>
+          </a:p>
+          <a:p>
+            <a:pPr marL="0" indent="0">
+              <a:buNone/>
+            </a:pPr>
+            <a:endParaRPr lang="en-US" sz="1600" dirty="0">
+              <a:latin typeface="Courier New"/>
+              <a:cs typeface="Courier New"/>
+            </a:endParaRPr>
+          </a:p>
+          <a:p>
+            <a:pPr marL="0" indent="0">
+              <a:buNone/>
+            </a:pPr>
+            <a:r>
+              <a:rPr lang="en-US" sz="2800" dirty="0" err="1">
+                <a:latin typeface="Courier New"/>
+                <a:cs typeface="Courier New"/>
+              </a:rPr>
+              <a:t>blastdbcmd</a:t>
+            </a:r>
             <a:r>
               <a:rPr lang="en-US" sz="2800" dirty="0">
-                <a:solidFill>
-                  <a:schemeClr val="bg1">
-                    <a:lumMod val="75000"/>
-                  </a:schemeClr>
-                </a:solidFill>
-              </a:rPr>
-              <a:t>Make a </a:t>
+                <a:latin typeface="Courier New"/>
+                <a:cs typeface="Courier New"/>
+              </a:rPr>
+              <a:t> –</a:t>
             </a:r>
             <a:r>
               <a:rPr lang="en-US" sz="2800" dirty="0" err="1">
-                <a:solidFill>
-                  <a:schemeClr val="bg1">
-                    <a:lumMod val="75000"/>
-                  </a:schemeClr>
-                </a:solidFill>
-              </a:rPr>
-              <a:t>dotplot</a:t>
-            </a:r>
-            <a:endParaRPr lang="en-US" sz="2800" dirty="0">
-              <a:solidFill>
-                <a:schemeClr val="bg1">
-                  <a:lumMod val="75000"/>
-                </a:schemeClr>
-              </a:solidFill>
+                <a:latin typeface="Courier New"/>
+                <a:cs typeface="Courier New"/>
+              </a:rPr>
+              <a:t>db</a:t>
+            </a:r>
+            <a:r>
+              <a:rPr lang="en-US" sz="2800" dirty="0">
+                <a:latin typeface="Courier New"/>
+                <a:cs typeface="Courier New"/>
+              </a:rPr>
+              <a:t> ../</a:t>
+            </a:r>
+            <a:r>
+              <a:rPr lang="en-US" sz="2800" dirty="0" err="1">
+                <a:latin typeface="Courier New"/>
+                <a:cs typeface="Courier New"/>
+              </a:rPr>
+              <a:t>db</a:t>
+            </a:r>
+            <a:r>
+              <a:rPr lang="en-US" sz="2800" dirty="0">
+                <a:latin typeface="Courier New"/>
+                <a:cs typeface="Courier New"/>
+              </a:rPr>
+              <a:t>/MG1655 \</a:t>
+            </a:r>
+          </a:p>
+          <a:p>
+            <a:pPr marL="0" indent="0">
+              <a:buNone/>
+            </a:pPr>
+            <a:r>
+              <a:rPr lang="en-US" sz="2800" dirty="0">
+                <a:latin typeface="Courier New"/>
+                <a:cs typeface="Courier New"/>
+              </a:rPr>
+              <a:t> -entry 556503834 -range 150-220</a:t>
+            </a:r>
+          </a:p>
+          <a:p>
+            <a:pPr marL="0" indent="0">
+              <a:buNone/>
+            </a:pPr>
+            <a:endParaRPr lang="en-US" sz="1600" dirty="0">
+              <a:latin typeface="Courier New"/>
+              <a:cs typeface="Courier New"/>
             </a:endParaRPr>
           </a:p>
           <a:p>
-            <a:r>
-              <a:rPr lang="en-US" sz="2800" dirty="0"/>
-              <a:t>Create BLAST database</a:t>
-            </a:r>
-          </a:p>
-          <a:p>
-            <a:r>
-              <a:rPr lang="en-US" sz="2800" dirty="0"/>
-              <a:t>BLASTN</a:t>
-            </a:r>
-          </a:p>
-          <a:p>
-            <a:r>
-              <a:rPr lang="en-US" sz="2800" dirty="0"/>
-              <a:t>BLASTP</a:t>
-            </a:r>
-          </a:p>
-          <a:p>
-            <a:r>
-              <a:rPr lang="en-US" sz="2800" dirty="0"/>
-              <a:t>Extract sequences from database</a:t>
-            </a:r>
-          </a:p>
-          <a:p>
-            <a:r>
-              <a:rPr lang="en-US" sz="2800" dirty="0"/>
-              <a:t>BWA alignment</a:t>
-            </a:r>
-          </a:p>
-          <a:p>
-            <a:r>
-              <a:rPr lang="en-US" sz="2800" dirty="0" err="1"/>
-              <a:t>SAMtools</a:t>
-            </a:r>
-            <a:endParaRPr lang="en-US" sz="2800" dirty="0"/>
+            <a:pPr marL="0" indent="0">
+              <a:buNone/>
+            </a:pPr>
+            <a:r>
+              <a:rPr lang="en-US" sz="1600" dirty="0">
+                <a:latin typeface="Courier New"/>
+                <a:cs typeface="Courier New"/>
+              </a:rPr>
+              <a:t>---output---</a:t>
+            </a:r>
+          </a:p>
+          <a:p>
+            <a:pPr marL="0" indent="0">
+              <a:buNone/>
+            </a:pPr>
+            <a:r>
+              <a:rPr lang="en-US" sz="1600" dirty="0">
+                <a:latin typeface="Courier New"/>
+                <a:cs typeface="Courier New"/>
+              </a:rPr>
+              <a:t>&gt;gi|556503834|ref|NC_000913.3|:150-220 Escherichia coli str. K-12 </a:t>
+            </a:r>
+            <a:r>
+              <a:rPr lang="en-US" sz="1600" dirty="0" err="1">
+                <a:latin typeface="Courier New"/>
+                <a:cs typeface="Courier New"/>
+              </a:rPr>
+              <a:t>substr</a:t>
+            </a:r>
+            <a:r>
+              <a:rPr lang="en-US" sz="1600" dirty="0">
+                <a:latin typeface="Courier New"/>
+                <a:cs typeface="Courier New"/>
+              </a:rPr>
+              <a:t>. MG1655, complete genome</a:t>
+            </a:r>
+          </a:p>
+          <a:p>
+            <a:pPr marL="0" indent="0">
+              <a:buNone/>
+            </a:pPr>
+            <a:r>
+              <a:rPr lang="en-US" sz="1600" dirty="0">
+                <a:latin typeface="Courier New"/>
+                <a:cs typeface="Courier New"/>
+              </a:rPr>
+              <a:t>AGCGCACAGACAGATAAAAATTACAGAGTACACAACATCCATGAAACGCATTAGCACCACCATTACCACCA</a:t>
+            </a:r>
+          </a:p>
+        </p:txBody>
+      </p:sp>
+      <p:sp>
+        <p:nvSpPr>
+          <p:cNvPr id="4" name="TextBox 3"/>
+          <p:cNvSpPr txBox="1"/>
+          <p:nvPr/>
+        </p:nvSpPr>
+        <p:spPr>
+          <a:xfrm>
+            <a:off x="523269" y="5882216"/>
+            <a:ext cx="6371982" cy="461665"/>
+          </a:xfrm>
+          <a:prstGeom prst="rect">
+            <a:avLst/>
+          </a:prstGeom>
+          <a:noFill/>
+        </p:spPr>
+        <p:txBody>
+          <a:bodyPr wrap="none" rtlCol="0">
+            <a:spAutoFit/>
+          </a:bodyPr>
+          <a:lstStyle/>
+          <a:p>
+            <a:r>
+              <a:rPr lang="en-US" sz="1200" dirty="0"/>
+              <a:t>* Database formatting must add –</a:t>
+            </a:r>
+            <a:r>
+              <a:rPr lang="en-US" sz="1200" dirty="0" err="1"/>
+              <a:t>parse_seqids</a:t>
+            </a:r>
+            <a:endParaRPr lang="en-US" sz="1200" dirty="0"/>
+          </a:p>
+          <a:p>
+            <a:r>
+              <a:rPr lang="en-US" sz="1200" dirty="0" err="1">
+                <a:latin typeface="Courier New"/>
+                <a:cs typeface="Courier New"/>
+              </a:rPr>
+              <a:t>makeblastdb</a:t>
+            </a:r>
+            <a:r>
+              <a:rPr lang="en-US" sz="1200" dirty="0">
+                <a:latin typeface="Courier New"/>
+                <a:cs typeface="Courier New"/>
+              </a:rPr>
+              <a:t> -in MG1655.fasta -out MG1655 -</a:t>
+            </a:r>
+            <a:r>
+              <a:rPr lang="en-US" sz="1200" dirty="0" err="1">
+                <a:latin typeface="Courier New"/>
+                <a:cs typeface="Courier New"/>
+              </a:rPr>
+              <a:t>dbtype</a:t>
+            </a:r>
+            <a:r>
+              <a:rPr lang="en-US" sz="1200" dirty="0">
+                <a:latin typeface="Courier New"/>
+                <a:cs typeface="Courier New"/>
+              </a:rPr>
+              <a:t> </a:t>
+            </a:r>
+            <a:r>
+              <a:rPr lang="en-US" sz="1200" dirty="0" err="1">
+                <a:latin typeface="Courier New"/>
+                <a:cs typeface="Courier New"/>
+              </a:rPr>
+              <a:t>nucl</a:t>
+            </a:r>
+            <a:r>
+              <a:rPr lang="en-US" sz="1200" dirty="0">
+                <a:latin typeface="Courier New"/>
+                <a:cs typeface="Courier New"/>
+              </a:rPr>
+              <a:t> -</a:t>
+            </a:r>
+            <a:r>
+              <a:rPr lang="en-US" sz="1200" dirty="0" err="1">
+                <a:latin typeface="Courier New"/>
+                <a:cs typeface="Courier New"/>
+              </a:rPr>
+              <a:t>parse_seqids</a:t>
+            </a:r>
+            <a:endParaRPr lang="en-US" sz="1200" dirty="0">
+              <a:latin typeface="Courier New"/>
+              <a:cs typeface="Courier New"/>
+            </a:endParaRPr>
           </a:p>
         </p:txBody>
       </p:sp>
     </p:spTree>
     <p:extLst>
       <p:ext uri="{BB962C8B-B14F-4D97-AF65-F5344CB8AC3E}">
-        <p14:creationId xmlns:p14="http://schemas.microsoft.com/office/powerpoint/2010/main" val="1724176922"/>
+        <p14:creationId xmlns:p14="http://schemas.microsoft.com/office/powerpoint/2010/main" val="428381979"/>
       </p:ext>
     </p:extLst>
   </p:cSld>
@@ -9034,14 +9157,19 @@
             <p:ph type="title"/>
           </p:nvPr>
         </p:nvSpPr>
-        <p:spPr/>
+        <p:spPr>
+          <a:xfrm>
+            <a:off x="457200" y="274638"/>
+            <a:ext cx="8229600" cy="924806"/>
+          </a:xfrm>
+        </p:spPr>
         <p:txBody>
           <a:bodyPr/>
           <a:lstStyle/>
           <a:p>
             <a:r>
               <a:rPr lang="en-US" dirty="0"/>
-              <a:t>Step 1: Create a BWA database</a:t>
+              <a:t>Goal of today’s lab</a:t>
             </a:r>
           </a:p>
         </p:txBody>
@@ -9058,179 +9186,87 @@
         </p:nvSpPr>
         <p:spPr>
           <a:xfrm>
-            <a:off x="1103787" y="1221058"/>
-            <a:ext cx="6936425" cy="5147212"/>
+            <a:off x="1651030" y="1429213"/>
+            <a:ext cx="6077529" cy="3956979"/>
           </a:xfrm>
         </p:spPr>
         <p:txBody>
           <a:bodyPr>
-            <a:normAutofit lnSpcReduction="10000"/>
+            <a:noAutofit/>
           </a:bodyPr>
           <a:lstStyle/>
           <a:p>
             <a:r>
-              <a:rPr lang="en-US" b="1" dirty="0" err="1">
+              <a:rPr lang="en-US" sz="2800" dirty="0">
                 <a:solidFill>
-                  <a:srgbClr val="17375E"/>
+                  <a:schemeClr val="bg1">
+                    <a:lumMod val="75000"/>
+                  </a:schemeClr>
                 </a:solidFill>
               </a:rPr>
-              <a:t>bwa</a:t>
-            </a:r>
-            <a:r>
-              <a:rPr lang="en-US" b="1" dirty="0">
+              <a:t>Make a </a:t>
+            </a:r>
+            <a:r>
+              <a:rPr lang="en-US" sz="2800" dirty="0" err="1">
                 <a:solidFill>
-                  <a:srgbClr val="17375E"/>
+                  <a:schemeClr val="bg1">
+                    <a:lumMod val="75000"/>
+                  </a:schemeClr>
                 </a:solidFill>
               </a:rPr>
-              <a:t> index</a:t>
-            </a:r>
-          </a:p>
-          <a:p>
-            <a:pPr marL="0" indent="0">
-              <a:buNone/>
-            </a:pPr>
-            <a:r>
-              <a:rPr lang="en-US" dirty="0"/>
-              <a:t>A program to create a BWA database</a:t>
-            </a:r>
-          </a:p>
-          <a:p>
-            <a:pPr marL="0" indent="0">
-              <a:buNone/>
-            </a:pPr>
-            <a:endParaRPr lang="en-US" dirty="0">
-              <a:latin typeface="Courier New"/>
-              <a:cs typeface="Courier New"/>
+              <a:t>dotplot</a:t>
+            </a:r>
+            <a:endParaRPr lang="en-US" sz="2800" dirty="0">
+              <a:solidFill>
+                <a:schemeClr val="bg1">
+                  <a:lumMod val="75000"/>
+                </a:schemeClr>
+              </a:solidFill>
             </a:endParaRPr>
           </a:p>
           <a:p>
-            <a:pPr marL="0" indent="0">
-              <a:buNone/>
-            </a:pPr>
-            <a:r>
-              <a:rPr lang="en-US" sz="2800" dirty="0">
-                <a:latin typeface="Courier New"/>
-                <a:cs typeface="Courier New"/>
-              </a:rPr>
-              <a:t># go to the </a:t>
-            </a:r>
-            <a:r>
-              <a:rPr lang="en-US" sz="2800" dirty="0" err="1">
-                <a:latin typeface="Courier New"/>
-                <a:cs typeface="Courier New"/>
-              </a:rPr>
-              <a:t>db</a:t>
-            </a:r>
-            <a:r>
-              <a:rPr lang="en-US" sz="2800" dirty="0">
-                <a:latin typeface="Courier New"/>
-                <a:cs typeface="Courier New"/>
-              </a:rPr>
-              <a:t> directory</a:t>
-            </a:r>
-          </a:p>
-          <a:p>
-            <a:pPr marL="0" indent="0">
-              <a:buNone/>
-            </a:pPr>
-            <a:r>
-              <a:rPr lang="en-US" sz="2800" dirty="0">
-                <a:latin typeface="Courier New"/>
-                <a:cs typeface="Courier New"/>
-              </a:rPr>
-              <a:t>cd </a:t>
-            </a:r>
-            <a:r>
-              <a:rPr lang="en-US" sz="2800" dirty="0" err="1">
-                <a:latin typeface="Courier New"/>
-                <a:cs typeface="Courier New"/>
-              </a:rPr>
-              <a:t>db</a:t>
-            </a:r>
-            <a:endParaRPr lang="en-US" sz="2800" dirty="0">
-              <a:latin typeface="Courier New"/>
-              <a:cs typeface="Courier New"/>
-            </a:endParaRPr>
-          </a:p>
-          <a:p>
-            <a:pPr marL="0" indent="0">
-              <a:buNone/>
-            </a:pPr>
-            <a:endParaRPr lang="en-US" sz="2800" dirty="0">
-              <a:latin typeface="Courier New"/>
-              <a:cs typeface="Courier New"/>
-            </a:endParaRPr>
-          </a:p>
-          <a:p>
-            <a:pPr marL="0" indent="0">
-              <a:buNone/>
-            </a:pPr>
-            <a:r>
-              <a:rPr lang="en-US" sz="2800" dirty="0">
-                <a:latin typeface="Courier New"/>
-                <a:cs typeface="Courier New"/>
-              </a:rPr>
-              <a:t>bwa</a:t>
-            </a:r>
-          </a:p>
-          <a:p>
-            <a:pPr marL="0" indent="0">
-              <a:buNone/>
-            </a:pPr>
-            <a:r>
-              <a:rPr lang="en-US" sz="2800" dirty="0">
-                <a:latin typeface="Courier New"/>
-                <a:cs typeface="Courier New"/>
-              </a:rPr>
-              <a:t>bwa index</a:t>
-            </a:r>
-          </a:p>
-          <a:p>
-            <a:pPr marL="0" indent="0">
-              <a:buNone/>
-            </a:pPr>
-            <a:endParaRPr lang="en-US" sz="2800" dirty="0">
-              <a:latin typeface="Courier New"/>
-              <a:cs typeface="Courier New"/>
-            </a:endParaRPr>
-          </a:p>
-          <a:p>
-            <a:pPr marL="0" indent="0">
-              <a:buNone/>
-            </a:pPr>
-            <a:r>
-              <a:rPr lang="en-US" sz="2800" dirty="0">
-                <a:latin typeface="Courier New"/>
-                <a:cs typeface="Courier New"/>
-              </a:rPr>
-              <a:t>### index</a:t>
-            </a:r>
-          </a:p>
-          <a:p>
-            <a:pPr marL="0" indent="0">
-              <a:buNone/>
-            </a:pPr>
-            <a:r>
-              <a:rPr lang="en-US" sz="2800" dirty="0" err="1">
-                <a:latin typeface="Courier New"/>
-                <a:cs typeface="Courier New"/>
-              </a:rPr>
-              <a:t>bwa</a:t>
-            </a:r>
-            <a:r>
-              <a:rPr lang="en-US" sz="2800" dirty="0">
-                <a:latin typeface="Courier New"/>
-                <a:cs typeface="Courier New"/>
-              </a:rPr>
-              <a:t> index MG1655.fasta</a:t>
-            </a:r>
+            <a:r>
+              <a:rPr lang="en-US" sz="2800" dirty="0"/>
+              <a:t>Create BLAST database</a:t>
+            </a:r>
+          </a:p>
+          <a:p>
+            <a:r>
+              <a:rPr lang="en-US" sz="2800" dirty="0"/>
+              <a:t>BLASTN</a:t>
+            </a:r>
+          </a:p>
+          <a:p>
+            <a:r>
+              <a:rPr lang="en-US" sz="2800" dirty="0"/>
+              <a:t>BLASTP</a:t>
+            </a:r>
+          </a:p>
+          <a:p>
+            <a:r>
+              <a:rPr lang="en-US" sz="2800" dirty="0"/>
+              <a:t>Extract sequences from database</a:t>
+            </a:r>
+          </a:p>
+          <a:p>
+            <a:r>
+              <a:rPr lang="en-US" sz="2800" dirty="0"/>
+              <a:t>BWA alignment</a:t>
+            </a:r>
+          </a:p>
+          <a:p>
+            <a:r>
+              <a:rPr lang="en-US" sz="2800" dirty="0" err="1"/>
+              <a:t>SAMtools</a:t>
+            </a:r>
+            <a:endParaRPr lang="en-US" sz="2800" dirty="0"/>
           </a:p>
         </p:txBody>
       </p:sp>
     </p:spTree>
     <p:extLst>
       <p:ext uri="{BB962C8B-B14F-4D97-AF65-F5344CB8AC3E}">
-        <p14:creationId xmlns:p14="http://schemas.microsoft.com/office/powerpoint/2010/main" val="2701650105"/>
+        <p14:creationId xmlns:p14="http://schemas.microsoft.com/office/powerpoint/2010/main" val="1724176922"/>
       </p:ext>
     </p:extLst>
   </p:cSld>
@@ -9273,12 +9309,8 @@
           <a:lstStyle/>
           <a:p>
             <a:r>
-              <a:rPr lang="en-US" dirty="0" err="1"/>
-              <a:t>Illumina</a:t>
-            </a:r>
-            <a:r>
               <a:rPr lang="en-US" dirty="0"/>
-              <a:t> data</a:t>
+              <a:t>Step 1: Create a BWA database</a:t>
             </a:r>
           </a:p>
         </p:txBody>
@@ -9295,8 +9327,8 @@
         </p:nvSpPr>
         <p:spPr>
           <a:xfrm>
-            <a:off x="313662" y="1047625"/>
-            <a:ext cx="8621868" cy="4828202"/>
+            <a:off x="1103787" y="1221058"/>
+            <a:ext cx="6936425" cy="5147212"/>
           </a:xfrm>
         </p:spPr>
         <p:txBody>
@@ -9305,233 +9337,161 @@
           </a:bodyPr>
           <a:lstStyle/>
           <a:p>
-            <a:pPr marL="0" indent="0">
-              <a:lnSpc>
-                <a:spcPct val="120000"/>
-              </a:lnSpc>
+            <a:r>
+              <a:rPr lang="en-US" b="1" dirty="0" err="1">
+                <a:solidFill>
+                  <a:srgbClr val="17375E"/>
+                </a:solidFill>
+              </a:rPr>
+              <a:t>bwa</a:t>
+            </a:r>
+            <a:r>
+              <a:rPr lang="en-US" b="1" dirty="0">
+                <a:solidFill>
+                  <a:srgbClr val="17375E"/>
+                </a:solidFill>
+              </a:rPr>
+              <a:t> index</a:t>
+            </a:r>
+          </a:p>
+          <a:p>
+            <a:pPr marL="0" indent="0">
               <a:buNone/>
             </a:pPr>
             <a:r>
               <a:rPr lang="en-US" dirty="0"/>
-              <a:t># check the current directory</a:t>
-            </a:r>
-          </a:p>
-          <a:p>
-            <a:pPr marL="0" indent="0">
-              <a:lnSpc>
-                <a:spcPct val="120000"/>
-              </a:lnSpc>
-              <a:buNone/>
-            </a:pPr>
+              <a:t>A program to create a BWA database</a:t>
+            </a:r>
+          </a:p>
+          <a:p>
+            <a:pPr marL="0" indent="0">
+              <a:buNone/>
+            </a:pPr>
+            <a:endParaRPr lang="en-US" dirty="0">
+              <a:latin typeface="Courier New"/>
+              <a:cs typeface="Courier New"/>
+            </a:endParaRPr>
+          </a:p>
+          <a:p>
+            <a:pPr marL="0" indent="0">
+              <a:buNone/>
+            </a:pPr>
+            <a:r>
+              <a:rPr lang="en-US" sz="2800" dirty="0">
+                <a:latin typeface="Courier New"/>
+                <a:cs typeface="Courier New"/>
+              </a:rPr>
+              <a:t># go to the </a:t>
+            </a:r>
             <a:r>
               <a:rPr lang="en-US" sz="2800" dirty="0" err="1">
-                <a:solidFill>
-                  <a:schemeClr val="bg1">
-                    <a:lumMod val="65000"/>
-                  </a:schemeClr>
-                </a:solidFill>
-                <a:latin typeface="Courier"/>
-                <a:cs typeface="Courier"/>
-              </a:rPr>
-              <a:t>pwd</a:t>
+                <a:latin typeface="Courier New"/>
+                <a:cs typeface="Courier New"/>
+              </a:rPr>
+              <a:t>db</a:t>
+            </a:r>
+            <a:r>
+              <a:rPr lang="en-US" sz="2800" dirty="0">
+                <a:latin typeface="Courier New"/>
+                <a:cs typeface="Courier New"/>
+              </a:rPr>
+              <a:t> directory</a:t>
+            </a:r>
+          </a:p>
+          <a:p>
+            <a:pPr marL="0" indent="0">
+              <a:buNone/>
+            </a:pPr>
+            <a:r>
+              <a:rPr lang="en-US" sz="2800" dirty="0">
+                <a:latin typeface="Courier New"/>
+                <a:cs typeface="Courier New"/>
+              </a:rPr>
+              <a:t>cd </a:t>
+            </a:r>
+            <a:r>
+              <a:rPr lang="en-US" sz="2800" dirty="0" err="1">
+                <a:latin typeface="Courier New"/>
+                <a:cs typeface="Courier New"/>
+              </a:rPr>
+              <a:t>db</a:t>
             </a:r>
             <a:endParaRPr lang="en-US" sz="2800" dirty="0">
-              <a:solidFill>
-                <a:schemeClr val="bg1">
-                  <a:lumMod val="65000"/>
-                </a:schemeClr>
-              </a:solidFill>
-              <a:latin typeface="Courier"/>
-              <a:cs typeface="Courier"/>
+              <a:latin typeface="Courier New"/>
+              <a:cs typeface="Courier New"/>
             </a:endParaRPr>
           </a:p>
           <a:p>
             <a:pPr marL="0" indent="0">
-              <a:lnSpc>
-                <a:spcPct val="120000"/>
-              </a:lnSpc>
+              <a:buNone/>
+            </a:pPr>
+            <a:endParaRPr lang="en-US" sz="2800" dirty="0">
+              <a:latin typeface="Courier New"/>
+              <a:cs typeface="Courier New"/>
+            </a:endParaRPr>
+          </a:p>
+          <a:p>
+            <a:pPr marL="0" indent="0">
               <a:buNone/>
             </a:pPr>
             <a:r>
               <a:rPr lang="en-US" sz="2800" dirty="0">
-                <a:solidFill>
-                  <a:schemeClr val="bg1">
-                    <a:lumMod val="65000"/>
-                  </a:schemeClr>
-                </a:solidFill>
-                <a:latin typeface="Courier"/>
-                <a:cs typeface="Courier"/>
-              </a:rPr>
-              <a:t>cd ..</a:t>
-            </a:r>
-          </a:p>
-          <a:p>
-            <a:pPr marL="0" indent="0">
-              <a:lnSpc>
-                <a:spcPct val="120000"/>
-              </a:lnSpc>
+                <a:latin typeface="Courier New"/>
+                <a:cs typeface="Courier New"/>
+              </a:rPr>
+              <a:t>bwa</a:t>
+            </a:r>
+          </a:p>
+          <a:p>
+            <a:pPr marL="0" indent="0">
+              <a:buNone/>
+            </a:pPr>
+            <a:r>
+              <a:rPr lang="en-US" sz="2800" dirty="0">
+                <a:latin typeface="Courier New"/>
+                <a:cs typeface="Courier New"/>
+              </a:rPr>
+              <a:t>bwa index</a:t>
+            </a:r>
+          </a:p>
+          <a:p>
+            <a:pPr marL="0" indent="0">
+              <a:buNone/>
+            </a:pPr>
+            <a:endParaRPr lang="en-US" sz="2800" dirty="0">
+              <a:latin typeface="Courier New"/>
+              <a:cs typeface="Courier New"/>
+            </a:endParaRPr>
+          </a:p>
+          <a:p>
+            <a:pPr marL="0" indent="0">
+              <a:buNone/>
+            </a:pPr>
+            <a:r>
+              <a:rPr lang="en-US" sz="2800" dirty="0">
+                <a:latin typeface="Courier New"/>
+                <a:cs typeface="Courier New"/>
+              </a:rPr>
+              <a:t>### index</a:t>
+            </a:r>
+          </a:p>
+          <a:p>
+            <a:pPr marL="0" indent="0">
               <a:buNone/>
             </a:pPr>
             <a:r>
               <a:rPr lang="en-US" sz="2800" dirty="0" err="1">
-                <a:solidFill>
-                  <a:schemeClr val="bg1">
-                    <a:lumMod val="65000"/>
-                  </a:schemeClr>
-                </a:solidFill>
-                <a:latin typeface="Courier"/>
-                <a:cs typeface="Courier"/>
-              </a:rPr>
-              <a:t>mkdir</a:t>
+                <a:latin typeface="Courier New"/>
+                <a:cs typeface="Courier New"/>
+              </a:rPr>
+              <a:t>bwa</a:t>
             </a:r>
             <a:r>
               <a:rPr lang="en-US" sz="2800" dirty="0">
-                <a:solidFill>
-                  <a:schemeClr val="bg1">
-                    <a:lumMod val="65000"/>
-                  </a:schemeClr>
-                </a:solidFill>
-                <a:latin typeface="Courier"/>
-                <a:cs typeface="Courier"/>
-              </a:rPr>
-              <a:t> alignment</a:t>
-            </a:r>
-          </a:p>
-          <a:p>
-            <a:pPr marL="0" indent="0">
-              <a:lnSpc>
-                <a:spcPct val="120000"/>
-              </a:lnSpc>
-              <a:buNone/>
-            </a:pPr>
-            <a:r>
-              <a:rPr lang="en-US" sz="2800" dirty="0">
-                <a:solidFill>
-                  <a:schemeClr val="bg1">
-                    <a:lumMod val="65000"/>
-                  </a:schemeClr>
-                </a:solidFill>
-                <a:latin typeface="Courier"/>
-                <a:cs typeface="Courier"/>
-              </a:rPr>
-              <a:t>cd alignment</a:t>
-            </a:r>
-          </a:p>
-          <a:p>
-            <a:pPr marL="0" indent="0">
-              <a:lnSpc>
-                <a:spcPct val="120000"/>
-              </a:lnSpc>
-              <a:buNone/>
-            </a:pPr>
-            <a:endParaRPr lang="en-US" dirty="0">
-              <a:latin typeface="Courier"/>
-              <a:cs typeface="Courier"/>
-            </a:endParaRPr>
-          </a:p>
-          <a:p>
-            <a:pPr>
-              <a:lnSpc>
-                <a:spcPct val="120000"/>
-              </a:lnSpc>
-            </a:pPr>
-            <a:r>
-              <a:rPr lang="en-US" dirty="0"/>
-              <a:t>data location</a:t>
-            </a:r>
-            <a:endParaRPr lang="fr-FR" dirty="0"/>
-          </a:p>
-          <a:p>
-            <a:pPr marL="0" indent="0">
-              <a:lnSpc>
-                <a:spcPct val="120000"/>
-              </a:lnSpc>
-              <a:buNone/>
-            </a:pPr>
-            <a:r>
-              <a:rPr lang="en-US" sz="1800" dirty="0"/>
-              <a:t>/homes/liu3zhen/teaching/datasets/MG1655_illumina/</a:t>
-            </a:r>
-          </a:p>
-          <a:p>
-            <a:pPr>
-              <a:buFont typeface="+mj-lt"/>
-              <a:buAutoNum type="arabicPeriod"/>
-            </a:pPr>
-            <a:r>
-              <a:rPr lang="fr-FR" sz="1800" dirty="0"/>
-              <a:t>MG1655.pair1.fq</a:t>
-            </a:r>
-          </a:p>
-          <a:p>
-            <a:pPr>
-              <a:buFont typeface="+mj-lt"/>
-              <a:buAutoNum type="arabicPeriod"/>
-            </a:pPr>
-            <a:r>
-              <a:rPr lang="fr-FR" sz="1800" dirty="0"/>
-              <a:t>MG1655.pair2.fq</a:t>
-            </a:r>
-          </a:p>
-        </p:txBody>
-      </p:sp>
-      <p:sp>
-        <p:nvSpPr>
-          <p:cNvPr id="4" name="TextBox 3">
-            <a:extLst>
-              <a:ext uri="{FF2B5EF4-FFF2-40B4-BE49-F238E27FC236}">
-                <a16:creationId xmlns:a16="http://schemas.microsoft.com/office/drawing/2014/main" id="{749C0462-B6B6-8B4F-ABCB-F5DD14588990}"/>
-              </a:ext>
-            </a:extLst>
-          </p:cNvPr>
-          <p:cNvSpPr txBox="1"/>
-          <p:nvPr/>
-        </p:nvSpPr>
-        <p:spPr>
-          <a:xfrm>
-            <a:off x="457200" y="6008963"/>
-            <a:ext cx="8219879" cy="461665"/>
-          </a:xfrm>
-          <a:prstGeom prst="rect">
-            <a:avLst/>
-          </a:prstGeom>
-          <a:noFill/>
-        </p:spPr>
-        <p:txBody>
-          <a:bodyPr wrap="none" rtlCol="0">
-            <a:spAutoFit/>
-          </a:bodyPr>
-          <a:lstStyle/>
-          <a:p>
-            <a:r>
-              <a:rPr lang="en-US" sz="2400" dirty="0">
-                <a:solidFill>
-                  <a:schemeClr val="bg1">
-                    <a:lumMod val="65000"/>
-                  </a:schemeClr>
-                </a:solidFill>
-              </a:rPr>
-              <a:t>cp /homes/liu3zhen/teaching/datasets/MG1655_illumina/*</a:t>
-            </a:r>
-            <a:r>
-              <a:rPr lang="en-US" sz="2400" dirty="0" err="1">
-                <a:solidFill>
-                  <a:schemeClr val="bg1">
-                    <a:lumMod val="65000"/>
-                  </a:schemeClr>
-                </a:solidFill>
-              </a:rPr>
-              <a:t>fq</a:t>
-            </a:r>
-            <a:r>
-              <a:rPr lang="en-US" sz="2400" dirty="0">
-                <a:solidFill>
-                  <a:schemeClr val="bg1">
-                    <a:lumMod val="65000"/>
-                  </a:schemeClr>
-                </a:solidFill>
-              </a:rPr>
-              <a:t> .</a:t>
+                <a:latin typeface="Courier New"/>
+                <a:cs typeface="Courier New"/>
+              </a:rPr>
+              <a:t> index MG1655.fasta</a:t>
             </a:r>
           </a:p>
         </p:txBody>
@@ -9539,7 +9499,7 @@
     </p:spTree>
     <p:extLst>
       <p:ext uri="{BB962C8B-B14F-4D97-AF65-F5344CB8AC3E}">
-        <p14:creationId xmlns:p14="http://schemas.microsoft.com/office/powerpoint/2010/main" val="4231602658"/>
+        <p14:creationId xmlns:p14="http://schemas.microsoft.com/office/powerpoint/2010/main" val="2701650105"/>
       </p:ext>
     </p:extLst>
   </p:cSld>
@@ -9582,8 +9542,12 @@
           <a:lstStyle/>
           <a:p>
             <a:r>
+              <a:rPr lang="en-US" dirty="0" err="1"/>
+              <a:t>Illumina</a:t>
+            </a:r>
+            <a:r>
               <a:rPr lang="en-US" dirty="0"/>
-              <a:t>BWA alignment</a:t>
+              <a:t> data</a:t>
             </a:r>
           </a:p>
         </p:txBody>
@@ -9600,8 +9564,8 @@
         </p:nvSpPr>
         <p:spPr>
           <a:xfrm>
-            <a:off x="267077" y="1128573"/>
-            <a:ext cx="8686800" cy="5454789"/>
+            <a:off x="313662" y="1047625"/>
+            <a:ext cx="8621868" cy="4828202"/>
           </a:xfrm>
         </p:spPr>
         <p:txBody>
@@ -9610,267 +9574,241 @@
           </a:bodyPr>
           <a:lstStyle/>
           <a:p>
-            <a:r>
-              <a:rPr lang="en-US" sz="2800" b="1" dirty="0" err="1">
+            <a:pPr marL="0" indent="0">
+              <a:lnSpc>
+                <a:spcPct val="120000"/>
+              </a:lnSpc>
+              <a:buNone/>
+            </a:pPr>
+            <a:r>
+              <a:rPr lang="en-US" dirty="0"/>
+              <a:t># check the current directory</a:t>
+            </a:r>
+          </a:p>
+          <a:p>
+            <a:pPr marL="0" indent="0">
+              <a:lnSpc>
+                <a:spcPct val="120000"/>
+              </a:lnSpc>
+              <a:buNone/>
+            </a:pPr>
+            <a:r>
+              <a:rPr lang="en-US" sz="2800" dirty="0" err="1">
                 <a:solidFill>
-                  <a:schemeClr val="tx2">
-                    <a:lumMod val="75000"/>
+                  <a:schemeClr val="bg1">
+                    <a:lumMod val="65000"/>
                   </a:schemeClr>
                 </a:solidFill>
-              </a:rPr>
-              <a:t>bwa</a:t>
-            </a:r>
-            <a:r>
-              <a:rPr lang="en-US" sz="2800" b="1" dirty="0">
+                <a:latin typeface="Courier"/>
+                <a:cs typeface="Courier"/>
+              </a:rPr>
+              <a:t>pwd</a:t>
+            </a:r>
+            <a:endParaRPr lang="en-US" sz="2800" dirty="0">
+              <a:solidFill>
+                <a:schemeClr val="bg1">
+                  <a:lumMod val="65000"/>
+                </a:schemeClr>
+              </a:solidFill>
+              <a:latin typeface="Courier"/>
+              <a:cs typeface="Courier"/>
+            </a:endParaRPr>
+          </a:p>
+          <a:p>
+            <a:pPr marL="0" indent="0">
+              <a:lnSpc>
+                <a:spcPct val="120000"/>
+              </a:lnSpc>
+              <a:buNone/>
+            </a:pPr>
+            <a:r>
+              <a:rPr lang="en-US" sz="2800" dirty="0">
                 <a:solidFill>
-                  <a:schemeClr val="tx2">
-                    <a:lumMod val="75000"/>
+                  <a:schemeClr val="bg1">
+                    <a:lumMod val="65000"/>
                   </a:schemeClr>
                 </a:solidFill>
-              </a:rPr>
-              <a:t> </a:t>
-            </a:r>
-            <a:r>
-              <a:rPr lang="en-US" sz="2800" b="1" dirty="0" err="1">
+                <a:latin typeface="Courier"/>
+                <a:cs typeface="Courier"/>
+              </a:rPr>
+              <a:t>cd ..</a:t>
+            </a:r>
+          </a:p>
+          <a:p>
+            <a:pPr marL="0" indent="0">
+              <a:lnSpc>
+                <a:spcPct val="120000"/>
+              </a:lnSpc>
+              <a:buNone/>
+            </a:pPr>
+            <a:r>
+              <a:rPr lang="en-US" sz="2800" dirty="0" err="1">
                 <a:solidFill>
-                  <a:schemeClr val="tx2">
-                    <a:lumMod val="75000"/>
+                  <a:schemeClr val="bg1">
+                    <a:lumMod val="65000"/>
                   </a:schemeClr>
                 </a:solidFill>
-              </a:rPr>
-              <a:t>mem</a:t>
-            </a:r>
-            <a:endParaRPr lang="en-US" sz="2800" b="1" dirty="0">
-              <a:solidFill>
-                <a:schemeClr val="tx2">
-                  <a:lumMod val="75000"/>
-                </a:schemeClr>
-              </a:solidFill>
+                <a:latin typeface="Courier"/>
+                <a:cs typeface="Courier"/>
+              </a:rPr>
+              <a:t>mkdir</a:t>
+            </a:r>
+            <a:r>
+              <a:rPr lang="en-US" sz="2800" dirty="0">
+                <a:solidFill>
+                  <a:schemeClr val="bg1">
+                    <a:lumMod val="65000"/>
+                  </a:schemeClr>
+                </a:solidFill>
+                <a:latin typeface="Courier"/>
+                <a:cs typeface="Courier"/>
+              </a:rPr>
+              <a:t> alignment</a:t>
+            </a:r>
+          </a:p>
+          <a:p>
+            <a:pPr marL="0" indent="0">
+              <a:lnSpc>
+                <a:spcPct val="120000"/>
+              </a:lnSpc>
+              <a:buNone/>
+            </a:pPr>
+            <a:r>
+              <a:rPr lang="en-US" sz="2800" dirty="0">
+                <a:solidFill>
+                  <a:schemeClr val="bg1">
+                    <a:lumMod val="65000"/>
+                  </a:schemeClr>
+                </a:solidFill>
+                <a:latin typeface="Courier"/>
+                <a:cs typeface="Courier"/>
+              </a:rPr>
+              <a:t>cd alignment</a:t>
+            </a:r>
+          </a:p>
+          <a:p>
+            <a:pPr marL="0" indent="0">
+              <a:lnSpc>
+                <a:spcPct val="120000"/>
+              </a:lnSpc>
+              <a:buNone/>
+            </a:pPr>
+            <a:endParaRPr lang="en-US" dirty="0">
+              <a:latin typeface="Courier"/>
+              <a:cs typeface="Courier"/>
             </a:endParaRPr>
           </a:p>
           <a:p>
-            <a:pPr marL="0" indent="0">
-              <a:buNone/>
-            </a:pPr>
-            <a:endParaRPr lang="en-US" sz="2800" dirty="0">
-              <a:latin typeface="Courier New"/>
-              <a:cs typeface="Courier New"/>
-            </a:endParaRPr>
-          </a:p>
-          <a:p>
-            <a:pPr marL="0" indent="0">
-              <a:buNone/>
-            </a:pPr>
-            <a:r>
-              <a:rPr lang="en-US" sz="2800" dirty="0" err="1">
-                <a:latin typeface="Courier New"/>
-                <a:cs typeface="Courier New"/>
-              </a:rPr>
-              <a:t>bwa</a:t>
-            </a:r>
-            <a:r>
-              <a:rPr lang="en-US" sz="2800" dirty="0">
-                <a:latin typeface="Courier New"/>
-                <a:cs typeface="Courier New"/>
-              </a:rPr>
-              <a:t> </a:t>
-            </a:r>
-            <a:r>
-              <a:rPr lang="en-US" sz="2800" dirty="0" err="1">
-                <a:latin typeface="Courier New"/>
-                <a:cs typeface="Courier New"/>
-              </a:rPr>
-              <a:t>mem</a:t>
-            </a:r>
-            <a:endParaRPr lang="en-US" sz="2800" dirty="0">
-              <a:latin typeface="Courier New"/>
-              <a:cs typeface="Courier New"/>
-            </a:endParaRPr>
-          </a:p>
-          <a:p>
-            <a:pPr marL="0" indent="0">
-              <a:buNone/>
-            </a:pPr>
-            <a:r>
-              <a:rPr lang="en-US" sz="2800" dirty="0">
-                <a:latin typeface="Courier New"/>
-                <a:cs typeface="Courier New"/>
-              </a:rPr>
-              <a:t>vi </a:t>
-            </a:r>
-            <a:r>
-              <a:rPr lang="en-US" sz="2800" dirty="0" err="1">
-                <a:latin typeface="Courier New"/>
-                <a:cs typeface="Courier New"/>
-              </a:rPr>
-              <a:t>align.sh</a:t>
-            </a:r>
-            <a:endParaRPr lang="en-US" sz="2800" dirty="0">
-              <a:latin typeface="Courier New"/>
-              <a:cs typeface="Courier New"/>
-            </a:endParaRPr>
-          </a:p>
-          <a:p>
-            <a:pPr marL="0" indent="0">
-              <a:buNone/>
-            </a:pPr>
-            <a:r>
-              <a:rPr lang="en-US" sz="1600" dirty="0">
-                <a:latin typeface="Courier New"/>
-                <a:cs typeface="Courier New"/>
-              </a:rPr>
-              <a:t>--------------------------------------------------- </a:t>
-            </a:r>
-          </a:p>
-          <a:p>
-            <a:pPr marL="0" indent="0">
-              <a:buNone/>
-            </a:pPr>
-            <a:r>
-              <a:rPr lang="en-US" sz="1800" dirty="0">
-                <a:latin typeface="Courier New"/>
-                <a:cs typeface="Courier New"/>
-              </a:rPr>
-              <a:t>### specify input files</a:t>
-            </a:r>
-          </a:p>
-          <a:p>
-            <a:pPr marL="0" indent="0">
-              <a:buNone/>
-            </a:pPr>
-            <a:r>
-              <a:rPr lang="en-US" sz="1800" dirty="0">
-                <a:latin typeface="Courier New"/>
-                <a:cs typeface="Courier New"/>
-              </a:rPr>
-              <a:t>ref=../</a:t>
-            </a:r>
-            <a:r>
-              <a:rPr lang="en-US" sz="1800" dirty="0" err="1">
-                <a:latin typeface="Courier New"/>
-                <a:cs typeface="Courier New"/>
-              </a:rPr>
-              <a:t>db</a:t>
-            </a:r>
-            <a:r>
-              <a:rPr lang="en-US" sz="1800" dirty="0">
-                <a:latin typeface="Courier New"/>
-                <a:cs typeface="Courier New"/>
-              </a:rPr>
-              <a:t>/MG1655.fasta</a:t>
-            </a:r>
-          </a:p>
-          <a:p>
-            <a:pPr marL="0" indent="0">
-              <a:buNone/>
-            </a:pPr>
-            <a:r>
-              <a:rPr lang="en-US" sz="1600" dirty="0">
-                <a:latin typeface="Courier New"/>
-                <a:cs typeface="Courier New"/>
-              </a:rPr>
-              <a:t>pe1=/homes/liu3zhen/teaching/datasets/MG1655_illumina/MG1655.pair1.fq</a:t>
-            </a:r>
-          </a:p>
-          <a:p>
-            <a:pPr marL="0" indent="0">
-              <a:buNone/>
-            </a:pPr>
-            <a:r>
-              <a:rPr lang="en-US" sz="1600" dirty="0">
-                <a:latin typeface="Courier New"/>
-                <a:cs typeface="Courier New"/>
-              </a:rPr>
-              <a:t>pe2=/homes/liu3zhen/teaching/datasets/MG1655_illumina/MG1655.pair2.fq</a:t>
-            </a:r>
-          </a:p>
-          <a:p>
-            <a:pPr marL="0" indent="0">
-              <a:buNone/>
-            </a:pPr>
-            <a:endParaRPr lang="en-US" sz="1800" dirty="0">
-              <a:latin typeface="Courier New"/>
-              <a:cs typeface="Courier New"/>
-            </a:endParaRPr>
-          </a:p>
-          <a:p>
-            <a:pPr marL="0" indent="0">
-              <a:buNone/>
-            </a:pPr>
-            <a:r>
-              <a:rPr lang="en-US" sz="2800" dirty="0">
-                <a:latin typeface="Courier New"/>
-                <a:cs typeface="Courier New"/>
-              </a:rPr>
-              <a:t>### alignment</a:t>
-            </a:r>
-          </a:p>
-          <a:p>
-            <a:pPr marL="0" indent="0">
-              <a:buNone/>
-            </a:pPr>
-            <a:r>
-              <a:rPr lang="en-US" sz="2200" dirty="0">
-                <a:latin typeface="Courier New"/>
-                <a:cs typeface="Courier New"/>
-              </a:rPr>
-              <a:t>bwa mem -T 30 $ref $pe1 $pe2 1&gt;</a:t>
-            </a:r>
-            <a:r>
-              <a:rPr lang="en-US" sz="2200" dirty="0" err="1">
-                <a:latin typeface="Courier New"/>
-                <a:cs typeface="Courier New"/>
-              </a:rPr>
-              <a:t>aln.sam</a:t>
-            </a:r>
-            <a:r>
-              <a:rPr lang="en-US" sz="2200" dirty="0">
-                <a:latin typeface="Courier New"/>
-                <a:cs typeface="Courier New"/>
-              </a:rPr>
-              <a:t> 2&gt;</a:t>
-            </a:r>
-            <a:r>
-              <a:rPr lang="en-US" sz="2200" dirty="0" err="1">
-                <a:latin typeface="Courier New"/>
-                <a:cs typeface="Courier New"/>
-              </a:rPr>
-              <a:t>aln.log</a:t>
-            </a:r>
-            <a:endParaRPr lang="en-US" sz="2200" dirty="0">
-              <a:latin typeface="Courier New"/>
-              <a:cs typeface="Courier New"/>
-            </a:endParaRPr>
-          </a:p>
-          <a:p>
-            <a:pPr marL="0" indent="0">
-              <a:buNone/>
-            </a:pPr>
-            <a:r>
-              <a:rPr lang="en-US" sz="2800" dirty="0">
-                <a:latin typeface="Courier New"/>
-                <a:cs typeface="Courier New"/>
-              </a:rPr>
-              <a:t>---------------------------------------bash </a:t>
-            </a:r>
-            <a:r>
-              <a:rPr lang="en-US" sz="2800" dirty="0" err="1">
-                <a:latin typeface="Courier New"/>
-                <a:cs typeface="Courier New"/>
-              </a:rPr>
-              <a:t>align.sh</a:t>
-            </a:r>
-            <a:endParaRPr lang="en-US" sz="2800" dirty="0">
-              <a:latin typeface="Courier New"/>
-              <a:cs typeface="Courier New"/>
-            </a:endParaRPr>
+            <a:pPr>
+              <a:lnSpc>
+                <a:spcPct val="120000"/>
+              </a:lnSpc>
+            </a:pPr>
+            <a:r>
+              <a:rPr lang="en-US" dirty="0"/>
+              <a:t>data location</a:t>
+            </a:r>
+            <a:endParaRPr lang="fr-FR" dirty="0"/>
+          </a:p>
+          <a:p>
+            <a:pPr marL="0" indent="0">
+              <a:lnSpc>
+                <a:spcPct val="120000"/>
+              </a:lnSpc>
+              <a:buNone/>
+            </a:pPr>
+            <a:r>
+              <a:rPr lang="en-US" sz="1800" dirty="0"/>
+              <a:t>/homes/liu3zhen/teaching/datasets/MG1655_illumina/</a:t>
+            </a:r>
+          </a:p>
+          <a:p>
+            <a:pPr>
+              <a:buFont typeface="+mj-lt"/>
+              <a:buAutoNum type="arabicPeriod"/>
+            </a:pPr>
+            <a:r>
+              <a:rPr lang="fr-FR" sz="1800" dirty="0"/>
+              <a:t>MG1655.pair1.fq</a:t>
+            </a:r>
+          </a:p>
+          <a:p>
+            <a:pPr>
+              <a:buFont typeface="+mj-lt"/>
+              <a:buAutoNum type="arabicPeriod"/>
+            </a:pPr>
+            <a:r>
+              <a:rPr lang="fr-FR" sz="1800" dirty="0"/>
+              <a:t>MG1655.pair2.fq</a:t>
+            </a:r>
+          </a:p>
+        </p:txBody>
+      </p:sp>
+      <p:sp>
+        <p:nvSpPr>
+          <p:cNvPr id="4" name="TextBox 3">
+            <a:extLst>
+              <a:ext uri="{FF2B5EF4-FFF2-40B4-BE49-F238E27FC236}">
+                <a16:creationId xmlns:a16="http://schemas.microsoft.com/office/drawing/2014/main" id="{749C0462-B6B6-8B4F-ABCB-F5DD14588990}"/>
+              </a:ext>
+            </a:extLst>
+          </p:cNvPr>
+          <p:cNvSpPr txBox="1"/>
+          <p:nvPr/>
+        </p:nvSpPr>
+        <p:spPr>
+          <a:xfrm>
+            <a:off x="457200" y="6008963"/>
+            <a:ext cx="8219879" cy="461665"/>
+          </a:xfrm>
+          <a:prstGeom prst="rect">
+            <a:avLst/>
+          </a:prstGeom>
+          <a:noFill/>
+        </p:spPr>
+        <p:txBody>
+          <a:bodyPr wrap="none" rtlCol="0">
+            <a:spAutoFit/>
+          </a:bodyPr>
+          <a:lstStyle/>
+          <a:p>
+            <a:r>
+              <a:rPr lang="en-US" sz="2400" dirty="0">
+                <a:solidFill>
+                  <a:schemeClr val="bg1">
+                    <a:lumMod val="65000"/>
+                  </a:schemeClr>
+                </a:solidFill>
+              </a:rPr>
+              <a:t>cp /homes/liu3zhen/teaching/datasets/MG1655_illumina/*</a:t>
+            </a:r>
+            <a:r>
+              <a:rPr lang="en-US" sz="2400" dirty="0" err="1">
+                <a:solidFill>
+                  <a:schemeClr val="bg1">
+                    <a:lumMod val="65000"/>
+                  </a:schemeClr>
+                </a:solidFill>
+              </a:rPr>
+              <a:t>fq</a:t>
+            </a:r>
+            <a:r>
+              <a:rPr lang="en-US" sz="2400" dirty="0">
+                <a:solidFill>
+                  <a:schemeClr val="bg1">
+                    <a:lumMod val="65000"/>
+                  </a:schemeClr>
+                </a:solidFill>
+              </a:rPr>
+              <a:t> .</a:t>
+            </a:r>
           </a:p>
         </p:txBody>
       </p:sp>
     </p:spTree>
     <p:extLst>
       <p:ext uri="{BB962C8B-B14F-4D97-AF65-F5344CB8AC3E}">
-        <p14:creationId xmlns:p14="http://schemas.microsoft.com/office/powerpoint/2010/main" val="3968087799"/>
+        <p14:creationId xmlns:p14="http://schemas.microsoft.com/office/powerpoint/2010/main" val="4231602658"/>
       </p:ext>
     </p:extLst>
   </p:cSld>
@@ -9914,7 +9852,7 @@
           <a:p>
             <a:r>
               <a:rPr lang="en-US" dirty="0"/>
-              <a:t>Examine alignments</a:t>
+              <a:t>BWA alignment</a:t>
             </a:r>
           </a:p>
         </p:txBody>
@@ -9931,199 +9869,269 @@
         </p:nvSpPr>
         <p:spPr>
           <a:xfrm>
-            <a:off x="143782" y="1488709"/>
-            <a:ext cx="8714656" cy="2297218"/>
+            <a:off x="267077" y="1128573"/>
+            <a:ext cx="8686800" cy="5454789"/>
           </a:xfrm>
         </p:spPr>
         <p:txBody>
           <a:bodyPr>
-            <a:normAutofit/>
+            <a:normAutofit lnSpcReduction="10000"/>
           </a:bodyPr>
           <a:lstStyle/>
           <a:p>
-            <a:pPr marL="111125" indent="-111125">
-              <a:buFont typeface="+mj-lt"/>
-              <a:buAutoNum type="arabicPeriod"/>
-            </a:pPr>
-            <a:r>
-              <a:rPr lang="en-US" sz="1000" dirty="0">
-                <a:latin typeface="Courier"/>
-                <a:cs typeface="Courier"/>
-              </a:rPr>
-              <a:t>@SQ	SN:gi|556503834|ref|NC_000913.3|	LN:4641652</a:t>
-            </a:r>
-          </a:p>
-          <a:p>
-            <a:pPr marL="111125" indent="-111125">
-              <a:buFont typeface="+mj-lt"/>
-              <a:buAutoNum type="arabicPeriod"/>
-            </a:pPr>
-            <a:r>
-              <a:rPr lang="en-US" sz="1000" dirty="0">
-                <a:latin typeface="Courier"/>
-                <a:cs typeface="Courier"/>
-              </a:rPr>
-              <a:t>@PG	</a:t>
-            </a:r>
-            <a:r>
-              <a:rPr lang="en-US" sz="1000" dirty="0" err="1">
-                <a:latin typeface="Courier"/>
-                <a:cs typeface="Courier"/>
-              </a:rPr>
-              <a:t>ID:bwa</a:t>
-            </a:r>
-            <a:r>
-              <a:rPr lang="en-US" sz="1000" dirty="0">
-                <a:latin typeface="Courier"/>
-                <a:cs typeface="Courier"/>
-              </a:rPr>
-              <a:t>	</a:t>
-            </a:r>
-            <a:r>
-              <a:rPr lang="en-US" sz="1000" dirty="0" err="1">
-                <a:latin typeface="Courier"/>
-                <a:cs typeface="Courier"/>
-              </a:rPr>
-              <a:t>PN:bwa</a:t>
-            </a:r>
-            <a:r>
-              <a:rPr lang="en-US" sz="1000" dirty="0">
-                <a:latin typeface="Courier"/>
-                <a:cs typeface="Courier"/>
-              </a:rPr>
-              <a:t>	VN:0.7.12-r1039	</a:t>
-            </a:r>
-            <a:r>
-              <a:rPr lang="en-US" sz="1000" dirty="0" err="1">
-                <a:latin typeface="Courier"/>
-                <a:cs typeface="Courier"/>
-              </a:rPr>
-              <a:t>CL:bwa</a:t>
-            </a:r>
-            <a:r>
-              <a:rPr lang="en-US" sz="1000" dirty="0">
-                <a:latin typeface="Courier"/>
-                <a:cs typeface="Courier"/>
+            <a:r>
+              <a:rPr lang="en-US" sz="2800" b="1" dirty="0" err="1">
+                <a:solidFill>
+                  <a:schemeClr val="tx2">
+                    <a:lumMod val="75000"/>
+                  </a:schemeClr>
+                </a:solidFill>
+              </a:rPr>
+              <a:t>bwa</a:t>
+            </a:r>
+            <a:r>
+              <a:rPr lang="en-US" sz="2800" b="1" dirty="0">
+                <a:solidFill>
+                  <a:schemeClr val="tx2">
+                    <a:lumMod val="75000"/>
+                  </a:schemeClr>
+                </a:solidFill>
               </a:rPr>
               <a:t> </a:t>
             </a:r>
             <a:r>
-              <a:rPr lang="en-US" sz="1000" dirty="0" err="1">
-                <a:latin typeface="Courier"/>
-                <a:cs typeface="Courier"/>
+              <a:rPr lang="en-US" sz="2800" b="1" dirty="0" err="1">
+                <a:solidFill>
+                  <a:schemeClr val="tx2">
+                    <a:lumMod val="75000"/>
+                  </a:schemeClr>
+                </a:solidFill>
               </a:rPr>
               <a:t>mem</a:t>
             </a:r>
-            <a:r>
-              <a:rPr lang="en-US" sz="1000" dirty="0">
-                <a:latin typeface="Courier"/>
-                <a:cs typeface="Courier"/>
-              </a:rPr>
-              <a:t> -T 40 ../</a:t>
-            </a:r>
-            <a:r>
-              <a:rPr lang="en-US" sz="1000" dirty="0" err="1">
-                <a:latin typeface="Courier"/>
-                <a:cs typeface="Courier"/>
+            <a:endParaRPr lang="en-US" sz="2800" b="1" dirty="0">
+              <a:solidFill>
+                <a:schemeClr val="tx2">
+                  <a:lumMod val="75000"/>
+                </a:schemeClr>
+              </a:solidFill>
+            </a:endParaRPr>
+          </a:p>
+          <a:p>
+            <a:pPr marL="0" indent="0">
+              <a:buNone/>
+            </a:pPr>
+            <a:endParaRPr lang="en-US" sz="2800" dirty="0">
+              <a:latin typeface="Courier New"/>
+              <a:cs typeface="Courier New"/>
+            </a:endParaRPr>
+          </a:p>
+          <a:p>
+            <a:pPr marL="0" indent="0">
+              <a:buNone/>
+            </a:pPr>
+            <a:r>
+              <a:rPr lang="en-US" sz="2800" dirty="0" err="1">
+                <a:latin typeface="Courier New"/>
+                <a:cs typeface="Courier New"/>
+              </a:rPr>
+              <a:t>bwa</a:t>
+            </a:r>
+            <a:r>
+              <a:rPr lang="en-US" sz="2800" dirty="0">
+                <a:latin typeface="Courier New"/>
+                <a:cs typeface="Courier New"/>
+              </a:rPr>
+              <a:t> </a:t>
+            </a:r>
+            <a:r>
+              <a:rPr lang="en-US" sz="2800" dirty="0" err="1">
+                <a:latin typeface="Courier New"/>
+                <a:cs typeface="Courier New"/>
+              </a:rPr>
+              <a:t>mem</a:t>
+            </a:r>
+            <a:endParaRPr lang="en-US" sz="2800" dirty="0">
+              <a:latin typeface="Courier New"/>
+              <a:cs typeface="Courier New"/>
+            </a:endParaRPr>
+          </a:p>
+          <a:p>
+            <a:pPr marL="0" indent="0">
+              <a:buNone/>
+            </a:pPr>
+            <a:r>
+              <a:rPr lang="en-US" sz="2800" dirty="0">
+                <a:latin typeface="Courier New"/>
+                <a:cs typeface="Courier New"/>
+              </a:rPr>
+              <a:t>vi </a:t>
+            </a:r>
+            <a:r>
+              <a:rPr lang="en-US" sz="2800" dirty="0" err="1">
+                <a:latin typeface="Courier New"/>
+                <a:cs typeface="Courier New"/>
+              </a:rPr>
+              <a:t>align.sh</a:t>
+            </a:r>
+            <a:endParaRPr lang="en-US" sz="2800" dirty="0">
+              <a:latin typeface="Courier New"/>
+              <a:cs typeface="Courier New"/>
+            </a:endParaRPr>
+          </a:p>
+          <a:p>
+            <a:pPr marL="0" indent="0">
+              <a:buNone/>
+            </a:pPr>
+            <a:r>
+              <a:rPr lang="en-US" sz="1600" dirty="0">
+                <a:latin typeface="Courier New"/>
+                <a:cs typeface="Courier New"/>
+              </a:rPr>
+              <a:t>--------------------------------------------------- </a:t>
+            </a:r>
+          </a:p>
+          <a:p>
+            <a:pPr marL="0" indent="0">
+              <a:buNone/>
+            </a:pPr>
+            <a:r>
+              <a:rPr lang="en-US" sz="1800" dirty="0">
+                <a:latin typeface="Courier New"/>
+                <a:cs typeface="Courier New"/>
+              </a:rPr>
+              <a:t>### specify input files</a:t>
+            </a:r>
+          </a:p>
+          <a:p>
+            <a:pPr marL="0" indent="0">
+              <a:buNone/>
+            </a:pPr>
+            <a:r>
+              <a:rPr lang="en-US" sz="1800" dirty="0">
+                <a:latin typeface="Courier New"/>
+                <a:cs typeface="Courier New"/>
+              </a:rPr>
+              <a:t>ref=../</a:t>
+            </a:r>
+            <a:r>
+              <a:rPr lang="en-US" sz="1800" dirty="0" err="1">
+                <a:latin typeface="Courier New"/>
+                <a:cs typeface="Courier New"/>
               </a:rPr>
               <a:t>db</a:t>
             </a:r>
             <a:r>
-              <a:rPr lang="en-US" sz="1000" dirty="0">
-                <a:latin typeface="Courier"/>
-                <a:cs typeface="Courier"/>
-              </a:rPr>
-              <a:t>/MG1655.fasta /homes/liu3zhen/teaching/PLPTH613/datasets/MG1655_illumina_data/MG1655.pair1.fq /homes/liu3zhen/teaching/PLPTH613/datasets/MG1655_illumina_data/MG1655.pair2.fq</a:t>
-            </a:r>
-          </a:p>
-          <a:p>
-            <a:pPr marL="111125" indent="-111125">
-              <a:buFont typeface="+mj-lt"/>
-              <a:buAutoNum type="arabicPeriod"/>
-            </a:pPr>
-            <a:r>
-              <a:rPr lang="en-US" sz="1000" dirty="0">
-                <a:latin typeface="Courier"/>
-                <a:cs typeface="Courier"/>
-              </a:rPr>
-              <a:t>EAS600_70:5:1:3215:930	99	gi|556503834|ref|NC_000913.3|	2767401	60	100M	=	2767797	498NTGATATTAACTTGTCCAATATGATCAAATAGCATTAACCCCCCCTCACAACGTCCTGCATAGGGAACACGTTTTCCCCTGTGCACCCACGACTAAATTT	!++*+87777@@@@@@@@@@@@@@@@@@@@&lt;::&lt;&lt;99989::32222298&amp;)--28888589179@@@@@##############################		NM:i:1	MD:Z:0A99	AS:i:99	XS:i:0</a:t>
-            </a:r>
-          </a:p>
-          <a:p>
-            <a:pPr marL="111125" indent="-111125">
-              <a:buFont typeface="+mj-lt"/>
-              <a:buAutoNum type="arabicPeriod"/>
-            </a:pPr>
-            <a:r>
-              <a:rPr lang="en-US" sz="1000" dirty="0">
-                <a:latin typeface="Courier"/>
-                <a:cs typeface="Courier"/>
-              </a:rPr>
-              <a:t>EAS600_70:5:1:3215:930	147	gi|556503834|ref|NC_000913.3|	2767797	60	102M	=	2767401	-498	AATCAGTTAACCCACTACGAGCCAGTGATCGGCATCATGGGTAAAACTGGGGCGGGAAAGAGTAGCCTTTGCAATGCCCTGTTTGCCGGTGAAGTATCGCCG	EB&lt;EEEBBEBEA@8@8&gt;EEBEEB&gt;EED3BE@IIIHHFFIIHFIIIIIHIIIGIIIIHIIHEIIIIHIIIIIIGIGIIGIIIIIIIIIIIIIIIIIIIIGII#	NM:i:0	MD:Z:102	AS:i:102	XS:i:0</a:t>
-            </a:r>
-          </a:p>
-        </p:txBody>
-      </p:sp>
-      <p:sp>
-        <p:nvSpPr>
-          <p:cNvPr id="4" name="TextBox 3"/>
-          <p:cNvSpPr txBox="1"/>
-          <p:nvPr/>
-        </p:nvSpPr>
-        <p:spPr>
-          <a:xfrm>
-            <a:off x="1169627" y="4372955"/>
-            <a:ext cx="6356227" cy="584775"/>
-          </a:xfrm>
-          <a:prstGeom prst="rect">
-            <a:avLst/>
-          </a:prstGeom>
-          <a:noFill/>
-        </p:spPr>
-        <p:txBody>
-          <a:bodyPr wrap="none" rtlCol="0">
-            <a:spAutoFit/>
-          </a:bodyPr>
-          <a:lstStyle/>
-          <a:p>
-            <a:r>
-              <a:rPr lang="en-US" sz="3200" dirty="0" err="1">
-                <a:latin typeface="Courier"/>
-                <a:cs typeface="Courier"/>
-              </a:rPr>
-              <a:t>samtools</a:t>
-            </a:r>
-            <a:r>
-              <a:rPr lang="en-US" sz="3200" dirty="0">
-                <a:latin typeface="Courier"/>
-                <a:cs typeface="Courier"/>
-              </a:rPr>
-              <a:t> </a:t>
-            </a:r>
-            <a:r>
-              <a:rPr lang="en-US" sz="3200" dirty="0" err="1">
-                <a:latin typeface="Courier"/>
-                <a:cs typeface="Courier"/>
-              </a:rPr>
-              <a:t>flagstat</a:t>
-            </a:r>
-            <a:r>
-              <a:rPr lang="en-US" sz="3200" dirty="0">
-                <a:latin typeface="Courier"/>
-                <a:cs typeface="Courier"/>
-              </a:rPr>
-              <a:t> </a:t>
-            </a:r>
-            <a:r>
-              <a:rPr lang="en-US" sz="3200" dirty="0" err="1">
-                <a:latin typeface="Courier"/>
-                <a:cs typeface="Courier"/>
+              <a:rPr lang="en-US" sz="1800" dirty="0">
+                <a:latin typeface="Courier New"/>
+                <a:cs typeface="Courier New"/>
+              </a:rPr>
+              <a:t>/MG1655.fasta</a:t>
+            </a:r>
+          </a:p>
+          <a:p>
+            <a:pPr marL="0" indent="0">
+              <a:buNone/>
+            </a:pPr>
+            <a:r>
+              <a:rPr lang="en-US" sz="1600" dirty="0">
+                <a:latin typeface="Courier New"/>
+                <a:cs typeface="Courier New"/>
+              </a:rPr>
+              <a:t>pe1=/homes/liu3zhen/teaching/datasets/MG1655_illumina/MG1655.pair1.fq</a:t>
+            </a:r>
+          </a:p>
+          <a:p>
+            <a:pPr marL="0" indent="0">
+              <a:buNone/>
+            </a:pPr>
+            <a:r>
+              <a:rPr lang="en-US" sz="1600" dirty="0">
+                <a:latin typeface="Courier New"/>
+                <a:cs typeface="Courier New"/>
+              </a:rPr>
+              <a:t>pe2=/homes/liu3zhen/teaching/datasets/MG1655_illumina/MG1655.pair2.fq</a:t>
+            </a:r>
+          </a:p>
+          <a:p>
+            <a:pPr marL="0" indent="0">
+              <a:buNone/>
+            </a:pPr>
+            <a:endParaRPr lang="en-US" sz="1800" dirty="0">
+              <a:latin typeface="Courier New"/>
+              <a:cs typeface="Courier New"/>
+            </a:endParaRPr>
+          </a:p>
+          <a:p>
+            <a:pPr marL="0" indent="0">
+              <a:buNone/>
+            </a:pPr>
+            <a:r>
+              <a:rPr lang="en-US" sz="2800" dirty="0">
+                <a:latin typeface="Courier New"/>
+                <a:cs typeface="Courier New"/>
+              </a:rPr>
+              <a:t>### alignment</a:t>
+            </a:r>
+          </a:p>
+          <a:p>
+            <a:pPr marL="0" indent="0">
+              <a:buNone/>
+            </a:pPr>
+            <a:r>
+              <a:rPr lang="en-US" sz="2200" dirty="0">
+                <a:latin typeface="Courier New"/>
+                <a:cs typeface="Courier New"/>
+              </a:rPr>
+              <a:t>bwa mem -T 30 $ref $pe1 $pe2 1&gt;</a:t>
+            </a:r>
+            <a:r>
+              <a:rPr lang="en-US" sz="2200" dirty="0" err="1">
+                <a:latin typeface="Courier New"/>
+                <a:cs typeface="Courier New"/>
               </a:rPr>
               <a:t>aln.sam</a:t>
             </a:r>
-            <a:endParaRPr lang="en-US" sz="3200" dirty="0">
-              <a:latin typeface="Courier"/>
-              <a:cs typeface="Courier"/>
+            <a:r>
+              <a:rPr lang="en-US" sz="2200" dirty="0">
+                <a:latin typeface="Courier New"/>
+                <a:cs typeface="Courier New"/>
+              </a:rPr>
+              <a:t> 2&gt;</a:t>
+            </a:r>
+            <a:r>
+              <a:rPr lang="en-US" sz="2200" dirty="0" err="1">
+                <a:latin typeface="Courier New"/>
+                <a:cs typeface="Courier New"/>
+              </a:rPr>
+              <a:t>aln.log</a:t>
+            </a:r>
+            <a:endParaRPr lang="en-US" sz="2200" dirty="0">
+              <a:latin typeface="Courier New"/>
+              <a:cs typeface="Courier New"/>
+            </a:endParaRPr>
+          </a:p>
+          <a:p>
+            <a:pPr marL="0" indent="0">
+              <a:buNone/>
+            </a:pPr>
+            <a:r>
+              <a:rPr lang="en-US" sz="2800" dirty="0">
+                <a:latin typeface="Courier New"/>
+                <a:cs typeface="Courier New"/>
+              </a:rPr>
+              <a:t>---------------------------------------bash </a:t>
+            </a:r>
+            <a:r>
+              <a:rPr lang="en-US" sz="2800" dirty="0" err="1">
+                <a:latin typeface="Courier New"/>
+                <a:cs typeface="Courier New"/>
+              </a:rPr>
+              <a:t>align.sh</a:t>
+            </a:r>
+            <a:endParaRPr lang="en-US" sz="2800" dirty="0">
+              <a:latin typeface="Courier New"/>
+              <a:cs typeface="Courier New"/>
             </a:endParaRPr>
           </a:p>
         </p:txBody>
@@ -10131,7 +10139,7 @@
     </p:spTree>
     <p:extLst>
       <p:ext uri="{BB962C8B-B14F-4D97-AF65-F5344CB8AC3E}">
-        <p14:creationId xmlns:p14="http://schemas.microsoft.com/office/powerpoint/2010/main" val="3940135843"/>
+        <p14:creationId xmlns:p14="http://schemas.microsoft.com/office/powerpoint/2010/main" val="3968087799"/>
       </p:ext>
     </p:extLst>
   </p:cSld>
@@ -10175,7 +10183,7 @@
           <a:p>
             <a:r>
               <a:rPr lang="en-US" dirty="0"/>
-              <a:t>Conversion between SAM and BAM</a:t>
+              <a:t>Examine alignments</a:t>
             </a:r>
           </a:p>
         </p:txBody>
@@ -10192,211 +10200,207 @@
         </p:nvSpPr>
         <p:spPr>
           <a:xfrm>
-            <a:off x="457200" y="1474602"/>
-            <a:ext cx="8229600" cy="4713256"/>
+            <a:off x="143782" y="1488709"/>
+            <a:ext cx="8714656" cy="2297218"/>
           </a:xfrm>
         </p:spPr>
         <p:txBody>
           <a:bodyPr>
-            <a:noAutofit/>
+            <a:normAutofit/>
           </a:bodyPr>
           <a:lstStyle/>
           <a:p>
-            <a:pPr marL="0" indent="0">
-              <a:buNone/>
-            </a:pPr>
-            <a:r>
-              <a:rPr lang="en-US" sz="2800" dirty="0" err="1">
+            <a:pPr marL="111125" indent="-111125">
+              <a:buFont typeface="+mj-lt"/>
+              <a:buAutoNum type="arabicPeriod"/>
+            </a:pPr>
+            <a:r>
+              <a:rPr lang="en-US" sz="1000" dirty="0">
+                <a:latin typeface="Courier"/>
+                <a:cs typeface="Courier"/>
+              </a:rPr>
+              <a:t>@SQ	SN:gi|556503834|ref|NC_000913.3|	LN:4641652</a:t>
+            </a:r>
+          </a:p>
+          <a:p>
+            <a:pPr marL="111125" indent="-111125">
+              <a:buFont typeface="+mj-lt"/>
+              <a:buAutoNum type="arabicPeriod"/>
+            </a:pPr>
+            <a:r>
+              <a:rPr lang="en-US" sz="1000" dirty="0">
+                <a:latin typeface="Courier"/>
+                <a:cs typeface="Courier"/>
+              </a:rPr>
+              <a:t>@PG	</a:t>
+            </a:r>
+            <a:r>
+              <a:rPr lang="en-US" sz="1000" dirty="0" err="1">
+                <a:latin typeface="Courier"/>
+                <a:cs typeface="Courier"/>
+              </a:rPr>
+              <a:t>ID:bwa</a:t>
+            </a:r>
+            <a:r>
+              <a:rPr lang="en-US" sz="1000" dirty="0">
+                <a:latin typeface="Courier"/>
+                <a:cs typeface="Courier"/>
+              </a:rPr>
+              <a:t>	</a:t>
+            </a:r>
+            <a:r>
+              <a:rPr lang="en-US" sz="1000" dirty="0" err="1">
+                <a:latin typeface="Courier"/>
+                <a:cs typeface="Courier"/>
+              </a:rPr>
+              <a:t>PN:bwa</a:t>
+            </a:r>
+            <a:r>
+              <a:rPr lang="en-US" sz="1000" dirty="0">
+                <a:latin typeface="Courier"/>
+                <a:cs typeface="Courier"/>
+              </a:rPr>
+              <a:t>	VN:0.7.12-r1039	</a:t>
+            </a:r>
+            <a:r>
+              <a:rPr lang="en-US" sz="1000" dirty="0" err="1">
+                <a:latin typeface="Courier"/>
+                <a:cs typeface="Courier"/>
+              </a:rPr>
+              <a:t>CL:bwa</a:t>
+            </a:r>
+            <a:r>
+              <a:rPr lang="en-US" sz="1000" dirty="0">
+                <a:latin typeface="Courier"/>
+                <a:cs typeface="Courier"/>
+              </a:rPr>
+              <a:t> </a:t>
+            </a:r>
+            <a:r>
+              <a:rPr lang="en-US" sz="1000" dirty="0" err="1">
+                <a:latin typeface="Courier"/>
+                <a:cs typeface="Courier"/>
+              </a:rPr>
+              <a:t>mem</a:t>
+            </a:r>
+            <a:r>
+              <a:rPr lang="en-US" sz="1000" dirty="0">
+                <a:latin typeface="Courier"/>
+                <a:cs typeface="Courier"/>
+              </a:rPr>
+              <a:t> -T 40 ../</a:t>
+            </a:r>
+            <a:r>
+              <a:rPr lang="en-US" sz="1000" dirty="0" err="1">
+                <a:latin typeface="Courier"/>
+                <a:cs typeface="Courier"/>
+              </a:rPr>
+              <a:t>db</a:t>
+            </a:r>
+            <a:r>
+              <a:rPr lang="en-US" sz="1000" dirty="0">
+                <a:latin typeface="Courier"/>
+                <a:cs typeface="Courier"/>
+              </a:rPr>
+              <a:t>/MG1655.fasta /homes/liu3zhen/teaching/PLPTH613/datasets/MG1655_illumina_data/MG1655.pair1.fq /homes/liu3zhen/teaching/PLPTH613/datasets/MG1655_illumina_data/MG1655.pair2.fq</a:t>
+            </a:r>
+          </a:p>
+          <a:p>
+            <a:pPr marL="111125" indent="-111125">
+              <a:buFont typeface="+mj-lt"/>
+              <a:buAutoNum type="arabicPeriod"/>
+            </a:pPr>
+            <a:r>
+              <a:rPr lang="en-US" sz="1000" dirty="0">
+                <a:latin typeface="Courier"/>
+                <a:cs typeface="Courier"/>
+              </a:rPr>
+              <a:t>EAS600_70:5:1:3215:930	99	gi|556503834|ref|NC_000913.3|	2767401	60	100M	=	2767797	498NTGATATTAACTTGTCCAATATGATCAAATAGCATTAACCCCCCCTCACAACGTCCTGCATAGGGAACACGTTTTCCCCTGTGCACCCACGACTAAATTT	!++*+87777@@@@@@@@@@@@@@@@@@@@&lt;::&lt;&lt;99989::32222298&amp;)--28888589179@@@@@##############################		NM:i:1	MD:Z:0A99	AS:i:99	XS:i:0</a:t>
+            </a:r>
+          </a:p>
+          <a:p>
+            <a:pPr marL="111125" indent="-111125">
+              <a:buFont typeface="+mj-lt"/>
+              <a:buAutoNum type="arabicPeriod"/>
+            </a:pPr>
+            <a:r>
+              <a:rPr lang="en-US" sz="1000" dirty="0">
+                <a:latin typeface="Courier"/>
+                <a:cs typeface="Courier"/>
+              </a:rPr>
+              <a:t>EAS600_70:5:1:3215:930	147	gi|556503834|ref|NC_000913.3|	2767797	60	102M	=	2767401	-498	AATCAGTTAACCCACTACGAGCCAGTGATCGGCATCATGGGTAAAACTGGGGCGGGAAAGAGTAGCCTTTGCAATGCCCTGTTTGCCGGTGAAGTATCGCCG	EB&lt;EEEBBEBEA@8@8&gt;EEBEEB&gt;EED3BE@IIIHHFFIIHFIIIIIHIIIGIIIIHIIHEIIIIHIIIIIIGIGIIGIIIIIIIIIIIIIIIIIIIIGII#	NM:i:0	MD:Z:102	AS:i:102	XS:i:0</a:t>
+            </a:r>
+          </a:p>
+        </p:txBody>
+      </p:sp>
+      <p:sp>
+        <p:nvSpPr>
+          <p:cNvPr id="4" name="TextBox 3"/>
+          <p:cNvSpPr txBox="1"/>
+          <p:nvPr/>
+        </p:nvSpPr>
+        <p:spPr>
+          <a:xfrm>
+            <a:off x="1169627" y="4372955"/>
+            <a:ext cx="6356227" cy="584775"/>
+          </a:xfrm>
+          <a:prstGeom prst="rect">
+            <a:avLst/>
+          </a:prstGeom>
+          <a:noFill/>
+        </p:spPr>
+        <p:txBody>
+          <a:bodyPr wrap="none" rtlCol="0">
+            <a:spAutoFit/>
+          </a:bodyPr>
+          <a:lstStyle/>
+          <a:p>
+            <a:r>
+              <a:rPr lang="en-US" sz="3200" dirty="0" err="1">
                 <a:latin typeface="Courier"/>
                 <a:cs typeface="Courier"/>
               </a:rPr>
               <a:t>samtools</a:t>
             </a:r>
             <a:r>
-              <a:rPr lang="en-US" sz="2800" dirty="0">
-                <a:latin typeface="Courier"/>
-                <a:cs typeface="Courier"/>
-              </a:rPr>
-              <a:t> view</a:t>
-            </a:r>
-          </a:p>
-          <a:p>
-            <a:pPr marL="0" indent="0">
-              <a:buNone/>
-            </a:pPr>
-            <a:endParaRPr lang="en-US" sz="2800" dirty="0">
+              <a:rPr lang="en-US" sz="3200" dirty="0">
+                <a:latin typeface="Courier"/>
+                <a:cs typeface="Courier"/>
+              </a:rPr>
+              <a:t> </a:t>
+            </a:r>
+            <a:r>
+              <a:rPr lang="en-US" sz="3200" dirty="0" err="1">
+                <a:latin typeface="Courier"/>
+                <a:cs typeface="Courier"/>
+              </a:rPr>
+              <a:t>flagstat</a:t>
+            </a:r>
+            <a:r>
+              <a:rPr lang="en-US" sz="3200" dirty="0">
+                <a:latin typeface="Courier"/>
+                <a:cs typeface="Courier"/>
+              </a:rPr>
+              <a:t> </a:t>
+            </a:r>
+            <a:r>
+              <a:rPr lang="en-US" sz="3200" dirty="0" err="1">
+                <a:latin typeface="Courier"/>
+                <a:cs typeface="Courier"/>
+              </a:rPr>
+              <a:t>aln.sam</a:t>
+            </a:r>
+            <a:endParaRPr lang="en-US" sz="3200" dirty="0">
               <a:latin typeface="Courier"/>
               <a:cs typeface="Courier"/>
             </a:endParaRPr>
           </a:p>
-          <a:p>
-            <a:pPr marL="0" indent="0">
-              <a:buNone/>
-            </a:pPr>
-            <a:r>
-              <a:rPr lang="en-US" sz="2800" dirty="0">
-                <a:latin typeface="Courier"/>
-                <a:cs typeface="Courier"/>
-              </a:rPr>
-              <a:t>### show header</a:t>
-            </a:r>
-          </a:p>
-          <a:p>
-            <a:pPr marL="0" indent="0">
-              <a:buNone/>
-            </a:pPr>
-            <a:r>
-              <a:rPr lang="en-US" sz="2800" dirty="0" err="1">
-                <a:latin typeface="Courier"/>
-                <a:cs typeface="Courier"/>
-              </a:rPr>
-              <a:t>samtools</a:t>
-            </a:r>
-            <a:r>
-              <a:rPr lang="en-US" sz="2800" dirty="0">
-                <a:latin typeface="Courier"/>
-                <a:cs typeface="Courier"/>
-              </a:rPr>
-              <a:t> view -H </a:t>
-            </a:r>
-            <a:r>
-              <a:rPr lang="en-US" sz="2800" dirty="0" err="1">
-                <a:latin typeface="Courier"/>
-                <a:cs typeface="Courier"/>
-              </a:rPr>
-              <a:t>aln.sam</a:t>
-            </a:r>
-            <a:endParaRPr lang="en-US" sz="2800" dirty="0">
-              <a:latin typeface="Courier"/>
-              <a:cs typeface="Courier"/>
-            </a:endParaRPr>
-          </a:p>
-          <a:p>
-            <a:pPr marL="0" indent="0">
-              <a:buNone/>
-            </a:pPr>
-            <a:endParaRPr lang="en-US" sz="2800" dirty="0">
-              <a:latin typeface="Courier"/>
-              <a:cs typeface="Courier"/>
-            </a:endParaRPr>
-          </a:p>
-          <a:p>
-            <a:pPr marL="0" indent="0">
-              <a:buNone/>
-            </a:pPr>
-            <a:r>
-              <a:rPr lang="en-US" sz="2800" dirty="0">
-                <a:latin typeface="Courier"/>
-                <a:cs typeface="Courier"/>
-              </a:rPr>
-              <a:t>### convert </a:t>
-            </a:r>
-            <a:r>
-              <a:rPr lang="en-US" sz="2800" dirty="0" err="1">
-                <a:latin typeface="Courier"/>
-                <a:cs typeface="Courier"/>
-              </a:rPr>
-              <a:t>sam</a:t>
-            </a:r>
-            <a:r>
-              <a:rPr lang="en-US" sz="2800" dirty="0">
-                <a:latin typeface="Courier"/>
-                <a:cs typeface="Courier"/>
-              </a:rPr>
-              <a:t> to bam</a:t>
-            </a:r>
-          </a:p>
-          <a:p>
-            <a:pPr marL="0" indent="0">
-              <a:buNone/>
-            </a:pPr>
-            <a:r>
-              <a:rPr lang="en-US" sz="2800" dirty="0" err="1">
-                <a:latin typeface="Courier"/>
-                <a:cs typeface="Courier"/>
-              </a:rPr>
-              <a:t>samtools</a:t>
-            </a:r>
-            <a:r>
-              <a:rPr lang="en-US" sz="2800" dirty="0">
-                <a:latin typeface="Courier"/>
-                <a:cs typeface="Courier"/>
-              </a:rPr>
-              <a:t> view -b </a:t>
-            </a:r>
-            <a:r>
-              <a:rPr lang="en-US" sz="2800" dirty="0" err="1">
-                <a:latin typeface="Courier"/>
-                <a:cs typeface="Courier"/>
-              </a:rPr>
-              <a:t>aln.sam</a:t>
-            </a:r>
-            <a:r>
-              <a:rPr lang="en-US" sz="2800" dirty="0">
-                <a:latin typeface="Courier"/>
-                <a:cs typeface="Courier"/>
-              </a:rPr>
-              <a:t> -o </a:t>
-            </a:r>
-            <a:r>
-              <a:rPr lang="en-US" sz="2800" dirty="0" err="1">
-                <a:latin typeface="Courier"/>
-                <a:cs typeface="Courier"/>
-              </a:rPr>
-              <a:t>aln.bam</a:t>
-            </a:r>
-            <a:endParaRPr lang="en-US" sz="2800" dirty="0">
-              <a:latin typeface="Courier"/>
-              <a:cs typeface="Courier"/>
-            </a:endParaRPr>
-          </a:p>
-          <a:p>
-            <a:pPr marL="0" indent="0">
-              <a:buNone/>
-            </a:pPr>
-            <a:endParaRPr lang="en-US" sz="2800" dirty="0">
-              <a:latin typeface="Courier"/>
-              <a:cs typeface="Courier"/>
-            </a:endParaRPr>
-          </a:p>
-          <a:p>
-            <a:pPr marL="0" indent="0">
-              <a:buNone/>
-            </a:pPr>
-            <a:r>
-              <a:rPr lang="en-US" sz="2800" dirty="0">
-                <a:latin typeface="Courier"/>
-                <a:cs typeface="Courier"/>
-              </a:rPr>
-              <a:t>head </a:t>
-            </a:r>
-            <a:r>
-              <a:rPr lang="en-US" sz="2800" dirty="0" err="1">
-                <a:latin typeface="Courier"/>
-                <a:cs typeface="Courier"/>
-              </a:rPr>
-              <a:t>aln.bam</a:t>
-            </a:r>
-            <a:endParaRPr lang="en-US" sz="2800" dirty="0">
-              <a:latin typeface="Courier"/>
-              <a:cs typeface="Courier"/>
-            </a:endParaRPr>
-          </a:p>
-          <a:p>
-            <a:pPr marL="0" indent="0">
-              <a:buNone/>
-            </a:pPr>
-            <a:endParaRPr lang="en-US" sz="2800" dirty="0">
-              <a:latin typeface="Courier"/>
-              <a:cs typeface="Courier"/>
-            </a:endParaRPr>
-          </a:p>
         </p:txBody>
       </p:sp>
     </p:spTree>
     <p:extLst>
       <p:ext uri="{BB962C8B-B14F-4D97-AF65-F5344CB8AC3E}">
-        <p14:creationId xmlns:p14="http://schemas.microsoft.com/office/powerpoint/2010/main" val="4057304795"/>
+        <p14:creationId xmlns:p14="http://schemas.microsoft.com/office/powerpoint/2010/main" val="3940135843"/>
       </p:ext>
     </p:extLst>
   </p:cSld>
@@ -10440,14 +10444,14 @@
           <a:p>
             <a:r>
               <a:rPr lang="en-US" dirty="0"/>
-              <a:t>Alignment sorting</a:t>
-            </a:r>
-          </a:p>
-        </p:txBody>
-      </p:sp>
-      <p:sp>
-        <p:nvSpPr>
-          <p:cNvPr id="4" name="Content Placeholder 2"/>
+              <a:t>Conversion between SAM and BAM</a:t>
+            </a:r>
+          </a:p>
+        </p:txBody>
+      </p:sp>
+      <p:sp>
+        <p:nvSpPr>
+          <p:cNvPr id="3" name="Content Placeholder 2"/>
           <p:cNvSpPr>
             <a:spLocks noGrp="1"/>
           </p:cNvSpPr>
@@ -10457,65 +10461,39 @@
         </p:nvSpPr>
         <p:spPr>
           <a:xfrm>
-            <a:off x="457200" y="1537932"/>
-            <a:ext cx="7894746" cy="2375501"/>
+            <a:off x="457200" y="1474602"/>
+            <a:ext cx="8229600" cy="4713256"/>
           </a:xfrm>
         </p:spPr>
         <p:txBody>
-          <a:bodyPr/>
+          <a:bodyPr>
+            <a:noAutofit/>
+          </a:bodyPr>
           <a:lstStyle/>
           <a:p>
             <a:pPr marL="0" indent="0">
               <a:buNone/>
             </a:pPr>
             <a:r>
-              <a:rPr lang="en-US" dirty="0">
-                <a:latin typeface="Courier"/>
-                <a:cs typeface="Courier"/>
-              </a:rPr>
-              <a:t>### Sort BAM:</a:t>
-            </a:r>
-          </a:p>
-          <a:p>
-            <a:pPr marL="0" indent="0">
-              <a:buNone/>
-            </a:pPr>
-            <a:r>
-              <a:rPr lang="en-US" dirty="0" err="1">
+              <a:rPr lang="en-US" sz="2800" dirty="0" err="1">
                 <a:latin typeface="Courier"/>
                 <a:cs typeface="Courier"/>
               </a:rPr>
               <a:t>samtools</a:t>
             </a:r>
             <a:r>
-              <a:rPr lang="en-US" dirty="0">
-                <a:latin typeface="Courier"/>
-                <a:cs typeface="Courier"/>
-              </a:rPr>
-              <a:t> sort </a:t>
-            </a:r>
-            <a:r>
-              <a:rPr lang="en-US" dirty="0" err="1">
-                <a:latin typeface="Courier"/>
-                <a:cs typeface="Courier"/>
-              </a:rPr>
-              <a:t>aln.bam</a:t>
-            </a:r>
-            <a:r>
-              <a:rPr lang="en-US" dirty="0">
-                <a:latin typeface="Courier"/>
-                <a:cs typeface="Courier"/>
-              </a:rPr>
-              <a:t> &gt; </a:t>
-            </a:r>
-            <a:r>
-              <a:rPr lang="en-US" dirty="0" err="1">
-                <a:latin typeface="Courier"/>
-                <a:cs typeface="Courier"/>
-              </a:rPr>
-              <a:t>alnsort.bam</a:t>
-            </a:r>
-            <a:endParaRPr lang="en-US" dirty="0">
+              <a:rPr lang="en-US" sz="2800" dirty="0">
+                <a:latin typeface="Courier"/>
+                <a:cs typeface="Courier"/>
+              </a:rPr>
+              <a:t> view</a:t>
+            </a:r>
+          </a:p>
+          <a:p>
+            <a:pPr marL="0" indent="0">
+              <a:buNone/>
+            </a:pPr>
+            <a:endParaRPr lang="en-US" sz="2800" dirty="0">
               <a:latin typeface="Courier"/>
               <a:cs typeface="Courier"/>
             </a:endParaRPr>
@@ -10524,7 +10502,40 @@
             <a:pPr marL="0" indent="0">
               <a:buNone/>
             </a:pPr>
-            <a:endParaRPr lang="en-US" dirty="0">
+            <a:r>
+              <a:rPr lang="en-US" sz="2800" dirty="0">
+                <a:latin typeface="Courier"/>
+                <a:cs typeface="Courier"/>
+              </a:rPr>
+              <a:t>### show header</a:t>
+            </a:r>
+          </a:p>
+          <a:p>
+            <a:pPr marL="0" indent="0">
+              <a:buNone/>
+            </a:pPr>
+            <a:r>
+              <a:rPr lang="en-US" sz="2800" dirty="0" err="1">
+                <a:latin typeface="Courier"/>
+                <a:cs typeface="Courier"/>
+              </a:rPr>
+              <a:t>samtools</a:t>
+            </a:r>
+            <a:r>
+              <a:rPr lang="en-US" sz="2800" dirty="0">
+                <a:latin typeface="Courier"/>
+                <a:cs typeface="Courier"/>
+              </a:rPr>
+              <a:t> view -H </a:t>
+            </a:r>
+            <a:r>
+              <a:rPr lang="en-US" sz="2800" dirty="0" err="1">
+                <a:latin typeface="Courier"/>
+                <a:cs typeface="Courier"/>
+              </a:rPr>
+              <a:t>aln.sam</a:t>
+            </a:r>
+            <a:endParaRPr lang="en-US" sz="2800" dirty="0">
               <a:latin typeface="Courier"/>
               <a:cs typeface="Courier"/>
             </a:endParaRPr>
@@ -10533,54 +10544,7 @@
             <a:pPr marL="0" indent="0">
               <a:buNone/>
             </a:pPr>
-            <a:r>
-              <a:rPr lang="en-US" dirty="0">
-                <a:latin typeface="Courier"/>
-                <a:cs typeface="Courier"/>
-              </a:rPr>
-              <a:t>### convert to SAM</a:t>
-            </a:r>
-          </a:p>
-          <a:p>
-            <a:pPr marL="0" indent="0">
-              <a:buNone/>
-            </a:pPr>
-            <a:r>
-              <a:rPr lang="en-US" dirty="0" err="1">
-                <a:latin typeface="Courier"/>
-                <a:cs typeface="Courier"/>
-              </a:rPr>
-              <a:t>samtools</a:t>
-            </a:r>
-            <a:r>
-              <a:rPr lang="en-US" dirty="0">
-                <a:latin typeface="Courier"/>
-                <a:cs typeface="Courier"/>
-              </a:rPr>
-              <a:t> view </a:t>
-            </a:r>
-            <a:r>
-              <a:rPr lang="en-US" dirty="0" err="1">
-                <a:latin typeface="Courier"/>
-                <a:cs typeface="Courier"/>
-              </a:rPr>
-              <a:t>alnsort.bam</a:t>
-            </a:r>
-            <a:r>
-              <a:rPr lang="en-US" dirty="0">
-                <a:latin typeface="Courier"/>
-                <a:cs typeface="Courier"/>
-              </a:rPr>
-              <a:t> &gt; </a:t>
-            </a:r>
-            <a:r>
-              <a:rPr lang="en-US" dirty="0" err="1">
-                <a:latin typeface="Courier"/>
-                <a:cs typeface="Courier"/>
-              </a:rPr>
-              <a:t>alnsort.sam</a:t>
-            </a:r>
-            <a:endParaRPr lang="en-US" dirty="0">
+            <a:endParaRPr lang="en-US" sz="2800" dirty="0">
               <a:latin typeface="Courier"/>
               <a:cs typeface="Courier"/>
             </a:endParaRPr>
@@ -10589,67 +10553,119 @@
             <a:pPr marL="0" indent="0">
               <a:buNone/>
             </a:pPr>
-            <a:endParaRPr lang="en-US" dirty="0">
+            <a:r>
+              <a:rPr lang="en-US" sz="2800" dirty="0">
+                <a:latin typeface="Courier"/>
+                <a:cs typeface="Courier"/>
+              </a:rPr>
+              <a:t>### convert </a:t>
+            </a:r>
+            <a:r>
+              <a:rPr lang="en-US" sz="2800" dirty="0" err="1">
+                <a:latin typeface="Courier"/>
+                <a:cs typeface="Courier"/>
+              </a:rPr>
+              <a:t>sam</a:t>
+            </a:r>
+            <a:r>
+              <a:rPr lang="en-US" sz="2800" dirty="0">
+                <a:latin typeface="Courier"/>
+                <a:cs typeface="Courier"/>
+              </a:rPr>
+              <a:t> to bam</a:t>
+            </a:r>
+          </a:p>
+          <a:p>
+            <a:pPr marL="0" indent="0">
+              <a:buNone/>
+            </a:pPr>
+            <a:r>
+              <a:rPr lang="en-US" sz="2800" dirty="0" err="1">
+                <a:latin typeface="Courier"/>
+                <a:cs typeface="Courier"/>
+              </a:rPr>
+              <a:t>samtools</a:t>
+            </a:r>
+            <a:r>
+              <a:rPr lang="en-US" sz="2800" dirty="0">
+                <a:latin typeface="Courier"/>
+                <a:cs typeface="Courier"/>
+              </a:rPr>
+              <a:t> view -b </a:t>
+            </a:r>
+            <a:r>
+              <a:rPr lang="en-US" sz="2800" dirty="0" err="1">
+                <a:latin typeface="Courier"/>
+                <a:cs typeface="Courier"/>
+              </a:rPr>
+              <a:t>aln.sam</a:t>
+            </a:r>
+            <a:r>
+              <a:rPr lang="en-US" sz="2800" dirty="0">
+                <a:latin typeface="Courier"/>
+                <a:cs typeface="Courier"/>
+              </a:rPr>
+              <a:t> -o </a:t>
+            </a:r>
+            <a:r>
+              <a:rPr lang="en-US" sz="2800" dirty="0" err="1">
+                <a:latin typeface="Courier"/>
+                <a:cs typeface="Courier"/>
+              </a:rPr>
+              <a:t>aln.bam</a:t>
+            </a:r>
+            <a:endParaRPr lang="en-US" sz="2800" dirty="0">
               <a:latin typeface="Courier"/>
               <a:cs typeface="Courier"/>
             </a:endParaRPr>
           </a:p>
-        </p:txBody>
-      </p:sp>
-      <p:sp>
-        <p:nvSpPr>
-          <p:cNvPr id="5" name="TextBox 4"/>
-          <p:cNvSpPr txBox="1"/>
-          <p:nvPr/>
-        </p:nvSpPr>
-        <p:spPr>
-          <a:xfrm>
-            <a:off x="973244" y="4217122"/>
-            <a:ext cx="6536605" cy="1569660"/>
-          </a:xfrm>
-          <a:prstGeom prst="rect">
-            <a:avLst/>
-          </a:prstGeom>
-          <a:noFill/>
-        </p:spPr>
-        <p:txBody>
-          <a:bodyPr wrap="square" rtlCol="0">
-            <a:spAutoFit/>
-          </a:bodyPr>
-          <a:lstStyle/>
-          <a:p>
-            <a:r>
-              <a:rPr lang="en-US" sz="3200" dirty="0">
-                <a:solidFill>
-                  <a:srgbClr val="FF0000"/>
-                </a:solidFill>
-              </a:rPr>
-              <a:t>Question:</a:t>
-            </a:r>
-          </a:p>
-          <a:p>
-            <a:endParaRPr lang="en-US" sz="3200" dirty="0">
-              <a:solidFill>
-                <a:srgbClr val="FF0000"/>
-              </a:solidFill>
+          <a:p>
+            <a:pPr marL="0" indent="0">
+              <a:buNone/>
+            </a:pPr>
+            <a:endParaRPr lang="en-US" sz="2800" dirty="0">
+              <a:latin typeface="Courier"/>
+              <a:cs typeface="Courier"/>
             </a:endParaRPr>
           </a:p>
           <a:p>
-            <a:r>
-              <a:rPr lang="en-US" sz="3200" dirty="0">
-                <a:solidFill>
-                  <a:srgbClr val="FF0000"/>
-                </a:solidFill>
-              </a:rPr>
-              <a:t>What was the basis for the sorting?</a:t>
-            </a:r>
+            <a:pPr marL="0" indent="0">
+              <a:buNone/>
+            </a:pPr>
+            <a:r>
+              <a:rPr lang="en-US" sz="2800" dirty="0">
+                <a:latin typeface="Courier"/>
+                <a:cs typeface="Courier"/>
+              </a:rPr>
+              <a:t>head </a:t>
+            </a:r>
+            <a:r>
+              <a:rPr lang="en-US" sz="2800" dirty="0" err="1">
+                <a:latin typeface="Courier"/>
+                <a:cs typeface="Courier"/>
+              </a:rPr>
+              <a:t>aln.bam</a:t>
+            </a:r>
+            <a:endParaRPr lang="en-US" sz="2800" dirty="0">
+              <a:latin typeface="Courier"/>
+              <a:cs typeface="Courier"/>
+            </a:endParaRPr>
+          </a:p>
+          <a:p>
+            <a:pPr marL="0" indent="0">
+              <a:buNone/>
+            </a:pPr>
+            <a:endParaRPr lang="en-US" sz="2800" dirty="0">
+              <a:latin typeface="Courier"/>
+              <a:cs typeface="Courier"/>
+            </a:endParaRPr>
           </a:p>
         </p:txBody>
       </p:sp>
     </p:spTree>
     <p:extLst>
       <p:ext uri="{BB962C8B-B14F-4D97-AF65-F5344CB8AC3E}">
-        <p14:creationId xmlns:p14="http://schemas.microsoft.com/office/powerpoint/2010/main" val="3420371533"/>
+        <p14:creationId xmlns:p14="http://schemas.microsoft.com/office/powerpoint/2010/main" val="4057304795"/>
       </p:ext>
     </p:extLst>
   </p:cSld>
@@ -10693,6 +10709,259 @@
           <a:p>
             <a:r>
               <a:rPr lang="en-US" dirty="0"/>
+              <a:t>Alignment sorting</a:t>
+            </a:r>
+          </a:p>
+        </p:txBody>
+      </p:sp>
+      <p:sp>
+        <p:nvSpPr>
+          <p:cNvPr id="4" name="Content Placeholder 2"/>
+          <p:cNvSpPr>
+            <a:spLocks noGrp="1"/>
+          </p:cNvSpPr>
+          <p:nvPr>
+            <p:ph idx="1"/>
+          </p:nvPr>
+        </p:nvSpPr>
+        <p:spPr>
+          <a:xfrm>
+            <a:off x="457200" y="1537932"/>
+            <a:ext cx="7894746" cy="2375501"/>
+          </a:xfrm>
+        </p:spPr>
+        <p:txBody>
+          <a:bodyPr/>
+          <a:lstStyle/>
+          <a:p>
+            <a:pPr marL="0" indent="0">
+              <a:buNone/>
+            </a:pPr>
+            <a:r>
+              <a:rPr lang="en-US" dirty="0">
+                <a:latin typeface="Courier"/>
+                <a:cs typeface="Courier"/>
+              </a:rPr>
+              <a:t>### Sort BAM:</a:t>
+            </a:r>
+          </a:p>
+          <a:p>
+            <a:pPr marL="0" indent="0">
+              <a:buNone/>
+            </a:pPr>
+            <a:r>
+              <a:rPr lang="en-US" dirty="0" err="1">
+                <a:latin typeface="Courier"/>
+                <a:cs typeface="Courier"/>
+              </a:rPr>
+              <a:t>samtools</a:t>
+            </a:r>
+            <a:r>
+              <a:rPr lang="en-US" dirty="0">
+                <a:latin typeface="Courier"/>
+                <a:cs typeface="Courier"/>
+              </a:rPr>
+              <a:t> sort </a:t>
+            </a:r>
+            <a:r>
+              <a:rPr lang="en-US" dirty="0" err="1">
+                <a:latin typeface="Courier"/>
+                <a:cs typeface="Courier"/>
+              </a:rPr>
+              <a:t>aln.bam</a:t>
+            </a:r>
+            <a:r>
+              <a:rPr lang="en-US" dirty="0">
+                <a:latin typeface="Courier"/>
+                <a:cs typeface="Courier"/>
+              </a:rPr>
+              <a:t> &gt; </a:t>
+            </a:r>
+            <a:r>
+              <a:rPr lang="en-US" dirty="0" err="1">
+                <a:latin typeface="Courier"/>
+                <a:cs typeface="Courier"/>
+              </a:rPr>
+              <a:t>alnsort.bam</a:t>
+            </a:r>
+            <a:endParaRPr lang="en-US" dirty="0">
+              <a:latin typeface="Courier"/>
+              <a:cs typeface="Courier"/>
+            </a:endParaRPr>
+          </a:p>
+          <a:p>
+            <a:pPr marL="0" indent="0">
+              <a:buNone/>
+            </a:pPr>
+            <a:endParaRPr lang="en-US" dirty="0">
+              <a:latin typeface="Courier"/>
+              <a:cs typeface="Courier"/>
+            </a:endParaRPr>
+          </a:p>
+          <a:p>
+            <a:pPr marL="0" indent="0">
+              <a:buNone/>
+            </a:pPr>
+            <a:r>
+              <a:rPr lang="en-US" dirty="0">
+                <a:latin typeface="Courier"/>
+                <a:cs typeface="Courier"/>
+              </a:rPr>
+              <a:t>### convert to SAM</a:t>
+            </a:r>
+          </a:p>
+          <a:p>
+            <a:pPr marL="0" indent="0">
+              <a:buNone/>
+            </a:pPr>
+            <a:r>
+              <a:rPr lang="en-US" dirty="0" err="1">
+                <a:latin typeface="Courier"/>
+                <a:cs typeface="Courier"/>
+              </a:rPr>
+              <a:t>samtools</a:t>
+            </a:r>
+            <a:r>
+              <a:rPr lang="en-US" dirty="0">
+                <a:latin typeface="Courier"/>
+                <a:cs typeface="Courier"/>
+              </a:rPr>
+              <a:t> view </a:t>
+            </a:r>
+            <a:r>
+              <a:rPr lang="en-US" dirty="0" err="1">
+                <a:latin typeface="Courier"/>
+                <a:cs typeface="Courier"/>
+              </a:rPr>
+              <a:t>alnsort.bam</a:t>
+            </a:r>
+            <a:r>
+              <a:rPr lang="en-US" dirty="0">
+                <a:latin typeface="Courier"/>
+                <a:cs typeface="Courier"/>
+              </a:rPr>
+              <a:t> &gt; </a:t>
+            </a:r>
+            <a:r>
+              <a:rPr lang="en-US" dirty="0" err="1">
+                <a:latin typeface="Courier"/>
+                <a:cs typeface="Courier"/>
+              </a:rPr>
+              <a:t>alnsort.sam</a:t>
+            </a:r>
+            <a:endParaRPr lang="en-US" dirty="0">
+              <a:latin typeface="Courier"/>
+              <a:cs typeface="Courier"/>
+            </a:endParaRPr>
+          </a:p>
+          <a:p>
+            <a:pPr marL="0" indent="0">
+              <a:buNone/>
+            </a:pPr>
+            <a:endParaRPr lang="en-US" dirty="0">
+              <a:latin typeface="Courier"/>
+              <a:cs typeface="Courier"/>
+            </a:endParaRPr>
+          </a:p>
+        </p:txBody>
+      </p:sp>
+      <p:sp>
+        <p:nvSpPr>
+          <p:cNvPr id="5" name="TextBox 4"/>
+          <p:cNvSpPr txBox="1"/>
+          <p:nvPr/>
+        </p:nvSpPr>
+        <p:spPr>
+          <a:xfrm>
+            <a:off x="973244" y="4217122"/>
+            <a:ext cx="6536605" cy="1569660"/>
+          </a:xfrm>
+          <a:prstGeom prst="rect">
+            <a:avLst/>
+          </a:prstGeom>
+          <a:noFill/>
+        </p:spPr>
+        <p:txBody>
+          <a:bodyPr wrap="square" rtlCol="0">
+            <a:spAutoFit/>
+          </a:bodyPr>
+          <a:lstStyle/>
+          <a:p>
+            <a:r>
+              <a:rPr lang="en-US" sz="3200" dirty="0">
+                <a:solidFill>
+                  <a:srgbClr val="FF0000"/>
+                </a:solidFill>
+              </a:rPr>
+              <a:t>Question:</a:t>
+            </a:r>
+          </a:p>
+          <a:p>
+            <a:endParaRPr lang="en-US" sz="3200" dirty="0">
+              <a:solidFill>
+                <a:srgbClr val="FF0000"/>
+              </a:solidFill>
+            </a:endParaRPr>
+          </a:p>
+          <a:p>
+            <a:r>
+              <a:rPr lang="en-US" sz="3200" dirty="0">
+                <a:solidFill>
+                  <a:srgbClr val="FF0000"/>
+                </a:solidFill>
+              </a:rPr>
+              <a:t>What was the basis for the sorting?</a:t>
+            </a:r>
+          </a:p>
+        </p:txBody>
+      </p:sp>
+    </p:spTree>
+    <p:extLst>
+      <p:ext uri="{BB962C8B-B14F-4D97-AF65-F5344CB8AC3E}">
+        <p14:creationId xmlns:p14="http://schemas.microsoft.com/office/powerpoint/2010/main" val="3420371533"/>
+      </p:ext>
+    </p:extLst>
+  </p:cSld>
+  <p:clrMapOvr>
+    <a:masterClrMapping/>
+  </p:clrMapOvr>
+</p:sld>
+</file>
+
+<file path=ppt/slides/slide28.xml><?xml version="1.0" encoding="utf-8"?>
+<p:sld xmlns:a="http://schemas.openxmlformats.org/drawingml/2006/main" xmlns:r="http://schemas.openxmlformats.org/officeDocument/2006/relationships" xmlns:p="http://schemas.openxmlformats.org/presentationml/2006/main">
+  <p:cSld>
+    <p:spTree>
+      <p:nvGrpSpPr>
+        <p:cNvPr id="1" name=""/>
+        <p:cNvGrpSpPr/>
+        <p:nvPr/>
+      </p:nvGrpSpPr>
+      <p:grpSpPr>
+        <a:xfrm>
+          <a:off x="0" y="0"/>
+          <a:ext cx="0" cy="0"/>
+          <a:chOff x="0" y="0"/>
+          <a:chExt cx="0" cy="0"/>
+        </a:xfrm>
+      </p:grpSpPr>
+      <p:sp>
+        <p:nvSpPr>
+          <p:cNvPr id="2" name="Title 1"/>
+          <p:cNvSpPr>
+            <a:spLocks noGrp="1"/>
+          </p:cNvSpPr>
+          <p:nvPr>
+            <p:ph type="title"/>
+          </p:nvPr>
+        </p:nvSpPr>
+        <p:spPr/>
+        <p:txBody>
+          <a:bodyPr/>
+          <a:lstStyle/>
+          <a:p>
+            <a:r>
+              <a:rPr lang="en-US" dirty="0"/>
               <a:t>Problem</a:t>
             </a:r>
           </a:p>
@@ -10743,7 +11012,7 @@
 </p:sld>
 </file>
 
-<file path=ppt/slides/slide28.xml><?xml version="1.0" encoding="utf-8"?>
+<file path=ppt/slides/slide29.xml><?xml version="1.0" encoding="utf-8"?>
 <p:sld xmlns:a="http://schemas.openxmlformats.org/drawingml/2006/main" xmlns:r="http://schemas.openxmlformats.org/officeDocument/2006/relationships" xmlns:p="http://schemas.openxmlformats.org/presentationml/2006/main">
   <p:cSld>
     <p:spTree>
@@ -12329,7 +12598,13 @@
       </p:grpSpPr>
       <p:sp>
         <p:nvSpPr>
-          <p:cNvPr id="2" name="Title 1"/>
+          <p:cNvPr id="2" name="Title 1">
+            <a:extLst>
+              <a:ext uri="{FF2B5EF4-FFF2-40B4-BE49-F238E27FC236}">
+                <a16:creationId xmlns:a16="http://schemas.microsoft.com/office/drawing/2014/main" id="{3E8D9B56-9C78-D01B-A55B-60E156AD9AEE}"/>
+              </a:ext>
+            </a:extLst>
+          </p:cNvPr>
           <p:cNvSpPr>
             <a:spLocks noGrp="1"/>
           </p:cNvSpPr>
@@ -12337,26 +12612,24 @@
             <p:ph type="title"/>
           </p:nvPr>
         </p:nvSpPr>
-        <p:spPr>
-          <a:xfrm>
-            <a:off x="457200" y="274638"/>
-            <a:ext cx="8229600" cy="924806"/>
-          </a:xfrm>
-        </p:spPr>
+        <p:spPr/>
         <p:txBody>
           <a:bodyPr/>
           <a:lstStyle/>
           <a:p>
-            <a:r>
-              <a:rPr lang="en-US" dirty="0"/>
-              <a:t>Goal of today’s lab</a:t>
-            </a:r>
-          </a:p>
-        </p:txBody>
-      </p:sp>
-      <p:sp>
-        <p:nvSpPr>
-          <p:cNvPr id="3" name="Content Placeholder 2"/>
+            <a:endParaRPr lang="en-US"/>
+          </a:p>
+        </p:txBody>
+      </p:sp>
+      <p:sp>
+        <p:nvSpPr>
+          <p:cNvPr id="3" name="Content Placeholder 2">
+            <a:extLst>
+              <a:ext uri="{FF2B5EF4-FFF2-40B4-BE49-F238E27FC236}">
+                <a16:creationId xmlns:a16="http://schemas.microsoft.com/office/drawing/2014/main" id="{5B5F38DB-AAAD-4B48-5B10-BB7DB3AFBAD7}"/>
+              </a:ext>
+            </a:extLst>
+          </p:cNvPr>
           <p:cNvSpPr>
             <a:spLocks noGrp="1"/>
           </p:cNvSpPr>
@@ -12364,89 +12637,19 @@
             <p:ph idx="1"/>
           </p:nvPr>
         </p:nvSpPr>
-        <p:spPr>
-          <a:xfrm>
-            <a:off x="1839667" y="1349583"/>
-            <a:ext cx="5823876" cy="4789960"/>
-          </a:xfrm>
-        </p:spPr>
-        <p:txBody>
-          <a:bodyPr>
-            <a:noAutofit/>
-          </a:bodyPr>
+        <p:spPr/>
+        <p:txBody>
+          <a:bodyPr/>
           <a:lstStyle/>
           <a:p>
-            <a:r>
-              <a:rPr lang="en-US" sz="3200" dirty="0">
-                <a:solidFill>
-                  <a:schemeClr val="bg1">
-                    <a:lumMod val="75000"/>
-                  </a:schemeClr>
-                </a:solidFill>
-              </a:rPr>
-              <a:t>Make a </a:t>
-            </a:r>
-            <a:r>
-              <a:rPr lang="en-US" sz="3200" dirty="0" err="1">
-                <a:solidFill>
-                  <a:schemeClr val="bg1">
-                    <a:lumMod val="75000"/>
-                  </a:schemeClr>
-                </a:solidFill>
-              </a:rPr>
-              <a:t>dotplot</a:t>
-            </a:r>
-            <a:endParaRPr lang="en-US" sz="3200" dirty="0">
-              <a:solidFill>
-                <a:schemeClr val="bg1">
-                  <a:lumMod val="75000"/>
-                </a:schemeClr>
-              </a:solidFill>
-            </a:endParaRPr>
-          </a:p>
-          <a:p>
-            <a:r>
-              <a:rPr lang="en-US" sz="3200" dirty="0"/>
-              <a:t>Create BLAST database</a:t>
-            </a:r>
-          </a:p>
-          <a:p>
-            <a:r>
-              <a:rPr lang="en-US" sz="3200" dirty="0"/>
-              <a:t>BLASTN</a:t>
-            </a:r>
-          </a:p>
-          <a:p>
-            <a:r>
-              <a:rPr lang="en-US" sz="3200" dirty="0"/>
-              <a:t>BLASTP</a:t>
-            </a:r>
-          </a:p>
-          <a:p>
-            <a:r>
-              <a:rPr lang="en-US" sz="3200" dirty="0"/>
-              <a:t>Extract sequences from database</a:t>
-            </a:r>
-          </a:p>
-          <a:p>
-            <a:r>
-              <a:rPr lang="en-US" sz="3200" dirty="0"/>
-              <a:t>BWA alignment</a:t>
-            </a:r>
-          </a:p>
-          <a:p>
-            <a:r>
-              <a:rPr lang="en-US" sz="3200" dirty="0" err="1"/>
-              <a:t>SAMtools</a:t>
-            </a:r>
-            <a:endParaRPr lang="en-US" sz="3200" dirty="0"/>
+            <a:endParaRPr lang="en-US"/>
           </a:p>
         </p:txBody>
       </p:sp>
     </p:spTree>
     <p:extLst>
       <p:ext uri="{BB962C8B-B14F-4D97-AF65-F5344CB8AC3E}">
-        <p14:creationId xmlns:p14="http://schemas.microsoft.com/office/powerpoint/2010/main" val="1701507504"/>
+        <p14:creationId xmlns:p14="http://schemas.microsoft.com/office/powerpoint/2010/main" val="3074666920"/>
       </p:ext>
     </p:extLst>
   </p:cSld>
@@ -12475,13 +12678,7 @@
       </p:grpSpPr>
       <p:sp>
         <p:nvSpPr>
-          <p:cNvPr id="2" name="Title 1">
-            <a:extLst>
-              <a:ext uri="{FF2B5EF4-FFF2-40B4-BE49-F238E27FC236}">
-                <a16:creationId xmlns:a16="http://schemas.microsoft.com/office/drawing/2014/main" id="{9F0415AB-9825-F74F-8B4C-69A2FFDAFBE6}"/>
-              </a:ext>
-            </a:extLst>
-          </p:cNvPr>
+          <p:cNvPr id="2" name="Title 1"/>
           <p:cNvSpPr>
             <a:spLocks noGrp="1"/>
           </p:cNvSpPr>
@@ -12489,29 +12686,26 @@
             <p:ph type="title"/>
           </p:nvPr>
         </p:nvSpPr>
-        <p:spPr/>
-        <p:txBody>
-          <a:bodyPr>
-            <a:normAutofit/>
-          </a:bodyPr>
+        <p:spPr>
+          <a:xfrm>
+            <a:off x="457200" y="274638"/>
+            <a:ext cx="8229600" cy="924806"/>
+          </a:xfrm>
+        </p:spPr>
+        <p:txBody>
+          <a:bodyPr/>
           <a:lstStyle/>
           <a:p>
             <a:r>
-              <a:rPr lang="en-US" sz="3200" dirty="0"/>
-              <a:t>Load modules</a:t>
-            </a:r>
-          </a:p>
-        </p:txBody>
-      </p:sp>
-      <p:sp>
-        <p:nvSpPr>
-          <p:cNvPr id="3" name="Content Placeholder 2">
-            <a:extLst>
-              <a:ext uri="{FF2B5EF4-FFF2-40B4-BE49-F238E27FC236}">
-                <a16:creationId xmlns:a16="http://schemas.microsoft.com/office/drawing/2014/main" id="{7C3BAB38-69F4-8C47-951F-CCBEC8CE792C}"/>
-              </a:ext>
-            </a:extLst>
-          </p:cNvPr>
+              <a:rPr lang="en-US" dirty="0"/>
+              <a:t>Goal of today’s lab</a:t>
+            </a:r>
+          </a:p>
+        </p:txBody>
+      </p:sp>
+      <p:sp>
+        <p:nvSpPr>
+          <p:cNvPr id="3" name="Content Placeholder 2"/>
           <p:cNvSpPr>
             <a:spLocks noGrp="1"/>
           </p:cNvSpPr>
@@ -12521,54 +12715,73 @@
         </p:nvSpPr>
         <p:spPr>
           <a:xfrm>
-            <a:off x="1655001" y="1322246"/>
-            <a:ext cx="5833998" cy="4741288"/>
+            <a:off x="1839667" y="1349583"/>
+            <a:ext cx="5823876" cy="4789960"/>
           </a:xfrm>
         </p:spPr>
         <p:txBody>
-          <a:bodyPr/>
+          <a:bodyPr>
+            <a:noAutofit/>
+          </a:bodyPr>
           <a:lstStyle/>
           <a:p>
             <a:r>
+              <a:rPr lang="en-US" sz="3200" dirty="0">
+                <a:solidFill>
+                  <a:schemeClr val="bg1">
+                    <a:lumMod val="75000"/>
+                  </a:schemeClr>
+                </a:solidFill>
+              </a:rPr>
+              <a:t>Make a </a:t>
+            </a:r>
+            <a:r>
+              <a:rPr lang="en-US" sz="3200" dirty="0" err="1">
+                <a:solidFill>
+                  <a:schemeClr val="bg1">
+                    <a:lumMod val="75000"/>
+                  </a:schemeClr>
+                </a:solidFill>
+              </a:rPr>
+              <a:t>dotplot</a:t>
+            </a:r>
+            <a:endParaRPr lang="en-US" sz="3200" dirty="0">
+              <a:solidFill>
+                <a:schemeClr val="bg1">
+                  <a:lumMod val="75000"/>
+                </a:schemeClr>
+              </a:solidFill>
+            </a:endParaRPr>
+          </a:p>
+          <a:p>
+            <a:r>
               <a:rPr lang="en-US" sz="3200" dirty="0"/>
-              <a:t>Blast+</a:t>
-            </a:r>
-          </a:p>
-          <a:p>
-            <a:pPr marL="0" indent="0">
-              <a:buNone/>
-            </a:pPr>
+              <a:t>Create BLAST database</a:t>
+            </a:r>
+          </a:p>
+          <a:p>
             <a:r>
               <a:rPr lang="en-US" sz="3200" dirty="0"/>
-              <a:t>module load BLAST+</a:t>
-            </a:r>
-          </a:p>
-          <a:p>
-            <a:pPr marL="0" indent="0">
-              <a:buNone/>
-            </a:pPr>
-            <a:endParaRPr lang="en-US" sz="3200" dirty="0"/>
+              <a:t>BLASTN</a:t>
+            </a:r>
           </a:p>
           <a:p>
             <a:r>
               <a:rPr lang="en-US" sz="3200" dirty="0"/>
-              <a:t>bwa</a:t>
-            </a:r>
-          </a:p>
-          <a:p>
-            <a:pPr marL="0" indent="0">
-              <a:buNone/>
-            </a:pPr>
+              <a:t>BLASTP</a:t>
+            </a:r>
+          </a:p>
+          <a:p>
             <a:r>
               <a:rPr lang="en-US" sz="3200" dirty="0"/>
-              <a:t>module load BWA</a:t>
-            </a:r>
-          </a:p>
-          <a:p>
-            <a:pPr marL="0" indent="0">
-              <a:buNone/>
-            </a:pPr>
-            <a:endParaRPr lang="en-US" sz="3200" dirty="0"/>
+              <a:t>Extract sequences from database</a:t>
+            </a:r>
+          </a:p>
+          <a:p>
+            <a:r>
+              <a:rPr lang="en-US" sz="3200" dirty="0"/>
+              <a:t>BWA alignment</a:t>
+            </a:r>
           </a:p>
           <a:p>
             <a:r>
@@ -12576,33 +12789,13 @@
               <a:t>SAMtools</a:t>
             </a:r>
             <a:endParaRPr lang="en-US" sz="3200" dirty="0"/>
-          </a:p>
-          <a:p>
-            <a:pPr marL="0" indent="0">
-              <a:buNone/>
-            </a:pPr>
-            <a:r>
-              <a:rPr lang="en-US" sz="3200" dirty="0"/>
-              <a:t>module load </a:t>
-            </a:r>
-            <a:r>
-              <a:rPr lang="en-US" sz="3200" dirty="0" err="1"/>
-              <a:t>SAMtools</a:t>
-            </a:r>
-            <a:endParaRPr lang="en-US" sz="3200" dirty="0"/>
-          </a:p>
-          <a:p>
-            <a:pPr marL="0" indent="0">
-              <a:buNone/>
-            </a:pPr>
-            <a:endParaRPr lang="en-US" dirty="0"/>
           </a:p>
         </p:txBody>
       </p:sp>
     </p:spTree>
     <p:extLst>
       <p:ext uri="{BB962C8B-B14F-4D97-AF65-F5344CB8AC3E}">
-        <p14:creationId xmlns:p14="http://schemas.microsoft.com/office/powerpoint/2010/main" val="1961660135"/>
+        <p14:creationId xmlns:p14="http://schemas.microsoft.com/office/powerpoint/2010/main" val="1701507504"/>
       </p:ext>
     </p:extLst>
   </p:cSld>
@@ -12631,7 +12824,13 @@
       </p:grpSpPr>
       <p:sp>
         <p:nvSpPr>
-          <p:cNvPr id="2" name="Title 1"/>
+          <p:cNvPr id="2" name="Title 1">
+            <a:extLst>
+              <a:ext uri="{FF2B5EF4-FFF2-40B4-BE49-F238E27FC236}">
+                <a16:creationId xmlns:a16="http://schemas.microsoft.com/office/drawing/2014/main" id="{9F0415AB-9825-F74F-8B4C-69A2FFDAFBE6}"/>
+              </a:ext>
+            </a:extLst>
+          </p:cNvPr>
           <p:cNvSpPr>
             <a:spLocks noGrp="1"/>
           </p:cNvSpPr>
@@ -12641,19 +12840,27 @@
         </p:nvSpPr>
         <p:spPr/>
         <p:txBody>
-          <a:bodyPr/>
+          <a:bodyPr>
+            <a:normAutofit/>
+          </a:bodyPr>
           <a:lstStyle/>
           <a:p>
             <a:r>
-              <a:rPr lang="en-US" dirty="0"/>
-              <a:t>Genome sequence data</a:t>
-            </a:r>
-          </a:p>
-        </p:txBody>
-      </p:sp>
-      <p:sp>
-        <p:nvSpPr>
-          <p:cNvPr id="3" name="Content Placeholder 2"/>
+              <a:rPr lang="en-US" sz="3200" dirty="0"/>
+              <a:t>Load modules</a:t>
+            </a:r>
+          </a:p>
+        </p:txBody>
+      </p:sp>
+      <p:sp>
+        <p:nvSpPr>
+          <p:cNvPr id="3" name="Content Placeholder 2">
+            <a:extLst>
+              <a:ext uri="{FF2B5EF4-FFF2-40B4-BE49-F238E27FC236}">
+                <a16:creationId xmlns:a16="http://schemas.microsoft.com/office/drawing/2014/main" id="{7C3BAB38-69F4-8C47-951F-CCBEC8CE792C}"/>
+              </a:ext>
+            </a:extLst>
+          </p:cNvPr>
           <p:cNvSpPr>
             <a:spLocks noGrp="1"/>
           </p:cNvSpPr>
@@ -12663,214 +12870,88 @@
         </p:nvSpPr>
         <p:spPr>
           <a:xfrm>
-            <a:off x="313661" y="1256990"/>
-            <a:ext cx="8728527" cy="4930867"/>
+            <a:off x="1655001" y="1322246"/>
+            <a:ext cx="5833998" cy="4741288"/>
           </a:xfrm>
         </p:spPr>
         <p:txBody>
-          <a:bodyPr>
-            <a:normAutofit/>
-          </a:bodyPr>
+          <a:bodyPr/>
           <a:lstStyle/>
           <a:p>
-            <a:pPr>
-              <a:lnSpc>
-                <a:spcPct val="150000"/>
-              </a:lnSpc>
-            </a:pPr>
-            <a:r>
-              <a:rPr lang="en-US" dirty="0" err="1"/>
-              <a:t>E.coli</a:t>
-            </a:r>
-            <a:r>
-              <a:rPr lang="en-US" dirty="0"/>
-              <a:t> K-12 </a:t>
-            </a:r>
-            <a:r>
-              <a:rPr lang="fr-FR" dirty="0"/>
-              <a:t>MG1655 </a:t>
-            </a:r>
-            <a:r>
-              <a:rPr lang="fr-FR" dirty="0" err="1"/>
-              <a:t>reference</a:t>
-            </a:r>
-            <a:r>
-              <a:rPr lang="fr-FR" dirty="0"/>
-              <a:t> </a:t>
-            </a:r>
-            <a:r>
-              <a:rPr lang="fr-FR" dirty="0" err="1"/>
-              <a:t>genome</a:t>
-            </a:r>
-            <a:r>
-              <a:rPr lang="fr-FR" dirty="0"/>
-              <a:t> </a:t>
-            </a:r>
-            <a:r>
-              <a:rPr lang="fr-FR" dirty="0" err="1"/>
-              <a:t>sequence</a:t>
-            </a:r>
-            <a:endParaRPr lang="fr-FR" dirty="0"/>
-          </a:p>
-          <a:p>
-            <a:pPr marL="0" indent="0">
-              <a:lnSpc>
-                <a:spcPct val="150000"/>
-              </a:lnSpc>
-              <a:buNone/>
-            </a:pPr>
-            <a:r>
-              <a:rPr lang="fr-FR" dirty="0"/>
-              <a:t># </a:t>
-            </a:r>
-            <a:r>
-              <a:rPr lang="fr-FR" dirty="0" err="1"/>
-              <a:t>create</a:t>
-            </a:r>
-            <a:r>
-              <a:rPr lang="fr-FR" dirty="0"/>
-              <a:t> a new directory for </a:t>
-            </a:r>
-            <a:r>
-              <a:rPr lang="fr-FR" dirty="0" err="1"/>
-              <a:t>today's</a:t>
-            </a:r>
-            <a:r>
-              <a:rPr lang="fr-FR" dirty="0"/>
-              <a:t> practice</a:t>
-            </a:r>
-          </a:p>
-          <a:p>
-            <a:pPr marL="0" indent="0">
-              <a:lnSpc>
-                <a:spcPct val="150000"/>
-              </a:lnSpc>
-              <a:buNone/>
-            </a:pPr>
-            <a:r>
-              <a:rPr lang="fr-FR" sz="2800" dirty="0" err="1">
-                <a:latin typeface="Courier"/>
-                <a:cs typeface="Courier"/>
-              </a:rPr>
-              <a:t>mkdir</a:t>
-            </a:r>
-            <a:r>
-              <a:rPr lang="fr-FR" sz="2800" dirty="0">
-                <a:latin typeface="Courier"/>
-                <a:cs typeface="Courier"/>
-              </a:rPr>
-              <a:t> blast</a:t>
-            </a:r>
-          </a:p>
-          <a:p>
-            <a:pPr marL="0" indent="0">
-              <a:lnSpc>
-                <a:spcPct val="150000"/>
-              </a:lnSpc>
-              <a:buNone/>
-            </a:pPr>
-            <a:r>
-              <a:rPr lang="fr-FR" sz="2800" dirty="0">
-                <a:latin typeface="Courier"/>
-                <a:cs typeface="Courier"/>
-              </a:rPr>
-              <a:t>cd blast</a:t>
-            </a:r>
-          </a:p>
-          <a:p>
-            <a:pPr marL="0" indent="0">
-              <a:lnSpc>
-                <a:spcPct val="150000"/>
-              </a:lnSpc>
-              <a:buNone/>
-            </a:pPr>
-            <a:r>
-              <a:rPr lang="fr-FR" sz="2800" dirty="0" err="1">
-                <a:latin typeface="Courier"/>
-                <a:cs typeface="Courier"/>
-              </a:rPr>
-              <a:t>mkdir</a:t>
-            </a:r>
-            <a:r>
-              <a:rPr lang="fr-FR" sz="2800" dirty="0">
-                <a:latin typeface="Courier"/>
-                <a:cs typeface="Courier"/>
-              </a:rPr>
-              <a:t> </a:t>
-            </a:r>
-            <a:r>
-              <a:rPr lang="fr-FR" sz="2800" dirty="0" err="1">
-                <a:latin typeface="Courier"/>
-                <a:cs typeface="Courier"/>
-              </a:rPr>
-              <a:t>db</a:t>
-            </a:r>
-            <a:endParaRPr lang="fr-FR" sz="2800" dirty="0">
-              <a:latin typeface="Courier"/>
-              <a:cs typeface="Courier"/>
-            </a:endParaRPr>
-          </a:p>
-          <a:p>
-            <a:pPr marL="0" indent="0">
-              <a:lnSpc>
-                <a:spcPct val="150000"/>
-              </a:lnSpc>
-              <a:buNone/>
-            </a:pPr>
-            <a:r>
-              <a:rPr lang="fr-FR" sz="2800" dirty="0">
-                <a:latin typeface="Courier"/>
-                <a:cs typeface="Courier"/>
-              </a:rPr>
-              <a:t>cd </a:t>
-            </a:r>
-            <a:r>
-              <a:rPr lang="fr-FR" sz="2800" dirty="0" err="1">
-                <a:latin typeface="Courier"/>
-                <a:cs typeface="Courier"/>
-              </a:rPr>
-              <a:t>db</a:t>
-            </a:r>
-            <a:endParaRPr lang="fr-FR" sz="2800" dirty="0">
-              <a:latin typeface="Courier"/>
-              <a:cs typeface="Courier"/>
-            </a:endParaRPr>
-          </a:p>
-          <a:p>
-            <a:pPr marL="0" indent="0">
-              <a:lnSpc>
-                <a:spcPct val="150000"/>
-              </a:lnSpc>
-              <a:buNone/>
-            </a:pPr>
-            <a:r>
-              <a:rPr lang="en-US" sz="1800" dirty="0">
-                <a:latin typeface="Courier"/>
-                <a:cs typeface="Courier"/>
-              </a:rPr>
-              <a:t>cp -r /homes/liu3zhen/teaching/datasets/references/*</a:t>
-            </a:r>
-            <a:r>
-              <a:rPr lang="en-US" sz="1800" dirty="0" err="1">
-                <a:latin typeface="Courier"/>
-                <a:cs typeface="Courier"/>
-              </a:rPr>
-              <a:t>fasta</a:t>
-            </a:r>
-            <a:r>
-              <a:rPr lang="en-US" sz="1800" dirty="0">
-                <a:latin typeface="Courier"/>
-                <a:cs typeface="Courier"/>
-              </a:rPr>
-              <a:t> .</a:t>
-            </a:r>
+            <a:r>
+              <a:rPr lang="en-US" sz="3200" dirty="0"/>
+              <a:t>Blast+</a:t>
+            </a:r>
+          </a:p>
+          <a:p>
+            <a:pPr marL="0" indent="0">
+              <a:buNone/>
+            </a:pPr>
+            <a:r>
+              <a:rPr lang="en-US" sz="3200" dirty="0"/>
+              <a:t>module load BLAST+</a:t>
+            </a:r>
+          </a:p>
+          <a:p>
+            <a:pPr marL="0" indent="0">
+              <a:buNone/>
+            </a:pPr>
+            <a:endParaRPr lang="en-US" sz="3200" dirty="0"/>
+          </a:p>
+          <a:p>
+            <a:r>
+              <a:rPr lang="en-US" sz="3200" dirty="0"/>
+              <a:t>bwa</a:t>
+            </a:r>
+          </a:p>
+          <a:p>
+            <a:pPr marL="0" indent="0">
+              <a:buNone/>
+            </a:pPr>
+            <a:r>
+              <a:rPr lang="en-US" sz="3200" dirty="0"/>
+              <a:t>module load BWA</a:t>
+            </a:r>
+          </a:p>
+          <a:p>
+            <a:pPr marL="0" indent="0">
+              <a:buNone/>
+            </a:pPr>
+            <a:endParaRPr lang="en-US" sz="3200" dirty="0"/>
+          </a:p>
+          <a:p>
+            <a:r>
+              <a:rPr lang="en-US" sz="3200" dirty="0" err="1"/>
+              <a:t>SAMtools</a:t>
+            </a:r>
+            <a:endParaRPr lang="en-US" sz="3200" dirty="0"/>
+          </a:p>
+          <a:p>
+            <a:pPr marL="0" indent="0">
+              <a:buNone/>
+            </a:pPr>
+            <a:r>
+              <a:rPr lang="en-US" sz="3200" dirty="0"/>
+              <a:t>module load </a:t>
+            </a:r>
+            <a:r>
+              <a:rPr lang="en-US" sz="3200" dirty="0" err="1"/>
+              <a:t>SAMtools</a:t>
+            </a:r>
+            <a:endParaRPr lang="en-US" sz="3200" dirty="0"/>
+          </a:p>
+          <a:p>
+            <a:pPr marL="0" indent="0">
+              <a:buNone/>
+            </a:pPr>
+            <a:endParaRPr lang="en-US" dirty="0"/>
           </a:p>
         </p:txBody>
       </p:sp>
     </p:spTree>
     <p:extLst>
       <p:ext uri="{BB962C8B-B14F-4D97-AF65-F5344CB8AC3E}">
-        <p14:creationId xmlns:p14="http://schemas.microsoft.com/office/powerpoint/2010/main" val="2000764796"/>
+        <p14:creationId xmlns:p14="http://schemas.microsoft.com/office/powerpoint/2010/main" val="1961660135"/>
       </p:ext>
     </p:extLst>
   </p:cSld>

--- a/PLPTH813Bioinformatis/2023/labs/lab05_alignment.pptx
+++ b/PLPTH813Bioinformatis/2023/labs/lab05_alignment.pptx
@@ -5,7 +5,7 @@
     <p:sldMasterId id="2147483648" r:id="rId1"/>
   </p:sldMasterIdLst>
   <p:notesMasterIdLst>
-    <p:notesMasterId r:id="rId31"/>
+    <p:notesMasterId r:id="rId33"/>
   </p:notesMasterIdLst>
   <p:sldIdLst>
     <p:sldId id="256" r:id="rId2"/>
@@ -15,28 +15,30 @@
     <p:sldId id="295" r:id="rId6"/>
     <p:sldId id="296" r:id="rId7"/>
     <p:sldId id="310" r:id="rId8"/>
-    <p:sldId id="297" r:id="rId9"/>
-    <p:sldId id="309" r:id="rId10"/>
-    <p:sldId id="271" r:id="rId11"/>
-    <p:sldId id="280" r:id="rId12"/>
-    <p:sldId id="285" r:id="rId13"/>
-    <p:sldId id="275" r:id="rId14"/>
-    <p:sldId id="286" r:id="rId15"/>
-    <p:sldId id="287" r:id="rId16"/>
-    <p:sldId id="289" r:id="rId17"/>
-    <p:sldId id="288" r:id="rId18"/>
-    <p:sldId id="290" r:id="rId19"/>
-    <p:sldId id="291" r:id="rId20"/>
-    <p:sldId id="279" r:id="rId21"/>
-    <p:sldId id="308" r:id="rId22"/>
-    <p:sldId id="300" r:id="rId23"/>
-    <p:sldId id="301" r:id="rId24"/>
-    <p:sldId id="302" r:id="rId25"/>
-    <p:sldId id="303" r:id="rId26"/>
-    <p:sldId id="304" r:id="rId27"/>
-    <p:sldId id="305" r:id="rId28"/>
-    <p:sldId id="306" r:id="rId29"/>
-    <p:sldId id="307" r:id="rId30"/>
+    <p:sldId id="311" r:id="rId9"/>
+    <p:sldId id="297" r:id="rId10"/>
+    <p:sldId id="309" r:id="rId11"/>
+    <p:sldId id="271" r:id="rId12"/>
+    <p:sldId id="280" r:id="rId13"/>
+    <p:sldId id="285" r:id="rId14"/>
+    <p:sldId id="275" r:id="rId15"/>
+    <p:sldId id="286" r:id="rId16"/>
+    <p:sldId id="287" r:id="rId17"/>
+    <p:sldId id="289" r:id="rId18"/>
+    <p:sldId id="288" r:id="rId19"/>
+    <p:sldId id="290" r:id="rId20"/>
+    <p:sldId id="291" r:id="rId21"/>
+    <p:sldId id="279" r:id="rId22"/>
+    <p:sldId id="308" r:id="rId23"/>
+    <p:sldId id="300" r:id="rId24"/>
+    <p:sldId id="301" r:id="rId25"/>
+    <p:sldId id="302" r:id="rId26"/>
+    <p:sldId id="303" r:id="rId27"/>
+    <p:sldId id="304" r:id="rId28"/>
+    <p:sldId id="305" r:id="rId29"/>
+    <p:sldId id="306" r:id="rId30"/>
+    <p:sldId id="307" r:id="rId31"/>
+    <p:sldId id="312" r:id="rId32"/>
   </p:sldIdLst>
   <p:sldSz cx="9144000" cy="6858000" type="screen4x3"/>
   <p:notesSz cx="6858000" cy="9144000"/>
@@ -501,6 +503,90 @@
     </a:lvl9pPr>
   </p:notesStyle>
 </p:notesMaster>
+</file>
+
+<file path=ppt/notesSlides/notesSlide1.xml><?xml version="1.0" encoding="utf-8"?>
+<p:notes xmlns:a="http://schemas.openxmlformats.org/drawingml/2006/main" xmlns:r="http://schemas.openxmlformats.org/officeDocument/2006/relationships" xmlns:p="http://schemas.openxmlformats.org/presentationml/2006/main">
+  <p:cSld>
+    <p:spTree>
+      <p:nvGrpSpPr>
+        <p:cNvPr id="1" name=""/>
+        <p:cNvGrpSpPr/>
+        <p:nvPr/>
+      </p:nvGrpSpPr>
+      <p:grpSpPr>
+        <a:xfrm>
+          <a:off x="0" y="0"/>
+          <a:ext cx="0" cy="0"/>
+          <a:chOff x="0" y="0"/>
+          <a:chExt cx="0" cy="0"/>
+        </a:xfrm>
+      </p:grpSpPr>
+      <p:sp>
+        <p:nvSpPr>
+          <p:cNvPr id="2" name="Slide Image Placeholder 1"/>
+          <p:cNvSpPr>
+            <a:spLocks noGrp="1" noRot="1" noChangeAspect="1"/>
+          </p:cNvSpPr>
+          <p:nvPr>
+            <p:ph type="sldImg"/>
+          </p:nvPr>
+        </p:nvSpPr>
+        <p:spPr/>
+      </p:sp>
+      <p:sp>
+        <p:nvSpPr>
+          <p:cNvPr id="3" name="Notes Placeholder 2"/>
+          <p:cNvSpPr>
+            <a:spLocks noGrp="1"/>
+          </p:cNvSpPr>
+          <p:nvPr>
+            <p:ph type="body" idx="1"/>
+          </p:nvPr>
+        </p:nvSpPr>
+        <p:spPr/>
+        <p:txBody>
+          <a:bodyPr/>
+          <a:lstStyle/>
+          <a:p>
+            <a:endParaRPr lang="en-US" dirty="0"/>
+          </a:p>
+        </p:txBody>
+      </p:sp>
+      <p:sp>
+        <p:nvSpPr>
+          <p:cNvPr id="4" name="Slide Number Placeholder 3"/>
+          <p:cNvSpPr>
+            <a:spLocks noGrp="1"/>
+          </p:cNvSpPr>
+          <p:nvPr>
+            <p:ph type="sldNum" sz="quarter" idx="5"/>
+          </p:nvPr>
+        </p:nvSpPr>
+        <p:spPr/>
+        <p:txBody>
+          <a:bodyPr/>
+          <a:lstStyle/>
+          <a:p>
+            <a:fld id="{DC2B8C24-ACAE-AE41-B565-178ED93271F0}" type="slidenum">
+              <a:rPr lang="en-US" smtClean="0"/>
+              <a:t>11</a:t>
+            </a:fld>
+            <a:endParaRPr lang="en-US"/>
+          </a:p>
+        </p:txBody>
+      </p:sp>
+    </p:spTree>
+    <p:extLst>
+      <p:ext uri="{BB962C8B-B14F-4D97-AF65-F5344CB8AC3E}">
+        <p14:creationId xmlns:p14="http://schemas.microsoft.com/office/powerpoint/2010/main" val="2805658923"/>
+      </p:ext>
+    </p:extLst>
+  </p:cSld>
+  <p:clrMapOvr>
+    <a:masterClrMapping/>
+  </p:clrMapOvr>
+</p:notes>
 </file>
 
 <file path=ppt/slideLayouts/slideLayout1.xml><?xml version="1.0" encoding="utf-8"?>
@@ -3542,7 +3628,7 @@
           <a:p>
             <a:r>
               <a:rPr lang="en-US" sz="2800" dirty="0"/>
-              <a:t>2/16/2023</a:t>
+              <a:t>2/23/2023</a:t>
             </a:r>
           </a:p>
         </p:txBody>
@@ -3579,7 +3665,13 @@
       </p:grpSpPr>
       <p:sp>
         <p:nvSpPr>
-          <p:cNvPr id="2" name="Title 1"/>
+          <p:cNvPr id="2" name="Title 1">
+            <a:extLst>
+              <a:ext uri="{FF2B5EF4-FFF2-40B4-BE49-F238E27FC236}">
+                <a16:creationId xmlns:a16="http://schemas.microsoft.com/office/drawing/2014/main" id="{9F0415AB-9825-F74F-8B4C-69A2FFDAFBE6}"/>
+              </a:ext>
+            </a:extLst>
+          </p:cNvPr>
           <p:cNvSpPr>
             <a:spLocks noGrp="1"/>
           </p:cNvSpPr>
@@ -3589,19 +3681,27 @@
         </p:nvSpPr>
         <p:spPr/>
         <p:txBody>
-          <a:bodyPr/>
+          <a:bodyPr>
+            <a:normAutofit/>
+          </a:bodyPr>
           <a:lstStyle/>
           <a:p>
             <a:r>
-              <a:rPr lang="en-US" dirty="0"/>
-              <a:t>Genome sequence data</a:t>
-            </a:r>
-          </a:p>
-        </p:txBody>
-      </p:sp>
-      <p:sp>
-        <p:nvSpPr>
-          <p:cNvPr id="3" name="Content Placeholder 2"/>
+              <a:rPr lang="en-US" sz="3200" dirty="0"/>
+              <a:t>Load modules</a:t>
+            </a:r>
+          </a:p>
+        </p:txBody>
+      </p:sp>
+      <p:sp>
+        <p:nvSpPr>
+          <p:cNvPr id="3" name="Content Placeholder 2">
+            <a:extLst>
+              <a:ext uri="{FF2B5EF4-FFF2-40B4-BE49-F238E27FC236}">
+                <a16:creationId xmlns:a16="http://schemas.microsoft.com/office/drawing/2014/main" id="{7C3BAB38-69F4-8C47-951F-CCBEC8CE792C}"/>
+              </a:ext>
+            </a:extLst>
+          </p:cNvPr>
           <p:cNvSpPr>
             <a:spLocks noGrp="1"/>
           </p:cNvSpPr>
@@ -3611,214 +3711,88 @@
         </p:nvSpPr>
         <p:spPr>
           <a:xfrm>
-            <a:off x="313661" y="1256990"/>
-            <a:ext cx="8728527" cy="4930867"/>
+            <a:off x="1655001" y="1322246"/>
+            <a:ext cx="5833998" cy="4741288"/>
           </a:xfrm>
         </p:spPr>
         <p:txBody>
-          <a:bodyPr>
-            <a:normAutofit/>
-          </a:bodyPr>
+          <a:bodyPr/>
           <a:lstStyle/>
           <a:p>
-            <a:pPr>
-              <a:lnSpc>
-                <a:spcPct val="150000"/>
-              </a:lnSpc>
-            </a:pPr>
-            <a:r>
-              <a:rPr lang="en-US" dirty="0" err="1"/>
-              <a:t>E.coli</a:t>
-            </a:r>
-            <a:r>
-              <a:rPr lang="en-US" dirty="0"/>
-              <a:t> K-12 </a:t>
-            </a:r>
-            <a:r>
-              <a:rPr lang="fr-FR" dirty="0"/>
-              <a:t>MG1655 </a:t>
-            </a:r>
-            <a:r>
-              <a:rPr lang="fr-FR" dirty="0" err="1"/>
-              <a:t>reference</a:t>
-            </a:r>
-            <a:r>
-              <a:rPr lang="fr-FR" dirty="0"/>
-              <a:t> </a:t>
-            </a:r>
-            <a:r>
-              <a:rPr lang="fr-FR" dirty="0" err="1"/>
-              <a:t>genome</a:t>
-            </a:r>
-            <a:r>
-              <a:rPr lang="fr-FR" dirty="0"/>
-              <a:t> </a:t>
-            </a:r>
-            <a:r>
-              <a:rPr lang="fr-FR" dirty="0" err="1"/>
-              <a:t>sequence</a:t>
-            </a:r>
-            <a:endParaRPr lang="fr-FR" dirty="0"/>
-          </a:p>
-          <a:p>
-            <a:pPr marL="0" indent="0">
-              <a:lnSpc>
-                <a:spcPct val="150000"/>
-              </a:lnSpc>
-              <a:buNone/>
-            </a:pPr>
-            <a:r>
-              <a:rPr lang="fr-FR" dirty="0"/>
-              <a:t># </a:t>
-            </a:r>
-            <a:r>
-              <a:rPr lang="fr-FR" dirty="0" err="1"/>
-              <a:t>create</a:t>
-            </a:r>
-            <a:r>
-              <a:rPr lang="fr-FR" dirty="0"/>
-              <a:t> a new directory for </a:t>
-            </a:r>
-            <a:r>
-              <a:rPr lang="fr-FR" dirty="0" err="1"/>
-              <a:t>today's</a:t>
-            </a:r>
-            <a:r>
-              <a:rPr lang="fr-FR" dirty="0"/>
-              <a:t> practice</a:t>
-            </a:r>
-          </a:p>
-          <a:p>
-            <a:pPr marL="0" indent="0">
-              <a:lnSpc>
-                <a:spcPct val="150000"/>
-              </a:lnSpc>
-              <a:buNone/>
-            </a:pPr>
-            <a:r>
-              <a:rPr lang="fr-FR" sz="2800" dirty="0" err="1">
-                <a:latin typeface="Courier"/>
-                <a:cs typeface="Courier"/>
-              </a:rPr>
-              <a:t>mkdir</a:t>
-            </a:r>
-            <a:r>
-              <a:rPr lang="fr-FR" sz="2800" dirty="0">
-                <a:latin typeface="Courier"/>
-                <a:cs typeface="Courier"/>
-              </a:rPr>
-              <a:t> blast</a:t>
-            </a:r>
-          </a:p>
-          <a:p>
-            <a:pPr marL="0" indent="0">
-              <a:lnSpc>
-                <a:spcPct val="150000"/>
-              </a:lnSpc>
-              <a:buNone/>
-            </a:pPr>
-            <a:r>
-              <a:rPr lang="fr-FR" sz="2800" dirty="0">
-                <a:latin typeface="Courier"/>
-                <a:cs typeface="Courier"/>
-              </a:rPr>
-              <a:t>cd blast</a:t>
-            </a:r>
-          </a:p>
-          <a:p>
-            <a:pPr marL="0" indent="0">
-              <a:lnSpc>
-                <a:spcPct val="150000"/>
-              </a:lnSpc>
-              <a:buNone/>
-            </a:pPr>
-            <a:r>
-              <a:rPr lang="fr-FR" sz="2800" dirty="0" err="1">
-                <a:latin typeface="Courier"/>
-                <a:cs typeface="Courier"/>
-              </a:rPr>
-              <a:t>mkdir</a:t>
-            </a:r>
-            <a:r>
-              <a:rPr lang="fr-FR" sz="2800" dirty="0">
-                <a:latin typeface="Courier"/>
-                <a:cs typeface="Courier"/>
-              </a:rPr>
-              <a:t> </a:t>
-            </a:r>
-            <a:r>
-              <a:rPr lang="fr-FR" sz="2800" dirty="0" err="1">
-                <a:latin typeface="Courier"/>
-                <a:cs typeface="Courier"/>
-              </a:rPr>
-              <a:t>db</a:t>
-            </a:r>
-            <a:endParaRPr lang="fr-FR" sz="2800" dirty="0">
-              <a:latin typeface="Courier"/>
-              <a:cs typeface="Courier"/>
-            </a:endParaRPr>
-          </a:p>
-          <a:p>
-            <a:pPr marL="0" indent="0">
-              <a:lnSpc>
-                <a:spcPct val="150000"/>
-              </a:lnSpc>
-              <a:buNone/>
-            </a:pPr>
-            <a:r>
-              <a:rPr lang="fr-FR" sz="2800" dirty="0">
-                <a:latin typeface="Courier"/>
-                <a:cs typeface="Courier"/>
-              </a:rPr>
-              <a:t>cd </a:t>
-            </a:r>
-            <a:r>
-              <a:rPr lang="fr-FR" sz="2800" dirty="0" err="1">
-                <a:latin typeface="Courier"/>
-                <a:cs typeface="Courier"/>
-              </a:rPr>
-              <a:t>db</a:t>
-            </a:r>
-            <a:endParaRPr lang="fr-FR" sz="2800" dirty="0">
-              <a:latin typeface="Courier"/>
-              <a:cs typeface="Courier"/>
-            </a:endParaRPr>
-          </a:p>
-          <a:p>
-            <a:pPr marL="0" indent="0">
-              <a:lnSpc>
-                <a:spcPct val="150000"/>
-              </a:lnSpc>
-              <a:buNone/>
-            </a:pPr>
-            <a:r>
-              <a:rPr lang="en-US" sz="1800" dirty="0">
-                <a:latin typeface="Courier"/>
-                <a:cs typeface="Courier"/>
-              </a:rPr>
-              <a:t>cp -r /homes/liu3zhen/teaching/datasets/references/*</a:t>
-            </a:r>
-            <a:r>
-              <a:rPr lang="en-US" sz="1800" dirty="0" err="1">
-                <a:latin typeface="Courier"/>
-                <a:cs typeface="Courier"/>
-              </a:rPr>
-              <a:t>fasta</a:t>
-            </a:r>
-            <a:r>
-              <a:rPr lang="en-US" sz="1800" dirty="0">
-                <a:latin typeface="Courier"/>
-                <a:cs typeface="Courier"/>
-              </a:rPr>
-              <a:t> .</a:t>
-            </a:r>
+            <a:r>
+              <a:rPr lang="en-US" sz="3200" dirty="0"/>
+              <a:t>Blast+</a:t>
+            </a:r>
+          </a:p>
+          <a:p>
+            <a:pPr marL="0" indent="0">
+              <a:buNone/>
+            </a:pPr>
+            <a:r>
+              <a:rPr lang="en-US" sz="3200" dirty="0"/>
+              <a:t>module load BLAST+</a:t>
+            </a:r>
+          </a:p>
+          <a:p>
+            <a:pPr marL="0" indent="0">
+              <a:buNone/>
+            </a:pPr>
+            <a:endParaRPr lang="en-US" sz="3200" dirty="0"/>
+          </a:p>
+          <a:p>
+            <a:r>
+              <a:rPr lang="en-US" sz="3200" dirty="0"/>
+              <a:t>bwa</a:t>
+            </a:r>
+          </a:p>
+          <a:p>
+            <a:pPr marL="0" indent="0">
+              <a:buNone/>
+            </a:pPr>
+            <a:r>
+              <a:rPr lang="en-US" sz="3200" dirty="0"/>
+              <a:t>module load BWA</a:t>
+            </a:r>
+          </a:p>
+          <a:p>
+            <a:pPr marL="0" indent="0">
+              <a:buNone/>
+            </a:pPr>
+            <a:endParaRPr lang="en-US" sz="3200" dirty="0"/>
+          </a:p>
+          <a:p>
+            <a:r>
+              <a:rPr lang="en-US" sz="3200" dirty="0" err="1"/>
+              <a:t>SAMtools</a:t>
+            </a:r>
+            <a:endParaRPr lang="en-US" sz="3200" dirty="0"/>
+          </a:p>
+          <a:p>
+            <a:pPr marL="0" indent="0">
+              <a:buNone/>
+            </a:pPr>
+            <a:r>
+              <a:rPr lang="en-US" sz="3200" dirty="0"/>
+              <a:t>module load </a:t>
+            </a:r>
+            <a:r>
+              <a:rPr lang="en-US" sz="3200" dirty="0" err="1"/>
+              <a:t>SAMtools</a:t>
+            </a:r>
+            <a:endParaRPr lang="en-US" sz="3200" dirty="0"/>
+          </a:p>
+          <a:p>
+            <a:pPr marL="0" indent="0">
+              <a:buNone/>
+            </a:pPr>
+            <a:endParaRPr lang="en-US" dirty="0"/>
           </a:p>
         </p:txBody>
       </p:sp>
     </p:spTree>
     <p:extLst>
       <p:ext uri="{BB962C8B-B14F-4D97-AF65-F5344CB8AC3E}">
-        <p14:creationId xmlns:p14="http://schemas.microsoft.com/office/powerpoint/2010/main" val="2000764796"/>
+        <p14:creationId xmlns:p14="http://schemas.microsoft.com/office/powerpoint/2010/main" val="1961660135"/>
       </p:ext>
     </p:extLst>
   </p:cSld>
@@ -3862,7 +3836,7 @@
           <a:p>
             <a:r>
               <a:rPr lang="en-US" dirty="0"/>
-              <a:t>Step 1: Create a database</a:t>
+              <a:t>Genome sequence data</a:t>
             </a:r>
           </a:p>
         </p:txBody>
@@ -3879,8 +3853,8 @@
         </p:nvSpPr>
         <p:spPr>
           <a:xfrm>
-            <a:off x="288894" y="1530327"/>
-            <a:ext cx="8686800" cy="4522118"/>
+            <a:off x="330010" y="1256990"/>
+            <a:ext cx="8566484" cy="4930867"/>
           </a:xfrm>
         </p:spPr>
         <p:txBody>
@@ -3889,154 +3863,218 @@
           </a:bodyPr>
           <a:lstStyle/>
           <a:p>
-            <a:r>
-              <a:rPr lang="en-US" b="1" dirty="0" err="1">
-                <a:solidFill>
-                  <a:srgbClr val="17375E"/>
-                </a:solidFill>
-              </a:rPr>
-              <a:t>makeblastdb</a:t>
-            </a:r>
-            <a:endParaRPr lang="en-US" b="1" dirty="0">
-              <a:solidFill>
-                <a:srgbClr val="17375E"/>
-              </a:solidFill>
+            <a:pPr>
+              <a:lnSpc>
+                <a:spcPct val="150000"/>
+              </a:lnSpc>
+            </a:pPr>
+            <a:r>
+              <a:rPr lang="en-US" dirty="0" err="1"/>
+              <a:t>E.coli</a:t>
+            </a:r>
+            <a:r>
+              <a:rPr lang="en-US" dirty="0"/>
+              <a:t> K-12 </a:t>
+            </a:r>
+            <a:r>
+              <a:rPr lang="fr-FR" dirty="0"/>
+              <a:t>MG1655 </a:t>
+            </a:r>
+            <a:r>
+              <a:rPr lang="fr-FR" dirty="0" err="1"/>
+              <a:t>reference</a:t>
+            </a:r>
+            <a:r>
+              <a:rPr lang="fr-FR" dirty="0"/>
+              <a:t> </a:t>
+            </a:r>
+            <a:r>
+              <a:rPr lang="fr-FR" dirty="0" err="1"/>
+              <a:t>genome</a:t>
+            </a:r>
+            <a:r>
+              <a:rPr lang="fr-FR" dirty="0"/>
+              <a:t> </a:t>
+            </a:r>
+            <a:r>
+              <a:rPr lang="fr-FR" dirty="0" err="1"/>
+              <a:t>sequence</a:t>
+            </a:r>
+            <a:endParaRPr lang="fr-FR" dirty="0"/>
+          </a:p>
+          <a:p>
+            <a:pPr marL="0" indent="0">
+              <a:lnSpc>
+                <a:spcPct val="150000"/>
+              </a:lnSpc>
+              <a:buNone/>
+            </a:pPr>
+            <a:r>
+              <a:rPr lang="fr-FR" dirty="0"/>
+              <a:t># </a:t>
+            </a:r>
+            <a:r>
+              <a:rPr lang="fr-FR" dirty="0" err="1"/>
+              <a:t>create</a:t>
+            </a:r>
+            <a:r>
+              <a:rPr lang="fr-FR" dirty="0"/>
+              <a:t> a new directory for </a:t>
+            </a:r>
+            <a:r>
+              <a:rPr lang="fr-FR" dirty="0" err="1"/>
+              <a:t>today's</a:t>
+            </a:r>
+            <a:r>
+              <a:rPr lang="fr-FR" dirty="0"/>
+              <a:t> practice</a:t>
+            </a:r>
+          </a:p>
+          <a:p>
+            <a:pPr marL="0" indent="0">
+              <a:lnSpc>
+                <a:spcPct val="150000"/>
+              </a:lnSpc>
+              <a:buNone/>
+            </a:pPr>
+            <a:r>
+              <a:rPr lang="fr-FR" sz="2800" dirty="0" err="1">
+                <a:latin typeface="Courier"/>
+                <a:cs typeface="Courier"/>
+              </a:rPr>
+              <a:t>mkdir</a:t>
+            </a:r>
+            <a:r>
+              <a:rPr lang="fr-FR" sz="2800" dirty="0">
+                <a:latin typeface="Courier"/>
+                <a:cs typeface="Courier"/>
+              </a:rPr>
+              <a:t> blast</a:t>
+            </a:r>
+          </a:p>
+          <a:p>
+            <a:pPr marL="0" indent="0">
+              <a:lnSpc>
+                <a:spcPct val="150000"/>
+              </a:lnSpc>
+              <a:buNone/>
+            </a:pPr>
+            <a:r>
+              <a:rPr lang="fr-FR" sz="2800" dirty="0">
+                <a:latin typeface="Courier"/>
+                <a:cs typeface="Courier"/>
+              </a:rPr>
+              <a:t>cd blast</a:t>
+            </a:r>
+          </a:p>
+          <a:p>
+            <a:pPr marL="0" indent="0">
+              <a:lnSpc>
+                <a:spcPct val="150000"/>
+              </a:lnSpc>
+              <a:buNone/>
+            </a:pPr>
+            <a:r>
+              <a:rPr lang="fr-FR" sz="2800" dirty="0" err="1">
+                <a:latin typeface="Courier"/>
+                <a:cs typeface="Courier"/>
+              </a:rPr>
+              <a:t>mkdir</a:t>
+            </a:r>
+            <a:r>
+              <a:rPr lang="fr-FR" sz="2800" dirty="0">
+                <a:latin typeface="Courier"/>
+                <a:cs typeface="Courier"/>
+              </a:rPr>
+              <a:t> </a:t>
+            </a:r>
+            <a:r>
+              <a:rPr lang="fr-FR" sz="2800" dirty="0" err="1">
+                <a:latin typeface="Courier"/>
+                <a:cs typeface="Courier"/>
+              </a:rPr>
+              <a:t>db</a:t>
+            </a:r>
+            <a:endParaRPr lang="fr-FR" sz="2800" dirty="0">
+              <a:latin typeface="Courier"/>
+              <a:cs typeface="Courier"/>
             </a:endParaRPr>
           </a:p>
           <a:p>
             <a:pPr marL="0" indent="0">
-              <a:buNone/>
-            </a:pPr>
-            <a:r>
-              <a:rPr lang="en-US" dirty="0"/>
-              <a:t>A program to create a BLAST database</a:t>
-            </a:r>
-          </a:p>
-          <a:p>
-            <a:pPr marL="0" indent="0">
-              <a:buNone/>
-            </a:pPr>
-            <a:endParaRPr lang="en-US" dirty="0">
-              <a:latin typeface="Courier New"/>
-              <a:cs typeface="Courier New"/>
+              <a:lnSpc>
+                <a:spcPct val="150000"/>
+              </a:lnSpc>
+              <a:buNone/>
+            </a:pPr>
+            <a:r>
+              <a:rPr lang="fr-FR" sz="2800" dirty="0">
+                <a:latin typeface="Courier"/>
+                <a:cs typeface="Courier"/>
+              </a:rPr>
+              <a:t>cd </a:t>
+            </a:r>
+            <a:r>
+              <a:rPr lang="fr-FR" sz="2800" dirty="0" err="1">
+                <a:latin typeface="Courier"/>
+                <a:cs typeface="Courier"/>
+              </a:rPr>
+              <a:t>db</a:t>
+            </a:r>
+            <a:endParaRPr lang="fr-FR" sz="2800" dirty="0">
+              <a:latin typeface="Courier"/>
+              <a:cs typeface="Courier"/>
             </a:endParaRPr>
           </a:p>
           <a:p>
             <a:pPr marL="0" indent="0">
-              <a:buNone/>
-            </a:pPr>
-            <a:r>
-              <a:rPr lang="en-US" sz="2800" dirty="0" err="1">
-                <a:latin typeface="Courier New"/>
-                <a:cs typeface="Courier New"/>
-              </a:rPr>
-              <a:t>makeblastdb</a:t>
-            </a:r>
-            <a:r>
-              <a:rPr lang="en-US" sz="2800" dirty="0">
-                <a:latin typeface="Courier New"/>
-                <a:cs typeface="Courier New"/>
-              </a:rPr>
-              <a:t> –h</a:t>
-            </a:r>
-          </a:p>
-          <a:p>
-            <a:pPr marL="0" indent="0">
-              <a:buNone/>
-            </a:pPr>
-            <a:endParaRPr lang="en-US" sz="2800" dirty="0">
-              <a:latin typeface="Courier New"/>
-              <a:cs typeface="Courier New"/>
-            </a:endParaRPr>
-          </a:p>
-          <a:p>
-            <a:pPr marL="0" indent="0">
-              <a:buNone/>
-            </a:pPr>
-            <a:r>
-              <a:rPr lang="en-US" sz="2800" dirty="0" err="1">
-                <a:latin typeface="Courier New"/>
-                <a:cs typeface="Courier New"/>
-              </a:rPr>
-              <a:t>makeblastdb</a:t>
-            </a:r>
-            <a:r>
-              <a:rPr lang="en-US" sz="2800" dirty="0">
-                <a:latin typeface="Courier New"/>
-                <a:cs typeface="Courier New"/>
-              </a:rPr>
-              <a:t> -in MG1655.fasta \</a:t>
-            </a:r>
-          </a:p>
-          <a:p>
-            <a:pPr marL="0" indent="0">
-              <a:buNone/>
-            </a:pPr>
-            <a:r>
-              <a:rPr lang="en-US" sz="2800" dirty="0">
-                <a:latin typeface="Courier New"/>
-                <a:cs typeface="Courier New"/>
-              </a:rPr>
-              <a:t>	-out MG1655 -</a:t>
-            </a:r>
-            <a:r>
-              <a:rPr lang="en-US" sz="2800" dirty="0" err="1">
-                <a:latin typeface="Courier New"/>
-                <a:cs typeface="Courier New"/>
-              </a:rPr>
-              <a:t>dbtype</a:t>
-            </a:r>
-            <a:r>
-              <a:rPr lang="en-US" sz="2800" dirty="0">
-                <a:latin typeface="Courier New"/>
-                <a:cs typeface="Courier New"/>
+              <a:lnSpc>
+                <a:spcPct val="150000"/>
+              </a:lnSpc>
+              <a:buNone/>
+            </a:pPr>
+            <a:r>
+              <a:rPr lang="en-US" sz="2000" dirty="0" err="1">
+                <a:latin typeface="Courier"/>
+                <a:cs typeface="Courier"/>
+              </a:rPr>
+              <a:t>wget</a:t>
+            </a:r>
+            <a:r>
+              <a:rPr lang="en-US" sz="2000" dirty="0">
+                <a:latin typeface="Courier"/>
+                <a:cs typeface="Courier"/>
               </a:rPr>
               <a:t> </a:t>
             </a:r>
             <a:r>
-              <a:rPr lang="en-US" sz="2800" dirty="0" err="1">
-                <a:latin typeface="Courier New"/>
-                <a:cs typeface="Courier New"/>
-              </a:rPr>
-              <a:t>nucl</a:t>
-            </a:r>
-            <a:r>
-              <a:rPr lang="en-US" sz="2800" dirty="0">
-                <a:latin typeface="Courier New"/>
-                <a:cs typeface="Courier New"/>
-              </a:rPr>
-              <a:t> \</a:t>
-            </a:r>
-          </a:p>
-          <a:p>
-            <a:pPr marL="0" indent="0">
-              <a:buNone/>
-            </a:pPr>
-            <a:r>
-              <a:rPr lang="en-US" sz="2800" dirty="0">
-                <a:latin typeface="Courier New"/>
-                <a:cs typeface="Courier New"/>
-              </a:rPr>
-              <a:t>	-</a:t>
-            </a:r>
-            <a:r>
-              <a:rPr lang="en-US" sz="2800" dirty="0" err="1">
-                <a:latin typeface="Courier New"/>
-                <a:cs typeface="Courier New"/>
-              </a:rPr>
-              <a:t>parse_seqids</a:t>
-            </a:r>
-            <a:endParaRPr lang="en-US" sz="2800" dirty="0">
-              <a:latin typeface="Courier New"/>
-              <a:cs typeface="Courier New"/>
-            </a:endParaRPr>
+              <a:rPr lang="en-US" sz="1300" dirty="0">
+                <a:latin typeface="Courier"/>
+                <a:cs typeface="Courier"/>
+              </a:rPr>
+              <a:t>https://</a:t>
+            </a:r>
+            <a:r>
+              <a:rPr lang="en-US" sz="1300" dirty="0" err="1">
+                <a:latin typeface="Courier"/>
+                <a:cs typeface="Courier"/>
+              </a:rPr>
+              <a:t>people.beocat.ksu.edu</a:t>
+            </a:r>
+            <a:r>
+              <a:rPr lang="en-US" sz="1300" dirty="0">
+                <a:latin typeface="Courier"/>
+                <a:cs typeface="Courier"/>
+              </a:rPr>
+              <a:t>/~liu3zhen/PLPTH813/data/references/MG1655.fasta</a:t>
+            </a:r>
           </a:p>
         </p:txBody>
       </p:sp>
     </p:spTree>
     <p:extLst>
       <p:ext uri="{BB962C8B-B14F-4D97-AF65-F5344CB8AC3E}">
-        <p14:creationId xmlns:p14="http://schemas.microsoft.com/office/powerpoint/2010/main" val="1487461360"/>
+        <p14:creationId xmlns:p14="http://schemas.microsoft.com/office/powerpoint/2010/main" val="2000764796"/>
       </p:ext>
     </p:extLst>
   </p:cSld>
@@ -4080,7 +4118,7 @@
           <a:p>
             <a:r>
               <a:rPr lang="en-US" dirty="0"/>
-              <a:t>Query data</a:t>
+              <a:t>Step 1: Create a database</a:t>
             </a:r>
           </a:p>
         </p:txBody>
@@ -4097,13 +4135,231 @@
         </p:nvSpPr>
         <p:spPr>
           <a:xfrm>
-            <a:off x="75157" y="1047625"/>
-            <a:ext cx="9144000" cy="4828202"/>
+            <a:off x="288894" y="1530327"/>
+            <a:ext cx="8686800" cy="4522118"/>
           </a:xfrm>
         </p:spPr>
         <p:txBody>
           <a:bodyPr>
-            <a:normAutofit fontScale="92500"/>
+            <a:normAutofit/>
+          </a:bodyPr>
+          <a:lstStyle/>
+          <a:p>
+            <a:r>
+              <a:rPr lang="en-US" b="1" dirty="0" err="1">
+                <a:solidFill>
+                  <a:srgbClr val="17375E"/>
+                </a:solidFill>
+              </a:rPr>
+              <a:t>makeblastdb</a:t>
+            </a:r>
+            <a:endParaRPr lang="en-US" b="1" dirty="0">
+              <a:solidFill>
+                <a:srgbClr val="17375E"/>
+              </a:solidFill>
+            </a:endParaRPr>
+          </a:p>
+          <a:p>
+            <a:pPr marL="0" indent="0">
+              <a:buNone/>
+            </a:pPr>
+            <a:r>
+              <a:rPr lang="en-US" dirty="0"/>
+              <a:t>A program to create a BLAST database</a:t>
+            </a:r>
+          </a:p>
+          <a:p>
+            <a:pPr marL="0" indent="0">
+              <a:buNone/>
+            </a:pPr>
+            <a:endParaRPr lang="en-US" dirty="0">
+              <a:latin typeface="Courier New"/>
+              <a:cs typeface="Courier New"/>
+            </a:endParaRPr>
+          </a:p>
+          <a:p>
+            <a:pPr marL="0" indent="0">
+              <a:buNone/>
+            </a:pPr>
+            <a:r>
+              <a:rPr lang="en-US" sz="2800" dirty="0" err="1">
+                <a:latin typeface="Courier New"/>
+                <a:cs typeface="Courier New"/>
+              </a:rPr>
+              <a:t>makeblastdb</a:t>
+            </a:r>
+            <a:r>
+              <a:rPr lang="en-US" sz="2800" dirty="0">
+                <a:latin typeface="Courier New"/>
+                <a:cs typeface="Courier New"/>
+              </a:rPr>
+              <a:t> –h</a:t>
+            </a:r>
+          </a:p>
+          <a:p>
+            <a:pPr marL="0" indent="0">
+              <a:buNone/>
+            </a:pPr>
+            <a:endParaRPr lang="en-US" sz="2800" dirty="0">
+              <a:latin typeface="Courier New"/>
+              <a:cs typeface="Courier New"/>
+            </a:endParaRPr>
+          </a:p>
+          <a:p>
+            <a:pPr marL="0" indent="0">
+              <a:buNone/>
+            </a:pPr>
+            <a:r>
+              <a:rPr lang="en-US" sz="2800" dirty="0" err="1">
+                <a:latin typeface="Courier New"/>
+                <a:cs typeface="Courier New"/>
+              </a:rPr>
+              <a:t>makeblastdb</a:t>
+            </a:r>
+            <a:r>
+              <a:rPr lang="en-US" sz="2800" dirty="0">
+                <a:latin typeface="Courier New"/>
+                <a:cs typeface="Courier New"/>
+              </a:rPr>
+              <a:t> -in MG1655.fasta \</a:t>
+            </a:r>
+          </a:p>
+          <a:p>
+            <a:pPr marL="0" indent="0">
+              <a:buNone/>
+            </a:pPr>
+            <a:r>
+              <a:rPr lang="en-US" sz="2800" dirty="0">
+                <a:latin typeface="Courier New"/>
+                <a:cs typeface="Courier New"/>
+              </a:rPr>
+              <a:t>	-out MG1655 -</a:t>
+            </a:r>
+            <a:r>
+              <a:rPr lang="en-US" sz="2800" dirty="0" err="1">
+                <a:latin typeface="Courier New"/>
+                <a:cs typeface="Courier New"/>
+              </a:rPr>
+              <a:t>dbtype</a:t>
+            </a:r>
+            <a:r>
+              <a:rPr lang="en-US" sz="2800" dirty="0">
+                <a:latin typeface="Courier New"/>
+                <a:cs typeface="Courier New"/>
+              </a:rPr>
+              <a:t> </a:t>
+            </a:r>
+            <a:r>
+              <a:rPr lang="en-US" sz="2800" dirty="0" err="1">
+                <a:latin typeface="Courier New"/>
+                <a:cs typeface="Courier New"/>
+              </a:rPr>
+              <a:t>nucl</a:t>
+            </a:r>
+            <a:r>
+              <a:rPr lang="en-US" sz="2800" dirty="0">
+                <a:latin typeface="Courier New"/>
+                <a:cs typeface="Courier New"/>
+              </a:rPr>
+              <a:t> \</a:t>
+            </a:r>
+          </a:p>
+          <a:p>
+            <a:pPr marL="0" indent="0">
+              <a:buNone/>
+            </a:pPr>
+            <a:r>
+              <a:rPr lang="en-US" sz="2800" dirty="0">
+                <a:latin typeface="Courier New"/>
+                <a:cs typeface="Courier New"/>
+              </a:rPr>
+              <a:t>	-</a:t>
+            </a:r>
+            <a:r>
+              <a:rPr lang="en-US" sz="2800" dirty="0" err="1">
+                <a:latin typeface="Courier New"/>
+                <a:cs typeface="Courier New"/>
+              </a:rPr>
+              <a:t>parse_seqids</a:t>
+            </a:r>
+            <a:endParaRPr lang="en-US" sz="2800" dirty="0">
+              <a:latin typeface="Courier New"/>
+              <a:cs typeface="Courier New"/>
+            </a:endParaRPr>
+          </a:p>
+        </p:txBody>
+      </p:sp>
+    </p:spTree>
+    <p:extLst>
+      <p:ext uri="{BB962C8B-B14F-4D97-AF65-F5344CB8AC3E}">
+        <p14:creationId xmlns:p14="http://schemas.microsoft.com/office/powerpoint/2010/main" val="1487461360"/>
+      </p:ext>
+    </p:extLst>
+  </p:cSld>
+  <p:clrMapOvr>
+    <a:masterClrMapping/>
+  </p:clrMapOvr>
+</p:sld>
+</file>
+
+<file path=ppt/slides/slide13.xml><?xml version="1.0" encoding="utf-8"?>
+<p:sld xmlns:a="http://schemas.openxmlformats.org/drawingml/2006/main" xmlns:r="http://schemas.openxmlformats.org/officeDocument/2006/relationships" xmlns:p="http://schemas.openxmlformats.org/presentationml/2006/main">
+  <p:cSld>
+    <p:spTree>
+      <p:nvGrpSpPr>
+        <p:cNvPr id="1" name=""/>
+        <p:cNvGrpSpPr/>
+        <p:nvPr/>
+      </p:nvGrpSpPr>
+      <p:grpSpPr>
+        <a:xfrm>
+          <a:off x="0" y="0"/>
+          <a:ext cx="0" cy="0"/>
+          <a:chOff x="0" y="0"/>
+          <a:chExt cx="0" cy="0"/>
+        </a:xfrm>
+      </p:grpSpPr>
+      <p:sp>
+        <p:nvSpPr>
+          <p:cNvPr id="2" name="Title 1"/>
+          <p:cNvSpPr>
+            <a:spLocks noGrp="1"/>
+          </p:cNvSpPr>
+          <p:nvPr>
+            <p:ph type="title"/>
+          </p:nvPr>
+        </p:nvSpPr>
+        <p:spPr/>
+        <p:txBody>
+          <a:bodyPr/>
+          <a:lstStyle/>
+          <a:p>
+            <a:r>
+              <a:rPr lang="en-US" dirty="0"/>
+              <a:t>Query data</a:t>
+            </a:r>
+          </a:p>
+        </p:txBody>
+      </p:sp>
+      <p:sp>
+        <p:nvSpPr>
+          <p:cNvPr id="3" name="Content Placeholder 2"/>
+          <p:cNvSpPr>
+            <a:spLocks noGrp="1"/>
+          </p:cNvSpPr>
+          <p:nvPr>
+            <p:ph idx="1"/>
+          </p:nvPr>
+        </p:nvSpPr>
+        <p:spPr>
+          <a:xfrm>
+            <a:off x="322899" y="1047625"/>
+            <a:ext cx="8498202" cy="4828202"/>
+          </a:xfrm>
+        </p:spPr>
+        <p:txBody>
+          <a:bodyPr>
+            <a:normAutofit/>
           </a:bodyPr>
           <a:lstStyle/>
           <a:p>
@@ -4237,7 +4493,7 @@
                 <a:latin typeface="Courier"/>
                 <a:cs typeface="Courier"/>
               </a:rPr>
-              <a:t># copy two sequence files</a:t>
+              <a:t># download two sequence files</a:t>
             </a:r>
           </a:p>
           <a:p>
@@ -4248,50 +4504,69 @@
               <a:buNone/>
             </a:pPr>
             <a:r>
-              <a:rPr lang="en-US" dirty="0" err="1">
-                <a:latin typeface="Courier"/>
-                <a:cs typeface="Courier"/>
-              </a:rPr>
-              <a:t>cp</a:t>
-            </a:r>
-            <a:r>
-              <a:rPr lang="en-US" dirty="0">
-                <a:latin typeface="Courier"/>
-                <a:cs typeface="Courier"/>
-              </a:rPr>
-              <a:t> /homes/liu3zhen/teaching/datasets/sequences/*.</a:t>
-            </a:r>
-            <a:r>
-              <a:rPr lang="en-US" dirty="0" err="1">
-                <a:latin typeface="Courier"/>
-                <a:cs typeface="Courier"/>
-              </a:rPr>
-              <a:t>fa</a:t>
-            </a:r>
-            <a:r>
-              <a:rPr lang="en-US" dirty="0">
-                <a:latin typeface="Courier"/>
-                <a:cs typeface="Courier"/>
-              </a:rPr>
-              <a:t> </a:t>
-            </a:r>
-            <a:r>
-              <a:rPr lang="en-US" dirty="0">
-                <a:solidFill>
-                  <a:srgbClr val="FF0000"/>
-                </a:solidFill>
-                <a:latin typeface="Courier"/>
-                <a:cs typeface="Courier"/>
-              </a:rPr>
-              <a:t>.</a:t>
-            </a:r>
-            <a:endParaRPr lang="fr-FR" dirty="0">
-              <a:solidFill>
-                <a:srgbClr val="FF0000"/>
-              </a:solidFill>
-              <a:latin typeface="Courier"/>
-              <a:cs typeface="Courier"/>
-            </a:endParaRPr>
+              <a:rPr lang="en-US" sz="1800" dirty="0" err="1">
+                <a:latin typeface="Courier"/>
+                <a:cs typeface="Courier"/>
+              </a:rPr>
+              <a:t>wget</a:t>
+            </a:r>
+            <a:r>
+              <a:rPr lang="en-US" sz="1200" dirty="0">
+                <a:latin typeface="Courier"/>
+                <a:cs typeface="Courier"/>
+              </a:rPr>
+              <a:t> https://</a:t>
+            </a:r>
+            <a:r>
+              <a:rPr lang="en-US" sz="1200" dirty="0" err="1">
+                <a:latin typeface="Courier"/>
+                <a:cs typeface="Courier"/>
+              </a:rPr>
+              <a:t>people.beocat.ksu.edu</a:t>
+            </a:r>
+            <a:r>
+              <a:rPr lang="en-US" sz="1200" dirty="0">
+                <a:latin typeface="Courier"/>
+                <a:cs typeface="Courier"/>
+              </a:rPr>
+              <a:t>/~liu3zhen/PLPTH813/data/sequences/MG1655dnaseq.fa</a:t>
+            </a:r>
+          </a:p>
+          <a:p>
+            <a:pPr marL="0" indent="0">
+              <a:lnSpc>
+                <a:spcPct val="120000"/>
+              </a:lnSpc>
+              <a:buNone/>
+            </a:pPr>
+            <a:r>
+              <a:rPr lang="en-US" sz="1800" dirty="0" err="1">
+                <a:latin typeface="Courier"/>
+                <a:cs typeface="Courier"/>
+              </a:rPr>
+              <a:t>wget</a:t>
+            </a:r>
+            <a:r>
+              <a:rPr lang="en-US" sz="1200" dirty="0">
+                <a:latin typeface="Courier"/>
+                <a:cs typeface="Courier"/>
+              </a:rPr>
+              <a:t> https://</a:t>
+            </a:r>
+            <a:r>
+              <a:rPr lang="en-US" sz="1200" dirty="0" err="1">
+                <a:latin typeface="Courier"/>
+                <a:cs typeface="Courier"/>
+              </a:rPr>
+              <a:t>people.beocat.ksu.edu</a:t>
+            </a:r>
+            <a:r>
+              <a:rPr lang="en-US" sz="1200" dirty="0">
+                <a:latin typeface="Courier"/>
+                <a:cs typeface="Courier"/>
+              </a:rPr>
+              <a:t>/~liu3zhen/PLPTH813/data/sequences/MG1655pepseq.fa</a:t>
+            </a:r>
           </a:p>
         </p:txBody>
       </p:sp>
@@ -4308,7 +4583,7 @@
 </p:sld>
 </file>
 
-<file path=ppt/slides/slide13.xml><?xml version="1.0" encoding="utf-8"?>
+<file path=ppt/slides/slide14.xml><?xml version="1.0" encoding="utf-8"?>
 <p:sld xmlns:a="http://schemas.openxmlformats.org/drawingml/2006/main" xmlns:r="http://schemas.openxmlformats.org/officeDocument/2006/relationships" xmlns:p="http://schemas.openxmlformats.org/presentationml/2006/main">
   <p:cSld>
     <p:spTree>
@@ -4915,7 +5190,7 @@
 </p:sld>
 </file>
 
-<file path=ppt/slides/slide14.xml><?xml version="1.0" encoding="utf-8"?>
+<file path=ppt/slides/slide15.xml><?xml version="1.0" encoding="utf-8"?>
 <p:sld xmlns:a="http://schemas.openxmlformats.org/drawingml/2006/main" xmlns:r="http://schemas.openxmlformats.org/officeDocument/2006/relationships" xmlns:p="http://schemas.openxmlformats.org/presentationml/2006/main">
   <p:cSld>
     <p:spTree>
@@ -6825,7 +7100,7 @@
 </p:sld>
 </file>
 
-<file path=ppt/slides/slide15.xml><?xml version="1.0" encoding="utf-8"?>
+<file path=ppt/slides/slide16.xml><?xml version="1.0" encoding="utf-8"?>
 <p:sld xmlns:a="http://schemas.openxmlformats.org/drawingml/2006/main" xmlns:r="http://schemas.openxmlformats.org/officeDocument/2006/relationships" xmlns:p="http://schemas.openxmlformats.org/presentationml/2006/main">
   <p:cSld>
     <p:spTree>
@@ -7186,7 +7461,7 @@
 </p:sld>
 </file>
 
-<file path=ppt/slides/slide16.xml><?xml version="1.0" encoding="utf-8"?>
+<file path=ppt/slides/slide17.xml><?xml version="1.0" encoding="utf-8"?>
 <p:sld xmlns:a="http://schemas.openxmlformats.org/drawingml/2006/main" xmlns:r="http://schemas.openxmlformats.org/officeDocument/2006/relationships" xmlns:p="http://schemas.openxmlformats.org/presentationml/2006/main">
   <p:cSld>
     <p:spTree>
@@ -7802,7 +8077,7 @@
 </p:sld>
 </file>
 
-<file path=ppt/slides/slide17.xml><?xml version="1.0" encoding="utf-8"?>
+<file path=ppt/slides/slide18.xml><?xml version="1.0" encoding="utf-8"?>
 <p:sld xmlns:a="http://schemas.openxmlformats.org/drawingml/2006/main" xmlns:r="http://schemas.openxmlformats.org/officeDocument/2006/relationships" xmlns:p="http://schemas.openxmlformats.org/presentationml/2006/main">
   <p:cSld>
     <p:spTree>
@@ -8115,255 +8390,6 @@
 </p:sld>
 </file>
 
-<file path=ppt/slides/slide18.xml><?xml version="1.0" encoding="utf-8"?>
-<p:sld xmlns:a="http://schemas.openxmlformats.org/drawingml/2006/main" xmlns:r="http://schemas.openxmlformats.org/officeDocument/2006/relationships" xmlns:p="http://schemas.openxmlformats.org/presentationml/2006/main">
-  <p:cSld>
-    <p:spTree>
-      <p:nvGrpSpPr>
-        <p:cNvPr id="1" name=""/>
-        <p:cNvGrpSpPr/>
-        <p:nvPr/>
-      </p:nvGrpSpPr>
-      <p:grpSpPr>
-        <a:xfrm>
-          <a:off x="0" y="0"/>
-          <a:ext cx="0" cy="0"/>
-          <a:chOff x="0" y="0"/>
-          <a:chExt cx="0" cy="0"/>
-        </a:xfrm>
-      </p:grpSpPr>
-      <p:sp>
-        <p:nvSpPr>
-          <p:cNvPr id="2" name="Title 1"/>
-          <p:cNvSpPr>
-            <a:spLocks noGrp="1"/>
-          </p:cNvSpPr>
-          <p:nvPr>
-            <p:ph type="title"/>
-          </p:nvPr>
-        </p:nvSpPr>
-        <p:spPr/>
-        <p:txBody>
-          <a:bodyPr/>
-          <a:lstStyle/>
-          <a:p>
-            <a:r>
-              <a:rPr lang="en-US" dirty="0"/>
-              <a:t>Search protein sequences using a remote service</a:t>
-            </a:r>
-          </a:p>
-        </p:txBody>
-      </p:sp>
-      <p:sp>
-        <p:nvSpPr>
-          <p:cNvPr id="3" name="Content Placeholder 2"/>
-          <p:cNvSpPr>
-            <a:spLocks noGrp="1"/>
-          </p:cNvSpPr>
-          <p:nvPr>
-            <p:ph idx="1"/>
-          </p:nvPr>
-        </p:nvSpPr>
-        <p:spPr>
-          <a:xfrm>
-            <a:off x="538694" y="1797504"/>
-            <a:ext cx="8205579" cy="1522043"/>
-          </a:xfrm>
-        </p:spPr>
-        <p:txBody>
-          <a:bodyPr>
-            <a:noAutofit/>
-          </a:bodyPr>
-          <a:lstStyle/>
-          <a:p>
-            <a:pPr marL="0" indent="0">
-              <a:buNone/>
-            </a:pPr>
-            <a:r>
-              <a:rPr lang="en-US" sz="2800" b="1" dirty="0" err="1">
-                <a:solidFill>
-                  <a:srgbClr val="FF0000"/>
-                </a:solidFill>
-                <a:latin typeface="Courier New"/>
-                <a:cs typeface="Courier New"/>
-              </a:rPr>
-              <a:t>blastp</a:t>
-            </a:r>
-            <a:r>
-              <a:rPr lang="en-US" sz="2800" dirty="0">
-                <a:latin typeface="Courier New"/>
-                <a:cs typeface="Courier New"/>
-              </a:rPr>
-              <a:t> -query MG1655pepseq.fa \</a:t>
-            </a:r>
-          </a:p>
-          <a:p>
-            <a:pPr marL="0" indent="0">
-              <a:buNone/>
-            </a:pPr>
-            <a:r>
-              <a:rPr lang="en-US" sz="2800" dirty="0">
-                <a:latin typeface="Courier New"/>
-                <a:cs typeface="Courier New"/>
-              </a:rPr>
-              <a:t>	-</a:t>
-            </a:r>
-            <a:r>
-              <a:rPr lang="en-US" sz="2800" dirty="0" err="1">
-                <a:latin typeface="Courier New"/>
-                <a:cs typeface="Courier New"/>
-              </a:rPr>
-              <a:t>db</a:t>
-            </a:r>
-            <a:r>
-              <a:rPr lang="en-US" sz="2800" dirty="0">
-                <a:latin typeface="Courier New"/>
-                <a:cs typeface="Courier New"/>
-              </a:rPr>
-              <a:t> nr -</a:t>
-            </a:r>
-            <a:r>
-              <a:rPr lang="en-US" sz="2800" dirty="0" err="1">
-                <a:latin typeface="Courier New"/>
-                <a:cs typeface="Courier New"/>
-              </a:rPr>
-              <a:t>outfmt</a:t>
-            </a:r>
-            <a:r>
-              <a:rPr lang="en-US" sz="2800" dirty="0">
-                <a:latin typeface="Courier New"/>
-                <a:cs typeface="Courier New"/>
-              </a:rPr>
-              <a:t> 6 -remote \</a:t>
-            </a:r>
-          </a:p>
-          <a:p>
-            <a:pPr marL="0" indent="0">
-              <a:buNone/>
-            </a:pPr>
-            <a:r>
-              <a:rPr lang="fi-FI" sz="2800" dirty="0">
-                <a:latin typeface="Courier New"/>
-                <a:cs typeface="Courier New"/>
-              </a:rPr>
-              <a:t>-</a:t>
-            </a:r>
-            <a:r>
-              <a:rPr lang="fi-FI" sz="2800" dirty="0" err="1">
-                <a:latin typeface="Courier New"/>
-                <a:cs typeface="Courier New"/>
-              </a:rPr>
-              <a:t>evalue</a:t>
-            </a:r>
-            <a:r>
-              <a:rPr lang="fi-FI" sz="2800" dirty="0">
-                <a:latin typeface="Courier New"/>
-                <a:cs typeface="Courier New"/>
-              </a:rPr>
-              <a:t> 1e-100 </a:t>
-            </a:r>
-            <a:r>
-              <a:rPr lang="fi-FI" sz="2800" dirty="0">
-                <a:solidFill>
-                  <a:srgbClr val="FF0000"/>
-                </a:solidFill>
-                <a:latin typeface="Courier New"/>
-                <a:cs typeface="Courier New"/>
-              </a:rPr>
-              <a:t>-</a:t>
-            </a:r>
-            <a:r>
-              <a:rPr lang="fi-FI" sz="2800" dirty="0" err="1">
-                <a:solidFill>
-                  <a:srgbClr val="FF0000"/>
-                </a:solidFill>
-                <a:latin typeface="Courier New"/>
-                <a:cs typeface="Courier New"/>
-              </a:rPr>
-              <a:t>max_target_seqs</a:t>
-            </a:r>
-            <a:r>
-              <a:rPr lang="fi-FI" sz="2800" dirty="0">
-                <a:latin typeface="Courier New"/>
-                <a:cs typeface="Courier New"/>
-              </a:rPr>
-              <a:t> 1</a:t>
-            </a:r>
-          </a:p>
-        </p:txBody>
-      </p:sp>
-      <p:sp>
-        <p:nvSpPr>
-          <p:cNvPr id="4" name="TextBox 3"/>
-          <p:cNvSpPr txBox="1"/>
-          <p:nvPr/>
-        </p:nvSpPr>
-        <p:spPr>
-          <a:xfrm>
-            <a:off x="1760821" y="4069426"/>
-            <a:ext cx="6008376" cy="523220"/>
-          </a:xfrm>
-          <a:prstGeom prst="rect">
-            <a:avLst/>
-          </a:prstGeom>
-          <a:noFill/>
-        </p:spPr>
-        <p:txBody>
-          <a:bodyPr wrap="none" rtlCol="0">
-            <a:spAutoFit/>
-          </a:bodyPr>
-          <a:lstStyle/>
-          <a:p>
-            <a:r>
-              <a:rPr lang="en-US" sz="2800" dirty="0"/>
-              <a:t>Output only one hit if hits can be found.</a:t>
-            </a:r>
-          </a:p>
-        </p:txBody>
-      </p:sp>
-      <p:sp>
-        <p:nvSpPr>
-          <p:cNvPr id="5" name="TextBox 4"/>
-          <p:cNvSpPr txBox="1"/>
-          <p:nvPr/>
-        </p:nvSpPr>
-        <p:spPr>
-          <a:xfrm>
-            <a:off x="563466" y="5219414"/>
-            <a:ext cx="8180807" cy="246221"/>
-          </a:xfrm>
-          <a:prstGeom prst="rect">
-            <a:avLst/>
-          </a:prstGeom>
-          <a:noFill/>
-        </p:spPr>
-        <p:txBody>
-          <a:bodyPr wrap="square" rtlCol="0">
-            <a:spAutoFit/>
-          </a:bodyPr>
-          <a:lstStyle/>
-          <a:p>
-            <a:r>
-              <a:rPr lang="is-IS" sz="1000" dirty="0"/>
-              <a:t>C321.deltaA	gi|446843038|ref|WP_000920294.1|	100.00	450	0	0	1	450	1	450	0.0	  916</a:t>
-            </a:r>
-            <a:endParaRPr lang="en-US" sz="1000" dirty="0"/>
-          </a:p>
-        </p:txBody>
-      </p:sp>
-    </p:spTree>
-    <p:extLst>
-      <p:ext uri="{BB962C8B-B14F-4D97-AF65-F5344CB8AC3E}">
-        <p14:creationId xmlns:p14="http://schemas.microsoft.com/office/powerpoint/2010/main" val="831203829"/>
-      </p:ext>
-    </p:extLst>
-  </p:cSld>
-  <p:clrMapOvr>
-    <a:masterClrMapping/>
-  </p:clrMapOvr>
-</p:sld>
-</file>
-
 <file path=ppt/slides/slide19.xml><?xml version="1.0" encoding="utf-8"?>
 <p:sld xmlns:a="http://schemas.openxmlformats.org/drawingml/2006/main" xmlns:r="http://schemas.openxmlformats.org/officeDocument/2006/relationships" xmlns:p="http://schemas.openxmlformats.org/presentationml/2006/main">
   <p:cSld>
@@ -8398,7 +8424,7 @@
           <a:p>
             <a:r>
               <a:rPr lang="en-US" dirty="0"/>
-              <a:t>Extract sequences or subsequences</a:t>
+              <a:t>Search protein sequences using a remote service</a:t>
             </a:r>
           </a:p>
         </p:txBody>
@@ -8415,232 +8441,142 @@
         </p:nvSpPr>
         <p:spPr>
           <a:xfrm>
-            <a:off x="457200" y="1130876"/>
-            <a:ext cx="8339668" cy="5561566"/>
+            <a:off x="538694" y="1797504"/>
+            <a:ext cx="8205579" cy="1522043"/>
           </a:xfrm>
         </p:spPr>
         <p:txBody>
           <a:bodyPr>
-            <a:normAutofit/>
+            <a:noAutofit/>
           </a:bodyPr>
           <a:lstStyle/>
           <a:p>
-            <a:r>
-              <a:rPr lang="en-US" b="1" dirty="0" err="1">
+            <a:pPr marL="0" indent="0">
+              <a:buNone/>
+            </a:pPr>
+            <a:r>
+              <a:rPr lang="en-US" sz="2800" b="1" dirty="0" err="1">
                 <a:solidFill>
-                  <a:schemeClr val="tx2">
-                    <a:lumMod val="75000"/>
-                  </a:schemeClr>
+                  <a:srgbClr val="FF0000"/>
                 </a:solidFill>
-              </a:rPr>
-              <a:t>blastdbcmd</a:t>
-            </a:r>
-            <a:endParaRPr lang="en-US" b="1" dirty="0">
-              <a:solidFill>
-                <a:schemeClr val="tx2">
-                  <a:lumMod val="75000"/>
-                </a:schemeClr>
-              </a:solidFill>
-            </a:endParaRPr>
-          </a:p>
-          <a:p>
-            <a:pPr marL="0" indent="0">
-              <a:buNone/>
-            </a:pPr>
+                <a:latin typeface="Courier New"/>
+                <a:cs typeface="Courier New"/>
+              </a:rPr>
+              <a:t>blastp</a:t>
+            </a:r>
+            <a:r>
+              <a:rPr lang="en-US" sz="2800" dirty="0">
+                <a:latin typeface="Courier New"/>
+                <a:cs typeface="Courier New"/>
+              </a:rPr>
+              <a:t> -query MG1655pepseq.fa \</a:t>
+            </a:r>
+          </a:p>
+          <a:p>
+            <a:pPr marL="0" indent="0">
+              <a:buNone/>
+            </a:pPr>
+            <a:r>
+              <a:rPr lang="en-US" sz="2800" dirty="0">
+                <a:latin typeface="Courier New"/>
+                <a:cs typeface="Courier New"/>
+              </a:rPr>
+              <a:t>	-</a:t>
+            </a:r>
             <a:r>
               <a:rPr lang="en-US" sz="2800" dirty="0" err="1">
                 <a:latin typeface="Courier New"/>
                 <a:cs typeface="Courier New"/>
               </a:rPr>
-              <a:t>blastdbcmd</a:t>
+              <a:t>db</a:t>
             </a:r>
             <a:r>
               <a:rPr lang="en-US" sz="2800" dirty="0">
                 <a:latin typeface="Courier New"/>
                 <a:cs typeface="Courier New"/>
               </a:rPr>
-              <a:t> -</a:t>
+              <a:t> nr -</a:t>
             </a:r>
             <a:r>
               <a:rPr lang="en-US" sz="2800" dirty="0" err="1">
                 <a:latin typeface="Courier New"/>
                 <a:cs typeface="Courier New"/>
               </a:rPr>
-              <a:t>db</a:t>
+              <a:t>outfmt</a:t>
             </a:r>
             <a:r>
               <a:rPr lang="en-US" sz="2800" dirty="0">
                 <a:latin typeface="Courier New"/>
                 <a:cs typeface="Courier New"/>
               </a:rPr>
-              <a:t> ../</a:t>
-            </a:r>
-            <a:r>
-              <a:rPr lang="en-US" sz="2800" dirty="0" err="1">
+              <a:t> 6 -remote \</a:t>
+            </a:r>
+          </a:p>
+          <a:p>
+            <a:pPr marL="0" indent="0">
+              <a:buNone/>
+            </a:pPr>
+            <a:r>
+              <a:rPr lang="fi-FI" sz="2800" dirty="0">
                 <a:latin typeface="Courier New"/>
                 <a:cs typeface="Courier New"/>
               </a:rPr>
-              <a:t>db</a:t>
-            </a:r>
-            <a:r>
-              <a:rPr lang="en-US" sz="2800" dirty="0">
+              <a:t>-</a:t>
+            </a:r>
+            <a:r>
+              <a:rPr lang="fi-FI" sz="2800" dirty="0" err="1">
                 <a:latin typeface="Courier New"/>
                 <a:cs typeface="Courier New"/>
               </a:rPr>
-              <a:t>/MG1655 -info</a:t>
-            </a:r>
-          </a:p>
-          <a:p>
-            <a:pPr marL="0" indent="0">
-              <a:buNone/>
-            </a:pPr>
-            <a:endParaRPr lang="en-US" dirty="0"/>
-          </a:p>
-          <a:p>
-            <a:pPr marL="0" indent="0">
-              <a:buNone/>
-            </a:pPr>
-            <a:r>
-              <a:rPr lang="en-US" dirty="0"/>
-              <a:t>Extract sequences from the database</a:t>
-            </a:r>
-          </a:p>
-          <a:p>
-            <a:pPr marL="0" indent="0">
-              <a:buNone/>
-            </a:pPr>
-            <a:r>
-              <a:rPr lang="en-US" sz="2800" dirty="0" err="1">
+              <a:t>evalue</a:t>
+            </a:r>
+            <a:r>
+              <a:rPr lang="fi-FI" sz="2800" dirty="0">
                 <a:latin typeface="Courier New"/>
                 <a:cs typeface="Courier New"/>
               </a:rPr>
-              <a:t>blastdbcmd</a:t>
-            </a:r>
-            <a:r>
-              <a:rPr lang="en-US" sz="2800" dirty="0">
+              <a:t> 1e-100 </a:t>
+            </a:r>
+            <a:r>
+              <a:rPr lang="fi-FI" sz="2800" dirty="0">
+                <a:solidFill>
+                  <a:srgbClr val="FF0000"/>
+                </a:solidFill>
                 <a:latin typeface="Courier New"/>
                 <a:cs typeface="Courier New"/>
               </a:rPr>
-              <a:t> –</a:t>
-            </a:r>
-            <a:r>
-              <a:rPr lang="en-US" sz="2800" dirty="0" err="1">
+              <a:t>-</a:t>
+            </a:r>
+            <a:r>
+              <a:rPr lang="fi-FI" sz="2800" dirty="0" err="1">
+                <a:solidFill>
+                  <a:srgbClr val="FF0000"/>
+                </a:solidFill>
                 <a:latin typeface="Courier New"/>
                 <a:cs typeface="Courier New"/>
               </a:rPr>
-              <a:t>db</a:t>
-            </a:r>
-            <a:r>
-              <a:rPr lang="en-US" sz="2800" dirty="0">
+              <a:t>max_target_seqs</a:t>
+            </a:r>
+            <a:r>
+              <a:rPr lang="fi-FI" sz="2800" dirty="0">
                 <a:latin typeface="Courier New"/>
                 <a:cs typeface="Courier New"/>
               </a:rPr>
-              <a:t> ../</a:t>
-            </a:r>
-            <a:r>
-              <a:rPr lang="en-US" sz="2800" dirty="0" err="1">
-                <a:latin typeface="Courier New"/>
-                <a:cs typeface="Courier New"/>
-              </a:rPr>
-              <a:t>db</a:t>
-            </a:r>
-            <a:r>
-              <a:rPr lang="en-US" sz="2800" dirty="0">
-                <a:latin typeface="Courier New"/>
-                <a:cs typeface="Courier New"/>
-              </a:rPr>
-              <a:t>/MG1655 \</a:t>
-            </a:r>
-          </a:p>
-          <a:p>
-            <a:pPr marL="0" indent="0">
-              <a:buNone/>
-            </a:pPr>
-            <a:r>
-              <a:rPr lang="en-US" sz="2800" dirty="0">
-                <a:latin typeface="Courier New"/>
-                <a:cs typeface="Courier New"/>
-              </a:rPr>
-              <a:t> -entry all -range 150-220</a:t>
-            </a:r>
-          </a:p>
-          <a:p>
-            <a:pPr marL="0" indent="0">
-              <a:buNone/>
-            </a:pPr>
-            <a:endParaRPr lang="en-US" sz="1600" dirty="0">
-              <a:latin typeface="Courier New"/>
-              <a:cs typeface="Courier New"/>
-            </a:endParaRPr>
-          </a:p>
-          <a:p>
-            <a:pPr marL="0" indent="0">
-              <a:buNone/>
-            </a:pPr>
-            <a:r>
-              <a:rPr lang="en-US" sz="1600" dirty="0">
-                <a:latin typeface="Courier New"/>
-                <a:cs typeface="Courier New"/>
-              </a:rPr>
-              <a:t>---output---</a:t>
-            </a:r>
-          </a:p>
-          <a:p>
-            <a:pPr marL="0" indent="0">
-              <a:buNone/>
-            </a:pPr>
-            <a:r>
-              <a:rPr lang="en-US" sz="1600" dirty="0">
-                <a:latin typeface="Courier New"/>
-                <a:cs typeface="Courier New"/>
-              </a:rPr>
-              <a:t>&gt;gi|556503834|ref|NC_000913.3|:150-220 Escherichia coli str. K-12 </a:t>
-            </a:r>
-            <a:r>
-              <a:rPr lang="en-US" sz="1600" dirty="0" err="1">
-                <a:latin typeface="Courier New"/>
-                <a:cs typeface="Courier New"/>
-              </a:rPr>
-              <a:t>substr</a:t>
-            </a:r>
-            <a:r>
-              <a:rPr lang="en-US" sz="1600" dirty="0">
-                <a:latin typeface="Courier New"/>
-                <a:cs typeface="Courier New"/>
-              </a:rPr>
-              <a:t>. MG1655, complete genome</a:t>
-            </a:r>
-          </a:p>
-          <a:p>
-            <a:pPr marL="0" indent="0">
-              <a:buNone/>
-            </a:pPr>
-            <a:r>
-              <a:rPr lang="en-US" sz="1600" dirty="0">
-                <a:latin typeface="Courier New"/>
-                <a:cs typeface="Courier New"/>
-              </a:rPr>
-              <a:t>AGCGCACAGACAGATAAAAATTACAGAGTACACAACATCCATGAAACGCATTAGCACCACCATTACCACCA</a:t>
-            </a:r>
-          </a:p>
-        </p:txBody>
-      </p:sp>
-      <p:sp>
-        <p:nvSpPr>
-          <p:cNvPr id="4" name="TextBox 3">
-            <a:extLst>
-              <a:ext uri="{FF2B5EF4-FFF2-40B4-BE49-F238E27FC236}">
-                <a16:creationId xmlns:a16="http://schemas.microsoft.com/office/drawing/2014/main" id="{58420D98-30AC-5F4D-876D-3E8705458CA9}"/>
-              </a:ext>
-            </a:extLst>
-          </p:cNvPr>
+              <a:t> 1</a:t>
+            </a:r>
+          </a:p>
+        </p:txBody>
+      </p:sp>
+      <p:sp>
+        <p:nvSpPr>
+          <p:cNvPr id="4" name="TextBox 3"/>
           <p:cNvSpPr txBox="1"/>
           <p:nvPr/>
         </p:nvSpPr>
         <p:spPr>
           <a:xfrm>
-            <a:off x="553064" y="6060142"/>
-            <a:ext cx="4718471" cy="523220"/>
+            <a:off x="1760821" y="4069426"/>
+            <a:ext cx="6008376" cy="523220"/>
           </a:xfrm>
           <a:prstGeom prst="rect">
             <a:avLst/>
@@ -8654,20 +8590,46 @@
           <a:lstStyle/>
           <a:p>
             <a:r>
-              <a:rPr lang="en-US" sz="2800" dirty="0">
-                <a:solidFill>
-                  <a:srgbClr val="FF0000"/>
-                </a:solidFill>
-              </a:rPr>
-              <a:t>* Require specific name format</a:t>
-            </a:r>
+              <a:rPr lang="en-US" sz="2800" dirty="0"/>
+              <a:t>Output only one hit if hits can be found.</a:t>
+            </a:r>
+          </a:p>
+        </p:txBody>
+      </p:sp>
+      <p:sp>
+        <p:nvSpPr>
+          <p:cNvPr id="5" name="TextBox 4"/>
+          <p:cNvSpPr txBox="1"/>
+          <p:nvPr/>
+        </p:nvSpPr>
+        <p:spPr>
+          <a:xfrm>
+            <a:off x="563466" y="5219414"/>
+            <a:ext cx="8180807" cy="246221"/>
+          </a:xfrm>
+          <a:prstGeom prst="rect">
+            <a:avLst/>
+          </a:prstGeom>
+          <a:noFill/>
+        </p:spPr>
+        <p:txBody>
+          <a:bodyPr wrap="square" rtlCol="0">
+            <a:spAutoFit/>
+          </a:bodyPr>
+          <a:lstStyle/>
+          <a:p>
+            <a:r>
+              <a:rPr lang="is-IS" sz="1000" dirty="0"/>
+              <a:t>C321.deltaA	gi|446843038|ref|WP_000920294.1|	100.00	450	0	0	1	450	1	450	0.0	  916</a:t>
+            </a:r>
+            <a:endParaRPr lang="en-US" sz="1000" dirty="0"/>
           </a:p>
         </p:txBody>
       </p:sp>
     </p:spTree>
     <p:extLst>
       <p:ext uri="{BB962C8B-B14F-4D97-AF65-F5344CB8AC3E}">
-        <p14:creationId xmlns:p14="http://schemas.microsoft.com/office/powerpoint/2010/main" val="3120825335"/>
+        <p14:creationId xmlns:p14="http://schemas.microsoft.com/office/powerpoint/2010/main" val="831203829"/>
       </p:ext>
     </p:extLst>
   </p:cSld>
@@ -8711,11 +8673,13 @@
           </a:xfrm>
         </p:spPr>
         <p:txBody>
-          <a:bodyPr/>
+          <a:bodyPr>
+            <a:normAutofit/>
+          </a:bodyPr>
           <a:lstStyle/>
           <a:p>
             <a:r>
-              <a:rPr lang="en-US" dirty="0"/>
+              <a:rPr lang="en-US" sz="3600" dirty="0"/>
               <a:t>Goal of today’s lab</a:t>
             </a:r>
           </a:p>
@@ -8839,15 +8803,7 @@
           <a:p>
             <a:r>
               <a:rPr lang="en-US" dirty="0"/>
-              <a:t>Extract sequences using </a:t>
-            </a:r>
-            <a:r>
-              <a:rPr lang="en-US" dirty="0" err="1"/>
-              <a:t>Gi</a:t>
-            </a:r>
-            <a:r>
-              <a:rPr lang="en-US" dirty="0"/>
-              <a:t> ID</a:t>
+              <a:t>Extract sequences or subsequences</a:t>
             </a:r>
           </a:p>
         </p:txBody>
@@ -8864,39 +8820,153 @@
         </p:nvSpPr>
         <p:spPr>
           <a:xfrm>
-            <a:off x="402661" y="1645081"/>
-            <a:ext cx="8339668" cy="3115202"/>
+            <a:off x="457200" y="1130876"/>
+            <a:ext cx="8339668" cy="5561566"/>
           </a:xfrm>
         </p:spPr>
         <p:txBody>
           <a:bodyPr>
-            <a:normAutofit lnSpcReduction="10000"/>
+            <a:normAutofit/>
           </a:bodyPr>
           <a:lstStyle/>
           <a:p>
-            <a:pPr marL="0" indent="0">
-              <a:buNone/>
-            </a:pPr>
-            <a:r>
-              <a:rPr lang="en-US" sz="1600" dirty="0">
+            <a:r>
+              <a:rPr lang="en-US" b="1" dirty="0" err="1">
+                <a:solidFill>
+                  <a:schemeClr val="tx2">
+                    <a:lumMod val="75000"/>
+                  </a:schemeClr>
+                </a:solidFill>
+              </a:rPr>
+              <a:t>blastdbcmd</a:t>
+            </a:r>
+            <a:endParaRPr lang="en-US" b="1" dirty="0">
+              <a:solidFill>
+                <a:schemeClr val="tx2">
+                  <a:lumMod val="75000"/>
+                </a:schemeClr>
+              </a:solidFill>
+            </a:endParaRPr>
+          </a:p>
+          <a:p>
+            <a:pPr marL="0" indent="0">
+              <a:buNone/>
+            </a:pPr>
+            <a:r>
+              <a:rPr lang="en-US" sz="2800" dirty="0" err="1">
                 <a:latin typeface="Courier New"/>
                 <a:cs typeface="Courier New"/>
               </a:rPr>
-              <a:t># Use </a:t>
-            </a:r>
-            <a:r>
-              <a:rPr lang="en-US" sz="1600" dirty="0" err="1">
+              <a:t>blastdbcmd</a:t>
+            </a:r>
+            <a:r>
+              <a:rPr lang="en-US" sz="2800" dirty="0">
                 <a:latin typeface="Courier New"/>
                 <a:cs typeface="Courier New"/>
               </a:rPr>
-              <a:t>Gi</a:t>
-            </a:r>
-            <a:r>
-              <a:rPr lang="en-US" sz="1600" dirty="0">
+              <a:t> -</a:t>
+            </a:r>
+            <a:r>
+              <a:rPr lang="en-US" sz="2800" dirty="0" err="1">
                 <a:latin typeface="Courier New"/>
                 <a:cs typeface="Courier New"/>
               </a:rPr>
-              <a:t> ID to search*</a:t>
+              <a:t>db</a:t>
+            </a:r>
+            <a:r>
+              <a:rPr lang="en-US" sz="2800" dirty="0">
+                <a:latin typeface="Courier New"/>
+                <a:cs typeface="Courier New"/>
+              </a:rPr>
+              <a:t> ../</a:t>
+            </a:r>
+            <a:r>
+              <a:rPr lang="en-US" sz="2800" dirty="0" err="1">
+                <a:latin typeface="Courier New"/>
+                <a:cs typeface="Courier New"/>
+              </a:rPr>
+              <a:t>db</a:t>
+            </a:r>
+            <a:r>
+              <a:rPr lang="en-US" sz="2800" dirty="0">
+                <a:latin typeface="Courier New"/>
+                <a:cs typeface="Courier New"/>
+              </a:rPr>
+              <a:t>/MG1655 -info</a:t>
+            </a:r>
+          </a:p>
+          <a:p>
+            <a:pPr marL="0" indent="0">
+              <a:buNone/>
+            </a:pPr>
+            <a:endParaRPr lang="en-US" dirty="0"/>
+          </a:p>
+          <a:p>
+            <a:pPr marL="0" indent="0">
+              <a:buNone/>
+            </a:pPr>
+            <a:r>
+              <a:rPr lang="en-US" dirty="0"/>
+              <a:t>Extract sequences from the database</a:t>
+            </a:r>
+          </a:p>
+          <a:p>
+            <a:pPr marL="0" indent="0">
+              <a:buNone/>
+            </a:pPr>
+            <a:r>
+              <a:rPr lang="en-US" sz="2800" dirty="0" err="1">
+                <a:latin typeface="Courier New"/>
+                <a:cs typeface="Courier New"/>
+              </a:rPr>
+              <a:t>blastdbcmd</a:t>
+            </a:r>
+            <a:r>
+              <a:rPr lang="en-US" sz="2800" dirty="0">
+                <a:latin typeface="Courier New"/>
+                <a:cs typeface="Courier New"/>
+              </a:rPr>
+              <a:t> –</a:t>
+            </a:r>
+            <a:r>
+              <a:rPr lang="en-US" sz="2800" dirty="0" err="1">
+                <a:latin typeface="Courier New"/>
+                <a:cs typeface="Courier New"/>
+              </a:rPr>
+              <a:t>db</a:t>
+            </a:r>
+            <a:r>
+              <a:rPr lang="en-US" sz="2800" dirty="0">
+                <a:latin typeface="Courier New"/>
+                <a:cs typeface="Courier New"/>
+              </a:rPr>
+              <a:t> ../</a:t>
+            </a:r>
+            <a:r>
+              <a:rPr lang="en-US" sz="2800" dirty="0" err="1">
+                <a:latin typeface="Courier New"/>
+                <a:cs typeface="Courier New"/>
+              </a:rPr>
+              <a:t>db</a:t>
+            </a:r>
+            <a:r>
+              <a:rPr lang="en-US" sz="2800" dirty="0">
+                <a:latin typeface="Courier New"/>
+                <a:cs typeface="Courier New"/>
+              </a:rPr>
+              <a:t>/MG1655 \</a:t>
+            </a:r>
+          </a:p>
+          <a:p>
+            <a:pPr marL="0" indent="0">
+              <a:buNone/>
+            </a:pPr>
+            <a:r>
+              <a:rPr lang="en-US" sz="2800" dirty="0">
+                <a:latin typeface="Courier New"/>
+                <a:cs typeface="Courier New"/>
+              </a:rPr>
+              <a:t> -entry all -range 150-220</a:t>
             </a:r>
           </a:p>
           <a:p>
@@ -8913,74 +8983,6 @@
               <a:buNone/>
             </a:pPr>
             <a:r>
-              <a:rPr lang="en-US" sz="2800" dirty="0" err="1">
-                <a:latin typeface="Courier New"/>
-                <a:cs typeface="Courier New"/>
-              </a:rPr>
-              <a:t>blastdbcmd</a:t>
-            </a:r>
-            <a:r>
-              <a:rPr lang="en-US" sz="2800" dirty="0">
-                <a:latin typeface="Courier New"/>
-                <a:cs typeface="Courier New"/>
-              </a:rPr>
-              <a:t> –</a:t>
-            </a:r>
-            <a:r>
-              <a:rPr lang="en-US" sz="2800" dirty="0" err="1">
-                <a:latin typeface="Courier New"/>
-                <a:cs typeface="Courier New"/>
-              </a:rPr>
-              <a:t>db</a:t>
-            </a:r>
-            <a:r>
-              <a:rPr lang="en-US" sz="2800" dirty="0">
-                <a:latin typeface="Courier New"/>
-                <a:cs typeface="Courier New"/>
-              </a:rPr>
-              <a:t> ../</a:t>
-            </a:r>
-            <a:r>
-              <a:rPr lang="en-US" sz="2800" dirty="0" err="1">
-                <a:latin typeface="Courier New"/>
-                <a:cs typeface="Courier New"/>
-              </a:rPr>
-              <a:t>db</a:t>
-            </a:r>
-            <a:r>
-              <a:rPr lang="en-US" sz="2800" dirty="0">
-                <a:latin typeface="Courier New"/>
-                <a:cs typeface="Courier New"/>
-              </a:rPr>
-              <a:t>/MG1655 \</a:t>
-            </a:r>
-          </a:p>
-          <a:p>
-            <a:pPr marL="0" indent="0">
-              <a:buNone/>
-            </a:pPr>
-            <a:r>
-              <a:rPr lang="en-US" sz="2800" dirty="0">
-                <a:latin typeface="Courier New"/>
-                <a:cs typeface="Courier New"/>
-              </a:rPr>
-              <a:t> -entry 556503834 -range 150-220</a:t>
-            </a:r>
-          </a:p>
-          <a:p>
-            <a:pPr marL="0" indent="0">
-              <a:buNone/>
-            </a:pPr>
-            <a:endParaRPr lang="en-US" sz="1600" dirty="0">
-              <a:latin typeface="Courier New"/>
-              <a:cs typeface="Courier New"/>
-            </a:endParaRPr>
-          </a:p>
-          <a:p>
-            <a:pPr marL="0" indent="0">
-              <a:buNone/>
-            </a:pPr>
-            <a:r>
               <a:rPr lang="en-US" sz="1600" dirty="0">
                 <a:latin typeface="Courier New"/>
                 <a:cs typeface="Courier New"/>
@@ -9030,14 +9032,20 @@
       </p:sp>
       <p:sp>
         <p:nvSpPr>
-          <p:cNvPr id="4" name="TextBox 3"/>
+          <p:cNvPr id="4" name="TextBox 3">
+            <a:extLst>
+              <a:ext uri="{FF2B5EF4-FFF2-40B4-BE49-F238E27FC236}">
+                <a16:creationId xmlns:a16="http://schemas.microsoft.com/office/drawing/2014/main" id="{58420D98-30AC-5F4D-876D-3E8705458CA9}"/>
+              </a:ext>
+            </a:extLst>
+          </p:cNvPr>
           <p:cNvSpPr txBox="1"/>
           <p:nvPr/>
         </p:nvSpPr>
         <p:spPr>
           <a:xfrm>
-            <a:off x="523269" y="5882216"/>
-            <a:ext cx="6371982" cy="461665"/>
+            <a:off x="553064" y="6060142"/>
+            <a:ext cx="4718471" cy="523220"/>
           </a:xfrm>
           <a:prstGeom prst="rect">
             <a:avLst/>
@@ -9051,76 +9059,20 @@
           <a:lstStyle/>
           <a:p>
             <a:r>
-              <a:rPr lang="en-US" sz="1200" dirty="0"/>
-              <a:t>* Database formatting must add –</a:t>
-            </a:r>
-            <a:r>
-              <a:rPr lang="en-US" sz="1200" dirty="0" err="1"/>
-              <a:t>parse_seqids</a:t>
-            </a:r>
-            <a:endParaRPr lang="en-US" sz="1200" dirty="0"/>
-          </a:p>
-          <a:p>
-            <a:r>
-              <a:rPr lang="en-US" sz="1200" dirty="0" err="1">
-                <a:latin typeface="Courier New"/>
-                <a:cs typeface="Courier New"/>
-              </a:rPr>
-              <a:t>makeblastdb</a:t>
-            </a:r>
-            <a:r>
-              <a:rPr lang="en-US" sz="1200" dirty="0">
-                <a:latin typeface="Courier New"/>
-                <a:cs typeface="Courier New"/>
-              </a:rPr>
-              <a:t> -in MG1655.fasta -out MG1655 -</a:t>
-            </a:r>
-            <a:r>
-              <a:rPr lang="en-US" sz="1200" dirty="0" err="1">
-                <a:latin typeface="Courier New"/>
-                <a:cs typeface="Courier New"/>
-              </a:rPr>
-              <a:t>dbtype</a:t>
-            </a:r>
-            <a:r>
-              <a:rPr lang="en-US" sz="1200" dirty="0">
-                <a:latin typeface="Courier New"/>
-                <a:cs typeface="Courier New"/>
-              </a:rPr>
-              <a:t> </a:t>
-            </a:r>
-            <a:r>
-              <a:rPr lang="en-US" sz="1200" dirty="0" err="1">
-                <a:latin typeface="Courier New"/>
-                <a:cs typeface="Courier New"/>
-              </a:rPr>
-              <a:t>nucl</a:t>
-            </a:r>
-            <a:r>
-              <a:rPr lang="en-US" sz="1200" dirty="0">
-                <a:latin typeface="Courier New"/>
-                <a:cs typeface="Courier New"/>
-              </a:rPr>
-              <a:t> -</a:t>
-            </a:r>
-            <a:r>
-              <a:rPr lang="en-US" sz="1200" dirty="0" err="1">
-                <a:latin typeface="Courier New"/>
-                <a:cs typeface="Courier New"/>
-              </a:rPr>
-              <a:t>parse_seqids</a:t>
-            </a:r>
-            <a:endParaRPr lang="en-US" sz="1200" dirty="0">
-              <a:latin typeface="Courier New"/>
-              <a:cs typeface="Courier New"/>
-            </a:endParaRPr>
+              <a:rPr lang="en-US" sz="2800" dirty="0">
+                <a:solidFill>
+                  <a:srgbClr val="FF0000"/>
+                </a:solidFill>
+              </a:rPr>
+              <a:t>* Require specific name format</a:t>
+            </a:r>
           </a:p>
         </p:txBody>
       </p:sp>
     </p:spTree>
     <p:extLst>
       <p:ext uri="{BB962C8B-B14F-4D97-AF65-F5344CB8AC3E}">
-        <p14:creationId xmlns:p14="http://schemas.microsoft.com/office/powerpoint/2010/main" val="428381979"/>
+        <p14:creationId xmlns:p14="http://schemas.microsoft.com/office/powerpoint/2010/main" val="3120825335"/>
       </p:ext>
     </p:extLst>
   </p:cSld>
@@ -9157,19 +9109,22 @@
             <p:ph type="title"/>
           </p:nvPr>
         </p:nvSpPr>
-        <p:spPr>
-          <a:xfrm>
-            <a:off x="457200" y="274638"/>
-            <a:ext cx="8229600" cy="924806"/>
-          </a:xfrm>
-        </p:spPr>
+        <p:spPr/>
         <p:txBody>
           <a:bodyPr/>
           <a:lstStyle/>
           <a:p>
             <a:r>
               <a:rPr lang="en-US" dirty="0"/>
-              <a:t>Goal of today’s lab</a:t>
+              <a:t>Extract sequences using </a:t>
+            </a:r>
+            <a:r>
+              <a:rPr lang="en-US" dirty="0" err="1"/>
+              <a:t>Gi</a:t>
+            </a:r>
+            <a:r>
+              <a:rPr lang="en-US" dirty="0"/>
+              <a:t> ID</a:t>
             </a:r>
           </a:p>
         </p:txBody>
@@ -9186,87 +9141,263 @@
         </p:nvSpPr>
         <p:spPr>
           <a:xfrm>
-            <a:off x="1651030" y="1429213"/>
-            <a:ext cx="6077529" cy="3956979"/>
+            <a:off x="402661" y="1645081"/>
+            <a:ext cx="8339668" cy="3115202"/>
           </a:xfrm>
         </p:spPr>
         <p:txBody>
           <a:bodyPr>
-            <a:noAutofit/>
+            <a:normAutofit lnSpcReduction="10000"/>
           </a:bodyPr>
           <a:lstStyle/>
           <a:p>
+            <a:pPr marL="0" indent="0">
+              <a:buNone/>
+            </a:pPr>
+            <a:r>
+              <a:rPr lang="en-US" sz="1600" dirty="0">
+                <a:latin typeface="Courier New"/>
+                <a:cs typeface="Courier New"/>
+              </a:rPr>
+              <a:t># Use </a:t>
+            </a:r>
+            <a:r>
+              <a:rPr lang="en-US" sz="1600" dirty="0" err="1">
+                <a:latin typeface="Courier New"/>
+                <a:cs typeface="Courier New"/>
+              </a:rPr>
+              <a:t>Gi</a:t>
+            </a:r>
+            <a:r>
+              <a:rPr lang="en-US" sz="1600" dirty="0">
+                <a:latin typeface="Courier New"/>
+                <a:cs typeface="Courier New"/>
+              </a:rPr>
+              <a:t> ID to search*</a:t>
+            </a:r>
+          </a:p>
+          <a:p>
+            <a:pPr marL="0" indent="0">
+              <a:buNone/>
+            </a:pPr>
+            <a:endParaRPr lang="en-US" sz="1600" dirty="0">
+              <a:latin typeface="Courier New"/>
+              <a:cs typeface="Courier New"/>
+            </a:endParaRPr>
+          </a:p>
+          <a:p>
+            <a:pPr marL="0" indent="0">
+              <a:buNone/>
+            </a:pPr>
+            <a:r>
+              <a:rPr lang="en-US" sz="2800" dirty="0" err="1">
+                <a:latin typeface="Courier New"/>
+                <a:cs typeface="Courier New"/>
+              </a:rPr>
+              <a:t>blastdbcmd</a:t>
+            </a:r>
             <a:r>
               <a:rPr lang="en-US" sz="2800" dirty="0">
-                <a:solidFill>
-                  <a:schemeClr val="bg1">
-                    <a:lumMod val="75000"/>
-                  </a:schemeClr>
-                </a:solidFill>
-              </a:rPr>
-              <a:t>Make a </a:t>
+                <a:latin typeface="Courier New"/>
+                <a:cs typeface="Courier New"/>
+              </a:rPr>
+              <a:t> –</a:t>
             </a:r>
             <a:r>
               <a:rPr lang="en-US" sz="2800" dirty="0" err="1">
-                <a:solidFill>
-                  <a:schemeClr val="bg1">
-                    <a:lumMod val="75000"/>
-                  </a:schemeClr>
-                </a:solidFill>
-              </a:rPr>
-              <a:t>dotplot</a:t>
-            </a:r>
-            <a:endParaRPr lang="en-US" sz="2800" dirty="0">
-              <a:solidFill>
-                <a:schemeClr val="bg1">
-                  <a:lumMod val="75000"/>
-                </a:schemeClr>
-              </a:solidFill>
+                <a:latin typeface="Courier New"/>
+                <a:cs typeface="Courier New"/>
+              </a:rPr>
+              <a:t>db</a:t>
+            </a:r>
+            <a:r>
+              <a:rPr lang="en-US" sz="2800" dirty="0">
+                <a:latin typeface="Courier New"/>
+                <a:cs typeface="Courier New"/>
+              </a:rPr>
+              <a:t> ../</a:t>
+            </a:r>
+            <a:r>
+              <a:rPr lang="en-US" sz="2800" dirty="0" err="1">
+                <a:latin typeface="Courier New"/>
+                <a:cs typeface="Courier New"/>
+              </a:rPr>
+              <a:t>db</a:t>
+            </a:r>
+            <a:r>
+              <a:rPr lang="en-US" sz="2800" dirty="0">
+                <a:latin typeface="Courier New"/>
+                <a:cs typeface="Courier New"/>
+              </a:rPr>
+              <a:t>/MG1655 \</a:t>
+            </a:r>
+          </a:p>
+          <a:p>
+            <a:pPr marL="0" indent="0">
+              <a:buNone/>
+            </a:pPr>
+            <a:r>
+              <a:rPr lang="en-US" sz="2800" dirty="0">
+                <a:latin typeface="Courier New"/>
+                <a:cs typeface="Courier New"/>
+              </a:rPr>
+              <a:t> -entry 556503834 -range 150-220</a:t>
+            </a:r>
+          </a:p>
+          <a:p>
+            <a:pPr marL="0" indent="0">
+              <a:buNone/>
+            </a:pPr>
+            <a:endParaRPr lang="en-US" sz="1600" dirty="0">
+              <a:latin typeface="Courier New"/>
+              <a:cs typeface="Courier New"/>
             </a:endParaRPr>
           </a:p>
           <a:p>
-            <a:r>
-              <a:rPr lang="en-US" sz="2800" dirty="0"/>
-              <a:t>Create BLAST database</a:t>
-            </a:r>
-          </a:p>
-          <a:p>
-            <a:r>
-              <a:rPr lang="en-US" sz="2800" dirty="0"/>
-              <a:t>BLASTN</a:t>
-            </a:r>
-          </a:p>
-          <a:p>
-            <a:r>
-              <a:rPr lang="en-US" sz="2800" dirty="0"/>
-              <a:t>BLASTP</a:t>
-            </a:r>
-          </a:p>
-          <a:p>
-            <a:r>
-              <a:rPr lang="en-US" sz="2800" dirty="0"/>
-              <a:t>Extract sequences from database</a:t>
-            </a:r>
-          </a:p>
-          <a:p>
-            <a:r>
-              <a:rPr lang="en-US" sz="2800" dirty="0"/>
-              <a:t>BWA alignment</a:t>
-            </a:r>
-          </a:p>
-          <a:p>
-            <a:r>
-              <a:rPr lang="en-US" sz="2800" dirty="0" err="1"/>
-              <a:t>SAMtools</a:t>
-            </a:r>
-            <a:endParaRPr lang="en-US" sz="2800" dirty="0"/>
+            <a:pPr marL="0" indent="0">
+              <a:buNone/>
+            </a:pPr>
+            <a:r>
+              <a:rPr lang="en-US" sz="1600" dirty="0">
+                <a:latin typeface="Courier New"/>
+                <a:cs typeface="Courier New"/>
+              </a:rPr>
+              <a:t>---output---</a:t>
+            </a:r>
+          </a:p>
+          <a:p>
+            <a:pPr marL="0" indent="0">
+              <a:buNone/>
+            </a:pPr>
+            <a:r>
+              <a:rPr lang="en-US" sz="1600" dirty="0">
+                <a:latin typeface="Courier New"/>
+                <a:cs typeface="Courier New"/>
+              </a:rPr>
+              <a:t>&gt;gi|556503834|ref|NC_000913.3|:150-220 Escherichia coli str. K-12 </a:t>
+            </a:r>
+            <a:r>
+              <a:rPr lang="en-US" sz="1600" dirty="0" err="1">
+                <a:latin typeface="Courier New"/>
+                <a:cs typeface="Courier New"/>
+              </a:rPr>
+              <a:t>substr</a:t>
+            </a:r>
+            <a:r>
+              <a:rPr lang="en-US" sz="1600" dirty="0">
+                <a:latin typeface="Courier New"/>
+                <a:cs typeface="Courier New"/>
+              </a:rPr>
+              <a:t>. MG1655, complete genome</a:t>
+            </a:r>
+          </a:p>
+          <a:p>
+            <a:pPr marL="0" indent="0">
+              <a:buNone/>
+            </a:pPr>
+            <a:r>
+              <a:rPr lang="en-US" sz="1600" dirty="0">
+                <a:latin typeface="Courier New"/>
+                <a:cs typeface="Courier New"/>
+              </a:rPr>
+              <a:t>AGCGCACAGACAGATAAAAATTACAGAGTACACAACATCCATGAAACGCATTAGCACCACCATTACCACCA</a:t>
+            </a:r>
+          </a:p>
+        </p:txBody>
+      </p:sp>
+      <p:sp>
+        <p:nvSpPr>
+          <p:cNvPr id="4" name="TextBox 3"/>
+          <p:cNvSpPr txBox="1"/>
+          <p:nvPr/>
+        </p:nvSpPr>
+        <p:spPr>
+          <a:xfrm>
+            <a:off x="523269" y="5882216"/>
+            <a:ext cx="6371982" cy="461665"/>
+          </a:xfrm>
+          <a:prstGeom prst="rect">
+            <a:avLst/>
+          </a:prstGeom>
+          <a:noFill/>
+        </p:spPr>
+        <p:txBody>
+          <a:bodyPr wrap="none" rtlCol="0">
+            <a:spAutoFit/>
+          </a:bodyPr>
+          <a:lstStyle/>
+          <a:p>
+            <a:r>
+              <a:rPr lang="en-US" sz="1200" dirty="0"/>
+              <a:t>* Database formatting must add –</a:t>
+            </a:r>
+            <a:r>
+              <a:rPr lang="en-US" sz="1200" dirty="0" err="1"/>
+              <a:t>parse_seqids</a:t>
+            </a:r>
+            <a:endParaRPr lang="en-US" sz="1200" dirty="0"/>
+          </a:p>
+          <a:p>
+            <a:r>
+              <a:rPr lang="en-US" sz="1200" dirty="0" err="1">
+                <a:latin typeface="Courier New"/>
+                <a:cs typeface="Courier New"/>
+              </a:rPr>
+              <a:t>makeblastdb</a:t>
+            </a:r>
+            <a:r>
+              <a:rPr lang="en-US" sz="1200" dirty="0">
+                <a:latin typeface="Courier New"/>
+                <a:cs typeface="Courier New"/>
+              </a:rPr>
+              <a:t> -in MG1655.fasta -out MG1655 -</a:t>
+            </a:r>
+            <a:r>
+              <a:rPr lang="en-US" sz="1200" dirty="0" err="1">
+                <a:latin typeface="Courier New"/>
+                <a:cs typeface="Courier New"/>
+              </a:rPr>
+              <a:t>dbtype</a:t>
+            </a:r>
+            <a:r>
+              <a:rPr lang="en-US" sz="1200" dirty="0">
+                <a:latin typeface="Courier New"/>
+                <a:cs typeface="Courier New"/>
+              </a:rPr>
+              <a:t> </a:t>
+            </a:r>
+            <a:r>
+              <a:rPr lang="en-US" sz="1200" dirty="0" err="1">
+                <a:latin typeface="Courier New"/>
+                <a:cs typeface="Courier New"/>
+              </a:rPr>
+              <a:t>nucl</a:t>
+            </a:r>
+            <a:r>
+              <a:rPr lang="en-US" sz="1200" dirty="0">
+                <a:latin typeface="Courier New"/>
+                <a:cs typeface="Courier New"/>
+              </a:rPr>
+              <a:t> -</a:t>
+            </a:r>
+            <a:r>
+              <a:rPr lang="en-US" sz="1200" dirty="0" err="1">
+                <a:latin typeface="Courier New"/>
+                <a:cs typeface="Courier New"/>
+              </a:rPr>
+              <a:t>parse_seqids</a:t>
+            </a:r>
+            <a:endParaRPr lang="en-US" sz="1200" dirty="0">
+              <a:latin typeface="Courier New"/>
+              <a:cs typeface="Courier New"/>
+            </a:endParaRPr>
           </a:p>
         </p:txBody>
       </p:sp>
     </p:spTree>
     <p:extLst>
       <p:ext uri="{BB962C8B-B14F-4D97-AF65-F5344CB8AC3E}">
-        <p14:creationId xmlns:p14="http://schemas.microsoft.com/office/powerpoint/2010/main" val="1724176922"/>
+        <p14:creationId xmlns:p14="http://schemas.microsoft.com/office/powerpoint/2010/main" val="428381979"/>
       </p:ext>
     </p:extLst>
   </p:cSld>
@@ -9303,14 +9434,19 @@
             <p:ph type="title"/>
           </p:nvPr>
         </p:nvSpPr>
-        <p:spPr/>
+        <p:spPr>
+          <a:xfrm>
+            <a:off x="457200" y="274638"/>
+            <a:ext cx="8229600" cy="924806"/>
+          </a:xfrm>
+        </p:spPr>
         <p:txBody>
           <a:bodyPr/>
           <a:lstStyle/>
           <a:p>
             <a:r>
               <a:rPr lang="en-US" dirty="0"/>
-              <a:t>Step 1: Create a BWA database</a:t>
+              <a:t>Goal of today’s lab</a:t>
             </a:r>
           </a:p>
         </p:txBody>
@@ -9327,179 +9463,87 @@
         </p:nvSpPr>
         <p:spPr>
           <a:xfrm>
-            <a:off x="1103787" y="1221058"/>
-            <a:ext cx="6936425" cy="5147212"/>
+            <a:off x="1651030" y="1429213"/>
+            <a:ext cx="6077529" cy="3956979"/>
           </a:xfrm>
         </p:spPr>
         <p:txBody>
           <a:bodyPr>
-            <a:normAutofit lnSpcReduction="10000"/>
+            <a:noAutofit/>
           </a:bodyPr>
           <a:lstStyle/>
           <a:p>
             <a:r>
-              <a:rPr lang="en-US" b="1" dirty="0" err="1">
+              <a:rPr lang="en-US" sz="2800" dirty="0">
                 <a:solidFill>
-                  <a:srgbClr val="17375E"/>
+                  <a:schemeClr val="bg1">
+                    <a:lumMod val="75000"/>
+                  </a:schemeClr>
                 </a:solidFill>
               </a:rPr>
-              <a:t>bwa</a:t>
-            </a:r>
-            <a:r>
-              <a:rPr lang="en-US" b="1" dirty="0">
+              <a:t>Make a </a:t>
+            </a:r>
+            <a:r>
+              <a:rPr lang="en-US" sz="2800" dirty="0" err="1">
                 <a:solidFill>
-                  <a:srgbClr val="17375E"/>
+                  <a:schemeClr val="bg1">
+                    <a:lumMod val="75000"/>
+                  </a:schemeClr>
                 </a:solidFill>
               </a:rPr>
-              <a:t> index</a:t>
-            </a:r>
-          </a:p>
-          <a:p>
-            <a:pPr marL="0" indent="0">
-              <a:buNone/>
-            </a:pPr>
-            <a:r>
-              <a:rPr lang="en-US" dirty="0"/>
-              <a:t>A program to create a BWA database</a:t>
-            </a:r>
-          </a:p>
-          <a:p>
-            <a:pPr marL="0" indent="0">
-              <a:buNone/>
-            </a:pPr>
-            <a:endParaRPr lang="en-US" dirty="0">
-              <a:latin typeface="Courier New"/>
-              <a:cs typeface="Courier New"/>
+              <a:t>dotplot</a:t>
+            </a:r>
+            <a:endParaRPr lang="en-US" sz="2800" dirty="0">
+              <a:solidFill>
+                <a:schemeClr val="bg1">
+                  <a:lumMod val="75000"/>
+                </a:schemeClr>
+              </a:solidFill>
             </a:endParaRPr>
           </a:p>
           <a:p>
-            <a:pPr marL="0" indent="0">
-              <a:buNone/>
-            </a:pPr>
-            <a:r>
-              <a:rPr lang="en-US" sz="2800" dirty="0">
-                <a:latin typeface="Courier New"/>
-                <a:cs typeface="Courier New"/>
-              </a:rPr>
-              <a:t># go to the </a:t>
-            </a:r>
-            <a:r>
-              <a:rPr lang="en-US" sz="2800" dirty="0" err="1">
-                <a:latin typeface="Courier New"/>
-                <a:cs typeface="Courier New"/>
-              </a:rPr>
-              <a:t>db</a:t>
-            </a:r>
-            <a:r>
-              <a:rPr lang="en-US" sz="2800" dirty="0">
-                <a:latin typeface="Courier New"/>
-                <a:cs typeface="Courier New"/>
-              </a:rPr>
-              <a:t> directory</a:t>
-            </a:r>
-          </a:p>
-          <a:p>
-            <a:pPr marL="0" indent="0">
-              <a:buNone/>
-            </a:pPr>
-            <a:r>
-              <a:rPr lang="en-US" sz="2800" dirty="0">
-                <a:latin typeface="Courier New"/>
-                <a:cs typeface="Courier New"/>
-              </a:rPr>
-              <a:t>cd </a:t>
-            </a:r>
-            <a:r>
-              <a:rPr lang="en-US" sz="2800" dirty="0" err="1">
-                <a:latin typeface="Courier New"/>
-                <a:cs typeface="Courier New"/>
-              </a:rPr>
-              <a:t>db</a:t>
-            </a:r>
-            <a:endParaRPr lang="en-US" sz="2800" dirty="0">
-              <a:latin typeface="Courier New"/>
-              <a:cs typeface="Courier New"/>
-            </a:endParaRPr>
-          </a:p>
-          <a:p>
-            <a:pPr marL="0" indent="0">
-              <a:buNone/>
-            </a:pPr>
-            <a:endParaRPr lang="en-US" sz="2800" dirty="0">
-              <a:latin typeface="Courier New"/>
-              <a:cs typeface="Courier New"/>
-            </a:endParaRPr>
-          </a:p>
-          <a:p>
-            <a:pPr marL="0" indent="0">
-              <a:buNone/>
-            </a:pPr>
-            <a:r>
-              <a:rPr lang="en-US" sz="2800" dirty="0">
-                <a:latin typeface="Courier New"/>
-                <a:cs typeface="Courier New"/>
-              </a:rPr>
-              <a:t>bwa</a:t>
-            </a:r>
-          </a:p>
-          <a:p>
-            <a:pPr marL="0" indent="0">
-              <a:buNone/>
-            </a:pPr>
-            <a:r>
-              <a:rPr lang="en-US" sz="2800" dirty="0">
-                <a:latin typeface="Courier New"/>
-                <a:cs typeface="Courier New"/>
-              </a:rPr>
-              <a:t>bwa index</a:t>
-            </a:r>
-          </a:p>
-          <a:p>
-            <a:pPr marL="0" indent="0">
-              <a:buNone/>
-            </a:pPr>
-            <a:endParaRPr lang="en-US" sz="2800" dirty="0">
-              <a:latin typeface="Courier New"/>
-              <a:cs typeface="Courier New"/>
-            </a:endParaRPr>
-          </a:p>
-          <a:p>
-            <a:pPr marL="0" indent="0">
-              <a:buNone/>
-            </a:pPr>
-            <a:r>
-              <a:rPr lang="en-US" sz="2800" dirty="0">
-                <a:latin typeface="Courier New"/>
-                <a:cs typeface="Courier New"/>
-              </a:rPr>
-              <a:t>### index</a:t>
-            </a:r>
-          </a:p>
-          <a:p>
-            <a:pPr marL="0" indent="0">
-              <a:buNone/>
-            </a:pPr>
-            <a:r>
-              <a:rPr lang="en-US" sz="2800" dirty="0" err="1">
-                <a:latin typeface="Courier New"/>
-                <a:cs typeface="Courier New"/>
-              </a:rPr>
-              <a:t>bwa</a:t>
-            </a:r>
-            <a:r>
-              <a:rPr lang="en-US" sz="2800" dirty="0">
-                <a:latin typeface="Courier New"/>
-                <a:cs typeface="Courier New"/>
-              </a:rPr>
-              <a:t> index MG1655.fasta</a:t>
-            </a:r>
+            <a:r>
+              <a:rPr lang="en-US" sz="2800" dirty="0"/>
+              <a:t>Create BLAST database</a:t>
+            </a:r>
+          </a:p>
+          <a:p>
+            <a:r>
+              <a:rPr lang="en-US" sz="2800" dirty="0"/>
+              <a:t>BLASTN</a:t>
+            </a:r>
+          </a:p>
+          <a:p>
+            <a:r>
+              <a:rPr lang="en-US" sz="2800" dirty="0"/>
+              <a:t>BLASTP</a:t>
+            </a:r>
+          </a:p>
+          <a:p>
+            <a:r>
+              <a:rPr lang="en-US" sz="2800" dirty="0"/>
+              <a:t>Extract sequences from database</a:t>
+            </a:r>
+          </a:p>
+          <a:p>
+            <a:r>
+              <a:rPr lang="en-US" sz="2800" dirty="0"/>
+              <a:t>BWA alignment</a:t>
+            </a:r>
+          </a:p>
+          <a:p>
+            <a:r>
+              <a:rPr lang="en-US" sz="2800" dirty="0" err="1"/>
+              <a:t>SAMtools</a:t>
+            </a:r>
+            <a:endParaRPr lang="en-US" sz="2800" dirty="0"/>
           </a:p>
         </p:txBody>
       </p:sp>
     </p:spTree>
     <p:extLst>
       <p:ext uri="{BB962C8B-B14F-4D97-AF65-F5344CB8AC3E}">
-        <p14:creationId xmlns:p14="http://schemas.microsoft.com/office/powerpoint/2010/main" val="2701650105"/>
+        <p14:creationId xmlns:p14="http://schemas.microsoft.com/office/powerpoint/2010/main" val="1724176922"/>
       </p:ext>
     </p:extLst>
   </p:cSld>
@@ -9542,12 +9586,8 @@
           <a:lstStyle/>
           <a:p>
             <a:r>
-              <a:rPr lang="en-US" dirty="0" err="1"/>
-              <a:t>Illumina</a:t>
-            </a:r>
-            <a:r>
               <a:rPr lang="en-US" dirty="0"/>
-              <a:t> data</a:t>
+              <a:t>Step 1: Create a BWA database</a:t>
             </a:r>
           </a:p>
         </p:txBody>
@@ -9564,8 +9604,8 @@
         </p:nvSpPr>
         <p:spPr>
           <a:xfrm>
-            <a:off x="313662" y="1047625"/>
-            <a:ext cx="8621868" cy="4828202"/>
+            <a:off x="1103787" y="1221058"/>
+            <a:ext cx="6936425" cy="5147212"/>
           </a:xfrm>
         </p:spPr>
         <p:txBody>
@@ -9574,233 +9614,161 @@
           </a:bodyPr>
           <a:lstStyle/>
           <a:p>
-            <a:pPr marL="0" indent="0">
-              <a:lnSpc>
-                <a:spcPct val="120000"/>
-              </a:lnSpc>
+            <a:r>
+              <a:rPr lang="en-US" b="1" dirty="0" err="1">
+                <a:solidFill>
+                  <a:srgbClr val="17375E"/>
+                </a:solidFill>
+              </a:rPr>
+              <a:t>bwa</a:t>
+            </a:r>
+            <a:r>
+              <a:rPr lang="en-US" b="1" dirty="0">
+                <a:solidFill>
+                  <a:srgbClr val="17375E"/>
+                </a:solidFill>
+              </a:rPr>
+              <a:t> index</a:t>
+            </a:r>
+          </a:p>
+          <a:p>
+            <a:pPr marL="0" indent="0">
               <a:buNone/>
             </a:pPr>
             <a:r>
               <a:rPr lang="en-US" dirty="0"/>
-              <a:t># check the current directory</a:t>
-            </a:r>
-          </a:p>
-          <a:p>
-            <a:pPr marL="0" indent="0">
-              <a:lnSpc>
-                <a:spcPct val="120000"/>
-              </a:lnSpc>
-              <a:buNone/>
-            </a:pPr>
+              <a:t>A program to create a BWA database</a:t>
+            </a:r>
+          </a:p>
+          <a:p>
+            <a:pPr marL="0" indent="0">
+              <a:buNone/>
+            </a:pPr>
+            <a:endParaRPr lang="en-US" dirty="0">
+              <a:latin typeface="Courier New"/>
+              <a:cs typeface="Courier New"/>
+            </a:endParaRPr>
+          </a:p>
+          <a:p>
+            <a:pPr marL="0" indent="0">
+              <a:buNone/>
+            </a:pPr>
+            <a:r>
+              <a:rPr lang="en-US" sz="2800" dirty="0">
+                <a:latin typeface="Courier New"/>
+                <a:cs typeface="Courier New"/>
+              </a:rPr>
+              <a:t># go to the </a:t>
+            </a:r>
             <a:r>
               <a:rPr lang="en-US" sz="2800" dirty="0" err="1">
-                <a:solidFill>
-                  <a:schemeClr val="bg1">
-                    <a:lumMod val="65000"/>
-                  </a:schemeClr>
-                </a:solidFill>
-                <a:latin typeface="Courier"/>
-                <a:cs typeface="Courier"/>
-              </a:rPr>
-              <a:t>pwd</a:t>
+                <a:latin typeface="Courier New"/>
+                <a:cs typeface="Courier New"/>
+              </a:rPr>
+              <a:t>db</a:t>
+            </a:r>
+            <a:r>
+              <a:rPr lang="en-US" sz="2800" dirty="0">
+                <a:latin typeface="Courier New"/>
+                <a:cs typeface="Courier New"/>
+              </a:rPr>
+              <a:t> directory</a:t>
+            </a:r>
+          </a:p>
+          <a:p>
+            <a:pPr marL="0" indent="0">
+              <a:buNone/>
+            </a:pPr>
+            <a:r>
+              <a:rPr lang="en-US" sz="2800" dirty="0">
+                <a:latin typeface="Courier New"/>
+                <a:cs typeface="Courier New"/>
+              </a:rPr>
+              <a:t>cd </a:t>
+            </a:r>
+            <a:r>
+              <a:rPr lang="en-US" sz="2800" dirty="0" err="1">
+                <a:latin typeface="Courier New"/>
+                <a:cs typeface="Courier New"/>
+              </a:rPr>
+              <a:t>db</a:t>
             </a:r>
             <a:endParaRPr lang="en-US" sz="2800" dirty="0">
-              <a:solidFill>
-                <a:schemeClr val="bg1">
-                  <a:lumMod val="65000"/>
-                </a:schemeClr>
-              </a:solidFill>
-              <a:latin typeface="Courier"/>
-              <a:cs typeface="Courier"/>
+              <a:latin typeface="Courier New"/>
+              <a:cs typeface="Courier New"/>
             </a:endParaRPr>
           </a:p>
           <a:p>
             <a:pPr marL="0" indent="0">
-              <a:lnSpc>
-                <a:spcPct val="120000"/>
-              </a:lnSpc>
+              <a:buNone/>
+            </a:pPr>
+            <a:endParaRPr lang="en-US" sz="2800" dirty="0">
+              <a:latin typeface="Courier New"/>
+              <a:cs typeface="Courier New"/>
+            </a:endParaRPr>
+          </a:p>
+          <a:p>
+            <a:pPr marL="0" indent="0">
               <a:buNone/>
             </a:pPr>
             <a:r>
               <a:rPr lang="en-US" sz="2800" dirty="0">
-                <a:solidFill>
-                  <a:schemeClr val="bg1">
-                    <a:lumMod val="65000"/>
-                  </a:schemeClr>
-                </a:solidFill>
-                <a:latin typeface="Courier"/>
-                <a:cs typeface="Courier"/>
-              </a:rPr>
-              <a:t>cd ..</a:t>
-            </a:r>
-          </a:p>
-          <a:p>
-            <a:pPr marL="0" indent="0">
-              <a:lnSpc>
-                <a:spcPct val="120000"/>
-              </a:lnSpc>
+                <a:latin typeface="Courier New"/>
+                <a:cs typeface="Courier New"/>
+              </a:rPr>
+              <a:t>bwa</a:t>
+            </a:r>
+          </a:p>
+          <a:p>
+            <a:pPr marL="0" indent="0">
+              <a:buNone/>
+            </a:pPr>
+            <a:r>
+              <a:rPr lang="en-US" sz="2800" dirty="0">
+                <a:latin typeface="Courier New"/>
+                <a:cs typeface="Courier New"/>
+              </a:rPr>
+              <a:t>bwa index</a:t>
+            </a:r>
+          </a:p>
+          <a:p>
+            <a:pPr marL="0" indent="0">
+              <a:buNone/>
+            </a:pPr>
+            <a:endParaRPr lang="en-US" sz="2800" dirty="0">
+              <a:latin typeface="Courier New"/>
+              <a:cs typeface="Courier New"/>
+            </a:endParaRPr>
+          </a:p>
+          <a:p>
+            <a:pPr marL="0" indent="0">
+              <a:buNone/>
+            </a:pPr>
+            <a:r>
+              <a:rPr lang="en-US" sz="2800" dirty="0">
+                <a:latin typeface="Courier New"/>
+                <a:cs typeface="Courier New"/>
+              </a:rPr>
+              <a:t>### index</a:t>
+            </a:r>
+          </a:p>
+          <a:p>
+            <a:pPr marL="0" indent="0">
               <a:buNone/>
             </a:pPr>
             <a:r>
               <a:rPr lang="en-US" sz="2800" dirty="0" err="1">
-                <a:solidFill>
-                  <a:schemeClr val="bg1">
-                    <a:lumMod val="65000"/>
-                  </a:schemeClr>
-                </a:solidFill>
-                <a:latin typeface="Courier"/>
-                <a:cs typeface="Courier"/>
-              </a:rPr>
-              <a:t>mkdir</a:t>
+                <a:latin typeface="Courier New"/>
+                <a:cs typeface="Courier New"/>
+              </a:rPr>
+              <a:t>bwa</a:t>
             </a:r>
             <a:r>
               <a:rPr lang="en-US" sz="2800" dirty="0">
-                <a:solidFill>
-                  <a:schemeClr val="bg1">
-                    <a:lumMod val="65000"/>
-                  </a:schemeClr>
-                </a:solidFill>
-                <a:latin typeface="Courier"/>
-                <a:cs typeface="Courier"/>
-              </a:rPr>
-              <a:t> alignment</a:t>
-            </a:r>
-          </a:p>
-          <a:p>
-            <a:pPr marL="0" indent="0">
-              <a:lnSpc>
-                <a:spcPct val="120000"/>
-              </a:lnSpc>
-              <a:buNone/>
-            </a:pPr>
-            <a:r>
-              <a:rPr lang="en-US" sz="2800" dirty="0">
-                <a:solidFill>
-                  <a:schemeClr val="bg1">
-                    <a:lumMod val="65000"/>
-                  </a:schemeClr>
-                </a:solidFill>
-                <a:latin typeface="Courier"/>
-                <a:cs typeface="Courier"/>
-              </a:rPr>
-              <a:t>cd alignment</a:t>
-            </a:r>
-          </a:p>
-          <a:p>
-            <a:pPr marL="0" indent="0">
-              <a:lnSpc>
-                <a:spcPct val="120000"/>
-              </a:lnSpc>
-              <a:buNone/>
-            </a:pPr>
-            <a:endParaRPr lang="en-US" dirty="0">
-              <a:latin typeface="Courier"/>
-              <a:cs typeface="Courier"/>
-            </a:endParaRPr>
-          </a:p>
-          <a:p>
-            <a:pPr>
-              <a:lnSpc>
-                <a:spcPct val="120000"/>
-              </a:lnSpc>
-            </a:pPr>
-            <a:r>
-              <a:rPr lang="en-US" dirty="0"/>
-              <a:t>data location</a:t>
-            </a:r>
-            <a:endParaRPr lang="fr-FR" dirty="0"/>
-          </a:p>
-          <a:p>
-            <a:pPr marL="0" indent="0">
-              <a:lnSpc>
-                <a:spcPct val="120000"/>
-              </a:lnSpc>
-              <a:buNone/>
-            </a:pPr>
-            <a:r>
-              <a:rPr lang="en-US" sz="1800" dirty="0"/>
-              <a:t>/homes/liu3zhen/teaching/datasets/MG1655_illumina/</a:t>
-            </a:r>
-          </a:p>
-          <a:p>
-            <a:pPr>
-              <a:buFont typeface="+mj-lt"/>
-              <a:buAutoNum type="arabicPeriod"/>
-            </a:pPr>
-            <a:r>
-              <a:rPr lang="fr-FR" sz="1800" dirty="0"/>
-              <a:t>MG1655.pair1.fq</a:t>
-            </a:r>
-          </a:p>
-          <a:p>
-            <a:pPr>
-              <a:buFont typeface="+mj-lt"/>
-              <a:buAutoNum type="arabicPeriod"/>
-            </a:pPr>
-            <a:r>
-              <a:rPr lang="fr-FR" sz="1800" dirty="0"/>
-              <a:t>MG1655.pair2.fq</a:t>
-            </a:r>
-          </a:p>
-        </p:txBody>
-      </p:sp>
-      <p:sp>
-        <p:nvSpPr>
-          <p:cNvPr id="4" name="TextBox 3">
-            <a:extLst>
-              <a:ext uri="{FF2B5EF4-FFF2-40B4-BE49-F238E27FC236}">
-                <a16:creationId xmlns:a16="http://schemas.microsoft.com/office/drawing/2014/main" id="{749C0462-B6B6-8B4F-ABCB-F5DD14588990}"/>
-              </a:ext>
-            </a:extLst>
-          </p:cNvPr>
-          <p:cNvSpPr txBox="1"/>
-          <p:nvPr/>
-        </p:nvSpPr>
-        <p:spPr>
-          <a:xfrm>
-            <a:off x="457200" y="6008963"/>
-            <a:ext cx="8219879" cy="461665"/>
-          </a:xfrm>
-          <a:prstGeom prst="rect">
-            <a:avLst/>
-          </a:prstGeom>
-          <a:noFill/>
-        </p:spPr>
-        <p:txBody>
-          <a:bodyPr wrap="none" rtlCol="0">
-            <a:spAutoFit/>
-          </a:bodyPr>
-          <a:lstStyle/>
-          <a:p>
-            <a:r>
-              <a:rPr lang="en-US" sz="2400" dirty="0">
-                <a:solidFill>
-                  <a:schemeClr val="bg1">
-                    <a:lumMod val="65000"/>
-                  </a:schemeClr>
-                </a:solidFill>
-              </a:rPr>
-              <a:t>cp /homes/liu3zhen/teaching/datasets/MG1655_illumina/*</a:t>
-            </a:r>
-            <a:r>
-              <a:rPr lang="en-US" sz="2400" dirty="0" err="1">
-                <a:solidFill>
-                  <a:schemeClr val="bg1">
-                    <a:lumMod val="65000"/>
-                  </a:schemeClr>
-                </a:solidFill>
-              </a:rPr>
-              <a:t>fq</a:t>
-            </a:r>
-            <a:r>
-              <a:rPr lang="en-US" sz="2400" dirty="0">
-                <a:solidFill>
-                  <a:schemeClr val="bg1">
-                    <a:lumMod val="65000"/>
-                  </a:schemeClr>
-                </a:solidFill>
-              </a:rPr>
-              <a:t> .</a:t>
+                <a:latin typeface="Courier New"/>
+                <a:cs typeface="Courier New"/>
+              </a:rPr>
+              <a:t> index MG1655.fasta</a:t>
             </a:r>
           </a:p>
         </p:txBody>
@@ -9808,7 +9776,7 @@
     </p:spTree>
     <p:extLst>
       <p:ext uri="{BB962C8B-B14F-4D97-AF65-F5344CB8AC3E}">
-        <p14:creationId xmlns:p14="http://schemas.microsoft.com/office/powerpoint/2010/main" val="4231602658"/>
+        <p14:creationId xmlns:p14="http://schemas.microsoft.com/office/powerpoint/2010/main" val="2701650105"/>
       </p:ext>
     </p:extLst>
   </p:cSld>
@@ -9851,8 +9819,12 @@
           <a:lstStyle/>
           <a:p>
             <a:r>
+              <a:rPr lang="en-US" dirty="0" err="1"/>
+              <a:t>Illumina</a:t>
+            </a:r>
+            <a:r>
               <a:rPr lang="en-US" dirty="0"/>
-              <a:t>BWA alignment</a:t>
+              <a:t> data</a:t>
             </a:r>
           </a:p>
         </p:txBody>
@@ -9869,277 +9841,323 @@
         </p:nvSpPr>
         <p:spPr>
           <a:xfrm>
-            <a:off x="267077" y="1128573"/>
-            <a:ext cx="8686800" cy="5454789"/>
+            <a:off x="313662" y="1047625"/>
+            <a:ext cx="8621868" cy="4198143"/>
           </a:xfrm>
         </p:spPr>
         <p:txBody>
           <a:bodyPr>
-            <a:normAutofit lnSpcReduction="10000"/>
+            <a:normAutofit/>
           </a:bodyPr>
           <a:lstStyle/>
           <a:p>
-            <a:r>
-              <a:rPr lang="en-US" sz="2800" b="1" dirty="0" err="1">
+            <a:pPr marL="0" indent="0">
+              <a:lnSpc>
+                <a:spcPct val="120000"/>
+              </a:lnSpc>
+              <a:buNone/>
+            </a:pPr>
+            <a:r>
+              <a:rPr lang="en-US" dirty="0"/>
+              <a:t># check the current directory</a:t>
+            </a:r>
+          </a:p>
+          <a:p>
+            <a:pPr marL="0" indent="0">
+              <a:lnSpc>
+                <a:spcPct val="120000"/>
+              </a:lnSpc>
+              <a:buNone/>
+            </a:pPr>
+            <a:r>
+              <a:rPr lang="en-US" sz="2800" dirty="0" err="1">
                 <a:solidFill>
-                  <a:schemeClr val="tx2">
-                    <a:lumMod val="75000"/>
+                  <a:schemeClr val="bg1">
+                    <a:lumMod val="65000"/>
                   </a:schemeClr>
                 </a:solidFill>
-              </a:rPr>
-              <a:t>bwa</a:t>
-            </a:r>
-            <a:r>
-              <a:rPr lang="en-US" sz="2800" b="1" dirty="0">
+                <a:latin typeface="Courier"/>
+                <a:cs typeface="Courier"/>
+              </a:rPr>
+              <a:t>pwd</a:t>
+            </a:r>
+            <a:endParaRPr lang="en-US" sz="2800" dirty="0">
+              <a:solidFill>
+                <a:schemeClr val="bg1">
+                  <a:lumMod val="65000"/>
+                </a:schemeClr>
+              </a:solidFill>
+              <a:latin typeface="Courier"/>
+              <a:cs typeface="Courier"/>
+            </a:endParaRPr>
+          </a:p>
+          <a:p>
+            <a:pPr marL="0" indent="0">
+              <a:lnSpc>
+                <a:spcPct val="120000"/>
+              </a:lnSpc>
+              <a:buNone/>
+            </a:pPr>
+            <a:r>
+              <a:rPr lang="en-US" sz="2800" dirty="0">
                 <a:solidFill>
-                  <a:schemeClr val="tx2">
-                    <a:lumMod val="75000"/>
+                  <a:schemeClr val="bg1">
+                    <a:lumMod val="65000"/>
                   </a:schemeClr>
                 </a:solidFill>
-              </a:rPr>
-              <a:t> </a:t>
-            </a:r>
-            <a:r>
-              <a:rPr lang="en-US" sz="2800" b="1" dirty="0" err="1">
+                <a:latin typeface="Courier"/>
+                <a:cs typeface="Courier"/>
+              </a:rPr>
+              <a:t>cd ..</a:t>
+            </a:r>
+          </a:p>
+          <a:p>
+            <a:pPr marL="0" indent="0">
+              <a:lnSpc>
+                <a:spcPct val="120000"/>
+              </a:lnSpc>
+              <a:buNone/>
+            </a:pPr>
+            <a:r>
+              <a:rPr lang="en-US" sz="2800" dirty="0" err="1">
                 <a:solidFill>
-                  <a:schemeClr val="tx2">
-                    <a:lumMod val="75000"/>
+                  <a:schemeClr val="bg1">
+                    <a:lumMod val="65000"/>
                   </a:schemeClr>
                 </a:solidFill>
-              </a:rPr>
-              <a:t>mem</a:t>
-            </a:r>
-            <a:endParaRPr lang="en-US" sz="2800" b="1" dirty="0">
-              <a:solidFill>
-                <a:schemeClr val="tx2">
-                  <a:lumMod val="75000"/>
-                </a:schemeClr>
-              </a:solidFill>
+                <a:latin typeface="Courier"/>
+                <a:cs typeface="Courier"/>
+              </a:rPr>
+              <a:t>mkdir</a:t>
+            </a:r>
+            <a:r>
+              <a:rPr lang="en-US" sz="2800" dirty="0">
+                <a:solidFill>
+                  <a:schemeClr val="bg1">
+                    <a:lumMod val="65000"/>
+                  </a:schemeClr>
+                </a:solidFill>
+                <a:latin typeface="Courier"/>
+                <a:cs typeface="Courier"/>
+              </a:rPr>
+              <a:t> alignment</a:t>
+            </a:r>
+          </a:p>
+          <a:p>
+            <a:pPr marL="0" indent="0">
+              <a:lnSpc>
+                <a:spcPct val="120000"/>
+              </a:lnSpc>
+              <a:buNone/>
+            </a:pPr>
+            <a:r>
+              <a:rPr lang="en-US" sz="2800" dirty="0">
+                <a:solidFill>
+                  <a:schemeClr val="bg1">
+                    <a:lumMod val="65000"/>
+                  </a:schemeClr>
+                </a:solidFill>
+                <a:latin typeface="Courier"/>
+                <a:cs typeface="Courier"/>
+              </a:rPr>
+              <a:t>cd alignment</a:t>
+            </a:r>
+            <a:endParaRPr lang="en-US" dirty="0">
+              <a:latin typeface="Courier"/>
+              <a:cs typeface="Courier"/>
             </a:endParaRPr>
           </a:p>
           <a:p>
-            <a:pPr marL="0" indent="0">
-              <a:buNone/>
-            </a:pPr>
-            <a:endParaRPr lang="en-US" sz="2800" dirty="0">
-              <a:latin typeface="Courier New"/>
-              <a:cs typeface="Courier New"/>
-            </a:endParaRPr>
-          </a:p>
-          <a:p>
-            <a:pPr marL="0" indent="0">
-              <a:buNone/>
-            </a:pPr>
-            <a:r>
-              <a:rPr lang="en-US" sz="2800" dirty="0" err="1">
-                <a:latin typeface="Courier New"/>
-                <a:cs typeface="Courier New"/>
-              </a:rPr>
-              <a:t>bwa</a:t>
-            </a:r>
-            <a:r>
-              <a:rPr lang="en-US" sz="2800" dirty="0">
-                <a:latin typeface="Courier New"/>
-                <a:cs typeface="Courier New"/>
-              </a:rPr>
-              <a:t> </a:t>
-            </a:r>
-            <a:r>
-              <a:rPr lang="en-US" sz="2800" dirty="0" err="1">
-                <a:latin typeface="Courier New"/>
-                <a:cs typeface="Courier New"/>
-              </a:rPr>
-              <a:t>mem</a:t>
-            </a:r>
-            <a:endParaRPr lang="en-US" sz="2800" dirty="0">
-              <a:latin typeface="Courier New"/>
-              <a:cs typeface="Courier New"/>
-            </a:endParaRPr>
-          </a:p>
-          <a:p>
-            <a:pPr marL="0" indent="0">
-              <a:buNone/>
-            </a:pPr>
-            <a:r>
-              <a:rPr lang="en-US" sz="2800" dirty="0">
-                <a:latin typeface="Courier New"/>
-                <a:cs typeface="Courier New"/>
-              </a:rPr>
-              <a:t>vi </a:t>
-            </a:r>
-            <a:r>
-              <a:rPr lang="en-US" sz="2800" dirty="0" err="1">
-                <a:latin typeface="Courier New"/>
-                <a:cs typeface="Courier New"/>
-              </a:rPr>
-              <a:t>align.sh</a:t>
-            </a:r>
-            <a:endParaRPr lang="en-US" sz="2800" dirty="0">
-              <a:latin typeface="Courier New"/>
-              <a:cs typeface="Courier New"/>
-            </a:endParaRPr>
-          </a:p>
-          <a:p>
-            <a:pPr marL="0" indent="0">
-              <a:buNone/>
-            </a:pPr>
-            <a:r>
-              <a:rPr lang="en-US" sz="1600" dirty="0">
-                <a:latin typeface="Courier New"/>
-                <a:cs typeface="Courier New"/>
-              </a:rPr>
-              <a:t>--------------------------------------------------- </a:t>
-            </a:r>
-          </a:p>
-          <a:p>
-            <a:pPr marL="0" indent="0">
-              <a:buNone/>
-            </a:pPr>
-            <a:r>
-              <a:rPr lang="en-US" sz="1800" dirty="0">
-                <a:latin typeface="Courier New"/>
-                <a:cs typeface="Courier New"/>
-              </a:rPr>
-              <a:t>### specify input files</a:t>
-            </a:r>
-          </a:p>
-          <a:p>
-            <a:pPr marL="0" indent="0">
-              <a:buNone/>
-            </a:pPr>
-            <a:r>
-              <a:rPr lang="en-US" sz="1800" dirty="0">
-                <a:latin typeface="Courier New"/>
-                <a:cs typeface="Courier New"/>
-              </a:rPr>
-              <a:t>ref=../</a:t>
-            </a:r>
-            <a:r>
-              <a:rPr lang="en-US" sz="1800" dirty="0" err="1">
-                <a:latin typeface="Courier New"/>
-                <a:cs typeface="Courier New"/>
-              </a:rPr>
-              <a:t>db</a:t>
-            </a:r>
-            <a:r>
-              <a:rPr lang="en-US" sz="1800" dirty="0">
-                <a:latin typeface="Courier New"/>
-                <a:cs typeface="Courier New"/>
-              </a:rPr>
-              <a:t>/MG1655.fasta</a:t>
-            </a:r>
-          </a:p>
-          <a:p>
-            <a:pPr marL="0" indent="0">
-              <a:buNone/>
-            </a:pPr>
-            <a:r>
-              <a:rPr lang="en-US" sz="1600" dirty="0">
-                <a:latin typeface="Courier New"/>
-                <a:cs typeface="Courier New"/>
-              </a:rPr>
-              <a:t>pe1=/homes/liu3zhen/teaching/datasets/MG1655_illumina/MG1655.pair1.fq</a:t>
-            </a:r>
-          </a:p>
-          <a:p>
-            <a:pPr marL="0" indent="0">
-              <a:buNone/>
-            </a:pPr>
-            <a:r>
-              <a:rPr lang="en-US" sz="1600" dirty="0">
-                <a:latin typeface="Courier New"/>
-                <a:cs typeface="Courier New"/>
-              </a:rPr>
-              <a:t>pe2=/homes/liu3zhen/teaching/datasets/MG1655_illumina/MG1655.pair2.fq</a:t>
-            </a:r>
-          </a:p>
-          <a:p>
-            <a:pPr marL="0" indent="0">
-              <a:buNone/>
-            </a:pPr>
-            <a:endParaRPr lang="en-US" sz="1800" dirty="0">
-              <a:latin typeface="Courier New"/>
-              <a:cs typeface="Courier New"/>
-            </a:endParaRPr>
-          </a:p>
-          <a:p>
-            <a:pPr marL="0" indent="0">
-              <a:buNone/>
-            </a:pPr>
-            <a:r>
-              <a:rPr lang="en-US" sz="2800" dirty="0">
-                <a:latin typeface="Courier New"/>
-                <a:cs typeface="Courier New"/>
-              </a:rPr>
-              <a:t>### alignment</a:t>
-            </a:r>
-          </a:p>
-          <a:p>
-            <a:pPr marL="0" indent="0">
-              <a:buNone/>
-            </a:pPr>
-            <a:r>
-              <a:rPr lang="en-US" sz="2200" dirty="0">
-                <a:latin typeface="Courier New"/>
-                <a:cs typeface="Courier New"/>
-              </a:rPr>
-              <a:t>bwa mem -T 30 $ref $pe1 $pe2 1&gt;</a:t>
-            </a:r>
-            <a:r>
-              <a:rPr lang="en-US" sz="2200" dirty="0" err="1">
-                <a:latin typeface="Courier New"/>
-                <a:cs typeface="Courier New"/>
-              </a:rPr>
-              <a:t>aln.sam</a:t>
-            </a:r>
-            <a:r>
-              <a:rPr lang="en-US" sz="2200" dirty="0">
-                <a:latin typeface="Courier New"/>
-                <a:cs typeface="Courier New"/>
-              </a:rPr>
-              <a:t> 2&gt;</a:t>
-            </a:r>
-            <a:r>
-              <a:rPr lang="en-US" sz="2200" dirty="0" err="1">
-                <a:latin typeface="Courier New"/>
-                <a:cs typeface="Courier New"/>
-              </a:rPr>
-              <a:t>aln.log</a:t>
-            </a:r>
-            <a:endParaRPr lang="en-US" sz="2200" dirty="0">
-              <a:latin typeface="Courier New"/>
-              <a:cs typeface="Courier New"/>
-            </a:endParaRPr>
-          </a:p>
-          <a:p>
-            <a:pPr marL="0" indent="0">
-              <a:buNone/>
-            </a:pPr>
-            <a:r>
-              <a:rPr lang="en-US" sz="2800" dirty="0">
-                <a:latin typeface="Courier New"/>
-                <a:cs typeface="Courier New"/>
-              </a:rPr>
-              <a:t>---------------------------------------bash </a:t>
-            </a:r>
-            <a:r>
-              <a:rPr lang="en-US" sz="2800" dirty="0" err="1">
-                <a:latin typeface="Courier New"/>
-                <a:cs typeface="Courier New"/>
-              </a:rPr>
-              <a:t>align.sh</a:t>
-            </a:r>
-            <a:endParaRPr lang="en-US" sz="2800" dirty="0">
-              <a:latin typeface="Courier New"/>
-              <a:cs typeface="Courier New"/>
-            </a:endParaRPr>
+            <a:pPr>
+              <a:lnSpc>
+                <a:spcPct val="120000"/>
+              </a:lnSpc>
+            </a:pPr>
+            <a:r>
+              <a:rPr lang="en-US" dirty="0"/>
+              <a:t>data location</a:t>
+            </a:r>
+            <a:endParaRPr lang="en-US" sz="1800" dirty="0"/>
+          </a:p>
+          <a:p>
+            <a:pPr>
+              <a:buFont typeface="+mj-lt"/>
+              <a:buAutoNum type="arabicPeriod"/>
+            </a:pPr>
+            <a:r>
+              <a:rPr lang="fr-FR" sz="1800" dirty="0"/>
+              <a:t>MG1655.pair1.fq</a:t>
+            </a:r>
+          </a:p>
+          <a:p>
+            <a:pPr>
+              <a:buFont typeface="+mj-lt"/>
+              <a:buAutoNum type="arabicPeriod"/>
+            </a:pPr>
+            <a:r>
+              <a:rPr lang="fr-FR" sz="1800" dirty="0"/>
+              <a:t>MG1655.pair2.fq</a:t>
+            </a:r>
+          </a:p>
+        </p:txBody>
+      </p:sp>
+      <p:sp>
+        <p:nvSpPr>
+          <p:cNvPr id="4" name="TextBox 3">
+            <a:extLst>
+              <a:ext uri="{FF2B5EF4-FFF2-40B4-BE49-F238E27FC236}">
+                <a16:creationId xmlns:a16="http://schemas.microsoft.com/office/drawing/2014/main" id="{749C0462-B6B6-8B4F-ABCB-F5DD14588990}"/>
+              </a:ext>
+            </a:extLst>
+          </p:cNvPr>
+          <p:cNvSpPr txBox="1"/>
+          <p:nvPr/>
+        </p:nvSpPr>
+        <p:spPr>
+          <a:xfrm>
+            <a:off x="184608" y="5574160"/>
+            <a:ext cx="8750922" cy="646331"/>
+          </a:xfrm>
+          <a:prstGeom prst="rect">
+            <a:avLst/>
+          </a:prstGeom>
+          <a:noFill/>
+        </p:spPr>
+        <p:txBody>
+          <a:bodyPr wrap="none" rtlCol="0">
+            <a:spAutoFit/>
+          </a:bodyPr>
+          <a:lstStyle/>
+          <a:p>
+            <a:r>
+              <a:rPr lang="en-US" dirty="0" err="1">
+                <a:solidFill>
+                  <a:schemeClr val="bg1">
+                    <a:lumMod val="65000"/>
+                  </a:schemeClr>
+                </a:solidFill>
+              </a:rPr>
+              <a:t>wget</a:t>
+            </a:r>
+            <a:r>
+              <a:rPr lang="en-US" dirty="0">
+                <a:solidFill>
+                  <a:schemeClr val="bg1">
+                    <a:lumMod val="65000"/>
+                  </a:schemeClr>
+                </a:solidFill>
+              </a:rPr>
+              <a:t> https://</a:t>
+            </a:r>
+            <a:r>
+              <a:rPr lang="en-US" dirty="0" err="1">
+                <a:solidFill>
+                  <a:schemeClr val="bg1">
+                    <a:lumMod val="65000"/>
+                  </a:schemeClr>
+                </a:solidFill>
+              </a:rPr>
+              <a:t>people.beocat.ksu.edu</a:t>
+            </a:r>
+            <a:r>
+              <a:rPr lang="en-US" dirty="0">
+                <a:solidFill>
+                  <a:schemeClr val="bg1">
+                    <a:lumMod val="65000"/>
+                  </a:schemeClr>
+                </a:solidFill>
+              </a:rPr>
+              <a:t>/~liu3zhen/PLPTH813/data/</a:t>
+            </a:r>
+            <a:r>
+              <a:rPr lang="en-US" dirty="0" err="1">
+                <a:solidFill>
+                  <a:schemeClr val="bg1">
+                    <a:lumMod val="65000"/>
+                  </a:schemeClr>
+                </a:solidFill>
+              </a:rPr>
+              <a:t>EcoliWGS</a:t>
+            </a:r>
+            <a:r>
+              <a:rPr lang="en-US" dirty="0">
+                <a:solidFill>
+                  <a:schemeClr val="bg1">
+                    <a:lumMod val="65000"/>
+                  </a:schemeClr>
+                </a:solidFill>
+              </a:rPr>
+              <a:t>/MG1655.pair1.fq</a:t>
+            </a:r>
+          </a:p>
+          <a:p>
+            <a:r>
+              <a:rPr lang="en-US" dirty="0" err="1">
+                <a:solidFill>
+                  <a:schemeClr val="bg1">
+                    <a:lumMod val="65000"/>
+                  </a:schemeClr>
+                </a:solidFill>
+              </a:rPr>
+              <a:t>wget</a:t>
+            </a:r>
+            <a:r>
+              <a:rPr lang="en-US" dirty="0">
+                <a:solidFill>
+                  <a:schemeClr val="bg1">
+                    <a:lumMod val="65000"/>
+                  </a:schemeClr>
+                </a:solidFill>
+              </a:rPr>
+              <a:t> https://</a:t>
+            </a:r>
+            <a:r>
+              <a:rPr lang="en-US" dirty="0" err="1">
+                <a:solidFill>
+                  <a:schemeClr val="bg1">
+                    <a:lumMod val="65000"/>
+                  </a:schemeClr>
+                </a:solidFill>
+              </a:rPr>
+              <a:t>people.beocat.ksu.edu</a:t>
+            </a:r>
+            <a:r>
+              <a:rPr lang="en-US" dirty="0">
+                <a:solidFill>
+                  <a:schemeClr val="bg1">
+                    <a:lumMod val="65000"/>
+                  </a:schemeClr>
+                </a:solidFill>
+              </a:rPr>
+              <a:t>/~liu3zhen/PLPTH813/data/</a:t>
+            </a:r>
+            <a:r>
+              <a:rPr lang="en-US" dirty="0" err="1">
+                <a:solidFill>
+                  <a:schemeClr val="bg1">
+                    <a:lumMod val="65000"/>
+                  </a:schemeClr>
+                </a:solidFill>
+              </a:rPr>
+              <a:t>EcoliWGS</a:t>
+            </a:r>
+            <a:r>
+              <a:rPr lang="en-US" dirty="0">
+                <a:solidFill>
+                  <a:schemeClr val="bg1">
+                    <a:lumMod val="65000"/>
+                  </a:schemeClr>
+                </a:solidFill>
+              </a:rPr>
+              <a:t>/MG1655.pair2.fq</a:t>
+            </a:r>
           </a:p>
         </p:txBody>
       </p:sp>
     </p:spTree>
     <p:extLst>
       <p:ext uri="{BB962C8B-B14F-4D97-AF65-F5344CB8AC3E}">
-        <p14:creationId xmlns:p14="http://schemas.microsoft.com/office/powerpoint/2010/main" val="3968087799"/>
+        <p14:creationId xmlns:p14="http://schemas.microsoft.com/office/powerpoint/2010/main" val="4231602658"/>
       </p:ext>
     </p:extLst>
   </p:cSld>
@@ -10183,7 +10201,7 @@
           <a:p>
             <a:r>
               <a:rPr lang="en-US" dirty="0"/>
-              <a:t>Examine alignments</a:t>
+              <a:t>BWA alignment</a:t>
             </a:r>
           </a:p>
         </p:txBody>
@@ -10200,199 +10218,303 @@
         </p:nvSpPr>
         <p:spPr>
           <a:xfrm>
-            <a:off x="143782" y="1488709"/>
-            <a:ext cx="8714656" cy="2297218"/>
+            <a:off x="267077" y="1128573"/>
+            <a:ext cx="8686800" cy="5454789"/>
           </a:xfrm>
         </p:spPr>
         <p:txBody>
           <a:bodyPr>
-            <a:normAutofit/>
+            <a:normAutofit lnSpcReduction="10000"/>
           </a:bodyPr>
           <a:lstStyle/>
           <a:p>
-            <a:pPr marL="111125" indent="-111125">
-              <a:buFont typeface="+mj-lt"/>
-              <a:buAutoNum type="arabicPeriod"/>
-            </a:pPr>
-            <a:r>
-              <a:rPr lang="en-US" sz="1000" dirty="0">
-                <a:latin typeface="Courier"/>
-                <a:cs typeface="Courier"/>
-              </a:rPr>
-              <a:t>@SQ	SN:gi|556503834|ref|NC_000913.3|	LN:4641652</a:t>
-            </a:r>
-          </a:p>
-          <a:p>
-            <a:pPr marL="111125" indent="-111125">
-              <a:buFont typeface="+mj-lt"/>
-              <a:buAutoNum type="arabicPeriod"/>
-            </a:pPr>
-            <a:r>
-              <a:rPr lang="en-US" sz="1000" dirty="0">
-                <a:latin typeface="Courier"/>
-                <a:cs typeface="Courier"/>
-              </a:rPr>
-              <a:t>@PG	</a:t>
-            </a:r>
-            <a:r>
-              <a:rPr lang="en-US" sz="1000" dirty="0" err="1">
-                <a:latin typeface="Courier"/>
-                <a:cs typeface="Courier"/>
-              </a:rPr>
-              <a:t>ID:bwa</a:t>
-            </a:r>
-            <a:r>
-              <a:rPr lang="en-US" sz="1000" dirty="0">
-                <a:latin typeface="Courier"/>
-                <a:cs typeface="Courier"/>
-              </a:rPr>
-              <a:t>	</a:t>
-            </a:r>
-            <a:r>
-              <a:rPr lang="en-US" sz="1000" dirty="0" err="1">
-                <a:latin typeface="Courier"/>
-                <a:cs typeface="Courier"/>
-              </a:rPr>
-              <a:t>PN:bwa</a:t>
-            </a:r>
-            <a:r>
-              <a:rPr lang="en-US" sz="1000" dirty="0">
-                <a:latin typeface="Courier"/>
-                <a:cs typeface="Courier"/>
-              </a:rPr>
-              <a:t>	VN:0.7.12-r1039	</a:t>
-            </a:r>
-            <a:r>
-              <a:rPr lang="en-US" sz="1000" dirty="0" err="1">
-                <a:latin typeface="Courier"/>
-                <a:cs typeface="Courier"/>
-              </a:rPr>
-              <a:t>CL:bwa</a:t>
-            </a:r>
-            <a:r>
-              <a:rPr lang="en-US" sz="1000" dirty="0">
-                <a:latin typeface="Courier"/>
-                <a:cs typeface="Courier"/>
+            <a:r>
+              <a:rPr lang="en-US" sz="2800" b="1" dirty="0" err="1">
+                <a:solidFill>
+                  <a:schemeClr val="tx2">
+                    <a:lumMod val="75000"/>
+                  </a:schemeClr>
+                </a:solidFill>
+              </a:rPr>
+              <a:t>bwa</a:t>
+            </a:r>
+            <a:r>
+              <a:rPr lang="en-US" sz="2800" b="1" dirty="0">
+                <a:solidFill>
+                  <a:schemeClr val="tx2">
+                    <a:lumMod val="75000"/>
+                  </a:schemeClr>
+                </a:solidFill>
               </a:rPr>
               <a:t> </a:t>
             </a:r>
             <a:r>
-              <a:rPr lang="en-US" sz="1000" dirty="0" err="1">
-                <a:latin typeface="Courier"/>
-                <a:cs typeface="Courier"/>
+              <a:rPr lang="en-US" sz="2800" b="1" dirty="0" err="1">
+                <a:solidFill>
+                  <a:schemeClr val="tx2">
+                    <a:lumMod val="75000"/>
+                  </a:schemeClr>
+                </a:solidFill>
               </a:rPr>
               <a:t>mem</a:t>
             </a:r>
-            <a:r>
-              <a:rPr lang="en-US" sz="1000" dirty="0">
-                <a:latin typeface="Courier"/>
-                <a:cs typeface="Courier"/>
-              </a:rPr>
-              <a:t> -T 40 ../</a:t>
-            </a:r>
-            <a:r>
-              <a:rPr lang="en-US" sz="1000" dirty="0" err="1">
-                <a:latin typeface="Courier"/>
-                <a:cs typeface="Courier"/>
+            <a:endParaRPr lang="en-US" sz="2800" b="1" dirty="0">
+              <a:solidFill>
+                <a:schemeClr val="tx2">
+                  <a:lumMod val="75000"/>
+                </a:schemeClr>
+              </a:solidFill>
+            </a:endParaRPr>
+          </a:p>
+          <a:p>
+            <a:pPr marL="0" indent="0">
+              <a:buNone/>
+            </a:pPr>
+            <a:endParaRPr lang="en-US" sz="2800" dirty="0">
+              <a:latin typeface="Courier New"/>
+              <a:cs typeface="Courier New"/>
+            </a:endParaRPr>
+          </a:p>
+          <a:p>
+            <a:pPr marL="0" indent="0">
+              <a:buNone/>
+            </a:pPr>
+            <a:r>
+              <a:rPr lang="en-US" sz="2800" dirty="0" err="1">
+                <a:latin typeface="Courier New"/>
+                <a:cs typeface="Courier New"/>
+              </a:rPr>
+              <a:t>bwa</a:t>
+            </a:r>
+            <a:r>
+              <a:rPr lang="en-US" sz="2800" dirty="0">
+                <a:latin typeface="Courier New"/>
+                <a:cs typeface="Courier New"/>
+              </a:rPr>
+              <a:t> </a:t>
+            </a:r>
+            <a:r>
+              <a:rPr lang="en-US" sz="2800" dirty="0" err="1">
+                <a:latin typeface="Courier New"/>
+                <a:cs typeface="Courier New"/>
+              </a:rPr>
+              <a:t>mem</a:t>
+            </a:r>
+            <a:endParaRPr lang="en-US" sz="2800" dirty="0">
+              <a:latin typeface="Courier New"/>
+              <a:cs typeface="Courier New"/>
+            </a:endParaRPr>
+          </a:p>
+          <a:p>
+            <a:pPr marL="0" indent="0">
+              <a:buNone/>
+            </a:pPr>
+            <a:r>
+              <a:rPr lang="en-US" sz="2800" dirty="0">
+                <a:latin typeface="Courier New"/>
+                <a:cs typeface="Courier New"/>
+              </a:rPr>
+              <a:t>vi </a:t>
+            </a:r>
+            <a:r>
+              <a:rPr lang="en-US" sz="2800" dirty="0" err="1">
+                <a:latin typeface="Courier New"/>
+                <a:cs typeface="Courier New"/>
+              </a:rPr>
+              <a:t>align.sh</a:t>
+            </a:r>
+            <a:endParaRPr lang="en-US" sz="2800" dirty="0">
+              <a:latin typeface="Courier New"/>
+              <a:cs typeface="Courier New"/>
+            </a:endParaRPr>
+          </a:p>
+          <a:p>
+            <a:pPr marL="0" indent="0">
+              <a:buNone/>
+            </a:pPr>
+            <a:r>
+              <a:rPr lang="en-US" sz="1600" dirty="0">
+                <a:latin typeface="Courier New"/>
+                <a:cs typeface="Courier New"/>
+              </a:rPr>
+              <a:t>--------------------------------------------------- </a:t>
+            </a:r>
+          </a:p>
+          <a:p>
+            <a:pPr marL="0" indent="0">
+              <a:buNone/>
+            </a:pPr>
+            <a:r>
+              <a:rPr lang="en-US" sz="1800" dirty="0">
+                <a:latin typeface="Courier New"/>
+                <a:cs typeface="Courier New"/>
+              </a:rPr>
+              <a:t>### specify input files</a:t>
+            </a:r>
+          </a:p>
+          <a:p>
+            <a:pPr marL="0" indent="0">
+              <a:buNone/>
+            </a:pPr>
+            <a:r>
+              <a:rPr lang="en-US" sz="1800" dirty="0">
+                <a:latin typeface="Courier New"/>
+                <a:cs typeface="Courier New"/>
+              </a:rPr>
+              <a:t>ref=../</a:t>
+            </a:r>
+            <a:r>
+              <a:rPr lang="en-US" sz="1800" dirty="0" err="1">
+                <a:latin typeface="Courier New"/>
+                <a:cs typeface="Courier New"/>
               </a:rPr>
               <a:t>db</a:t>
             </a:r>
             <a:r>
-              <a:rPr lang="en-US" sz="1000" dirty="0">
-                <a:latin typeface="Courier"/>
-                <a:cs typeface="Courier"/>
-              </a:rPr>
-              <a:t>/MG1655.fasta /homes/liu3zhen/teaching/PLPTH613/datasets/MG1655_illumina_data/MG1655.pair1.fq /homes/liu3zhen/teaching/PLPTH613/datasets/MG1655_illumina_data/MG1655.pair2.fq</a:t>
-            </a:r>
-          </a:p>
-          <a:p>
-            <a:pPr marL="111125" indent="-111125">
-              <a:buFont typeface="+mj-lt"/>
-              <a:buAutoNum type="arabicPeriod"/>
-            </a:pPr>
-            <a:r>
-              <a:rPr lang="en-US" sz="1000" dirty="0">
-                <a:latin typeface="Courier"/>
-                <a:cs typeface="Courier"/>
-              </a:rPr>
-              <a:t>EAS600_70:5:1:3215:930	99	gi|556503834|ref|NC_000913.3|	2767401	60	100M	=	2767797	498NTGATATTAACTTGTCCAATATGATCAAATAGCATTAACCCCCCCTCACAACGTCCTGCATAGGGAACACGTTTTCCCCTGTGCACCCACGACTAAATTT	!++*+87777@@@@@@@@@@@@@@@@@@@@&lt;::&lt;&lt;99989::32222298&amp;)--28888589179@@@@@##############################		NM:i:1	MD:Z:0A99	AS:i:99	XS:i:0</a:t>
-            </a:r>
-          </a:p>
-          <a:p>
-            <a:pPr marL="111125" indent="-111125">
-              <a:buFont typeface="+mj-lt"/>
-              <a:buAutoNum type="arabicPeriod"/>
-            </a:pPr>
-            <a:r>
-              <a:rPr lang="en-US" sz="1000" dirty="0">
-                <a:latin typeface="Courier"/>
-                <a:cs typeface="Courier"/>
-              </a:rPr>
-              <a:t>EAS600_70:5:1:3215:930	147	gi|556503834|ref|NC_000913.3|	2767797	60	102M	=	2767401	-498	AATCAGTTAACCCACTACGAGCCAGTGATCGGCATCATGGGTAAAACTGGGGCGGGAAAGAGTAGCCTTTGCAATGCCCTGTTTGCCGGTGAAGTATCGCCG	EB&lt;EEEBBEBEA@8@8&gt;EEBEEB&gt;EED3BE@IIIHHFFIIHFIIIIIHIIIGIIIIHIIHEIIIIHIIIIIIGIGIIGIIIIIIIIIIIIIIIIIIIIGII#	NM:i:0	MD:Z:102	AS:i:102	XS:i:0</a:t>
-            </a:r>
-          </a:p>
-        </p:txBody>
-      </p:sp>
-      <p:sp>
-        <p:nvSpPr>
-          <p:cNvPr id="4" name="TextBox 3"/>
-          <p:cNvSpPr txBox="1"/>
-          <p:nvPr/>
-        </p:nvSpPr>
-        <p:spPr>
-          <a:xfrm>
-            <a:off x="1169627" y="4372955"/>
-            <a:ext cx="6356227" cy="584775"/>
-          </a:xfrm>
-          <a:prstGeom prst="rect">
-            <a:avLst/>
-          </a:prstGeom>
-          <a:noFill/>
-        </p:spPr>
-        <p:txBody>
-          <a:bodyPr wrap="none" rtlCol="0">
-            <a:spAutoFit/>
-          </a:bodyPr>
-          <a:lstStyle/>
-          <a:p>
-            <a:r>
-              <a:rPr lang="en-US" sz="3200" dirty="0" err="1">
-                <a:latin typeface="Courier"/>
-                <a:cs typeface="Courier"/>
-              </a:rPr>
-              <a:t>samtools</a:t>
-            </a:r>
-            <a:r>
-              <a:rPr lang="en-US" sz="3200" dirty="0">
-                <a:latin typeface="Courier"/>
-                <a:cs typeface="Courier"/>
-              </a:rPr>
-              <a:t> </a:t>
-            </a:r>
-            <a:r>
-              <a:rPr lang="en-US" sz="3200" dirty="0" err="1">
-                <a:latin typeface="Courier"/>
-                <a:cs typeface="Courier"/>
-              </a:rPr>
-              <a:t>flagstat</a:t>
-            </a:r>
-            <a:r>
-              <a:rPr lang="en-US" sz="3200" dirty="0">
-                <a:latin typeface="Courier"/>
-                <a:cs typeface="Courier"/>
-              </a:rPr>
-              <a:t> </a:t>
-            </a:r>
-            <a:r>
-              <a:rPr lang="en-US" sz="3200" dirty="0" err="1">
-                <a:latin typeface="Courier"/>
-                <a:cs typeface="Courier"/>
+              <a:rPr lang="en-US" sz="1800" dirty="0">
+                <a:latin typeface="Courier New"/>
+                <a:cs typeface="Courier New"/>
+              </a:rPr>
+              <a:t>/MG1655.fasta</a:t>
+            </a:r>
+          </a:p>
+          <a:p>
+            <a:pPr marL="0" indent="0">
+              <a:buNone/>
+            </a:pPr>
+            <a:r>
+              <a:rPr lang="en-US" sz="1600" dirty="0">
+                <a:latin typeface="Courier New"/>
+                <a:cs typeface="Courier New"/>
+              </a:rPr>
+              <a:t>pe1=</a:t>
+            </a:r>
+            <a:r>
+              <a:rPr lang="en-US" sz="1600" dirty="0">
+                <a:highlight>
+                  <a:srgbClr val="FFFF00"/>
+                </a:highlight>
+                <a:latin typeface="Courier New"/>
+                <a:cs typeface="Courier New"/>
+              </a:rPr>
+              <a:t>&lt;your path&gt;</a:t>
+            </a:r>
+            <a:r>
+              <a:rPr lang="en-US" sz="1600" dirty="0">
+                <a:latin typeface="Courier New"/>
+                <a:cs typeface="Courier New"/>
+              </a:rPr>
+              <a:t>/MG1655.pair1.fq</a:t>
+            </a:r>
+          </a:p>
+          <a:p>
+            <a:pPr marL="0" indent="0">
+              <a:buNone/>
+            </a:pPr>
+            <a:r>
+              <a:rPr lang="en-US" sz="1600" dirty="0">
+                <a:latin typeface="Courier New"/>
+                <a:cs typeface="Courier New"/>
+              </a:rPr>
+              <a:t>pe2 =</a:t>
+            </a:r>
+            <a:r>
+              <a:rPr lang="en-US" sz="1600" dirty="0">
+                <a:highlight>
+                  <a:srgbClr val="FFFF00"/>
+                </a:highlight>
+                <a:latin typeface="Courier New"/>
+                <a:cs typeface="Courier New"/>
+              </a:rPr>
+              <a:t>&lt;your path&gt;</a:t>
+            </a:r>
+            <a:r>
+              <a:rPr lang="en-US" sz="1600" dirty="0">
+                <a:latin typeface="Courier New"/>
+                <a:cs typeface="Courier New"/>
+              </a:rPr>
+              <a:t>/MG1655.pair2.fq</a:t>
+            </a:r>
+          </a:p>
+          <a:p>
+            <a:pPr marL="0" indent="0">
+              <a:buNone/>
+            </a:pPr>
+            <a:endParaRPr lang="en-US" sz="1800" dirty="0">
+              <a:latin typeface="Courier New"/>
+              <a:cs typeface="Courier New"/>
+            </a:endParaRPr>
+          </a:p>
+          <a:p>
+            <a:pPr marL="0" indent="0">
+              <a:buNone/>
+            </a:pPr>
+            <a:r>
+              <a:rPr lang="en-US" sz="2800" dirty="0">
+                <a:latin typeface="Courier New"/>
+                <a:cs typeface="Courier New"/>
+              </a:rPr>
+              <a:t>### alignment</a:t>
+            </a:r>
+          </a:p>
+          <a:p>
+            <a:pPr marL="0" indent="0">
+              <a:buNone/>
+            </a:pPr>
+            <a:r>
+              <a:rPr lang="en-US" sz="2200" dirty="0">
+                <a:latin typeface="Courier New"/>
+                <a:cs typeface="Courier New"/>
+              </a:rPr>
+              <a:t>bwa mem -T 30 $ref $pe1 $pe2 1&gt;</a:t>
+            </a:r>
+            <a:r>
+              <a:rPr lang="en-US" sz="2200" dirty="0" err="1">
+                <a:latin typeface="Courier New"/>
+                <a:cs typeface="Courier New"/>
               </a:rPr>
               <a:t>aln.sam</a:t>
             </a:r>
-            <a:endParaRPr lang="en-US" sz="3200" dirty="0">
-              <a:latin typeface="Courier"/>
-              <a:cs typeface="Courier"/>
+            <a:r>
+              <a:rPr lang="en-US" sz="2200" dirty="0">
+                <a:latin typeface="Courier New"/>
+                <a:cs typeface="Courier New"/>
+              </a:rPr>
+              <a:t> 2&gt;</a:t>
+            </a:r>
+            <a:r>
+              <a:rPr lang="en-US" sz="2200" dirty="0" err="1">
+                <a:latin typeface="Courier New"/>
+                <a:cs typeface="Courier New"/>
+              </a:rPr>
+              <a:t>aln.log</a:t>
+            </a:r>
+            <a:endParaRPr lang="en-US" sz="2200" dirty="0">
+              <a:latin typeface="Courier New"/>
+              <a:cs typeface="Courier New"/>
+            </a:endParaRPr>
+          </a:p>
+          <a:p>
+            <a:pPr marL="0" indent="0">
+              <a:buNone/>
+            </a:pPr>
+            <a:r>
+              <a:rPr lang="en-US" sz="2800" dirty="0">
+                <a:latin typeface="Courier New"/>
+                <a:cs typeface="Courier New"/>
+              </a:rPr>
+              <a:t>---------------------------------------bash </a:t>
+            </a:r>
+            <a:r>
+              <a:rPr lang="en-US" sz="2800" dirty="0" err="1">
+                <a:latin typeface="Courier New"/>
+                <a:cs typeface="Courier New"/>
+              </a:rPr>
+              <a:t>align.sh</a:t>
+            </a:r>
+            <a:endParaRPr lang="en-US" sz="2800" dirty="0">
+              <a:latin typeface="Courier New"/>
+              <a:cs typeface="Courier New"/>
             </a:endParaRPr>
           </a:p>
         </p:txBody>
@@ -10400,7 +10522,7 @@
     </p:spTree>
     <p:extLst>
       <p:ext uri="{BB962C8B-B14F-4D97-AF65-F5344CB8AC3E}">
-        <p14:creationId xmlns:p14="http://schemas.microsoft.com/office/powerpoint/2010/main" val="3940135843"/>
+        <p14:creationId xmlns:p14="http://schemas.microsoft.com/office/powerpoint/2010/main" val="3968087799"/>
       </p:ext>
     </p:extLst>
   </p:cSld>
@@ -10444,7 +10566,7 @@
           <a:p>
             <a:r>
               <a:rPr lang="en-US" dirty="0"/>
-              <a:t>Conversion between SAM and BAM</a:t>
+              <a:t>Examine alignments</a:t>
             </a:r>
           </a:p>
         </p:txBody>
@@ -10461,211 +10583,207 @@
         </p:nvSpPr>
         <p:spPr>
           <a:xfrm>
-            <a:off x="457200" y="1474602"/>
-            <a:ext cx="8229600" cy="4713256"/>
+            <a:off x="143782" y="1488709"/>
+            <a:ext cx="8714656" cy="2297218"/>
           </a:xfrm>
         </p:spPr>
         <p:txBody>
           <a:bodyPr>
-            <a:noAutofit/>
+            <a:normAutofit/>
           </a:bodyPr>
           <a:lstStyle/>
           <a:p>
-            <a:pPr marL="0" indent="0">
-              <a:buNone/>
-            </a:pPr>
-            <a:r>
-              <a:rPr lang="en-US" sz="2800" dirty="0" err="1">
+            <a:pPr marL="111125" indent="-111125">
+              <a:buFont typeface="+mj-lt"/>
+              <a:buAutoNum type="arabicPeriod"/>
+            </a:pPr>
+            <a:r>
+              <a:rPr lang="en-US" sz="1000" dirty="0">
+                <a:latin typeface="Courier"/>
+                <a:cs typeface="Courier"/>
+              </a:rPr>
+              <a:t>@SQ	SN:gi|556503834|ref|NC_000913.3|	LN:4641652</a:t>
+            </a:r>
+          </a:p>
+          <a:p>
+            <a:pPr marL="111125" indent="-111125">
+              <a:buFont typeface="+mj-lt"/>
+              <a:buAutoNum type="arabicPeriod"/>
+            </a:pPr>
+            <a:r>
+              <a:rPr lang="en-US" sz="1000" dirty="0">
+                <a:latin typeface="Courier"/>
+                <a:cs typeface="Courier"/>
+              </a:rPr>
+              <a:t>@PG	</a:t>
+            </a:r>
+            <a:r>
+              <a:rPr lang="en-US" sz="1000" dirty="0" err="1">
+                <a:latin typeface="Courier"/>
+                <a:cs typeface="Courier"/>
+              </a:rPr>
+              <a:t>ID:bwa</a:t>
+            </a:r>
+            <a:r>
+              <a:rPr lang="en-US" sz="1000" dirty="0">
+                <a:latin typeface="Courier"/>
+                <a:cs typeface="Courier"/>
+              </a:rPr>
+              <a:t>	</a:t>
+            </a:r>
+            <a:r>
+              <a:rPr lang="en-US" sz="1000" dirty="0" err="1">
+                <a:latin typeface="Courier"/>
+                <a:cs typeface="Courier"/>
+              </a:rPr>
+              <a:t>PN:bwa</a:t>
+            </a:r>
+            <a:r>
+              <a:rPr lang="en-US" sz="1000" dirty="0">
+                <a:latin typeface="Courier"/>
+                <a:cs typeface="Courier"/>
+              </a:rPr>
+              <a:t>	VN:0.7.12-r1039	</a:t>
+            </a:r>
+            <a:r>
+              <a:rPr lang="en-US" sz="1000" dirty="0" err="1">
+                <a:latin typeface="Courier"/>
+                <a:cs typeface="Courier"/>
+              </a:rPr>
+              <a:t>CL:bwa</a:t>
+            </a:r>
+            <a:r>
+              <a:rPr lang="en-US" sz="1000" dirty="0">
+                <a:latin typeface="Courier"/>
+                <a:cs typeface="Courier"/>
+              </a:rPr>
+              <a:t> </a:t>
+            </a:r>
+            <a:r>
+              <a:rPr lang="en-US" sz="1000" dirty="0" err="1">
+                <a:latin typeface="Courier"/>
+                <a:cs typeface="Courier"/>
+              </a:rPr>
+              <a:t>mem</a:t>
+            </a:r>
+            <a:r>
+              <a:rPr lang="en-US" sz="1000" dirty="0">
+                <a:latin typeface="Courier"/>
+                <a:cs typeface="Courier"/>
+              </a:rPr>
+              <a:t> -T 40 ../</a:t>
+            </a:r>
+            <a:r>
+              <a:rPr lang="en-US" sz="1000" dirty="0" err="1">
+                <a:latin typeface="Courier"/>
+                <a:cs typeface="Courier"/>
+              </a:rPr>
+              <a:t>db</a:t>
+            </a:r>
+            <a:r>
+              <a:rPr lang="en-US" sz="1000" dirty="0">
+                <a:latin typeface="Courier"/>
+                <a:cs typeface="Courier"/>
+              </a:rPr>
+              <a:t>/MG1655.fasta /homes/liu3zhen/teaching/PLPTH613/datasets/MG1655_illumina_data/MG1655.pair1.fq /homes/liu3zhen/teaching/PLPTH613/datasets/MG1655_illumina_data/MG1655.pair2.fq</a:t>
+            </a:r>
+          </a:p>
+          <a:p>
+            <a:pPr marL="111125" indent="-111125">
+              <a:buFont typeface="+mj-lt"/>
+              <a:buAutoNum type="arabicPeriod"/>
+            </a:pPr>
+            <a:r>
+              <a:rPr lang="en-US" sz="1000" dirty="0">
+                <a:latin typeface="Courier"/>
+                <a:cs typeface="Courier"/>
+              </a:rPr>
+              <a:t>EAS600_70:5:1:3215:930	99	gi|556503834|ref|NC_000913.3|	2767401	60	100M	=	2767797	498NTGATATTAACTTGTCCAATATGATCAAATAGCATTAACCCCCCCTCACAACGTCCTGCATAGGGAACACGTTTTCCCCTGTGCACCCACGACTAAATTT	!++*+87777@@@@@@@@@@@@@@@@@@@@&lt;::&lt;&lt;99989::32222298&amp;)--28888589179@@@@@##############################		NM:i:1	MD:Z:0A99	AS:i:99	XS:i:0</a:t>
+            </a:r>
+          </a:p>
+          <a:p>
+            <a:pPr marL="111125" indent="-111125">
+              <a:buFont typeface="+mj-lt"/>
+              <a:buAutoNum type="arabicPeriod"/>
+            </a:pPr>
+            <a:r>
+              <a:rPr lang="en-US" sz="1000" dirty="0">
+                <a:latin typeface="Courier"/>
+                <a:cs typeface="Courier"/>
+              </a:rPr>
+              <a:t>EAS600_70:5:1:3215:930	147	gi|556503834|ref|NC_000913.3|	2767797	60	102M	=	2767401	-498	AATCAGTTAACCCACTACGAGCCAGTGATCGGCATCATGGGTAAAACTGGGGCGGGAAAGAGTAGCCTTTGCAATGCCCTGTTTGCCGGTGAAGTATCGCCG	EB&lt;EEEBBEBEA@8@8&gt;EEBEEB&gt;EED3BE@IIIHHFFIIHFIIIIIHIIIGIIIIHIIHEIIIIHIIIIIIGIGIIGIIIIIIIIIIIIIIIIIIIIGII#	NM:i:0	MD:Z:102	AS:i:102	XS:i:0</a:t>
+            </a:r>
+          </a:p>
+        </p:txBody>
+      </p:sp>
+      <p:sp>
+        <p:nvSpPr>
+          <p:cNvPr id="4" name="TextBox 3"/>
+          <p:cNvSpPr txBox="1"/>
+          <p:nvPr/>
+        </p:nvSpPr>
+        <p:spPr>
+          <a:xfrm>
+            <a:off x="1169627" y="4372955"/>
+            <a:ext cx="6356227" cy="584775"/>
+          </a:xfrm>
+          <a:prstGeom prst="rect">
+            <a:avLst/>
+          </a:prstGeom>
+          <a:noFill/>
+        </p:spPr>
+        <p:txBody>
+          <a:bodyPr wrap="none" rtlCol="0">
+            <a:spAutoFit/>
+          </a:bodyPr>
+          <a:lstStyle/>
+          <a:p>
+            <a:r>
+              <a:rPr lang="en-US" sz="3200" dirty="0" err="1">
                 <a:latin typeface="Courier"/>
                 <a:cs typeface="Courier"/>
               </a:rPr>
               <a:t>samtools</a:t>
             </a:r>
             <a:r>
-              <a:rPr lang="en-US" sz="2800" dirty="0">
-                <a:latin typeface="Courier"/>
-                <a:cs typeface="Courier"/>
-              </a:rPr>
-              <a:t> view</a:t>
-            </a:r>
-          </a:p>
-          <a:p>
-            <a:pPr marL="0" indent="0">
-              <a:buNone/>
-            </a:pPr>
-            <a:endParaRPr lang="en-US" sz="2800" dirty="0">
+              <a:rPr lang="en-US" sz="3200" dirty="0">
+                <a:latin typeface="Courier"/>
+                <a:cs typeface="Courier"/>
+              </a:rPr>
+              <a:t> </a:t>
+            </a:r>
+            <a:r>
+              <a:rPr lang="en-US" sz="3200" dirty="0" err="1">
+                <a:latin typeface="Courier"/>
+                <a:cs typeface="Courier"/>
+              </a:rPr>
+              <a:t>flagstat</a:t>
+            </a:r>
+            <a:r>
+              <a:rPr lang="en-US" sz="3200" dirty="0">
+                <a:latin typeface="Courier"/>
+                <a:cs typeface="Courier"/>
+              </a:rPr>
+              <a:t> </a:t>
+            </a:r>
+            <a:r>
+              <a:rPr lang="en-US" sz="3200" dirty="0" err="1">
+                <a:latin typeface="Courier"/>
+                <a:cs typeface="Courier"/>
+              </a:rPr>
+              <a:t>aln.sam</a:t>
+            </a:r>
+            <a:endParaRPr lang="en-US" sz="3200" dirty="0">
               <a:latin typeface="Courier"/>
               <a:cs typeface="Courier"/>
             </a:endParaRPr>
           </a:p>
-          <a:p>
-            <a:pPr marL="0" indent="0">
-              <a:buNone/>
-            </a:pPr>
-            <a:r>
-              <a:rPr lang="en-US" sz="2800" dirty="0">
-                <a:latin typeface="Courier"/>
-                <a:cs typeface="Courier"/>
-              </a:rPr>
-              <a:t>### show header</a:t>
-            </a:r>
-          </a:p>
-          <a:p>
-            <a:pPr marL="0" indent="0">
-              <a:buNone/>
-            </a:pPr>
-            <a:r>
-              <a:rPr lang="en-US" sz="2800" dirty="0" err="1">
-                <a:latin typeface="Courier"/>
-                <a:cs typeface="Courier"/>
-              </a:rPr>
-              <a:t>samtools</a:t>
-            </a:r>
-            <a:r>
-              <a:rPr lang="en-US" sz="2800" dirty="0">
-                <a:latin typeface="Courier"/>
-                <a:cs typeface="Courier"/>
-              </a:rPr>
-              <a:t> view -H </a:t>
-            </a:r>
-            <a:r>
-              <a:rPr lang="en-US" sz="2800" dirty="0" err="1">
-                <a:latin typeface="Courier"/>
-                <a:cs typeface="Courier"/>
-              </a:rPr>
-              <a:t>aln.sam</a:t>
-            </a:r>
-            <a:endParaRPr lang="en-US" sz="2800" dirty="0">
-              <a:latin typeface="Courier"/>
-              <a:cs typeface="Courier"/>
-            </a:endParaRPr>
-          </a:p>
-          <a:p>
-            <a:pPr marL="0" indent="0">
-              <a:buNone/>
-            </a:pPr>
-            <a:endParaRPr lang="en-US" sz="2800" dirty="0">
-              <a:latin typeface="Courier"/>
-              <a:cs typeface="Courier"/>
-            </a:endParaRPr>
-          </a:p>
-          <a:p>
-            <a:pPr marL="0" indent="0">
-              <a:buNone/>
-            </a:pPr>
-            <a:r>
-              <a:rPr lang="en-US" sz="2800" dirty="0">
-                <a:latin typeface="Courier"/>
-                <a:cs typeface="Courier"/>
-              </a:rPr>
-              <a:t>### convert </a:t>
-            </a:r>
-            <a:r>
-              <a:rPr lang="en-US" sz="2800" dirty="0" err="1">
-                <a:latin typeface="Courier"/>
-                <a:cs typeface="Courier"/>
-              </a:rPr>
-              <a:t>sam</a:t>
-            </a:r>
-            <a:r>
-              <a:rPr lang="en-US" sz="2800" dirty="0">
-                <a:latin typeface="Courier"/>
-                <a:cs typeface="Courier"/>
-              </a:rPr>
-              <a:t> to bam</a:t>
-            </a:r>
-          </a:p>
-          <a:p>
-            <a:pPr marL="0" indent="0">
-              <a:buNone/>
-            </a:pPr>
-            <a:r>
-              <a:rPr lang="en-US" sz="2800" dirty="0" err="1">
-                <a:latin typeface="Courier"/>
-                <a:cs typeface="Courier"/>
-              </a:rPr>
-              <a:t>samtools</a:t>
-            </a:r>
-            <a:r>
-              <a:rPr lang="en-US" sz="2800" dirty="0">
-                <a:latin typeface="Courier"/>
-                <a:cs typeface="Courier"/>
-              </a:rPr>
-              <a:t> view -b </a:t>
-            </a:r>
-            <a:r>
-              <a:rPr lang="en-US" sz="2800" dirty="0" err="1">
-                <a:latin typeface="Courier"/>
-                <a:cs typeface="Courier"/>
-              </a:rPr>
-              <a:t>aln.sam</a:t>
-            </a:r>
-            <a:r>
-              <a:rPr lang="en-US" sz="2800" dirty="0">
-                <a:latin typeface="Courier"/>
-                <a:cs typeface="Courier"/>
-              </a:rPr>
-              <a:t> -o </a:t>
-            </a:r>
-            <a:r>
-              <a:rPr lang="en-US" sz="2800" dirty="0" err="1">
-                <a:latin typeface="Courier"/>
-                <a:cs typeface="Courier"/>
-              </a:rPr>
-              <a:t>aln.bam</a:t>
-            </a:r>
-            <a:endParaRPr lang="en-US" sz="2800" dirty="0">
-              <a:latin typeface="Courier"/>
-              <a:cs typeface="Courier"/>
-            </a:endParaRPr>
-          </a:p>
-          <a:p>
-            <a:pPr marL="0" indent="0">
-              <a:buNone/>
-            </a:pPr>
-            <a:endParaRPr lang="en-US" sz="2800" dirty="0">
-              <a:latin typeface="Courier"/>
-              <a:cs typeface="Courier"/>
-            </a:endParaRPr>
-          </a:p>
-          <a:p>
-            <a:pPr marL="0" indent="0">
-              <a:buNone/>
-            </a:pPr>
-            <a:r>
-              <a:rPr lang="en-US" sz="2800" dirty="0">
-                <a:latin typeface="Courier"/>
-                <a:cs typeface="Courier"/>
-              </a:rPr>
-              <a:t>head </a:t>
-            </a:r>
-            <a:r>
-              <a:rPr lang="en-US" sz="2800" dirty="0" err="1">
-                <a:latin typeface="Courier"/>
-                <a:cs typeface="Courier"/>
-              </a:rPr>
-              <a:t>aln.bam</a:t>
-            </a:r>
-            <a:endParaRPr lang="en-US" sz="2800" dirty="0">
-              <a:latin typeface="Courier"/>
-              <a:cs typeface="Courier"/>
-            </a:endParaRPr>
-          </a:p>
-          <a:p>
-            <a:pPr marL="0" indent="0">
-              <a:buNone/>
-            </a:pPr>
-            <a:endParaRPr lang="en-US" sz="2800" dirty="0">
-              <a:latin typeface="Courier"/>
-              <a:cs typeface="Courier"/>
-            </a:endParaRPr>
-          </a:p>
         </p:txBody>
       </p:sp>
     </p:spTree>
     <p:extLst>
       <p:ext uri="{BB962C8B-B14F-4D97-AF65-F5344CB8AC3E}">
-        <p14:creationId xmlns:p14="http://schemas.microsoft.com/office/powerpoint/2010/main" val="4057304795"/>
+        <p14:creationId xmlns:p14="http://schemas.microsoft.com/office/powerpoint/2010/main" val="3940135843"/>
       </p:ext>
     </p:extLst>
   </p:cSld>
@@ -10709,14 +10827,14 @@
           <a:p>
             <a:r>
               <a:rPr lang="en-US" dirty="0"/>
-              <a:t>Alignment sorting</a:t>
-            </a:r>
-          </a:p>
-        </p:txBody>
-      </p:sp>
-      <p:sp>
-        <p:nvSpPr>
-          <p:cNvPr id="4" name="Content Placeholder 2"/>
+              <a:t>Conversion between SAM and BAM</a:t>
+            </a:r>
+          </a:p>
+        </p:txBody>
+      </p:sp>
+      <p:sp>
+        <p:nvSpPr>
+          <p:cNvPr id="3" name="Content Placeholder 2"/>
           <p:cNvSpPr>
             <a:spLocks noGrp="1"/>
           </p:cNvSpPr>
@@ -10726,65 +10844,39 @@
         </p:nvSpPr>
         <p:spPr>
           <a:xfrm>
-            <a:off x="457200" y="1537932"/>
-            <a:ext cx="7894746" cy="2375501"/>
+            <a:off x="457200" y="1474602"/>
+            <a:ext cx="8229600" cy="4713256"/>
           </a:xfrm>
         </p:spPr>
         <p:txBody>
-          <a:bodyPr/>
+          <a:bodyPr>
+            <a:noAutofit/>
+          </a:bodyPr>
           <a:lstStyle/>
           <a:p>
             <a:pPr marL="0" indent="0">
               <a:buNone/>
             </a:pPr>
             <a:r>
-              <a:rPr lang="en-US" dirty="0">
-                <a:latin typeface="Courier"/>
-                <a:cs typeface="Courier"/>
-              </a:rPr>
-              <a:t>### Sort BAM:</a:t>
-            </a:r>
-          </a:p>
-          <a:p>
-            <a:pPr marL="0" indent="0">
-              <a:buNone/>
-            </a:pPr>
-            <a:r>
-              <a:rPr lang="en-US" dirty="0" err="1">
+              <a:rPr lang="en-US" sz="2800" dirty="0" err="1">
                 <a:latin typeface="Courier"/>
                 <a:cs typeface="Courier"/>
               </a:rPr>
               <a:t>samtools</a:t>
             </a:r>
             <a:r>
-              <a:rPr lang="en-US" dirty="0">
-                <a:latin typeface="Courier"/>
-                <a:cs typeface="Courier"/>
-              </a:rPr>
-              <a:t> sort </a:t>
-            </a:r>
-            <a:r>
-              <a:rPr lang="en-US" dirty="0" err="1">
-                <a:latin typeface="Courier"/>
-                <a:cs typeface="Courier"/>
-              </a:rPr>
-              <a:t>aln.bam</a:t>
-            </a:r>
-            <a:r>
-              <a:rPr lang="en-US" dirty="0">
-                <a:latin typeface="Courier"/>
-                <a:cs typeface="Courier"/>
-              </a:rPr>
-              <a:t> &gt; </a:t>
-            </a:r>
-            <a:r>
-              <a:rPr lang="en-US" dirty="0" err="1">
-                <a:latin typeface="Courier"/>
-                <a:cs typeface="Courier"/>
-              </a:rPr>
-              <a:t>alnsort.bam</a:t>
-            </a:r>
-            <a:endParaRPr lang="en-US" dirty="0">
+              <a:rPr lang="en-US" sz="2800" dirty="0">
+                <a:latin typeface="Courier"/>
+                <a:cs typeface="Courier"/>
+              </a:rPr>
+              <a:t> view</a:t>
+            </a:r>
+          </a:p>
+          <a:p>
+            <a:pPr marL="0" indent="0">
+              <a:buNone/>
+            </a:pPr>
+            <a:endParaRPr lang="en-US" sz="2800" dirty="0">
               <a:latin typeface="Courier"/>
               <a:cs typeface="Courier"/>
             </a:endParaRPr>
@@ -10793,7 +10885,40 @@
             <a:pPr marL="0" indent="0">
               <a:buNone/>
             </a:pPr>
-            <a:endParaRPr lang="en-US" dirty="0">
+            <a:r>
+              <a:rPr lang="en-US" sz="2800" dirty="0">
+                <a:latin typeface="Courier"/>
+                <a:cs typeface="Courier"/>
+              </a:rPr>
+              <a:t>### show header</a:t>
+            </a:r>
+          </a:p>
+          <a:p>
+            <a:pPr marL="0" indent="0">
+              <a:buNone/>
+            </a:pPr>
+            <a:r>
+              <a:rPr lang="en-US" sz="2800" dirty="0" err="1">
+                <a:latin typeface="Courier"/>
+                <a:cs typeface="Courier"/>
+              </a:rPr>
+              <a:t>samtools</a:t>
+            </a:r>
+            <a:r>
+              <a:rPr lang="en-US" sz="2800" dirty="0">
+                <a:latin typeface="Courier"/>
+                <a:cs typeface="Courier"/>
+              </a:rPr>
+              <a:t> view -H </a:t>
+            </a:r>
+            <a:r>
+              <a:rPr lang="en-US" sz="2800" dirty="0" err="1">
+                <a:latin typeface="Courier"/>
+                <a:cs typeface="Courier"/>
+              </a:rPr>
+              <a:t>aln.sam</a:t>
+            </a:r>
+            <a:endParaRPr lang="en-US" sz="2800" dirty="0">
               <a:latin typeface="Courier"/>
               <a:cs typeface="Courier"/>
             </a:endParaRPr>
@@ -10802,54 +10927,7 @@
             <a:pPr marL="0" indent="0">
               <a:buNone/>
             </a:pPr>
-            <a:r>
-              <a:rPr lang="en-US" dirty="0">
-                <a:latin typeface="Courier"/>
-                <a:cs typeface="Courier"/>
-              </a:rPr>
-              <a:t>### convert to SAM</a:t>
-            </a:r>
-          </a:p>
-          <a:p>
-            <a:pPr marL="0" indent="0">
-              <a:buNone/>
-            </a:pPr>
-            <a:r>
-              <a:rPr lang="en-US" dirty="0" err="1">
-                <a:latin typeface="Courier"/>
-                <a:cs typeface="Courier"/>
-              </a:rPr>
-              <a:t>samtools</a:t>
-            </a:r>
-            <a:r>
-              <a:rPr lang="en-US" dirty="0">
-                <a:latin typeface="Courier"/>
-                <a:cs typeface="Courier"/>
-              </a:rPr>
-              <a:t> view </a:t>
-            </a:r>
-            <a:r>
-              <a:rPr lang="en-US" dirty="0" err="1">
-                <a:latin typeface="Courier"/>
-                <a:cs typeface="Courier"/>
-              </a:rPr>
-              <a:t>alnsort.bam</a:t>
-            </a:r>
-            <a:r>
-              <a:rPr lang="en-US" dirty="0">
-                <a:latin typeface="Courier"/>
-                <a:cs typeface="Courier"/>
-              </a:rPr>
-              <a:t> &gt; </a:t>
-            </a:r>
-            <a:r>
-              <a:rPr lang="en-US" dirty="0" err="1">
-                <a:latin typeface="Courier"/>
-                <a:cs typeface="Courier"/>
-              </a:rPr>
-              <a:t>alnsort.sam</a:t>
-            </a:r>
-            <a:endParaRPr lang="en-US" dirty="0">
+            <a:endParaRPr lang="en-US" sz="2800" dirty="0">
               <a:latin typeface="Courier"/>
               <a:cs typeface="Courier"/>
             </a:endParaRPr>
@@ -10858,67 +10936,119 @@
             <a:pPr marL="0" indent="0">
               <a:buNone/>
             </a:pPr>
-            <a:endParaRPr lang="en-US" dirty="0">
+            <a:r>
+              <a:rPr lang="en-US" sz="2800" dirty="0">
+                <a:latin typeface="Courier"/>
+                <a:cs typeface="Courier"/>
+              </a:rPr>
+              <a:t>### convert </a:t>
+            </a:r>
+            <a:r>
+              <a:rPr lang="en-US" sz="2800" dirty="0" err="1">
+                <a:latin typeface="Courier"/>
+                <a:cs typeface="Courier"/>
+              </a:rPr>
+              <a:t>sam</a:t>
+            </a:r>
+            <a:r>
+              <a:rPr lang="en-US" sz="2800" dirty="0">
+                <a:latin typeface="Courier"/>
+                <a:cs typeface="Courier"/>
+              </a:rPr>
+              <a:t> to bam</a:t>
+            </a:r>
+          </a:p>
+          <a:p>
+            <a:pPr marL="0" indent="0">
+              <a:buNone/>
+            </a:pPr>
+            <a:r>
+              <a:rPr lang="en-US" sz="2800" dirty="0" err="1">
+                <a:latin typeface="Courier"/>
+                <a:cs typeface="Courier"/>
+              </a:rPr>
+              <a:t>samtools</a:t>
+            </a:r>
+            <a:r>
+              <a:rPr lang="en-US" sz="2800" dirty="0">
+                <a:latin typeface="Courier"/>
+                <a:cs typeface="Courier"/>
+              </a:rPr>
+              <a:t> view -b </a:t>
+            </a:r>
+            <a:r>
+              <a:rPr lang="en-US" sz="2800" dirty="0" err="1">
+                <a:latin typeface="Courier"/>
+                <a:cs typeface="Courier"/>
+              </a:rPr>
+              <a:t>aln.sam</a:t>
+            </a:r>
+            <a:r>
+              <a:rPr lang="en-US" sz="2800" dirty="0">
+                <a:latin typeface="Courier"/>
+                <a:cs typeface="Courier"/>
+              </a:rPr>
+              <a:t> -o </a:t>
+            </a:r>
+            <a:r>
+              <a:rPr lang="en-US" sz="2800" dirty="0" err="1">
+                <a:latin typeface="Courier"/>
+                <a:cs typeface="Courier"/>
+              </a:rPr>
+              <a:t>aln.bam</a:t>
+            </a:r>
+            <a:endParaRPr lang="en-US" sz="2800" dirty="0">
               <a:latin typeface="Courier"/>
               <a:cs typeface="Courier"/>
             </a:endParaRPr>
           </a:p>
-        </p:txBody>
-      </p:sp>
-      <p:sp>
-        <p:nvSpPr>
-          <p:cNvPr id="5" name="TextBox 4"/>
-          <p:cNvSpPr txBox="1"/>
-          <p:nvPr/>
-        </p:nvSpPr>
-        <p:spPr>
-          <a:xfrm>
-            <a:off x="973244" y="4217122"/>
-            <a:ext cx="6536605" cy="1569660"/>
-          </a:xfrm>
-          <a:prstGeom prst="rect">
-            <a:avLst/>
-          </a:prstGeom>
-          <a:noFill/>
-        </p:spPr>
-        <p:txBody>
-          <a:bodyPr wrap="square" rtlCol="0">
-            <a:spAutoFit/>
-          </a:bodyPr>
-          <a:lstStyle/>
-          <a:p>
-            <a:r>
-              <a:rPr lang="en-US" sz="3200" dirty="0">
-                <a:solidFill>
-                  <a:srgbClr val="FF0000"/>
-                </a:solidFill>
-              </a:rPr>
-              <a:t>Question:</a:t>
-            </a:r>
-          </a:p>
-          <a:p>
-            <a:endParaRPr lang="en-US" sz="3200" dirty="0">
-              <a:solidFill>
-                <a:srgbClr val="FF0000"/>
-              </a:solidFill>
+          <a:p>
+            <a:pPr marL="0" indent="0">
+              <a:buNone/>
+            </a:pPr>
+            <a:endParaRPr lang="en-US" sz="2800" dirty="0">
+              <a:latin typeface="Courier"/>
+              <a:cs typeface="Courier"/>
             </a:endParaRPr>
           </a:p>
           <a:p>
-            <a:r>
-              <a:rPr lang="en-US" sz="3200" dirty="0">
-                <a:solidFill>
-                  <a:srgbClr val="FF0000"/>
-                </a:solidFill>
-              </a:rPr>
-              <a:t>What was the basis for the sorting?</a:t>
-            </a:r>
+            <a:pPr marL="0" indent="0">
+              <a:buNone/>
+            </a:pPr>
+            <a:r>
+              <a:rPr lang="en-US" sz="2800" dirty="0">
+                <a:latin typeface="Courier"/>
+                <a:cs typeface="Courier"/>
+              </a:rPr>
+              <a:t>head </a:t>
+            </a:r>
+            <a:r>
+              <a:rPr lang="en-US" sz="2800" dirty="0" err="1">
+                <a:latin typeface="Courier"/>
+                <a:cs typeface="Courier"/>
+              </a:rPr>
+              <a:t>aln.bam</a:t>
+            </a:r>
+            <a:endParaRPr lang="en-US" sz="2800" dirty="0">
+              <a:latin typeface="Courier"/>
+              <a:cs typeface="Courier"/>
+            </a:endParaRPr>
+          </a:p>
+          <a:p>
+            <a:pPr marL="0" indent="0">
+              <a:buNone/>
+            </a:pPr>
+            <a:endParaRPr lang="en-US" sz="2800" dirty="0">
+              <a:latin typeface="Courier"/>
+              <a:cs typeface="Courier"/>
+            </a:endParaRPr>
           </a:p>
         </p:txBody>
       </p:sp>
     </p:spTree>
     <p:extLst>
       <p:ext uri="{BB962C8B-B14F-4D97-AF65-F5344CB8AC3E}">
-        <p14:creationId xmlns:p14="http://schemas.microsoft.com/office/powerpoint/2010/main" val="3420371533"/>
+        <p14:creationId xmlns:p14="http://schemas.microsoft.com/office/powerpoint/2010/main" val="4057304795"/>
       </p:ext>
     </p:extLst>
   </p:cSld>
@@ -10962,14 +11092,14 @@
           <a:p>
             <a:r>
               <a:rPr lang="en-US" dirty="0"/>
-              <a:t>Problem</a:t>
-            </a:r>
-          </a:p>
-        </p:txBody>
-      </p:sp>
-      <p:sp>
-        <p:nvSpPr>
-          <p:cNvPr id="3" name="Content Placeholder 2"/>
+              <a:t>Alignment sorting</a:t>
+            </a:r>
+          </a:p>
+        </p:txBody>
+      </p:sp>
+      <p:sp>
+        <p:nvSpPr>
+          <p:cNvPr id="4" name="Content Placeholder 2"/>
           <p:cNvSpPr>
             <a:spLocks noGrp="1"/>
           </p:cNvSpPr>
@@ -10979,22 +11109,191 @@
         </p:nvSpPr>
         <p:spPr>
           <a:xfrm>
-            <a:off x="710179" y="2122152"/>
-            <a:ext cx="7757415" cy="1535448"/>
+            <a:off x="457200" y="1537932"/>
+            <a:ext cx="7894746" cy="2375501"/>
           </a:xfrm>
         </p:spPr>
         <p:txBody>
-          <a:bodyPr>
-            <a:noAutofit/>
+          <a:bodyPr/>
+          <a:lstStyle/>
+          <a:p>
+            <a:pPr marL="0" indent="0">
+              <a:buNone/>
+            </a:pPr>
+            <a:r>
+              <a:rPr lang="en-US" dirty="0">
+                <a:latin typeface="Courier"/>
+                <a:cs typeface="Courier"/>
+              </a:rPr>
+              <a:t>### Sort BAM:</a:t>
+            </a:r>
+          </a:p>
+          <a:p>
+            <a:pPr marL="0" indent="0">
+              <a:buNone/>
+            </a:pPr>
+            <a:r>
+              <a:rPr lang="en-US" dirty="0" err="1">
+                <a:latin typeface="Courier"/>
+                <a:cs typeface="Courier"/>
+              </a:rPr>
+              <a:t>samtools</a:t>
+            </a:r>
+            <a:r>
+              <a:rPr lang="en-US" dirty="0">
+                <a:latin typeface="Courier"/>
+                <a:cs typeface="Courier"/>
+              </a:rPr>
+              <a:t> sort </a:t>
+            </a:r>
+            <a:r>
+              <a:rPr lang="en-US" dirty="0" err="1">
+                <a:latin typeface="Courier"/>
+                <a:cs typeface="Courier"/>
+              </a:rPr>
+              <a:t>aln.bam</a:t>
+            </a:r>
+            <a:r>
+              <a:rPr lang="en-US" dirty="0">
+                <a:latin typeface="Courier"/>
+                <a:cs typeface="Courier"/>
+              </a:rPr>
+              <a:t> &gt; </a:t>
+            </a:r>
+            <a:r>
+              <a:rPr lang="en-US" dirty="0" err="1">
+                <a:latin typeface="Courier"/>
+                <a:cs typeface="Courier"/>
+              </a:rPr>
+              <a:t>alnsort.bam</a:t>
+            </a:r>
+            <a:endParaRPr lang="en-US" dirty="0">
+              <a:latin typeface="Courier"/>
+              <a:cs typeface="Courier"/>
+            </a:endParaRPr>
+          </a:p>
+          <a:p>
+            <a:pPr marL="0" indent="0">
+              <a:buNone/>
+            </a:pPr>
+            <a:endParaRPr lang="en-US" dirty="0">
+              <a:latin typeface="Courier"/>
+              <a:cs typeface="Courier"/>
+            </a:endParaRPr>
+          </a:p>
+          <a:p>
+            <a:pPr marL="0" indent="0">
+              <a:buNone/>
+            </a:pPr>
+            <a:r>
+              <a:rPr lang="en-US" dirty="0">
+                <a:latin typeface="Courier"/>
+                <a:cs typeface="Courier"/>
+              </a:rPr>
+              <a:t>### convert to SAM</a:t>
+            </a:r>
+          </a:p>
+          <a:p>
+            <a:pPr marL="0" indent="0">
+              <a:buNone/>
+            </a:pPr>
+            <a:r>
+              <a:rPr lang="en-US" dirty="0" err="1">
+                <a:latin typeface="Courier"/>
+                <a:cs typeface="Courier"/>
+              </a:rPr>
+              <a:t>samtools</a:t>
+            </a:r>
+            <a:r>
+              <a:rPr lang="en-US" dirty="0">
+                <a:latin typeface="Courier"/>
+                <a:cs typeface="Courier"/>
+              </a:rPr>
+              <a:t> view </a:t>
+            </a:r>
+            <a:r>
+              <a:rPr lang="en-US" dirty="0" err="1">
+                <a:latin typeface="Courier"/>
+                <a:cs typeface="Courier"/>
+              </a:rPr>
+              <a:t>alnsort.bam</a:t>
+            </a:r>
+            <a:r>
+              <a:rPr lang="en-US" dirty="0">
+                <a:latin typeface="Courier"/>
+                <a:cs typeface="Courier"/>
+              </a:rPr>
+              <a:t> &gt; </a:t>
+            </a:r>
+            <a:r>
+              <a:rPr lang="en-US" dirty="0" err="1">
+                <a:latin typeface="Courier"/>
+                <a:cs typeface="Courier"/>
+              </a:rPr>
+              <a:t>alnsort.sam</a:t>
+            </a:r>
+            <a:endParaRPr lang="en-US" dirty="0">
+              <a:latin typeface="Courier"/>
+              <a:cs typeface="Courier"/>
+            </a:endParaRPr>
+          </a:p>
+          <a:p>
+            <a:pPr marL="0" indent="0">
+              <a:buNone/>
+            </a:pPr>
+            <a:endParaRPr lang="en-US" dirty="0">
+              <a:latin typeface="Courier"/>
+              <a:cs typeface="Courier"/>
+            </a:endParaRPr>
+          </a:p>
+        </p:txBody>
+      </p:sp>
+      <p:sp>
+        <p:nvSpPr>
+          <p:cNvPr id="5" name="TextBox 4"/>
+          <p:cNvSpPr txBox="1"/>
+          <p:nvPr/>
+        </p:nvSpPr>
+        <p:spPr>
+          <a:xfrm>
+            <a:off x="973244" y="4217122"/>
+            <a:ext cx="6536605" cy="1569660"/>
+          </a:xfrm>
+          <a:prstGeom prst="rect">
+            <a:avLst/>
+          </a:prstGeom>
+          <a:noFill/>
+        </p:spPr>
+        <p:txBody>
+          <a:bodyPr wrap="square" rtlCol="0">
+            <a:spAutoFit/>
           </a:bodyPr>
           <a:lstStyle/>
           <a:p>
-            <a:pPr marL="0" indent="0">
-              <a:buNone/>
-            </a:pPr>
-            <a:r>
-              <a:rPr lang="en-US" sz="2800" dirty="0"/>
-              <a:t>Could you use the help document to figure out how to sort bam by read names?</a:t>
+            <a:r>
+              <a:rPr lang="en-US" sz="3200" dirty="0">
+                <a:solidFill>
+                  <a:srgbClr val="FF0000"/>
+                </a:solidFill>
+              </a:rPr>
+              <a:t>Question:</a:t>
+            </a:r>
+          </a:p>
+          <a:p>
+            <a:endParaRPr lang="en-US" sz="3200" dirty="0">
+              <a:solidFill>
+                <a:srgbClr val="FF0000"/>
+              </a:solidFill>
+            </a:endParaRPr>
+          </a:p>
+          <a:p>
+            <a:r>
+              <a:rPr lang="en-US" sz="3200" dirty="0">
+                <a:solidFill>
+                  <a:srgbClr val="FF0000"/>
+                </a:solidFill>
+              </a:rPr>
+              <a:t>What was the basis for the sorting?</a:t>
             </a:r>
           </a:p>
         </p:txBody>
@@ -11002,7 +11301,7 @@
     </p:spTree>
     <p:extLst>
       <p:ext uri="{BB962C8B-B14F-4D97-AF65-F5344CB8AC3E}">
-        <p14:creationId xmlns:p14="http://schemas.microsoft.com/office/powerpoint/2010/main" val="2099163679"/>
+        <p14:creationId xmlns:p14="http://schemas.microsoft.com/office/powerpoint/2010/main" val="3420371533"/>
       </p:ext>
     </p:extLst>
   </p:cSld>
@@ -11046,14 +11345,14 @@
           <a:p>
             <a:r>
               <a:rPr lang="en-US" dirty="0"/>
-              <a:t>Alignment Index</a:t>
-            </a:r>
-          </a:p>
-        </p:txBody>
-      </p:sp>
-      <p:sp>
-        <p:nvSpPr>
-          <p:cNvPr id="4" name="Content Placeholder 2"/>
+              <a:t>Problem</a:t>
+            </a:r>
+          </a:p>
+        </p:txBody>
+      </p:sp>
+      <p:sp>
+        <p:nvSpPr>
+          <p:cNvPr id="3" name="Content Placeholder 2"/>
           <p:cNvSpPr>
             <a:spLocks noGrp="1"/>
           </p:cNvSpPr>
@@ -11063,13 +11362,13 @@
         </p:nvSpPr>
         <p:spPr>
           <a:xfrm>
-            <a:off x="457200" y="1625422"/>
-            <a:ext cx="7997868" cy="1196472"/>
+            <a:off x="710179" y="2122152"/>
+            <a:ext cx="7757415" cy="1535448"/>
           </a:xfrm>
         </p:spPr>
         <p:txBody>
           <a:bodyPr>
-            <a:normAutofit/>
+            <a:noAutofit/>
           </a:bodyPr>
           <a:lstStyle/>
           <a:p>
@@ -11077,49 +11376,16 @@
               <a:buNone/>
             </a:pPr>
             <a:r>
-              <a:rPr lang="en-US" sz="2800" dirty="0">
-                <a:latin typeface="Courier"/>
-                <a:cs typeface="Courier"/>
-              </a:rPr>
-              <a:t># Index sorted BAM:</a:t>
-            </a:r>
-          </a:p>
-          <a:p>
-            <a:pPr marL="0" indent="0">
-              <a:buNone/>
-            </a:pPr>
-            <a:r>
-              <a:rPr lang="en-US" sz="2800" dirty="0" err="1">
-                <a:latin typeface="Courier"/>
-                <a:cs typeface="Courier"/>
-              </a:rPr>
-              <a:t>samtools</a:t>
-            </a:r>
-            <a:r>
-              <a:rPr lang="en-US" sz="2800" dirty="0">
-                <a:latin typeface="Courier"/>
-                <a:cs typeface="Courier"/>
-              </a:rPr>
-              <a:t> index </a:t>
-            </a:r>
-            <a:r>
-              <a:rPr lang="en-US" sz="2800" dirty="0" err="1">
-                <a:latin typeface="Courier"/>
-                <a:cs typeface="Courier"/>
-              </a:rPr>
-              <a:t>alnsort.bam</a:t>
-            </a:r>
-            <a:endParaRPr lang="en-US" sz="2800" dirty="0">
-              <a:latin typeface="Courier"/>
-              <a:cs typeface="Courier"/>
-            </a:endParaRPr>
+              <a:rPr lang="en-US" sz="2800" dirty="0"/>
+              <a:t>Could you use the help document to figure out how to sort bam by read names?</a:t>
+            </a:r>
           </a:p>
         </p:txBody>
       </p:sp>
     </p:spTree>
     <p:extLst>
       <p:ext uri="{BB962C8B-B14F-4D97-AF65-F5344CB8AC3E}">
-        <p14:creationId xmlns:p14="http://schemas.microsoft.com/office/powerpoint/2010/main" val="378268353"/>
+        <p14:creationId xmlns:p14="http://schemas.microsoft.com/office/powerpoint/2010/main" val="2099163679"/>
       </p:ext>
     </p:extLst>
   </p:cSld>
@@ -11495,6 +11761,333 @@
     <p:extLst>
       <p:ext uri="{BB962C8B-B14F-4D97-AF65-F5344CB8AC3E}">
         <p14:creationId xmlns:p14="http://schemas.microsoft.com/office/powerpoint/2010/main" val="3511111514"/>
+      </p:ext>
+    </p:extLst>
+  </p:cSld>
+  <p:clrMapOvr>
+    <a:masterClrMapping/>
+  </p:clrMapOvr>
+</p:sld>
+</file>
+
+<file path=ppt/slides/slide30.xml><?xml version="1.0" encoding="utf-8"?>
+<p:sld xmlns:a="http://schemas.openxmlformats.org/drawingml/2006/main" xmlns:r="http://schemas.openxmlformats.org/officeDocument/2006/relationships" xmlns:p="http://schemas.openxmlformats.org/presentationml/2006/main">
+  <p:cSld>
+    <p:spTree>
+      <p:nvGrpSpPr>
+        <p:cNvPr id="1" name=""/>
+        <p:cNvGrpSpPr/>
+        <p:nvPr/>
+      </p:nvGrpSpPr>
+      <p:grpSpPr>
+        <a:xfrm>
+          <a:off x="0" y="0"/>
+          <a:ext cx="0" cy="0"/>
+          <a:chOff x="0" y="0"/>
+          <a:chExt cx="0" cy="0"/>
+        </a:xfrm>
+      </p:grpSpPr>
+      <p:sp>
+        <p:nvSpPr>
+          <p:cNvPr id="2" name="Title 1"/>
+          <p:cNvSpPr>
+            <a:spLocks noGrp="1"/>
+          </p:cNvSpPr>
+          <p:nvPr>
+            <p:ph type="title"/>
+          </p:nvPr>
+        </p:nvSpPr>
+        <p:spPr/>
+        <p:txBody>
+          <a:bodyPr/>
+          <a:lstStyle/>
+          <a:p>
+            <a:r>
+              <a:rPr lang="en-US" dirty="0"/>
+              <a:t>Alignment Index</a:t>
+            </a:r>
+          </a:p>
+        </p:txBody>
+      </p:sp>
+      <p:sp>
+        <p:nvSpPr>
+          <p:cNvPr id="4" name="Content Placeholder 2"/>
+          <p:cNvSpPr>
+            <a:spLocks noGrp="1"/>
+          </p:cNvSpPr>
+          <p:nvPr>
+            <p:ph idx="1"/>
+          </p:nvPr>
+        </p:nvSpPr>
+        <p:spPr>
+          <a:xfrm>
+            <a:off x="457200" y="1625422"/>
+            <a:ext cx="7997868" cy="1196472"/>
+          </a:xfrm>
+        </p:spPr>
+        <p:txBody>
+          <a:bodyPr>
+            <a:normAutofit/>
+          </a:bodyPr>
+          <a:lstStyle/>
+          <a:p>
+            <a:pPr marL="0" indent="0">
+              <a:buNone/>
+            </a:pPr>
+            <a:r>
+              <a:rPr lang="en-US" sz="2800" dirty="0">
+                <a:latin typeface="Courier"/>
+                <a:cs typeface="Courier"/>
+              </a:rPr>
+              <a:t># Index sorted BAM:</a:t>
+            </a:r>
+          </a:p>
+          <a:p>
+            <a:pPr marL="0" indent="0">
+              <a:buNone/>
+            </a:pPr>
+            <a:r>
+              <a:rPr lang="en-US" sz="2800" dirty="0" err="1">
+                <a:latin typeface="Courier"/>
+                <a:cs typeface="Courier"/>
+              </a:rPr>
+              <a:t>samtools</a:t>
+            </a:r>
+            <a:r>
+              <a:rPr lang="en-US" sz="2800" dirty="0">
+                <a:latin typeface="Courier"/>
+                <a:cs typeface="Courier"/>
+              </a:rPr>
+              <a:t> index </a:t>
+            </a:r>
+            <a:r>
+              <a:rPr lang="en-US" sz="2800" dirty="0" err="1">
+                <a:latin typeface="Courier"/>
+                <a:cs typeface="Courier"/>
+              </a:rPr>
+              <a:t>alnsort.bam</a:t>
+            </a:r>
+            <a:endParaRPr lang="en-US" sz="2800" dirty="0">
+              <a:latin typeface="Courier"/>
+              <a:cs typeface="Courier"/>
+            </a:endParaRPr>
+          </a:p>
+        </p:txBody>
+      </p:sp>
+    </p:spTree>
+    <p:extLst>
+      <p:ext uri="{BB962C8B-B14F-4D97-AF65-F5344CB8AC3E}">
+        <p14:creationId xmlns:p14="http://schemas.microsoft.com/office/powerpoint/2010/main" val="378268353"/>
+      </p:ext>
+    </p:extLst>
+  </p:cSld>
+  <p:clrMapOvr>
+    <a:masterClrMapping/>
+  </p:clrMapOvr>
+</p:sld>
+</file>
+
+<file path=ppt/slides/slide31.xml><?xml version="1.0" encoding="utf-8"?>
+<p:sld xmlns:a="http://schemas.openxmlformats.org/drawingml/2006/main" xmlns:r="http://schemas.openxmlformats.org/officeDocument/2006/relationships" xmlns:p="http://schemas.openxmlformats.org/presentationml/2006/main" show="0">
+  <p:cSld>
+    <p:spTree>
+      <p:nvGrpSpPr>
+        <p:cNvPr id="1" name=""/>
+        <p:cNvGrpSpPr/>
+        <p:nvPr/>
+      </p:nvGrpSpPr>
+      <p:grpSpPr>
+        <a:xfrm>
+          <a:off x="0" y="0"/>
+          <a:ext cx="0" cy="0"/>
+          <a:chOff x="0" y="0"/>
+          <a:chExt cx="0" cy="0"/>
+        </a:xfrm>
+      </p:grpSpPr>
+      <p:sp>
+        <p:nvSpPr>
+          <p:cNvPr id="2" name="Title 1">
+            <a:extLst>
+              <a:ext uri="{FF2B5EF4-FFF2-40B4-BE49-F238E27FC236}">
+                <a16:creationId xmlns:a16="http://schemas.microsoft.com/office/drawing/2014/main" id="{F89E2BBD-154C-9946-5F96-3AFFFE016722}"/>
+              </a:ext>
+            </a:extLst>
+          </p:cNvPr>
+          <p:cNvSpPr>
+            <a:spLocks noGrp="1"/>
+          </p:cNvSpPr>
+          <p:nvPr>
+            <p:ph type="title"/>
+          </p:nvPr>
+        </p:nvSpPr>
+        <p:spPr/>
+        <p:txBody>
+          <a:bodyPr/>
+          <a:lstStyle/>
+          <a:p>
+            <a:r>
+              <a:rPr lang="en-US" dirty="0"/>
+              <a:t>Mummer installation</a:t>
+            </a:r>
+          </a:p>
+        </p:txBody>
+      </p:sp>
+      <p:sp>
+        <p:nvSpPr>
+          <p:cNvPr id="3" name="Content Placeholder 2">
+            <a:extLst>
+              <a:ext uri="{FF2B5EF4-FFF2-40B4-BE49-F238E27FC236}">
+                <a16:creationId xmlns:a16="http://schemas.microsoft.com/office/drawing/2014/main" id="{C3EBFF16-30C1-C176-6191-DE2750C4D630}"/>
+              </a:ext>
+            </a:extLst>
+          </p:cNvPr>
+          <p:cNvSpPr>
+            <a:spLocks noGrp="1"/>
+          </p:cNvSpPr>
+          <p:nvPr>
+            <p:ph idx="1"/>
+          </p:nvPr>
+        </p:nvSpPr>
+        <p:spPr>
+          <a:xfrm>
+            <a:off x="776897" y="1512436"/>
+            <a:ext cx="7964905" cy="2664610"/>
+          </a:xfrm>
+        </p:spPr>
+        <p:txBody>
+          <a:bodyPr>
+            <a:normAutofit fontScale="92500" lnSpcReduction="10000"/>
+          </a:bodyPr>
+          <a:lstStyle/>
+          <a:p>
+            <a:pPr marL="0" indent="0">
+              <a:buNone/>
+            </a:pPr>
+            <a:r>
+              <a:rPr lang="en-US" b="1" dirty="0">
+                <a:latin typeface="Courier New" panose="02070309020205020404" pitchFamily="49" charset="0"/>
+                <a:cs typeface="Courier New" panose="02070309020205020404" pitchFamily="49" charset="0"/>
+              </a:rPr>
+              <a:t># install mummer</a:t>
+            </a:r>
+          </a:p>
+          <a:p>
+            <a:pPr marL="0" indent="0">
+              <a:buNone/>
+            </a:pPr>
+            <a:r>
+              <a:rPr lang="en-US" dirty="0">
+                <a:latin typeface="Courier New" panose="02070309020205020404" pitchFamily="49" charset="0"/>
+                <a:cs typeface="Courier New" panose="02070309020205020404" pitchFamily="49" charset="0"/>
+              </a:rPr>
+              <a:t>git clone </a:t>
+            </a:r>
+            <a:r>
+              <a:rPr lang="en-US" sz="2000" dirty="0">
+                <a:latin typeface="Courier New" panose="02070309020205020404" pitchFamily="49" charset="0"/>
+                <a:cs typeface="Courier New" panose="02070309020205020404" pitchFamily="49" charset="0"/>
+              </a:rPr>
+              <a:t>https://</a:t>
+            </a:r>
+            <a:r>
+              <a:rPr lang="en-US" sz="2000" dirty="0" err="1">
+                <a:latin typeface="Courier New" panose="02070309020205020404" pitchFamily="49" charset="0"/>
+                <a:cs typeface="Courier New" panose="02070309020205020404" pitchFamily="49" charset="0"/>
+              </a:rPr>
+              <a:t>github.com</a:t>
+            </a:r>
+            <a:r>
+              <a:rPr lang="en-US" sz="2000" dirty="0">
+                <a:latin typeface="Courier New" panose="02070309020205020404" pitchFamily="49" charset="0"/>
+                <a:cs typeface="Courier New" panose="02070309020205020404" pitchFamily="49" charset="0"/>
+              </a:rPr>
+              <a:t>/mummer4/</a:t>
+            </a:r>
+            <a:r>
+              <a:rPr lang="en-US" sz="2000" dirty="0" err="1">
+                <a:latin typeface="Courier New" panose="02070309020205020404" pitchFamily="49" charset="0"/>
+                <a:cs typeface="Courier New" panose="02070309020205020404" pitchFamily="49" charset="0"/>
+              </a:rPr>
+              <a:t>mummer.git</a:t>
+            </a:r>
+            <a:endParaRPr lang="en-US" sz="2000" dirty="0">
+              <a:latin typeface="Courier New" panose="02070309020205020404" pitchFamily="49" charset="0"/>
+              <a:cs typeface="Courier New" panose="02070309020205020404" pitchFamily="49" charset="0"/>
+            </a:endParaRPr>
+          </a:p>
+          <a:p>
+            <a:pPr marL="0" indent="0">
+              <a:buNone/>
+            </a:pPr>
+            <a:r>
+              <a:rPr lang="en-US" dirty="0">
+                <a:latin typeface="Courier New" panose="02070309020205020404" pitchFamily="49" charset="0"/>
+                <a:cs typeface="Courier New" panose="02070309020205020404" pitchFamily="49" charset="0"/>
+              </a:rPr>
+              <a:t>cd mummer</a:t>
+            </a:r>
+          </a:p>
+          <a:p>
+            <a:pPr marL="0" indent="0">
+              <a:buNone/>
+            </a:pPr>
+            <a:r>
+              <a:rPr lang="en-US" dirty="0" err="1">
+                <a:latin typeface="Courier New" panose="02070309020205020404" pitchFamily="49" charset="0"/>
+                <a:cs typeface="Courier New" panose="02070309020205020404" pitchFamily="49" charset="0"/>
+              </a:rPr>
+              <a:t>mkdir</a:t>
+            </a:r>
+            <a:r>
+              <a:rPr lang="en-US" dirty="0">
+                <a:latin typeface="Courier New" panose="02070309020205020404" pitchFamily="49" charset="0"/>
+                <a:cs typeface="Courier New" panose="02070309020205020404" pitchFamily="49" charset="0"/>
+              </a:rPr>
+              <a:t> ~/local</a:t>
+            </a:r>
+          </a:p>
+          <a:p>
+            <a:pPr marL="0" indent="0">
+              <a:buNone/>
+            </a:pPr>
+            <a:r>
+              <a:rPr lang="en-US" dirty="0">
+                <a:latin typeface="Courier New" panose="02070309020205020404" pitchFamily="49" charset="0"/>
+                <a:cs typeface="Courier New" panose="02070309020205020404" pitchFamily="49" charset="0"/>
+              </a:rPr>
+              <a:t>./configure --prefix=~/local</a:t>
+            </a:r>
+          </a:p>
+          <a:p>
+            <a:pPr marL="0" indent="0">
+              <a:buNone/>
+            </a:pPr>
+            <a:r>
+              <a:rPr lang="en-US" dirty="0">
+                <a:latin typeface="Courier New" panose="02070309020205020404" pitchFamily="49" charset="0"/>
+                <a:cs typeface="Courier New" panose="02070309020205020404" pitchFamily="49" charset="0"/>
+              </a:rPr>
+              <a:t>make</a:t>
+            </a:r>
+          </a:p>
+          <a:p>
+            <a:pPr marL="0" indent="0">
+              <a:buNone/>
+            </a:pPr>
+            <a:r>
+              <a:rPr lang="en-US" dirty="0">
+                <a:latin typeface="Courier New" panose="02070309020205020404" pitchFamily="49" charset="0"/>
+                <a:cs typeface="Courier New" panose="02070309020205020404" pitchFamily="49" charset="0"/>
+              </a:rPr>
+              <a:t>make install</a:t>
+            </a:r>
+          </a:p>
+        </p:txBody>
+      </p:sp>
+    </p:spTree>
+    <p:extLst>
+      <p:ext uri="{BB962C8B-B14F-4D97-AF65-F5344CB8AC3E}">
+        <p14:creationId xmlns:p14="http://schemas.microsoft.com/office/powerpoint/2010/main" val="3837067388"/>
       </p:ext>
     </p:extLst>
   </p:cSld>
@@ -12617,7 +13210,11 @@
           <a:bodyPr/>
           <a:lstStyle/>
           <a:p>
-            <a:endParaRPr lang="en-US"/>
+            <a:r>
+              <a:rPr lang="en-US" dirty="0" err="1"/>
+              <a:t>ndotplot</a:t>
+            </a:r>
+            <a:endParaRPr lang="en-US" dirty="0"/>
           </a:p>
         </p:txBody>
       </p:sp>
@@ -12637,12 +13234,278 @@
             <p:ph idx="1"/>
           </p:nvPr>
         </p:nvSpPr>
-        <p:spPr/>
-        <p:txBody>
-          <a:bodyPr/>
+        <p:spPr>
+          <a:xfrm>
+            <a:off x="543141" y="1281749"/>
+            <a:ext cx="8284602" cy="4741288"/>
+          </a:xfrm>
+        </p:spPr>
+        <p:txBody>
+          <a:bodyPr>
+            <a:normAutofit fontScale="92500" lnSpcReduction="10000"/>
+          </a:bodyPr>
           <a:lstStyle/>
           <a:p>
-            <a:endParaRPr lang="en-US"/>
+            <a:pPr marL="0" indent="0">
+              <a:buNone/>
+            </a:pPr>
+            <a:r>
+              <a:rPr lang="en-US" dirty="0">
+                <a:latin typeface="Courier New" panose="02070309020205020404" pitchFamily="49" charset="0"/>
+                <a:cs typeface="Courier New" panose="02070309020205020404" pitchFamily="49" charset="0"/>
+              </a:rPr>
+              <a:t># download </a:t>
+            </a:r>
+            <a:r>
+              <a:rPr lang="en-US" dirty="0" err="1">
+                <a:latin typeface="Courier New" panose="02070309020205020404" pitchFamily="49" charset="0"/>
+                <a:cs typeface="Courier New" panose="02070309020205020404" pitchFamily="49" charset="0"/>
+              </a:rPr>
+              <a:t>ndotplot</a:t>
+            </a:r>
+            <a:endParaRPr lang="en-US" dirty="0">
+              <a:latin typeface="Courier New" panose="02070309020205020404" pitchFamily="49" charset="0"/>
+              <a:cs typeface="Courier New" panose="02070309020205020404" pitchFamily="49" charset="0"/>
+            </a:endParaRPr>
+          </a:p>
+          <a:p>
+            <a:pPr marL="0" indent="0">
+              <a:buNone/>
+            </a:pPr>
+            <a:r>
+              <a:rPr lang="en-US" dirty="0">
+                <a:latin typeface="Courier New" panose="02070309020205020404" pitchFamily="49" charset="0"/>
+                <a:cs typeface="Courier New" panose="02070309020205020404" pitchFamily="49" charset="0"/>
+              </a:rPr>
+              <a:t>git clone </a:t>
+            </a:r>
+            <a:r>
+              <a:rPr lang="en-US" sz="2000" dirty="0">
+                <a:latin typeface="Courier New" panose="02070309020205020404" pitchFamily="49" charset="0"/>
+                <a:cs typeface="Courier New" panose="02070309020205020404" pitchFamily="49" charset="0"/>
+              </a:rPr>
+              <a:t>git@github.com:liu3zhenlab/ndotplot.git</a:t>
+            </a:r>
+          </a:p>
+          <a:p>
+            <a:pPr marL="0" indent="0">
+              <a:buNone/>
+            </a:pPr>
+            <a:r>
+              <a:rPr lang="en-US" dirty="0">
+                <a:latin typeface="Courier New" panose="02070309020205020404" pitchFamily="49" charset="0"/>
+                <a:cs typeface="Courier New" panose="02070309020205020404" pitchFamily="49" charset="0"/>
+              </a:rPr>
+              <a:t>cd </a:t>
+            </a:r>
+            <a:r>
+              <a:rPr lang="en-US" dirty="0" err="1">
+                <a:latin typeface="Courier New" panose="02070309020205020404" pitchFamily="49" charset="0"/>
+                <a:cs typeface="Courier New" panose="02070309020205020404" pitchFamily="49" charset="0"/>
+              </a:rPr>
+              <a:t>ndotplot</a:t>
+            </a:r>
+            <a:endParaRPr lang="en-US" dirty="0">
+              <a:latin typeface="Courier New" panose="02070309020205020404" pitchFamily="49" charset="0"/>
+              <a:cs typeface="Courier New" panose="02070309020205020404" pitchFamily="49" charset="0"/>
+            </a:endParaRPr>
+          </a:p>
+          <a:p>
+            <a:pPr marL="0" indent="0">
+              <a:buNone/>
+            </a:pPr>
+            <a:r>
+              <a:rPr lang="en-US" dirty="0" err="1">
+                <a:latin typeface="Courier New" panose="02070309020205020404" pitchFamily="49" charset="0"/>
+                <a:cs typeface="Courier New" panose="02070309020205020404" pitchFamily="49" charset="0"/>
+              </a:rPr>
+              <a:t>perl</a:t>
+            </a:r>
+            <a:r>
+              <a:rPr lang="en-US" dirty="0">
+                <a:latin typeface="Courier New" panose="02070309020205020404" pitchFamily="49" charset="0"/>
+                <a:cs typeface="Courier New" panose="02070309020205020404" pitchFamily="49" charset="0"/>
+              </a:rPr>
+              <a:t> </a:t>
+            </a:r>
+            <a:r>
+              <a:rPr lang="en-US" dirty="0" err="1">
+                <a:latin typeface="Courier New" panose="02070309020205020404" pitchFamily="49" charset="0"/>
+                <a:cs typeface="Courier New" panose="02070309020205020404" pitchFamily="49" charset="0"/>
+              </a:rPr>
+              <a:t>ndotplot</a:t>
+            </a:r>
+            <a:endParaRPr lang="en-US" dirty="0">
+              <a:latin typeface="Courier New" panose="02070309020205020404" pitchFamily="49" charset="0"/>
+              <a:cs typeface="Courier New" panose="02070309020205020404" pitchFamily="49" charset="0"/>
+            </a:endParaRPr>
+          </a:p>
+          <a:p>
+            <a:pPr marL="0" indent="0">
+              <a:buNone/>
+            </a:pPr>
+            <a:endParaRPr lang="en-US" dirty="0">
+              <a:latin typeface="Courier New" panose="02070309020205020404" pitchFamily="49" charset="0"/>
+              <a:cs typeface="Courier New" panose="02070309020205020404" pitchFamily="49" charset="0"/>
+            </a:endParaRPr>
+          </a:p>
+          <a:p>
+            <a:pPr marL="0" indent="0">
+              <a:buNone/>
+            </a:pPr>
+            <a:r>
+              <a:rPr lang="en-US" dirty="0">
+                <a:latin typeface="Courier New" panose="02070309020205020404" pitchFamily="49" charset="0"/>
+                <a:cs typeface="Courier New" panose="02070309020205020404" pitchFamily="49" charset="0"/>
+              </a:rPr>
+              <a:t># run </a:t>
+            </a:r>
+          </a:p>
+          <a:p>
+            <a:pPr marL="0" indent="0">
+              <a:buNone/>
+            </a:pPr>
+            <a:r>
+              <a:rPr lang="en-US" dirty="0">
+                <a:latin typeface="Courier New" panose="02070309020205020404" pitchFamily="49" charset="0"/>
+                <a:cs typeface="Courier New" panose="02070309020205020404" pitchFamily="49" charset="0"/>
+              </a:rPr>
+              <a:t>module load </a:t>
+            </a:r>
+            <a:r>
+              <a:rPr lang="en-US" dirty="0" err="1">
+                <a:latin typeface="Courier New" panose="02070309020205020404" pitchFamily="49" charset="0"/>
+                <a:cs typeface="Courier New" panose="02070309020205020404" pitchFamily="49" charset="0"/>
+              </a:rPr>
+              <a:t>MUMmer</a:t>
+            </a:r>
+            <a:endParaRPr lang="en-US" dirty="0">
+              <a:latin typeface="Courier New" panose="02070309020205020404" pitchFamily="49" charset="0"/>
+              <a:cs typeface="Courier New" panose="02070309020205020404" pitchFamily="49" charset="0"/>
+            </a:endParaRPr>
+          </a:p>
+          <a:p>
+            <a:pPr marL="0" indent="0">
+              <a:buNone/>
+            </a:pPr>
+            <a:r>
+              <a:rPr lang="en-US" dirty="0">
+                <a:latin typeface="Courier New" panose="02070309020205020404" pitchFamily="49" charset="0"/>
+                <a:cs typeface="Courier New" panose="02070309020205020404" pitchFamily="49" charset="0"/>
+              </a:rPr>
+              <a:t>module load R</a:t>
+            </a:r>
+          </a:p>
+          <a:p>
+            <a:pPr marL="0" indent="0">
+              <a:buNone/>
+            </a:pPr>
+            <a:r>
+              <a:rPr lang="en-US" dirty="0" err="1">
+                <a:latin typeface="Courier New" panose="02070309020205020404" pitchFamily="49" charset="0"/>
+                <a:cs typeface="Courier New" panose="02070309020205020404" pitchFamily="49" charset="0"/>
+              </a:rPr>
+              <a:t>perl</a:t>
+            </a:r>
+            <a:r>
+              <a:rPr lang="en-US" dirty="0">
+                <a:latin typeface="Courier New" panose="02070309020205020404" pitchFamily="49" charset="0"/>
+                <a:cs typeface="Courier New" panose="02070309020205020404" pitchFamily="49" charset="0"/>
+              </a:rPr>
+              <a:t> </a:t>
+            </a:r>
+            <a:r>
+              <a:rPr lang="en-US" dirty="0" err="1">
+                <a:latin typeface="Courier New" panose="02070309020205020404" pitchFamily="49" charset="0"/>
+                <a:cs typeface="Courier New" panose="02070309020205020404" pitchFamily="49" charset="0"/>
+              </a:rPr>
+              <a:t>ndotplot</a:t>
+            </a:r>
+            <a:r>
+              <a:rPr lang="en-US" dirty="0">
+                <a:latin typeface="Courier New" panose="02070309020205020404" pitchFamily="49" charset="0"/>
+                <a:cs typeface="Courier New" panose="02070309020205020404" pitchFamily="49" charset="0"/>
+              </a:rPr>
+              <a:t> --query data/</a:t>
+            </a:r>
+            <a:r>
+              <a:rPr lang="en-US" dirty="0" err="1">
+                <a:latin typeface="Courier New" panose="02070309020205020404" pitchFamily="49" charset="0"/>
+                <a:cs typeface="Courier New" panose="02070309020205020404" pitchFamily="49" charset="0"/>
+              </a:rPr>
+              <a:t>qry.fas</a:t>
+            </a:r>
+            <a:r>
+              <a:rPr lang="en-US" dirty="0">
+                <a:latin typeface="Courier New" panose="02070309020205020404" pitchFamily="49" charset="0"/>
+                <a:cs typeface="Courier New" panose="02070309020205020404" pitchFamily="49" charset="0"/>
+              </a:rPr>
+              <a:t> \</a:t>
+            </a:r>
+          </a:p>
+          <a:p>
+            <a:pPr marL="0" indent="0">
+              <a:buNone/>
+            </a:pPr>
+            <a:r>
+              <a:rPr lang="en-US" dirty="0">
+                <a:latin typeface="Courier New" panose="02070309020205020404" pitchFamily="49" charset="0"/>
+                <a:cs typeface="Courier New" panose="02070309020205020404" pitchFamily="49" charset="0"/>
+              </a:rPr>
+              <a:t>	--ref data/</a:t>
+            </a:r>
+            <a:r>
+              <a:rPr lang="en-US" dirty="0" err="1">
+                <a:latin typeface="Courier New" panose="02070309020205020404" pitchFamily="49" charset="0"/>
+                <a:cs typeface="Courier New" panose="02070309020205020404" pitchFamily="49" charset="0"/>
+              </a:rPr>
+              <a:t>ref.fas</a:t>
+            </a:r>
+            <a:r>
+              <a:rPr lang="en-US" dirty="0">
+                <a:latin typeface="Courier New" panose="02070309020205020404" pitchFamily="49" charset="0"/>
+                <a:cs typeface="Courier New" panose="02070309020205020404" pitchFamily="49" charset="0"/>
+              </a:rPr>
+              <a:t> \</a:t>
+            </a:r>
+          </a:p>
+          <a:p>
+            <a:pPr marL="0" indent="0">
+              <a:buNone/>
+            </a:pPr>
+            <a:r>
+              <a:rPr lang="en-US" dirty="0">
+                <a:latin typeface="Courier New" panose="02070309020205020404" pitchFamily="49" charset="0"/>
+                <a:cs typeface="Courier New" panose="02070309020205020404" pitchFamily="49" charset="0"/>
+              </a:rPr>
+              <a:t>	--</a:t>
+            </a:r>
+            <a:r>
+              <a:rPr lang="en-US" dirty="0" err="1">
+                <a:latin typeface="Courier New" panose="02070309020205020404" pitchFamily="49" charset="0"/>
+                <a:cs typeface="Courier New" panose="02070309020205020404" pitchFamily="49" charset="0"/>
+              </a:rPr>
+              <a:t>minaln</a:t>
+            </a:r>
+            <a:r>
+              <a:rPr lang="en-US" dirty="0">
+                <a:latin typeface="Courier New" panose="02070309020205020404" pitchFamily="49" charset="0"/>
+                <a:cs typeface="Courier New" panose="02070309020205020404" pitchFamily="49" charset="0"/>
+              </a:rPr>
+              <a:t> 1000 \</a:t>
+            </a:r>
+          </a:p>
+          <a:p>
+            <a:pPr marL="0" indent="0">
+              <a:buNone/>
+            </a:pPr>
+            <a:r>
+              <a:rPr lang="en-US" dirty="0">
+                <a:latin typeface="Courier New" panose="02070309020205020404" pitchFamily="49" charset="0"/>
+                <a:cs typeface="Courier New" panose="02070309020205020404" pitchFamily="49" charset="0"/>
+              </a:rPr>
+              <a:t>	--prefix out</a:t>
+            </a:r>
           </a:p>
         </p:txBody>
       </p:sp>
@@ -12678,7 +13541,13 @@
       </p:grpSpPr>
       <p:sp>
         <p:nvSpPr>
-          <p:cNvPr id="2" name="Title 1"/>
+          <p:cNvPr id="2" name="Title 1">
+            <a:extLst>
+              <a:ext uri="{FF2B5EF4-FFF2-40B4-BE49-F238E27FC236}">
+                <a16:creationId xmlns:a16="http://schemas.microsoft.com/office/drawing/2014/main" id="{126E4613-006D-0549-0DB6-1940DCC5C90C}"/>
+              </a:ext>
+            </a:extLst>
+          </p:cNvPr>
           <p:cNvSpPr>
             <a:spLocks noGrp="1"/>
           </p:cNvSpPr>
@@ -12686,116 +13555,56 @@
             <p:ph type="title"/>
           </p:nvPr>
         </p:nvSpPr>
+        <p:spPr/>
+        <p:txBody>
+          <a:bodyPr/>
+          <a:lstStyle/>
+          <a:p>
+            <a:r>
+              <a:rPr lang="en-US" dirty="0" err="1"/>
+              <a:t>ndotplot</a:t>
+            </a:r>
+            <a:r>
+              <a:rPr lang="en-US" dirty="0"/>
+              <a:t> output</a:t>
+            </a:r>
+          </a:p>
+        </p:txBody>
+      </p:sp>
+      <p:pic>
+        <p:nvPicPr>
+          <p:cNvPr id="5" name="Picture 4">
+            <a:extLst>
+              <a:ext uri="{FF2B5EF4-FFF2-40B4-BE49-F238E27FC236}">
+                <a16:creationId xmlns:a16="http://schemas.microsoft.com/office/drawing/2014/main" id="{4BB1FEBA-AC8F-097F-8FAB-525BCA66AC29}"/>
+              </a:ext>
+            </a:extLst>
+          </p:cNvPr>
+          <p:cNvPicPr>
+            <a:picLocks noChangeAspect="1"/>
+          </p:cNvPicPr>
+          <p:nvPr/>
+        </p:nvPicPr>
+        <p:blipFill>
+          <a:blip r:embed="rId2"/>
+          <a:stretch>
+            <a:fillRect/>
+          </a:stretch>
+        </p:blipFill>
         <p:spPr>
           <a:xfrm>
-            <a:off x="457200" y="274638"/>
-            <a:ext cx="8229600" cy="924806"/>
+            <a:off x="1718796" y="951373"/>
+            <a:ext cx="5486400" cy="5486400"/>
           </a:xfrm>
+          <a:prstGeom prst="rect">
+            <a:avLst/>
+          </a:prstGeom>
         </p:spPr>
-        <p:txBody>
-          <a:bodyPr/>
-          <a:lstStyle/>
-          <a:p>
-            <a:r>
-              <a:rPr lang="en-US" dirty="0"/>
-              <a:t>Goal of today’s lab</a:t>
-            </a:r>
-          </a:p>
-        </p:txBody>
-      </p:sp>
-      <p:sp>
-        <p:nvSpPr>
-          <p:cNvPr id="3" name="Content Placeholder 2"/>
-          <p:cNvSpPr>
-            <a:spLocks noGrp="1"/>
-          </p:cNvSpPr>
-          <p:nvPr>
-            <p:ph idx="1"/>
-          </p:nvPr>
-        </p:nvSpPr>
-        <p:spPr>
-          <a:xfrm>
-            <a:off x="1839667" y="1349583"/>
-            <a:ext cx="5823876" cy="4789960"/>
-          </a:xfrm>
-        </p:spPr>
-        <p:txBody>
-          <a:bodyPr>
-            <a:noAutofit/>
-          </a:bodyPr>
-          <a:lstStyle/>
-          <a:p>
-            <a:r>
-              <a:rPr lang="en-US" sz="3200" dirty="0">
-                <a:solidFill>
-                  <a:schemeClr val="bg1">
-                    <a:lumMod val="75000"/>
-                  </a:schemeClr>
-                </a:solidFill>
-              </a:rPr>
-              <a:t>Make a </a:t>
-            </a:r>
-            <a:r>
-              <a:rPr lang="en-US" sz="3200" dirty="0" err="1">
-                <a:solidFill>
-                  <a:schemeClr val="bg1">
-                    <a:lumMod val="75000"/>
-                  </a:schemeClr>
-                </a:solidFill>
-              </a:rPr>
-              <a:t>dotplot</a:t>
-            </a:r>
-            <a:endParaRPr lang="en-US" sz="3200" dirty="0">
-              <a:solidFill>
-                <a:schemeClr val="bg1">
-                  <a:lumMod val="75000"/>
-                </a:schemeClr>
-              </a:solidFill>
-            </a:endParaRPr>
-          </a:p>
-          <a:p>
-            <a:r>
-              <a:rPr lang="en-US" sz="3200" dirty="0"/>
-              <a:t>Create BLAST database</a:t>
-            </a:r>
-          </a:p>
-          <a:p>
-            <a:r>
-              <a:rPr lang="en-US" sz="3200" dirty="0"/>
-              <a:t>BLASTN</a:t>
-            </a:r>
-          </a:p>
-          <a:p>
-            <a:r>
-              <a:rPr lang="en-US" sz="3200" dirty="0"/>
-              <a:t>BLASTP</a:t>
-            </a:r>
-          </a:p>
-          <a:p>
-            <a:r>
-              <a:rPr lang="en-US" sz="3200" dirty="0"/>
-              <a:t>Extract sequences from database</a:t>
-            </a:r>
-          </a:p>
-          <a:p>
-            <a:r>
-              <a:rPr lang="en-US" sz="3200" dirty="0"/>
-              <a:t>BWA alignment</a:t>
-            </a:r>
-          </a:p>
-          <a:p>
-            <a:r>
-              <a:rPr lang="en-US" sz="3200" dirty="0" err="1"/>
-              <a:t>SAMtools</a:t>
-            </a:r>
-            <a:endParaRPr lang="en-US" sz="3200" dirty="0"/>
-          </a:p>
-        </p:txBody>
-      </p:sp>
+      </p:pic>
     </p:spTree>
     <p:extLst>
       <p:ext uri="{BB962C8B-B14F-4D97-AF65-F5344CB8AC3E}">
-        <p14:creationId xmlns:p14="http://schemas.microsoft.com/office/powerpoint/2010/main" val="1701507504"/>
+        <p14:creationId xmlns:p14="http://schemas.microsoft.com/office/powerpoint/2010/main" val="3490954783"/>
       </p:ext>
     </p:extLst>
   </p:cSld>
@@ -12824,13 +13633,7 @@
       </p:grpSpPr>
       <p:sp>
         <p:nvSpPr>
-          <p:cNvPr id="2" name="Title 1">
-            <a:extLst>
-              <a:ext uri="{FF2B5EF4-FFF2-40B4-BE49-F238E27FC236}">
-                <a16:creationId xmlns:a16="http://schemas.microsoft.com/office/drawing/2014/main" id="{9F0415AB-9825-F74F-8B4C-69A2FFDAFBE6}"/>
-              </a:ext>
-            </a:extLst>
-          </p:cNvPr>
+          <p:cNvPr id="2" name="Title 1"/>
           <p:cNvSpPr>
             <a:spLocks noGrp="1"/>
           </p:cNvSpPr>
@@ -12838,7 +13641,12 @@
             <p:ph type="title"/>
           </p:nvPr>
         </p:nvSpPr>
-        <p:spPr/>
+        <p:spPr>
+          <a:xfrm>
+            <a:off x="457200" y="274638"/>
+            <a:ext cx="8229600" cy="924806"/>
+          </a:xfrm>
+        </p:spPr>
         <p:txBody>
           <a:bodyPr>
             <a:normAutofit/>
@@ -12846,21 +13654,15 @@
           <a:lstStyle/>
           <a:p>
             <a:r>
-              <a:rPr lang="en-US" sz="3200" dirty="0"/>
-              <a:t>Load modules</a:t>
-            </a:r>
-          </a:p>
-        </p:txBody>
-      </p:sp>
-      <p:sp>
-        <p:nvSpPr>
-          <p:cNvPr id="3" name="Content Placeholder 2">
-            <a:extLst>
-              <a:ext uri="{FF2B5EF4-FFF2-40B4-BE49-F238E27FC236}">
-                <a16:creationId xmlns:a16="http://schemas.microsoft.com/office/drawing/2014/main" id="{7C3BAB38-69F4-8C47-951F-CCBEC8CE792C}"/>
-              </a:ext>
-            </a:extLst>
-          </p:cNvPr>
+              <a:rPr lang="en-US" sz="3600" dirty="0"/>
+              <a:t>Goal of today’s lab</a:t>
+            </a:r>
+          </a:p>
+        </p:txBody>
+      </p:sp>
+      <p:sp>
+        <p:nvSpPr>
+          <p:cNvPr id="3" name="Content Placeholder 2"/>
           <p:cNvSpPr>
             <a:spLocks noGrp="1"/>
           </p:cNvSpPr>
@@ -12870,54 +13672,73 @@
         </p:nvSpPr>
         <p:spPr>
           <a:xfrm>
-            <a:off x="1655001" y="1322246"/>
-            <a:ext cx="5833998" cy="4741288"/>
+            <a:off x="1839667" y="1349583"/>
+            <a:ext cx="5823876" cy="4789960"/>
           </a:xfrm>
         </p:spPr>
         <p:txBody>
-          <a:bodyPr/>
+          <a:bodyPr>
+            <a:noAutofit/>
+          </a:bodyPr>
           <a:lstStyle/>
           <a:p>
             <a:r>
+              <a:rPr lang="en-US" sz="3200" dirty="0">
+                <a:solidFill>
+                  <a:schemeClr val="bg1">
+                    <a:lumMod val="75000"/>
+                  </a:schemeClr>
+                </a:solidFill>
+              </a:rPr>
+              <a:t>Make a </a:t>
+            </a:r>
+            <a:r>
+              <a:rPr lang="en-US" sz="3200" dirty="0" err="1">
+                <a:solidFill>
+                  <a:schemeClr val="bg1">
+                    <a:lumMod val="75000"/>
+                  </a:schemeClr>
+                </a:solidFill>
+              </a:rPr>
+              <a:t>dotplot</a:t>
+            </a:r>
+            <a:endParaRPr lang="en-US" sz="3200" dirty="0">
+              <a:solidFill>
+                <a:schemeClr val="bg1">
+                  <a:lumMod val="75000"/>
+                </a:schemeClr>
+              </a:solidFill>
+            </a:endParaRPr>
+          </a:p>
+          <a:p>
+            <a:r>
               <a:rPr lang="en-US" sz="3200" dirty="0"/>
-              <a:t>Blast+</a:t>
-            </a:r>
-          </a:p>
-          <a:p>
-            <a:pPr marL="0" indent="0">
-              <a:buNone/>
-            </a:pPr>
+              <a:t>Create BLAST database</a:t>
+            </a:r>
+          </a:p>
+          <a:p>
             <a:r>
               <a:rPr lang="en-US" sz="3200" dirty="0"/>
-              <a:t>module load BLAST+</a:t>
-            </a:r>
-          </a:p>
-          <a:p>
-            <a:pPr marL="0" indent="0">
-              <a:buNone/>
-            </a:pPr>
-            <a:endParaRPr lang="en-US" sz="3200" dirty="0"/>
+              <a:t>BLASTN</a:t>
+            </a:r>
           </a:p>
           <a:p>
             <a:r>
               <a:rPr lang="en-US" sz="3200" dirty="0"/>
-              <a:t>bwa</a:t>
-            </a:r>
-          </a:p>
-          <a:p>
-            <a:pPr marL="0" indent="0">
-              <a:buNone/>
-            </a:pPr>
+              <a:t>BLASTP</a:t>
+            </a:r>
+          </a:p>
+          <a:p>
             <a:r>
               <a:rPr lang="en-US" sz="3200" dirty="0"/>
-              <a:t>module load BWA</a:t>
-            </a:r>
-          </a:p>
-          <a:p>
-            <a:pPr marL="0" indent="0">
-              <a:buNone/>
-            </a:pPr>
-            <a:endParaRPr lang="en-US" sz="3200" dirty="0"/>
+              <a:t>Extract sequences from database</a:t>
+            </a:r>
+          </a:p>
+          <a:p>
+            <a:r>
+              <a:rPr lang="en-US" sz="3200" dirty="0"/>
+              <a:t>BWA alignment</a:t>
+            </a:r>
           </a:p>
           <a:p>
             <a:r>
@@ -12925,33 +13746,13 @@
               <a:t>SAMtools</a:t>
             </a:r>
             <a:endParaRPr lang="en-US" sz="3200" dirty="0"/>
-          </a:p>
-          <a:p>
-            <a:pPr marL="0" indent="0">
-              <a:buNone/>
-            </a:pPr>
-            <a:r>
-              <a:rPr lang="en-US" sz="3200" dirty="0"/>
-              <a:t>module load </a:t>
-            </a:r>
-            <a:r>
-              <a:rPr lang="en-US" sz="3200" dirty="0" err="1"/>
-              <a:t>SAMtools</a:t>
-            </a:r>
-            <a:endParaRPr lang="en-US" sz="3200" dirty="0"/>
-          </a:p>
-          <a:p>
-            <a:pPr marL="0" indent="0">
-              <a:buNone/>
-            </a:pPr>
-            <a:endParaRPr lang="en-US" dirty="0"/>
           </a:p>
         </p:txBody>
       </p:sp>
     </p:spTree>
     <p:extLst>
       <p:ext uri="{BB962C8B-B14F-4D97-AF65-F5344CB8AC3E}">
-        <p14:creationId xmlns:p14="http://schemas.microsoft.com/office/powerpoint/2010/main" val="1961660135"/>
+        <p14:creationId xmlns:p14="http://schemas.microsoft.com/office/powerpoint/2010/main" val="1701507504"/>
       </p:ext>
     </p:extLst>
   </p:cSld>

--- a/PLPTH813Bioinformatis/2023/labs/lab05_alignment.pptx
+++ b/PLPTH813Bioinformatis/2023/labs/lab05_alignment.pptx
@@ -238,7 +238,7 @@
           <a:p>
             <a:fld id="{08E6E0A8-E17C-C949-B17E-7A1A6494483A}" type="datetimeFigureOut">
               <a:rPr lang="en-US" smtClean="0"/>
-              <a:t>2/19/23</a:t>
+              <a:t>2/23/23</a:t>
             </a:fld>
             <a:endParaRPr lang="en-US"/>
           </a:p>
@@ -768,7 +768,7 @@
           <a:p>
             <a:fld id="{42B8B0BE-C8D7-EB48-AD68-71DB5002F24B}" type="datetimeFigureOut">
               <a:rPr lang="en-US" smtClean="0"/>
-              <a:t>2/19/23</a:t>
+              <a:t>2/23/23</a:t>
             </a:fld>
             <a:endParaRPr lang="en-US"/>
           </a:p>
@@ -936,7 +936,7 @@
           <a:p>
             <a:fld id="{42B8B0BE-C8D7-EB48-AD68-71DB5002F24B}" type="datetimeFigureOut">
               <a:rPr lang="en-US" smtClean="0"/>
-              <a:t>2/19/23</a:t>
+              <a:t>2/23/23</a:t>
             </a:fld>
             <a:endParaRPr lang="en-US"/>
           </a:p>
@@ -1114,7 +1114,7 @@
           <a:p>
             <a:fld id="{42B8B0BE-C8D7-EB48-AD68-71DB5002F24B}" type="datetimeFigureOut">
               <a:rPr lang="en-US" smtClean="0"/>
-              <a:t>2/19/23</a:t>
+              <a:t>2/23/23</a:t>
             </a:fld>
             <a:endParaRPr lang="en-US"/>
           </a:p>
@@ -1282,7 +1282,7 @@
           <a:p>
             <a:fld id="{42B8B0BE-C8D7-EB48-AD68-71DB5002F24B}" type="datetimeFigureOut">
               <a:rPr lang="en-US" smtClean="0"/>
-              <a:t>2/19/23</a:t>
+              <a:t>2/23/23</a:t>
             </a:fld>
             <a:endParaRPr lang="en-US"/>
           </a:p>
@@ -1527,7 +1527,7 @@
           <a:p>
             <a:fld id="{42B8B0BE-C8D7-EB48-AD68-71DB5002F24B}" type="datetimeFigureOut">
               <a:rPr lang="en-US" smtClean="0"/>
-              <a:t>2/19/23</a:t>
+              <a:t>2/23/23</a:t>
             </a:fld>
             <a:endParaRPr lang="en-US"/>
           </a:p>
@@ -1812,7 +1812,7 @@
           <a:p>
             <a:fld id="{42B8B0BE-C8D7-EB48-AD68-71DB5002F24B}" type="datetimeFigureOut">
               <a:rPr lang="en-US" smtClean="0"/>
-              <a:t>2/19/23</a:t>
+              <a:t>2/23/23</a:t>
             </a:fld>
             <a:endParaRPr lang="en-US"/>
           </a:p>
@@ -2231,7 +2231,7 @@
           <a:p>
             <a:fld id="{42B8B0BE-C8D7-EB48-AD68-71DB5002F24B}" type="datetimeFigureOut">
               <a:rPr lang="en-US" smtClean="0"/>
-              <a:t>2/19/23</a:t>
+              <a:t>2/23/23</a:t>
             </a:fld>
             <a:endParaRPr lang="en-US"/>
           </a:p>
@@ -2348,7 +2348,7 @@
           <a:p>
             <a:fld id="{42B8B0BE-C8D7-EB48-AD68-71DB5002F24B}" type="datetimeFigureOut">
               <a:rPr lang="en-US" smtClean="0"/>
-              <a:t>2/19/23</a:t>
+              <a:t>2/23/23</a:t>
             </a:fld>
             <a:endParaRPr lang="en-US"/>
           </a:p>
@@ -2443,7 +2443,7 @@
           <a:p>
             <a:fld id="{42B8B0BE-C8D7-EB48-AD68-71DB5002F24B}" type="datetimeFigureOut">
               <a:rPr lang="en-US" smtClean="0"/>
-              <a:t>2/19/23</a:t>
+              <a:t>2/23/23</a:t>
             </a:fld>
             <a:endParaRPr lang="en-US"/>
           </a:p>
@@ -2718,7 +2718,7 @@
           <a:p>
             <a:fld id="{42B8B0BE-C8D7-EB48-AD68-71DB5002F24B}" type="datetimeFigureOut">
               <a:rPr lang="en-US" smtClean="0"/>
-              <a:t>2/19/23</a:t>
+              <a:t>2/23/23</a:t>
             </a:fld>
             <a:endParaRPr lang="en-US"/>
           </a:p>
@@ -2970,7 +2970,7 @@
           <a:p>
             <a:fld id="{42B8B0BE-C8D7-EB48-AD68-71DB5002F24B}" type="datetimeFigureOut">
               <a:rPr lang="en-US" smtClean="0"/>
-              <a:t>2/19/23</a:t>
+              <a:t>2/23/23</a:t>
             </a:fld>
             <a:endParaRPr lang="en-US"/>
           </a:p>
@@ -3181,7 +3181,7 @@
           <a:p>
             <a:fld id="{42B8B0BE-C8D7-EB48-AD68-71DB5002F24B}" type="datetimeFigureOut">
               <a:rPr lang="en-US" smtClean="0"/>
-              <a:t>2/19/23</a:t>
+              <a:t>2/23/23</a:t>
             </a:fld>
             <a:endParaRPr lang="en-US"/>
           </a:p>

--- a/PLPTH813Bioinformatis/2023/labs/lab05_alignment.pptx
+++ b/PLPTH813Bioinformatis/2023/labs/lab05_alignment.pptx
@@ -238,7 +238,7 @@
           <a:p>
             <a:fld id="{08E6E0A8-E17C-C949-B17E-7A1A6494483A}" type="datetimeFigureOut">
               <a:rPr lang="en-US" smtClean="0"/>
-              <a:t>2/23/23</a:t>
+              <a:t>3/2/23</a:t>
             </a:fld>
             <a:endParaRPr lang="en-US"/>
           </a:p>
@@ -768,7 +768,7 @@
           <a:p>
             <a:fld id="{42B8B0BE-C8D7-EB48-AD68-71DB5002F24B}" type="datetimeFigureOut">
               <a:rPr lang="en-US" smtClean="0"/>
-              <a:t>2/23/23</a:t>
+              <a:t>3/2/23</a:t>
             </a:fld>
             <a:endParaRPr lang="en-US"/>
           </a:p>
@@ -936,7 +936,7 @@
           <a:p>
             <a:fld id="{42B8B0BE-C8D7-EB48-AD68-71DB5002F24B}" type="datetimeFigureOut">
               <a:rPr lang="en-US" smtClean="0"/>
-              <a:t>2/23/23</a:t>
+              <a:t>3/2/23</a:t>
             </a:fld>
             <a:endParaRPr lang="en-US"/>
           </a:p>
@@ -1114,7 +1114,7 @@
           <a:p>
             <a:fld id="{42B8B0BE-C8D7-EB48-AD68-71DB5002F24B}" type="datetimeFigureOut">
               <a:rPr lang="en-US" smtClean="0"/>
-              <a:t>2/23/23</a:t>
+              <a:t>3/2/23</a:t>
             </a:fld>
             <a:endParaRPr lang="en-US"/>
           </a:p>
@@ -1282,7 +1282,7 @@
           <a:p>
             <a:fld id="{42B8B0BE-C8D7-EB48-AD68-71DB5002F24B}" type="datetimeFigureOut">
               <a:rPr lang="en-US" smtClean="0"/>
-              <a:t>2/23/23</a:t>
+              <a:t>3/2/23</a:t>
             </a:fld>
             <a:endParaRPr lang="en-US"/>
           </a:p>
@@ -1527,7 +1527,7 @@
           <a:p>
             <a:fld id="{42B8B0BE-C8D7-EB48-AD68-71DB5002F24B}" type="datetimeFigureOut">
               <a:rPr lang="en-US" smtClean="0"/>
-              <a:t>2/23/23</a:t>
+              <a:t>3/2/23</a:t>
             </a:fld>
             <a:endParaRPr lang="en-US"/>
           </a:p>
@@ -1812,7 +1812,7 @@
           <a:p>
             <a:fld id="{42B8B0BE-C8D7-EB48-AD68-71DB5002F24B}" type="datetimeFigureOut">
               <a:rPr lang="en-US" smtClean="0"/>
-              <a:t>2/23/23</a:t>
+              <a:t>3/2/23</a:t>
             </a:fld>
             <a:endParaRPr lang="en-US"/>
           </a:p>
@@ -2231,7 +2231,7 @@
           <a:p>
             <a:fld id="{42B8B0BE-C8D7-EB48-AD68-71DB5002F24B}" type="datetimeFigureOut">
               <a:rPr lang="en-US" smtClean="0"/>
-              <a:t>2/23/23</a:t>
+              <a:t>3/2/23</a:t>
             </a:fld>
             <a:endParaRPr lang="en-US"/>
           </a:p>
@@ -2348,7 +2348,7 @@
           <a:p>
             <a:fld id="{42B8B0BE-C8D7-EB48-AD68-71DB5002F24B}" type="datetimeFigureOut">
               <a:rPr lang="en-US" smtClean="0"/>
-              <a:t>2/23/23</a:t>
+              <a:t>3/2/23</a:t>
             </a:fld>
             <a:endParaRPr lang="en-US"/>
           </a:p>
@@ -2443,7 +2443,7 @@
           <a:p>
             <a:fld id="{42B8B0BE-C8D7-EB48-AD68-71DB5002F24B}" type="datetimeFigureOut">
               <a:rPr lang="en-US" smtClean="0"/>
-              <a:t>2/23/23</a:t>
+              <a:t>3/2/23</a:t>
             </a:fld>
             <a:endParaRPr lang="en-US"/>
           </a:p>
@@ -2718,7 +2718,7 @@
           <a:p>
             <a:fld id="{42B8B0BE-C8D7-EB48-AD68-71DB5002F24B}" type="datetimeFigureOut">
               <a:rPr lang="en-US" smtClean="0"/>
-              <a:t>2/23/23</a:t>
+              <a:t>3/2/23</a:t>
             </a:fld>
             <a:endParaRPr lang="en-US"/>
           </a:p>
@@ -2970,7 +2970,7 @@
           <a:p>
             <a:fld id="{42B8B0BE-C8D7-EB48-AD68-71DB5002F24B}" type="datetimeFigureOut">
               <a:rPr lang="en-US" smtClean="0"/>
-              <a:t>2/23/23</a:t>
+              <a:t>3/2/23</a:t>
             </a:fld>
             <a:endParaRPr lang="en-US"/>
           </a:p>
@@ -3181,7 +3181,7 @@
           <a:p>
             <a:fld id="{42B8B0BE-C8D7-EB48-AD68-71DB5002F24B}" type="datetimeFigureOut">
               <a:rPr lang="en-US" smtClean="0"/>
-              <a:t>2/23/23</a:t>
+              <a:t>3/2/23</a:t>
             </a:fld>
             <a:endParaRPr lang="en-US"/>
           </a:p>
@@ -4141,7 +4141,7 @@
         </p:spPr>
         <p:txBody>
           <a:bodyPr>
-            <a:normAutofit/>
+            <a:normAutofit lnSpcReduction="10000"/>
           </a:bodyPr>
           <a:lstStyle/>
           <a:p>
@@ -4173,6 +4173,27 @@
               <a:buNone/>
             </a:pPr>
             <a:endParaRPr lang="en-US" dirty="0">
+              <a:latin typeface="Courier New"/>
+              <a:cs typeface="Courier New"/>
+            </a:endParaRPr>
+          </a:p>
+          <a:p>
+            <a:pPr marL="0" indent="0">
+              <a:buNone/>
+            </a:pPr>
+            <a:r>
+              <a:rPr lang="en-US" sz="2800" dirty="0">
+                <a:latin typeface="Courier New"/>
+                <a:cs typeface="Courier New"/>
+              </a:rPr>
+              <a:t>module load BLAST</a:t>
+            </a:r>
+          </a:p>
+          <a:p>
+            <a:pPr marL="0" indent="0">
+              <a:buNone/>
+            </a:pPr>
+            <a:endParaRPr lang="en-US" sz="2800" dirty="0">
               <a:latin typeface="Courier New"/>
               <a:cs typeface="Courier New"/>
             </a:endParaRPr>
@@ -9605,12 +9626,12 @@
         <p:spPr>
           <a:xfrm>
             <a:off x="1103787" y="1221058"/>
-            <a:ext cx="6936425" cy="5147212"/>
+            <a:ext cx="6936425" cy="5362304"/>
           </a:xfrm>
         </p:spPr>
         <p:txBody>
           <a:bodyPr>
-            <a:normAutofit lnSpcReduction="10000"/>
+            <a:normAutofit fontScale="92500" lnSpcReduction="20000"/>
           </a:bodyPr>
           <a:lstStyle/>
           <a:p>
@@ -9697,6 +9718,27 @@
               <a:latin typeface="Courier New"/>
               <a:cs typeface="Courier New"/>
             </a:endParaRPr>
+          </a:p>
+          <a:p>
+            <a:pPr marL="0" indent="0">
+              <a:buNone/>
+            </a:pPr>
+            <a:endParaRPr lang="en-US" sz="2800" dirty="0">
+              <a:latin typeface="Courier New"/>
+              <a:cs typeface="Courier New"/>
+            </a:endParaRPr>
+          </a:p>
+          <a:p>
+            <a:pPr marL="0" indent="0">
+              <a:buNone/>
+            </a:pPr>
+            <a:r>
+              <a:rPr lang="en-US" sz="2800" dirty="0">
+                <a:latin typeface="Courier New"/>
+                <a:cs typeface="Courier New"/>
+              </a:rPr>
+              <a:t>module load BWA</a:t>
+            </a:r>
           </a:p>
           <a:p>
             <a:pPr marL="0" indent="0">

--- a/PLPTH813Bioinformatis/2023/labs/lab05_alignment.pptx
+++ b/PLPTH813Bioinformatis/2023/labs/lab05_alignment.pptx
@@ -3628,7 +3628,7 @@
           <a:p>
             <a:r>
               <a:rPr lang="en-US" sz="2800" dirty="0"/>
-              <a:t>2/23/2023</a:t>
+              <a:t>3/2/2023</a:t>
             </a:r>
           </a:p>
         </p:txBody>
@@ -4186,7 +4186,7 @@
                 <a:latin typeface="Courier New"/>
                 <a:cs typeface="Courier New"/>
               </a:rPr>
-              <a:t>module load BLAST</a:t>
+              <a:t>module load BLAST+</a:t>
             </a:r>
           </a:p>
           <a:p>
@@ -9051,45 +9051,6 @@
           </a:p>
         </p:txBody>
       </p:sp>
-      <p:sp>
-        <p:nvSpPr>
-          <p:cNvPr id="4" name="TextBox 3">
-            <a:extLst>
-              <a:ext uri="{FF2B5EF4-FFF2-40B4-BE49-F238E27FC236}">
-                <a16:creationId xmlns:a16="http://schemas.microsoft.com/office/drawing/2014/main" id="{58420D98-30AC-5F4D-876D-3E8705458CA9}"/>
-              </a:ext>
-            </a:extLst>
-          </p:cNvPr>
-          <p:cNvSpPr txBox="1"/>
-          <p:nvPr/>
-        </p:nvSpPr>
-        <p:spPr>
-          <a:xfrm>
-            <a:off x="553064" y="6060142"/>
-            <a:ext cx="4718471" cy="523220"/>
-          </a:xfrm>
-          <a:prstGeom prst="rect">
-            <a:avLst/>
-          </a:prstGeom>
-          <a:noFill/>
-        </p:spPr>
-        <p:txBody>
-          <a:bodyPr wrap="none" rtlCol="0">
-            <a:spAutoFit/>
-          </a:bodyPr>
-          <a:lstStyle/>
-          <a:p>
-            <a:r>
-              <a:rPr lang="en-US" sz="2800" dirty="0">
-                <a:solidFill>
-                  <a:srgbClr val="FF0000"/>
-                </a:solidFill>
-              </a:rPr>
-              <a:t>* Require specific name format</a:t>
-            </a:r>
-          </a:p>
-        </p:txBody>
-      </p:sp>
     </p:spTree>
     <p:extLst>
       <p:ext uri="{BB962C8B-B14F-4D97-AF65-F5344CB8AC3E}">
@@ -13319,14 +13280,21 @@
                 <a:latin typeface="Courier New" panose="02070309020205020404" pitchFamily="49" charset="0"/>
                 <a:cs typeface="Courier New" panose="02070309020205020404" pitchFamily="49" charset="0"/>
               </a:rPr>
-              <a:t>git clone </a:t>
+              <a:t>git clone https://</a:t>
+            </a:r>
+            <a:r>
+              <a:rPr lang="en-US" sz="2000" dirty="0" err="1">
+                <a:latin typeface="Courier New" panose="02070309020205020404" pitchFamily="49" charset="0"/>
+                <a:cs typeface="Courier New" panose="02070309020205020404" pitchFamily="49" charset="0"/>
+              </a:rPr>
+              <a:t>github.com</a:t>
             </a:r>
             <a:r>
               <a:rPr lang="en-US" sz="2000" dirty="0">
                 <a:latin typeface="Courier New" panose="02070309020205020404" pitchFamily="49" charset="0"/>
                 <a:cs typeface="Courier New" panose="02070309020205020404" pitchFamily="49" charset="0"/>
               </a:rPr>
-              <a:t>git@github.com:liu3zhenlab/ndotplot.git</a:t>
+              <a:t>/liu3zhenlab/ndotplot.git</a:t>
             </a:r>
           </a:p>
           <a:p>

--- a/PLPTH813Bioinformatis/2023/labs/lab05_alignment.pptx
+++ b/PLPTH813Bioinformatis/2023/labs/lab05_alignment.pptx
@@ -238,7 +238,7 @@
           <a:p>
             <a:fld id="{08E6E0A8-E17C-C949-B17E-7A1A6494483A}" type="datetimeFigureOut">
               <a:rPr lang="en-US" smtClean="0"/>
-              <a:t>3/2/23</a:t>
+              <a:t>2/6/25</a:t>
             </a:fld>
             <a:endParaRPr lang="en-US"/>
           </a:p>
@@ -768,7 +768,7 @@
           <a:p>
             <a:fld id="{42B8B0BE-C8D7-EB48-AD68-71DB5002F24B}" type="datetimeFigureOut">
               <a:rPr lang="en-US" smtClean="0"/>
-              <a:t>3/2/23</a:t>
+              <a:t>2/6/25</a:t>
             </a:fld>
             <a:endParaRPr lang="en-US"/>
           </a:p>
@@ -936,7 +936,7 @@
           <a:p>
             <a:fld id="{42B8B0BE-C8D7-EB48-AD68-71DB5002F24B}" type="datetimeFigureOut">
               <a:rPr lang="en-US" smtClean="0"/>
-              <a:t>3/2/23</a:t>
+              <a:t>2/6/25</a:t>
             </a:fld>
             <a:endParaRPr lang="en-US"/>
           </a:p>
@@ -1114,7 +1114,7 @@
           <a:p>
             <a:fld id="{42B8B0BE-C8D7-EB48-AD68-71DB5002F24B}" type="datetimeFigureOut">
               <a:rPr lang="en-US" smtClean="0"/>
-              <a:t>3/2/23</a:t>
+              <a:t>2/6/25</a:t>
             </a:fld>
             <a:endParaRPr lang="en-US"/>
           </a:p>
@@ -1282,7 +1282,7 @@
           <a:p>
             <a:fld id="{42B8B0BE-C8D7-EB48-AD68-71DB5002F24B}" type="datetimeFigureOut">
               <a:rPr lang="en-US" smtClean="0"/>
-              <a:t>3/2/23</a:t>
+              <a:t>2/6/25</a:t>
             </a:fld>
             <a:endParaRPr lang="en-US"/>
           </a:p>
@@ -1527,7 +1527,7 @@
           <a:p>
             <a:fld id="{42B8B0BE-C8D7-EB48-AD68-71DB5002F24B}" type="datetimeFigureOut">
               <a:rPr lang="en-US" smtClean="0"/>
-              <a:t>3/2/23</a:t>
+              <a:t>2/6/25</a:t>
             </a:fld>
             <a:endParaRPr lang="en-US"/>
           </a:p>
@@ -1812,7 +1812,7 @@
           <a:p>
             <a:fld id="{42B8B0BE-C8D7-EB48-AD68-71DB5002F24B}" type="datetimeFigureOut">
               <a:rPr lang="en-US" smtClean="0"/>
-              <a:t>3/2/23</a:t>
+              <a:t>2/6/25</a:t>
             </a:fld>
             <a:endParaRPr lang="en-US"/>
           </a:p>
@@ -2231,7 +2231,7 @@
           <a:p>
             <a:fld id="{42B8B0BE-C8D7-EB48-AD68-71DB5002F24B}" type="datetimeFigureOut">
               <a:rPr lang="en-US" smtClean="0"/>
-              <a:t>3/2/23</a:t>
+              <a:t>2/6/25</a:t>
             </a:fld>
             <a:endParaRPr lang="en-US"/>
           </a:p>
@@ -2348,7 +2348,7 @@
           <a:p>
             <a:fld id="{42B8B0BE-C8D7-EB48-AD68-71DB5002F24B}" type="datetimeFigureOut">
               <a:rPr lang="en-US" smtClean="0"/>
-              <a:t>3/2/23</a:t>
+              <a:t>2/6/25</a:t>
             </a:fld>
             <a:endParaRPr lang="en-US"/>
           </a:p>
@@ -2443,7 +2443,7 @@
           <a:p>
             <a:fld id="{42B8B0BE-C8D7-EB48-AD68-71DB5002F24B}" type="datetimeFigureOut">
               <a:rPr lang="en-US" smtClean="0"/>
-              <a:t>3/2/23</a:t>
+              <a:t>2/6/25</a:t>
             </a:fld>
             <a:endParaRPr lang="en-US"/>
           </a:p>
@@ -2718,7 +2718,7 @@
           <a:p>
             <a:fld id="{42B8B0BE-C8D7-EB48-AD68-71DB5002F24B}" type="datetimeFigureOut">
               <a:rPr lang="en-US" smtClean="0"/>
-              <a:t>3/2/23</a:t>
+              <a:t>2/6/25</a:t>
             </a:fld>
             <a:endParaRPr lang="en-US"/>
           </a:p>
@@ -2970,7 +2970,7 @@
           <a:p>
             <a:fld id="{42B8B0BE-C8D7-EB48-AD68-71DB5002F24B}" type="datetimeFigureOut">
               <a:rPr lang="en-US" smtClean="0"/>
-              <a:t>3/2/23</a:t>
+              <a:t>2/6/25</a:t>
             </a:fld>
             <a:endParaRPr lang="en-US"/>
           </a:p>
@@ -3181,7 +3181,7 @@
           <a:p>
             <a:fld id="{42B8B0BE-C8D7-EB48-AD68-71DB5002F24B}" type="datetimeFigureOut">
               <a:rPr lang="en-US" smtClean="0"/>
-              <a:t>3/2/23</a:t>
+              <a:t>2/6/25</a:t>
             </a:fld>
             <a:endParaRPr lang="en-US"/>
           </a:p>
@@ -11953,13 +11953,13 @@
         </p:nvSpPr>
         <p:spPr>
           <a:xfrm>
-            <a:off x="776897" y="1512436"/>
-            <a:ext cx="7964905" cy="2664610"/>
+            <a:off x="776897" y="1512435"/>
+            <a:ext cx="7964905" cy="3712707"/>
           </a:xfrm>
         </p:spPr>
         <p:txBody>
           <a:bodyPr>
-            <a:normAutofit fontScale="92500" lnSpcReduction="10000"/>
+            <a:normAutofit/>
           </a:bodyPr>
           <a:lstStyle/>
           <a:p>
@@ -12047,6 +12047,27 @@
                 <a:cs typeface="Courier New" panose="02070309020205020404" pitchFamily="49" charset="0"/>
               </a:rPr>
               <a:t> ~/local</a:t>
+            </a:r>
+          </a:p>
+          <a:p>
+            <a:pPr marL="0" indent="0">
+              <a:buNone/>
+            </a:pPr>
+            <a:r>
+              <a:rPr lang="en-US" dirty="0" err="1">
+                <a:effectLst/>
+                <a:latin typeface="Courier New" panose="02070309020205020404" pitchFamily="49" charset="0"/>
+                <a:cs typeface="Courier New" panose="02070309020205020404" pitchFamily="49" charset="0"/>
+              </a:rPr>
+              <a:t>autoreconf</a:t>
+            </a:r>
+            <a:r>
+              <a:rPr lang="en-US" dirty="0">
+                <a:effectLst/>
+                <a:latin typeface="Courier New" panose="02070309020205020404" pitchFamily="49" charset="0"/>
+                <a:cs typeface="Courier New" panose="02070309020205020404" pitchFamily="49" charset="0"/>
+              </a:rPr>
+              <a:t> –fi</a:t>
             </a:r>
           </a:p>
           <a:p>
